--- a/20231129.pptx
+++ b/20231129.pptx
@@ -5,7 +5,7 @@
     <p:sldMasterId id="2147483959" r:id="rId1"/>
   </p:sldMasterIdLst>
   <p:notesMasterIdLst>
-    <p:notesMasterId r:id="rId11"/>
+    <p:notesMasterId r:id="rId13"/>
   </p:notesMasterIdLst>
   <p:sldIdLst>
     <p:sldId id="267" r:id="rId2"/>
@@ -16,7 +16,9 @@
     <p:sldId id="312" r:id="rId7"/>
     <p:sldId id="303" r:id="rId8"/>
     <p:sldId id="313" r:id="rId9"/>
-    <p:sldId id="302" r:id="rId10"/>
+    <p:sldId id="279" r:id="rId10"/>
+    <p:sldId id="302" r:id="rId11"/>
+    <p:sldId id="316" r:id="rId12"/>
   </p:sldIdLst>
   <p:sldSz cx="12192000" cy="6858000"/>
   <p:notesSz cx="6858000" cy="9144000"/>
@@ -5753,2828 +5755,7 @@
 </p:sld>
 </file>
 
-<file path=ppt/slides/slide2.xml><?xml version="1.0" encoding="utf-8"?>
-<p:sld xmlns:a="http://schemas.openxmlformats.org/drawingml/2006/main" xmlns:r="http://schemas.openxmlformats.org/officeDocument/2006/relationships" xmlns:p="http://schemas.openxmlformats.org/presentationml/2006/main">
-  <p:cSld>
-    <p:spTree>
-      <p:nvGrpSpPr>
-        <p:cNvPr id="1" name=""/>
-        <p:cNvGrpSpPr/>
-        <p:nvPr/>
-      </p:nvGrpSpPr>
-      <p:grpSpPr>
-        <a:xfrm>
-          <a:off x="0" y="0"/>
-          <a:ext cx="0" cy="0"/>
-          <a:chOff x="0" y="0"/>
-          <a:chExt cx="0" cy="0"/>
-        </a:xfrm>
-      </p:grpSpPr>
-      <p:sp>
-        <p:nvSpPr>
-          <p:cNvPr id="2" name="スライド番号プレースホルダー 1">
-            <a:extLst>
-              <a:ext uri="{FF2B5EF4-FFF2-40B4-BE49-F238E27FC236}">
-                <a16:creationId xmlns:a16="http://schemas.microsoft.com/office/drawing/2014/main" id="{1A4E9A79-92ED-05DE-DF12-E0D2130EAEA7}"/>
-              </a:ext>
-            </a:extLst>
-          </p:cNvPr>
-          <p:cNvSpPr>
-            <a:spLocks noGrp="1"/>
-          </p:cNvSpPr>
-          <p:nvPr>
-            <p:ph type="sldNum" sz="quarter" idx="12"/>
-          </p:nvPr>
-        </p:nvSpPr>
-        <p:spPr/>
-        <p:txBody>
-          <a:bodyPr/>
-          <a:lstStyle/>
-          <a:p>
-            <a:fld id="{ECBD650F-6923-4A4C-ADE2-BB0B86E7CCFF}" type="slidenum">
-              <a:rPr lang="zh-CN" altLang="en-US" smtClean="0"/>
-              <a:t>2</a:t>
-            </a:fld>
-            <a:endParaRPr lang="zh-CN" altLang="en-US" dirty="0"/>
-          </a:p>
-        </p:txBody>
-      </p:sp>
-      <p:sp>
-        <p:nvSpPr>
-          <p:cNvPr id="3" name="テキスト ボックス 2">
-            <a:extLst>
-              <a:ext uri="{FF2B5EF4-FFF2-40B4-BE49-F238E27FC236}">
-                <a16:creationId xmlns:a16="http://schemas.microsoft.com/office/drawing/2014/main" id="{1798B73F-2788-A840-2423-25683EC22392}"/>
-              </a:ext>
-            </a:extLst>
-          </p:cNvPr>
-          <p:cNvSpPr txBox="1"/>
-          <p:nvPr/>
-        </p:nvSpPr>
-        <p:spPr>
-          <a:xfrm>
-            <a:off x="793850" y="220961"/>
-            <a:ext cx="1107996" cy="646331"/>
-          </a:xfrm>
-          <a:prstGeom prst="rect">
-            <a:avLst/>
-          </a:prstGeom>
-          <a:noFill/>
-        </p:spPr>
-        <p:txBody>
-          <a:bodyPr wrap="none" rtlCol="0">
-            <a:spAutoFit/>
-          </a:bodyPr>
-          <a:lstStyle/>
-          <a:p>
-            <a:r>
-              <a:rPr kumimoji="1" lang="ja-JP" altLang="en-US" sz="3600" b="1" dirty="0">
-                <a:effectLst>
-                  <a:outerShdw blurRad="38100" dist="38100" dir="2700000" algn="tl">
-                    <a:srgbClr val="000000">
-                      <a:alpha val="43137"/>
-                    </a:srgbClr>
-                  </a:outerShdw>
-                </a:effectLst>
-                <a:latin typeface="BIZ UDPゴシック" panose="020B0400000000000000" pitchFamily="50" charset="-128"/>
-                <a:ea typeface="BIZ UDPゴシック" panose="020B0400000000000000" pitchFamily="50" charset="-128"/>
-              </a:rPr>
-              <a:t>目的</a:t>
-            </a:r>
-          </a:p>
-        </p:txBody>
-      </p:sp>
-      <p:sp>
-        <p:nvSpPr>
-          <p:cNvPr id="4" name="テキスト ボックス 3">
-            <a:extLst>
-              <a:ext uri="{FF2B5EF4-FFF2-40B4-BE49-F238E27FC236}">
-                <a16:creationId xmlns:a16="http://schemas.microsoft.com/office/drawing/2014/main" id="{6718EA28-DCEF-9F7C-C6B8-0E83133A173E}"/>
-              </a:ext>
-            </a:extLst>
-          </p:cNvPr>
-          <p:cNvSpPr txBox="1"/>
-          <p:nvPr/>
-        </p:nvSpPr>
-        <p:spPr>
-          <a:xfrm>
-            <a:off x="838200" y="1122060"/>
-            <a:ext cx="10248112" cy="954107"/>
-          </a:xfrm>
-          <a:prstGeom prst="rect">
-            <a:avLst/>
-          </a:prstGeom>
-          <a:noFill/>
-        </p:spPr>
-        <p:txBody>
-          <a:bodyPr wrap="square" rtlCol="0">
-            <a:spAutoFit/>
-          </a:bodyPr>
-          <a:lstStyle/>
-          <a:p>
-            <a:r>
-              <a:rPr lang="ja-JP" altLang="en-US" sz="2800" dirty="0">
-                <a:latin typeface="BIZ UDPゴシック" panose="020B0400000000000000" pitchFamily="50" charset="-128"/>
-                <a:ea typeface="BIZ UDPゴシック" panose="020B0400000000000000" pitchFamily="50" charset="-128"/>
-              </a:rPr>
-              <a:t>・</a:t>
-            </a:r>
-            <a:r>
-              <a:rPr lang="en-US" altLang="ja-JP" sz="2800" dirty="0">
-                <a:latin typeface="BIZ UDPゴシック" panose="020B0400000000000000" pitchFamily="50" charset="-128"/>
-                <a:ea typeface="BIZ UDPゴシック" panose="020B0400000000000000" pitchFamily="50" charset="-128"/>
-              </a:rPr>
-              <a:t>DFT</a:t>
-            </a:r>
-            <a:r>
-              <a:rPr lang="ja-JP" altLang="en-US" sz="2800" dirty="0">
-                <a:latin typeface="BIZ UDPゴシック" panose="020B0400000000000000" pitchFamily="50" charset="-128"/>
-                <a:ea typeface="BIZ UDPゴシック" panose="020B0400000000000000" pitchFamily="50" charset="-128"/>
-              </a:rPr>
-              <a:t>法を使い以下の汎関数および基底関数の組み合わせから最適な組み合わせを見出す</a:t>
-            </a:r>
-            <a:endParaRPr lang="en-US" altLang="ja-JP" sz="2800" dirty="0">
-              <a:latin typeface="BIZ UDPゴシック" panose="020B0400000000000000" pitchFamily="50" charset="-128"/>
-              <a:ea typeface="BIZ UDPゴシック" panose="020B0400000000000000" pitchFamily="50" charset="-128"/>
-            </a:endParaRPr>
-          </a:p>
-        </p:txBody>
-      </p:sp>
-      <p:sp>
-        <p:nvSpPr>
-          <p:cNvPr id="6" name="テキスト ボックス 5">
-            <a:extLst>
-              <a:ext uri="{FF2B5EF4-FFF2-40B4-BE49-F238E27FC236}">
-                <a16:creationId xmlns:a16="http://schemas.microsoft.com/office/drawing/2014/main" id="{7EE3FEB2-EB99-5D7F-485F-E5E50E4BB9A0}"/>
-              </a:ext>
-            </a:extLst>
-          </p:cNvPr>
-          <p:cNvSpPr txBox="1"/>
-          <p:nvPr/>
-        </p:nvSpPr>
-        <p:spPr>
-          <a:xfrm>
-            <a:off x="920769" y="2330935"/>
-            <a:ext cx="1107996" cy="461665"/>
-          </a:xfrm>
-          <a:prstGeom prst="rect">
-            <a:avLst/>
-          </a:prstGeom>
-          <a:noFill/>
-        </p:spPr>
-        <p:txBody>
-          <a:bodyPr wrap="none" rtlCol="0">
-            <a:spAutoFit/>
-          </a:bodyPr>
-          <a:lstStyle/>
-          <a:p>
-            <a:r>
-              <a:rPr kumimoji="1" lang="ja-JP" altLang="en-US" sz="2400" dirty="0">
-                <a:latin typeface="BIZ UDPゴシック" panose="020B0400000000000000" pitchFamily="50" charset="-128"/>
-                <a:ea typeface="BIZ UDPゴシック" panose="020B0400000000000000" pitchFamily="50" charset="-128"/>
-              </a:rPr>
-              <a:t>汎関数</a:t>
-            </a:r>
-          </a:p>
-        </p:txBody>
-      </p:sp>
-      <p:sp>
-        <p:nvSpPr>
-          <p:cNvPr id="9" name="テキスト ボックス 8">
-            <a:extLst>
-              <a:ext uri="{FF2B5EF4-FFF2-40B4-BE49-F238E27FC236}">
-                <a16:creationId xmlns:a16="http://schemas.microsoft.com/office/drawing/2014/main" id="{3B440431-146E-5D0A-2916-003D092037F8}"/>
-              </a:ext>
-            </a:extLst>
-          </p:cNvPr>
-          <p:cNvSpPr txBox="1"/>
-          <p:nvPr/>
-        </p:nvSpPr>
-        <p:spPr>
-          <a:xfrm>
-            <a:off x="131655" y="2791550"/>
-            <a:ext cx="1292341" cy="3416320"/>
-          </a:xfrm>
-          <a:prstGeom prst="rect">
-            <a:avLst/>
-          </a:prstGeom>
-          <a:noFill/>
-        </p:spPr>
-        <p:txBody>
-          <a:bodyPr wrap="none" rtlCol="0">
-            <a:spAutoFit/>
-          </a:bodyPr>
-          <a:lstStyle/>
-          <a:p>
-            <a:r>
-              <a:rPr kumimoji="1" lang="en-US" altLang="ja-JP" sz="2400" dirty="0"/>
-              <a:t>B1LYP</a:t>
-            </a:r>
-          </a:p>
-          <a:p>
-            <a:r>
-              <a:rPr kumimoji="1" lang="en-US" altLang="ja-JP" sz="2400" dirty="0"/>
-              <a:t>LG1LYP</a:t>
-            </a:r>
-          </a:p>
-          <a:p>
-            <a:r>
-              <a:rPr kumimoji="1" lang="en-US" altLang="ja-JP" sz="2400" dirty="0"/>
-              <a:t>PBE1PBE</a:t>
-            </a:r>
-          </a:p>
-          <a:p>
-            <a:r>
-              <a:rPr kumimoji="1" lang="en-US" altLang="ja-JP" sz="2400" dirty="0"/>
-              <a:t>PBE3PBE</a:t>
-            </a:r>
-          </a:p>
-          <a:p>
-            <a:r>
-              <a:rPr kumimoji="1" lang="en-US" altLang="ja-JP" sz="2400" dirty="0"/>
-              <a:t>B1B95</a:t>
-            </a:r>
-          </a:p>
-          <a:p>
-            <a:r>
-              <a:rPr kumimoji="1" lang="en-US" altLang="ja-JP" sz="2400" dirty="0"/>
-              <a:t>B98</a:t>
-            </a:r>
-          </a:p>
-          <a:p>
-            <a:r>
-              <a:rPr kumimoji="1" lang="en-US" altLang="ja-JP" sz="2400" dirty="0"/>
-              <a:t>HCTH93</a:t>
-            </a:r>
-          </a:p>
-          <a:p>
-            <a:r>
-              <a:rPr kumimoji="1" lang="en-US" altLang="ja-JP" sz="2400" dirty="0"/>
-              <a:t>B971</a:t>
-            </a:r>
-          </a:p>
-          <a:p>
-            <a:r>
-              <a:rPr kumimoji="1" lang="en-US" altLang="ja-JP" sz="2400" dirty="0"/>
-              <a:t>B972</a:t>
-            </a:r>
-          </a:p>
-        </p:txBody>
-      </p:sp>
-      <p:sp>
-        <p:nvSpPr>
-          <p:cNvPr id="10" name="テキスト ボックス 9">
-            <a:extLst>
-              <a:ext uri="{FF2B5EF4-FFF2-40B4-BE49-F238E27FC236}">
-                <a16:creationId xmlns:a16="http://schemas.microsoft.com/office/drawing/2014/main" id="{95024DE8-C8E0-A43B-3E35-7720E238F24C}"/>
-              </a:ext>
-            </a:extLst>
-          </p:cNvPr>
-          <p:cNvSpPr txBox="1"/>
-          <p:nvPr/>
-        </p:nvSpPr>
-        <p:spPr>
-          <a:xfrm>
-            <a:off x="7259571" y="2791550"/>
-            <a:ext cx="1424364" cy="3785652"/>
-          </a:xfrm>
-          <a:prstGeom prst="rect">
-            <a:avLst/>
-          </a:prstGeom>
-          <a:noFill/>
-        </p:spPr>
-        <p:txBody>
-          <a:bodyPr wrap="none" rtlCol="0">
-            <a:spAutoFit/>
-          </a:bodyPr>
-          <a:lstStyle/>
-          <a:p>
-            <a:r>
-              <a:rPr kumimoji="1" lang="en-US" altLang="ja-JP" sz="2400" dirty="0"/>
-              <a:t>M06</a:t>
-            </a:r>
-          </a:p>
-          <a:p>
-            <a:r>
-              <a:rPr kumimoji="1" lang="en-US" altLang="ja-JP" sz="2400" dirty="0"/>
-              <a:t>M062X</a:t>
-            </a:r>
-          </a:p>
-          <a:p>
-            <a:r>
-              <a:rPr kumimoji="1" lang="en-US" altLang="ja-JP" sz="2400" dirty="0"/>
-              <a:t>wB97</a:t>
-            </a:r>
-          </a:p>
-          <a:p>
-            <a:r>
-              <a:rPr kumimoji="1" lang="en-US" altLang="ja-JP" sz="2400" dirty="0"/>
-              <a:t>wB97X</a:t>
-            </a:r>
-          </a:p>
-          <a:p>
-            <a:r>
-              <a:rPr kumimoji="1" lang="en-US" altLang="ja-JP" sz="2400" dirty="0"/>
-              <a:t>wB97XD</a:t>
-            </a:r>
-          </a:p>
-          <a:p>
-            <a:r>
-              <a:rPr kumimoji="1" lang="en-US" altLang="ja-JP" sz="2400" dirty="0"/>
-              <a:t>B97D3</a:t>
-            </a:r>
-          </a:p>
-          <a:p>
-            <a:r>
-              <a:rPr kumimoji="1" lang="en-US" altLang="ja-JP" sz="2400" dirty="0"/>
-              <a:t>B2PLYPD3</a:t>
-            </a:r>
-          </a:p>
-          <a:p>
-            <a:r>
-              <a:rPr kumimoji="1" lang="en-US" altLang="ja-JP" sz="2400" dirty="0" err="1"/>
-              <a:t>HISSbPBE</a:t>
-            </a:r>
-            <a:endParaRPr kumimoji="1" lang="en-US" altLang="ja-JP" sz="2400" dirty="0"/>
-          </a:p>
-          <a:p>
-            <a:r>
-              <a:rPr kumimoji="1" lang="en-US" altLang="ja-JP" sz="2400" dirty="0" err="1"/>
-              <a:t>HISSaPBE</a:t>
-            </a:r>
-            <a:endParaRPr kumimoji="1" lang="en-US" altLang="ja-JP" sz="2400" dirty="0"/>
-          </a:p>
-          <a:p>
-            <a:endParaRPr kumimoji="1" lang="en-US" altLang="ja-JP" sz="2400" dirty="0"/>
-          </a:p>
-        </p:txBody>
-      </p:sp>
-      <p:sp>
-        <p:nvSpPr>
-          <p:cNvPr id="12" name="テキスト ボックス 11">
-            <a:extLst>
-              <a:ext uri="{FF2B5EF4-FFF2-40B4-BE49-F238E27FC236}">
-                <a16:creationId xmlns:a16="http://schemas.microsoft.com/office/drawing/2014/main" id="{954149FA-1EF4-CEA6-3F26-0D66476FF760}"/>
-              </a:ext>
-            </a:extLst>
-          </p:cNvPr>
-          <p:cNvSpPr txBox="1"/>
-          <p:nvPr/>
-        </p:nvSpPr>
-        <p:spPr>
-          <a:xfrm>
-            <a:off x="8957680" y="2791550"/>
-            <a:ext cx="1566454" cy="3416320"/>
-          </a:xfrm>
-          <a:prstGeom prst="rect">
-            <a:avLst/>
-          </a:prstGeom>
-          <a:noFill/>
-        </p:spPr>
-        <p:txBody>
-          <a:bodyPr wrap="none" rtlCol="0">
-            <a:spAutoFit/>
-          </a:bodyPr>
-          <a:lstStyle/>
-          <a:p>
-            <a:r>
-              <a:rPr kumimoji="1" lang="en-US" altLang="ja-JP" sz="2400" dirty="0"/>
-              <a:t>SOGGA11</a:t>
-            </a:r>
-          </a:p>
-          <a:p>
-            <a:r>
-              <a:rPr kumimoji="1" lang="en-US" altLang="ja-JP" sz="2400" dirty="0"/>
-              <a:t>M11</a:t>
-            </a:r>
-          </a:p>
-          <a:p>
-            <a:r>
-              <a:rPr kumimoji="1" lang="en-US" altLang="ja-JP" sz="2400" dirty="0"/>
-              <a:t>SOGGA11X</a:t>
-            </a:r>
-          </a:p>
-          <a:p>
-            <a:r>
-              <a:rPr kumimoji="1" lang="en-US" altLang="ja-JP" sz="2400" dirty="0"/>
-              <a:t>M11L</a:t>
-            </a:r>
-          </a:p>
-          <a:p>
-            <a:r>
-              <a:rPr kumimoji="1" lang="en-US" altLang="ja-JP" sz="2400" dirty="0"/>
-              <a:t>N12 </a:t>
-            </a:r>
-          </a:p>
-          <a:p>
-            <a:r>
-              <a:rPr kumimoji="1" lang="en-US" altLang="ja-JP" sz="2400" dirty="0"/>
-              <a:t>MN12L</a:t>
-            </a:r>
-          </a:p>
-          <a:p>
-            <a:r>
-              <a:rPr kumimoji="1" lang="en-US" altLang="ja-JP" sz="2400" dirty="0"/>
-              <a:t>N12SX</a:t>
-            </a:r>
-          </a:p>
-          <a:p>
-            <a:r>
-              <a:rPr kumimoji="1" lang="en-US" altLang="ja-JP" sz="2400" dirty="0"/>
-              <a:t>MN12SX</a:t>
-            </a:r>
-          </a:p>
-          <a:p>
-            <a:r>
-              <a:rPr kumimoji="1" lang="en-US" altLang="ja-JP" sz="2400" dirty="0"/>
-              <a:t>LC-</a:t>
-            </a:r>
-            <a:r>
-              <a:rPr kumimoji="1" lang="en-US" altLang="ja-JP" sz="2400" dirty="0" err="1"/>
-              <a:t>wHPBE</a:t>
-            </a:r>
-            <a:endParaRPr kumimoji="1" lang="en-US" altLang="ja-JP" sz="2400" dirty="0"/>
-          </a:p>
-        </p:txBody>
-      </p:sp>
-      <p:sp>
-        <p:nvSpPr>
-          <p:cNvPr id="8" name="テキスト ボックス 7">
-            <a:extLst>
-              <a:ext uri="{FF2B5EF4-FFF2-40B4-BE49-F238E27FC236}">
-                <a16:creationId xmlns:a16="http://schemas.microsoft.com/office/drawing/2014/main" id="{FD6553C1-434D-BAF8-9B41-DC1194427966}"/>
-              </a:ext>
-            </a:extLst>
-          </p:cNvPr>
-          <p:cNvSpPr txBox="1"/>
-          <p:nvPr/>
-        </p:nvSpPr>
-        <p:spPr>
-          <a:xfrm>
-            <a:off x="1614834" y="2791550"/>
-            <a:ext cx="1965603" cy="3416320"/>
-          </a:xfrm>
-          <a:prstGeom prst="rect">
-            <a:avLst/>
-          </a:prstGeom>
-          <a:noFill/>
-        </p:spPr>
-        <p:txBody>
-          <a:bodyPr wrap="none" rtlCol="0">
-            <a:spAutoFit/>
-          </a:bodyPr>
-          <a:lstStyle/>
-          <a:p>
-            <a:r>
-              <a:rPr kumimoji="1" lang="en-US" altLang="ja-JP" sz="2400" dirty="0"/>
-              <a:t>HCTH147</a:t>
-            </a:r>
-          </a:p>
-          <a:p>
-            <a:r>
-              <a:rPr kumimoji="1" lang="en-US" altLang="ja-JP" sz="2400" dirty="0"/>
-              <a:t>HCTH407</a:t>
-            </a:r>
-          </a:p>
-          <a:p>
-            <a:r>
-              <a:rPr kumimoji="1" lang="en-US" altLang="ja-JP" sz="2400" dirty="0"/>
-              <a:t>OHSE2PBE</a:t>
-            </a:r>
-          </a:p>
-          <a:p>
-            <a:r>
-              <a:rPr kumimoji="1" lang="en-US" altLang="ja-JP" sz="2400" dirty="0"/>
-              <a:t>PBEh1PBE</a:t>
-            </a:r>
-          </a:p>
-          <a:p>
-            <a:r>
-              <a:rPr kumimoji="1" lang="en-US" altLang="ja-JP" sz="2400" dirty="0"/>
-              <a:t>OmPW1PW91</a:t>
-            </a:r>
-          </a:p>
-          <a:p>
-            <a:r>
-              <a:rPr kumimoji="1" lang="en-US" altLang="ja-JP" sz="2400" dirty="0"/>
-              <a:t>OmPW1LYP</a:t>
-            </a:r>
-          </a:p>
-          <a:p>
-            <a:r>
-              <a:rPr kumimoji="1" lang="en-US" altLang="ja-JP" sz="2400" dirty="0"/>
-              <a:t>OmPW1PBE</a:t>
-            </a:r>
-          </a:p>
-          <a:p>
-            <a:r>
-              <a:rPr kumimoji="1" lang="en-US" altLang="ja-JP" sz="2400" dirty="0"/>
-              <a:t>OmPW3PBE</a:t>
-            </a:r>
-          </a:p>
-          <a:p>
-            <a:r>
-              <a:rPr kumimoji="1" lang="en-US" altLang="ja-JP" sz="2400" dirty="0" err="1"/>
-              <a:t>tHCTH</a:t>
-            </a:r>
-            <a:endParaRPr kumimoji="1" lang="en-US" altLang="ja-JP" sz="2400" dirty="0"/>
-          </a:p>
-        </p:txBody>
-      </p:sp>
-      <p:sp>
-        <p:nvSpPr>
-          <p:cNvPr id="13" name="テキスト ボックス 12">
-            <a:extLst>
-              <a:ext uri="{FF2B5EF4-FFF2-40B4-BE49-F238E27FC236}">
-                <a16:creationId xmlns:a16="http://schemas.microsoft.com/office/drawing/2014/main" id="{674C0F31-B046-C90C-F3C4-3CD3D4F7327C}"/>
-              </a:ext>
-            </a:extLst>
-          </p:cNvPr>
-          <p:cNvSpPr txBox="1"/>
-          <p:nvPr/>
-        </p:nvSpPr>
-        <p:spPr>
-          <a:xfrm>
-            <a:off x="3712092" y="2791550"/>
-            <a:ext cx="1503938" cy="3416320"/>
-          </a:xfrm>
-          <a:prstGeom prst="rect">
-            <a:avLst/>
-          </a:prstGeom>
-          <a:noFill/>
-        </p:spPr>
-        <p:txBody>
-          <a:bodyPr wrap="none" rtlCol="0">
-            <a:spAutoFit/>
-          </a:bodyPr>
-          <a:lstStyle/>
-          <a:p>
-            <a:r>
-              <a:rPr kumimoji="1" lang="en-US" altLang="ja-JP" sz="2400" dirty="0" err="1"/>
-              <a:t>tHCTHhyb</a:t>
-            </a:r>
-            <a:endParaRPr kumimoji="1" lang="en-US" altLang="ja-JP" sz="2400" dirty="0"/>
-          </a:p>
-          <a:p>
-            <a:r>
-              <a:rPr kumimoji="1" lang="en-US" altLang="ja-JP" sz="2400" dirty="0"/>
-              <a:t>BMK</a:t>
-            </a:r>
-          </a:p>
-          <a:p>
-            <a:r>
-              <a:rPr kumimoji="1" lang="en-US" altLang="ja-JP" sz="2400" dirty="0"/>
-              <a:t>OHSE1PBE</a:t>
-            </a:r>
-          </a:p>
-          <a:p>
-            <a:r>
-              <a:rPr kumimoji="1" lang="en-US" altLang="ja-JP" sz="2400" dirty="0"/>
-              <a:t>M05</a:t>
-            </a:r>
-          </a:p>
-          <a:p>
-            <a:r>
-              <a:rPr kumimoji="1" lang="en-US" altLang="ja-JP" sz="2400" dirty="0"/>
-              <a:t>M052X</a:t>
-            </a:r>
-          </a:p>
-          <a:p>
-            <a:r>
-              <a:rPr kumimoji="1" lang="en-US" altLang="ja-JP" sz="2400" dirty="0"/>
-              <a:t>OAPF</a:t>
-            </a:r>
-          </a:p>
-          <a:p>
-            <a:r>
-              <a:rPr kumimoji="1" lang="en-US" altLang="ja-JP" sz="2400" dirty="0"/>
-              <a:t>LC-</a:t>
-            </a:r>
-            <a:r>
-              <a:rPr kumimoji="1" lang="en-US" altLang="ja-JP" sz="2400" dirty="0" err="1"/>
-              <a:t>wPBE</a:t>
-            </a:r>
-            <a:endParaRPr kumimoji="1" lang="en-US" altLang="ja-JP" sz="2400" dirty="0"/>
-          </a:p>
-          <a:p>
-            <a:r>
-              <a:rPr kumimoji="1" lang="en-US" altLang="ja-JP" sz="2400" dirty="0"/>
-              <a:t>B97D</a:t>
-            </a:r>
-          </a:p>
-          <a:p>
-            <a:r>
-              <a:rPr kumimoji="1" lang="en-US" altLang="ja-JP" sz="2400" dirty="0"/>
-              <a:t>APF</a:t>
-            </a:r>
-          </a:p>
-        </p:txBody>
-      </p:sp>
-      <p:sp>
-        <p:nvSpPr>
-          <p:cNvPr id="14" name="テキスト ボックス 13">
-            <a:extLst>
-              <a:ext uri="{FF2B5EF4-FFF2-40B4-BE49-F238E27FC236}">
-                <a16:creationId xmlns:a16="http://schemas.microsoft.com/office/drawing/2014/main" id="{96C828A2-7241-0702-7399-F988CEC666DA}"/>
-              </a:ext>
-            </a:extLst>
-          </p:cNvPr>
-          <p:cNvSpPr txBox="1"/>
-          <p:nvPr/>
-        </p:nvSpPr>
-        <p:spPr>
-          <a:xfrm>
-            <a:off x="5347685" y="2791550"/>
-            <a:ext cx="1780231" cy="3416320"/>
-          </a:xfrm>
-          <a:prstGeom prst="rect">
-            <a:avLst/>
-          </a:prstGeom>
-          <a:noFill/>
-        </p:spPr>
-        <p:txBody>
-          <a:bodyPr wrap="none" rtlCol="0">
-            <a:spAutoFit/>
-          </a:bodyPr>
-          <a:lstStyle/>
-          <a:p>
-            <a:r>
-              <a:rPr kumimoji="1" lang="en-US" altLang="ja-JP" sz="2400" dirty="0"/>
-              <a:t>PAPF</a:t>
-            </a:r>
-          </a:p>
-          <a:p>
-            <a:r>
-              <a:rPr kumimoji="1" lang="en-US" altLang="ja-JP" sz="2400" dirty="0"/>
-              <a:t>PAPFD</a:t>
-            </a:r>
-          </a:p>
-          <a:p>
-            <a:r>
-              <a:rPr kumimoji="1" lang="en-US" altLang="ja-JP" sz="2400" dirty="0"/>
-              <a:t>B2PLYP</a:t>
-            </a:r>
-          </a:p>
-          <a:p>
-            <a:r>
-              <a:rPr kumimoji="1" lang="en-US" altLang="ja-JP" sz="2400" dirty="0"/>
-              <a:t>mPW2PLYP</a:t>
-            </a:r>
-          </a:p>
-          <a:p>
-            <a:r>
-              <a:rPr kumimoji="1" lang="en-US" altLang="ja-JP" sz="2400" dirty="0"/>
-              <a:t>B2PLYPD</a:t>
-            </a:r>
-          </a:p>
-          <a:p>
-            <a:r>
-              <a:rPr kumimoji="1" lang="en-US" altLang="ja-JP" sz="2400" dirty="0"/>
-              <a:t>mPW2PLYPD</a:t>
-            </a:r>
-          </a:p>
-          <a:p>
-            <a:r>
-              <a:rPr kumimoji="1" lang="en-US" altLang="ja-JP" sz="2400" dirty="0"/>
-              <a:t>HSEH1PBE</a:t>
-            </a:r>
-          </a:p>
-          <a:p>
-            <a:r>
-              <a:rPr kumimoji="1" lang="en-US" altLang="ja-JP" sz="2400" dirty="0"/>
-              <a:t>M06HF</a:t>
-            </a:r>
-          </a:p>
-          <a:p>
-            <a:r>
-              <a:rPr kumimoji="1" lang="en-US" altLang="ja-JP" sz="2400" dirty="0"/>
-              <a:t>M06L</a:t>
-            </a:r>
-          </a:p>
-        </p:txBody>
-      </p:sp>
-      <p:sp>
-        <p:nvSpPr>
-          <p:cNvPr id="15" name="テキスト ボックス 14">
-            <a:extLst>
-              <a:ext uri="{FF2B5EF4-FFF2-40B4-BE49-F238E27FC236}">
-                <a16:creationId xmlns:a16="http://schemas.microsoft.com/office/drawing/2014/main" id="{9D425012-66E6-AFC0-48A1-178EA0B92DE4}"/>
-              </a:ext>
-            </a:extLst>
-          </p:cNvPr>
-          <p:cNvSpPr txBox="1"/>
-          <p:nvPr/>
-        </p:nvSpPr>
-        <p:spPr>
-          <a:xfrm>
-            <a:off x="10739146" y="2791550"/>
-            <a:ext cx="1649811" cy="3416320"/>
-          </a:xfrm>
-          <a:prstGeom prst="rect">
-            <a:avLst/>
-          </a:prstGeom>
-          <a:noFill/>
-        </p:spPr>
-        <p:txBody>
-          <a:bodyPr wrap="none" rtlCol="0">
-            <a:spAutoFit/>
-          </a:bodyPr>
-          <a:lstStyle/>
-          <a:p>
-            <a:r>
-              <a:rPr kumimoji="1" lang="en-US" altLang="ja-JP" sz="2400" dirty="0"/>
-              <a:t>PBE0DH</a:t>
-            </a:r>
-          </a:p>
-          <a:p>
-            <a:r>
-              <a:rPr kumimoji="1" lang="en-US" altLang="ja-JP" sz="2400" dirty="0"/>
-              <a:t>PBEQIDH</a:t>
-            </a:r>
-          </a:p>
-          <a:p>
-            <a:r>
-              <a:rPr kumimoji="1" lang="en-US" altLang="ja-JP" sz="2400" dirty="0"/>
-              <a:t>MN15L</a:t>
-            </a:r>
-          </a:p>
-          <a:p>
-            <a:r>
-              <a:rPr kumimoji="1" lang="en-US" altLang="ja-JP" sz="2400" dirty="0"/>
-              <a:t>MN15</a:t>
-            </a:r>
-          </a:p>
-          <a:p>
-            <a:r>
-              <a:rPr kumimoji="1" lang="en-US" altLang="ja-JP" sz="2400" dirty="0"/>
-              <a:t>M08HX</a:t>
-            </a:r>
-          </a:p>
-          <a:p>
-            <a:r>
-              <a:rPr kumimoji="1" lang="en-US" altLang="ja-JP" sz="2400" dirty="0"/>
-              <a:t>PW6B95</a:t>
-            </a:r>
-          </a:p>
-          <a:p>
-            <a:r>
-              <a:rPr kumimoji="1" lang="en-US" altLang="ja-JP" sz="2400" dirty="0"/>
-              <a:t>PW6B95D3</a:t>
-            </a:r>
-          </a:p>
-          <a:p>
-            <a:r>
-              <a:rPr kumimoji="1" lang="en-US" altLang="ja-JP" sz="2400" dirty="0"/>
-              <a:t>DSDPBEP86</a:t>
-            </a:r>
-          </a:p>
-          <a:p>
-            <a:endParaRPr kumimoji="1" lang="en-US" altLang="ja-JP" sz="2400" dirty="0"/>
-          </a:p>
-        </p:txBody>
-      </p:sp>
-    </p:spTree>
-    <p:extLst>
-      <p:ext uri="{BB962C8B-B14F-4D97-AF65-F5344CB8AC3E}">
-        <p14:creationId xmlns:p14="http://schemas.microsoft.com/office/powerpoint/2010/main" val="818778199"/>
-      </p:ext>
-    </p:extLst>
-  </p:cSld>
-  <p:clrMapOvr>
-    <a:masterClrMapping/>
-  </p:clrMapOvr>
-</p:sld>
-</file>
-
-<file path=ppt/slides/slide3.xml><?xml version="1.0" encoding="utf-8"?>
-<p:sld xmlns:a="http://schemas.openxmlformats.org/drawingml/2006/main" xmlns:r="http://schemas.openxmlformats.org/officeDocument/2006/relationships" xmlns:p="http://schemas.openxmlformats.org/presentationml/2006/main">
-  <p:cSld>
-    <p:spTree>
-      <p:nvGrpSpPr>
-        <p:cNvPr id="1" name=""/>
-        <p:cNvGrpSpPr/>
-        <p:nvPr/>
-      </p:nvGrpSpPr>
-      <p:grpSpPr>
-        <a:xfrm>
-          <a:off x="0" y="0"/>
-          <a:ext cx="0" cy="0"/>
-          <a:chOff x="0" y="0"/>
-          <a:chExt cx="0" cy="0"/>
-        </a:xfrm>
-      </p:grpSpPr>
-      <p:sp>
-        <p:nvSpPr>
-          <p:cNvPr id="2" name="スライド番号プレースホルダー 1">
-            <a:extLst>
-              <a:ext uri="{FF2B5EF4-FFF2-40B4-BE49-F238E27FC236}">
-                <a16:creationId xmlns:a16="http://schemas.microsoft.com/office/drawing/2014/main" id="{1A4E9A79-92ED-05DE-DF12-E0D2130EAEA7}"/>
-              </a:ext>
-            </a:extLst>
-          </p:cNvPr>
-          <p:cNvSpPr>
-            <a:spLocks noGrp="1"/>
-          </p:cNvSpPr>
-          <p:nvPr>
-            <p:ph type="sldNum" sz="quarter" idx="12"/>
-          </p:nvPr>
-        </p:nvSpPr>
-        <p:spPr/>
-        <p:txBody>
-          <a:bodyPr/>
-          <a:lstStyle/>
-          <a:p>
-            <a:fld id="{ECBD650F-6923-4A4C-ADE2-BB0B86E7CCFF}" type="slidenum">
-              <a:rPr lang="zh-CN" altLang="en-US" smtClean="0"/>
-              <a:t>3</a:t>
-            </a:fld>
-            <a:endParaRPr lang="zh-CN" altLang="en-US" dirty="0"/>
-          </a:p>
-        </p:txBody>
-      </p:sp>
-      <p:sp>
-        <p:nvSpPr>
-          <p:cNvPr id="12" name="テキスト ボックス 11">
-            <a:extLst>
-              <a:ext uri="{FF2B5EF4-FFF2-40B4-BE49-F238E27FC236}">
-                <a16:creationId xmlns:a16="http://schemas.microsoft.com/office/drawing/2014/main" id="{954149FA-1EF4-CEA6-3F26-0D66476FF760}"/>
-              </a:ext>
-            </a:extLst>
-          </p:cNvPr>
-          <p:cNvSpPr txBox="1"/>
-          <p:nvPr/>
-        </p:nvSpPr>
-        <p:spPr>
-          <a:xfrm>
-            <a:off x="4529725" y="1985408"/>
-            <a:ext cx="2302875" cy="1938992"/>
-          </a:xfrm>
-          <a:prstGeom prst="rect">
-            <a:avLst/>
-          </a:prstGeom>
-          <a:noFill/>
-        </p:spPr>
-        <p:txBody>
-          <a:bodyPr wrap="none" rtlCol="0">
-            <a:spAutoFit/>
-          </a:bodyPr>
-          <a:lstStyle/>
-          <a:p>
-            <a:r>
-              <a:rPr kumimoji="1" lang="en-US" altLang="ja-JP" sz="2400" dirty="0"/>
-              <a:t>6-311G(</a:t>
-            </a:r>
-            <a:r>
-              <a:rPr kumimoji="1" lang="en-US" altLang="ja-JP" sz="2400" dirty="0" err="1"/>
-              <a:t>d,p</a:t>
-            </a:r>
-            <a:r>
-              <a:rPr kumimoji="1" lang="en-US" altLang="ja-JP" sz="2400" dirty="0"/>
-              <a:t>)</a:t>
-            </a:r>
-          </a:p>
-          <a:p>
-            <a:r>
-              <a:rPr kumimoji="1" lang="en-US" altLang="ja-JP" sz="2400" dirty="0"/>
-              <a:t>6-311G(2d,2p)</a:t>
-            </a:r>
-          </a:p>
-          <a:p>
-            <a:r>
-              <a:rPr kumimoji="1" lang="en-US" altLang="ja-JP" sz="2400" dirty="0"/>
-              <a:t>6-311++G</a:t>
-            </a:r>
-          </a:p>
-          <a:p>
-            <a:r>
-              <a:rPr kumimoji="1" lang="en-US" altLang="ja-JP" sz="2400" dirty="0"/>
-              <a:t>6-311++G(</a:t>
-            </a:r>
-            <a:r>
-              <a:rPr kumimoji="1" lang="en-US" altLang="ja-JP" sz="2400" dirty="0" err="1"/>
-              <a:t>d,p</a:t>
-            </a:r>
-            <a:r>
-              <a:rPr kumimoji="1" lang="en-US" altLang="ja-JP" sz="2400" dirty="0"/>
-              <a:t>)</a:t>
-            </a:r>
-          </a:p>
-          <a:p>
-            <a:r>
-              <a:rPr kumimoji="1" lang="en-US" altLang="ja-JP" sz="2400" dirty="0"/>
-              <a:t>6-311++G(2d,2p)</a:t>
-            </a:r>
-            <a:endParaRPr kumimoji="1" lang="ja-JP" altLang="en-US" sz="2400" dirty="0"/>
-          </a:p>
-        </p:txBody>
-      </p:sp>
-      <p:sp>
-        <p:nvSpPr>
-          <p:cNvPr id="11" name="テキスト ボックス 10">
-            <a:extLst>
-              <a:ext uri="{FF2B5EF4-FFF2-40B4-BE49-F238E27FC236}">
-                <a16:creationId xmlns:a16="http://schemas.microsoft.com/office/drawing/2014/main" id="{C89B2BD1-5FE5-6B64-2BB1-F465585EC17D}"/>
-              </a:ext>
-            </a:extLst>
-          </p:cNvPr>
-          <p:cNvSpPr txBox="1"/>
-          <p:nvPr/>
-        </p:nvSpPr>
-        <p:spPr>
-          <a:xfrm>
-            <a:off x="1251579" y="1120146"/>
-            <a:ext cx="1415772" cy="461665"/>
-          </a:xfrm>
-          <a:prstGeom prst="rect">
-            <a:avLst/>
-          </a:prstGeom>
-          <a:noFill/>
-        </p:spPr>
-        <p:txBody>
-          <a:bodyPr wrap="none" rtlCol="0">
-            <a:spAutoFit/>
-          </a:bodyPr>
-          <a:lstStyle/>
-          <a:p>
-            <a:r>
-              <a:rPr kumimoji="1" lang="ja-JP" altLang="en-US" sz="2400" dirty="0">
-                <a:latin typeface="BIZ UDPゴシック" panose="020B0400000000000000" pitchFamily="50" charset="-128"/>
-                <a:ea typeface="BIZ UDPゴシック" panose="020B0400000000000000" pitchFamily="50" charset="-128"/>
-              </a:rPr>
-              <a:t>基底関数</a:t>
-            </a:r>
-          </a:p>
-        </p:txBody>
-      </p:sp>
-      <p:sp>
-        <p:nvSpPr>
-          <p:cNvPr id="16" name="テキスト ボックス 15">
-            <a:extLst>
-              <a:ext uri="{FF2B5EF4-FFF2-40B4-BE49-F238E27FC236}">
-                <a16:creationId xmlns:a16="http://schemas.microsoft.com/office/drawing/2014/main" id="{7ED668A7-57FF-F65D-BD00-2C2DAC1D3483}"/>
-              </a:ext>
-            </a:extLst>
-          </p:cNvPr>
-          <p:cNvSpPr txBox="1"/>
-          <p:nvPr/>
-        </p:nvSpPr>
-        <p:spPr>
-          <a:xfrm>
-            <a:off x="1251579" y="1985408"/>
-            <a:ext cx="2147383" cy="2677656"/>
-          </a:xfrm>
-          <a:prstGeom prst="rect">
-            <a:avLst/>
-          </a:prstGeom>
-          <a:noFill/>
-        </p:spPr>
-        <p:txBody>
-          <a:bodyPr wrap="none" rtlCol="0">
-            <a:spAutoFit/>
-          </a:bodyPr>
-          <a:lstStyle/>
-          <a:p>
-            <a:r>
-              <a:rPr kumimoji="1" lang="en-US" altLang="ja-JP" sz="2400" dirty="0"/>
-              <a:t>6-31G</a:t>
-            </a:r>
-          </a:p>
-          <a:p>
-            <a:r>
-              <a:rPr kumimoji="1" lang="en-US" altLang="ja-JP" sz="2400" dirty="0"/>
-              <a:t>6-31G(</a:t>
-            </a:r>
-            <a:r>
-              <a:rPr kumimoji="1" lang="en-US" altLang="ja-JP" sz="2400" dirty="0" err="1"/>
-              <a:t>d,p</a:t>
-            </a:r>
-            <a:r>
-              <a:rPr kumimoji="1" lang="en-US" altLang="ja-JP" sz="2400" dirty="0"/>
-              <a:t>)</a:t>
-            </a:r>
-          </a:p>
-          <a:p>
-            <a:r>
-              <a:rPr kumimoji="1" lang="en-US" altLang="ja-JP" sz="2400" dirty="0"/>
-              <a:t>6-31G(2d,2p)</a:t>
-            </a:r>
-          </a:p>
-          <a:p>
-            <a:r>
-              <a:rPr kumimoji="1" lang="en-US" altLang="ja-JP" sz="2400" dirty="0"/>
-              <a:t>6-31++G</a:t>
-            </a:r>
-          </a:p>
-          <a:p>
-            <a:r>
-              <a:rPr kumimoji="1" lang="en-US" altLang="ja-JP" sz="2400" dirty="0"/>
-              <a:t>6-31++G(</a:t>
-            </a:r>
-            <a:r>
-              <a:rPr kumimoji="1" lang="en-US" altLang="ja-JP" sz="2400" dirty="0" err="1"/>
-              <a:t>d,p</a:t>
-            </a:r>
-            <a:r>
-              <a:rPr kumimoji="1" lang="en-US" altLang="ja-JP" sz="2400" dirty="0"/>
-              <a:t>)</a:t>
-            </a:r>
-          </a:p>
-          <a:p>
-            <a:r>
-              <a:rPr kumimoji="1" lang="en-US" altLang="ja-JP" sz="2400" dirty="0"/>
-              <a:t>6-31++G(2d,2p)</a:t>
-            </a:r>
-          </a:p>
-          <a:p>
-            <a:r>
-              <a:rPr kumimoji="1" lang="en-US" altLang="ja-JP" sz="2400" dirty="0"/>
-              <a:t>6-311G</a:t>
-            </a:r>
-          </a:p>
-        </p:txBody>
-      </p:sp>
-    </p:spTree>
-    <p:extLst>
-      <p:ext uri="{BB962C8B-B14F-4D97-AF65-F5344CB8AC3E}">
-        <p14:creationId xmlns:p14="http://schemas.microsoft.com/office/powerpoint/2010/main" val="2313335250"/>
-      </p:ext>
-    </p:extLst>
-  </p:cSld>
-  <p:clrMapOvr>
-    <a:masterClrMapping/>
-  </p:clrMapOvr>
-</p:sld>
-</file>
-
-<file path=ppt/slides/slide4.xml><?xml version="1.0" encoding="utf-8"?>
-<p:sld xmlns:a="http://schemas.openxmlformats.org/drawingml/2006/main" xmlns:r="http://schemas.openxmlformats.org/officeDocument/2006/relationships" xmlns:p="http://schemas.openxmlformats.org/presentationml/2006/main">
-  <p:cSld>
-    <p:spTree>
-      <p:nvGrpSpPr>
-        <p:cNvPr id="1" name=""/>
-        <p:cNvGrpSpPr/>
-        <p:nvPr/>
-      </p:nvGrpSpPr>
-      <p:grpSpPr>
-        <a:xfrm>
-          <a:off x="0" y="0"/>
-          <a:ext cx="0" cy="0"/>
-          <a:chOff x="0" y="0"/>
-          <a:chExt cx="0" cy="0"/>
-        </a:xfrm>
-      </p:grpSpPr>
-      <p:sp>
-        <p:nvSpPr>
-          <p:cNvPr id="10" name="テキスト ボックス 9">
-            <a:extLst>
-              <a:ext uri="{FF2B5EF4-FFF2-40B4-BE49-F238E27FC236}">
-                <a16:creationId xmlns:a16="http://schemas.microsoft.com/office/drawing/2014/main" id="{5A87E77D-7773-7448-8996-C044675A9A08}"/>
-              </a:ext>
-            </a:extLst>
-          </p:cNvPr>
-          <p:cNvSpPr txBox="1"/>
-          <p:nvPr/>
-        </p:nvSpPr>
-        <p:spPr>
-          <a:xfrm>
-            <a:off x="1244600" y="347360"/>
-            <a:ext cx="10248112" cy="954107"/>
-          </a:xfrm>
-          <a:prstGeom prst="rect">
-            <a:avLst/>
-          </a:prstGeom>
-          <a:noFill/>
-        </p:spPr>
-        <p:txBody>
-          <a:bodyPr wrap="square" rtlCol="0">
-            <a:spAutoFit/>
-          </a:bodyPr>
-          <a:lstStyle/>
-          <a:p>
-            <a:r>
-              <a:rPr lang="ja-JP" altLang="en-US" sz="2800" dirty="0">
-                <a:latin typeface="BIZ UDPゴシック" panose="020B0400000000000000" pitchFamily="50" charset="-128"/>
-                <a:ea typeface="BIZ UDPゴシック" panose="020B0400000000000000" pitchFamily="50" charset="-128"/>
-              </a:rPr>
-              <a:t>・</a:t>
-            </a:r>
-            <a:r>
-              <a:rPr lang="en-US" altLang="ja-JP" sz="2800" dirty="0">
-                <a:latin typeface="BIZ UDPゴシック" panose="020B0400000000000000" pitchFamily="50" charset="-128"/>
-                <a:ea typeface="BIZ UDPゴシック" panose="020B0400000000000000" pitchFamily="50" charset="-128"/>
-              </a:rPr>
-              <a:t>DFT</a:t>
-            </a:r>
-            <a:r>
-              <a:rPr lang="ja-JP" altLang="en-US" sz="2800" dirty="0">
-                <a:latin typeface="BIZ UDPゴシック" panose="020B0400000000000000" pitchFamily="50" charset="-128"/>
-                <a:ea typeface="BIZ UDPゴシック" panose="020B0400000000000000" pitchFamily="50" charset="-128"/>
-              </a:rPr>
-              <a:t>法で汎関数および基底関数の組み合わせの計算結果</a:t>
-            </a:r>
-            <a:endParaRPr lang="en-US" altLang="ja-JP" sz="2800" dirty="0">
-              <a:latin typeface="BIZ UDPゴシック" panose="020B0400000000000000" pitchFamily="50" charset="-128"/>
-              <a:ea typeface="BIZ UDPゴシック" panose="020B0400000000000000" pitchFamily="50" charset="-128"/>
-            </a:endParaRPr>
-          </a:p>
-          <a:p>
-            <a:r>
-              <a:rPr lang="en-US" altLang="ja-JP" sz="2800" dirty="0">
-                <a:latin typeface="BIZ UDPゴシック" panose="020B0400000000000000" pitchFamily="50" charset="-128"/>
-                <a:ea typeface="BIZ UDPゴシック" panose="020B0400000000000000" pitchFamily="50" charset="-128"/>
-              </a:rPr>
-              <a:t>CI</a:t>
-            </a:r>
-            <a:r>
-              <a:rPr lang="ja-JP" altLang="en-US" sz="2800" dirty="0">
-                <a:latin typeface="BIZ UDPゴシック" panose="020B0400000000000000" pitchFamily="50" charset="-128"/>
-                <a:ea typeface="BIZ UDPゴシック" panose="020B0400000000000000" pitchFamily="50" charset="-128"/>
-              </a:rPr>
-              <a:t>計算との誤差が</a:t>
-            </a:r>
-            <a:r>
-              <a:rPr lang="en-US" altLang="ja-JP" sz="2800" dirty="0">
-                <a:latin typeface="BIZ UDPゴシック" panose="020B0400000000000000" pitchFamily="50" charset="-128"/>
-                <a:ea typeface="BIZ UDPゴシック" panose="020B0400000000000000" pitchFamily="50" charset="-128"/>
-              </a:rPr>
-              <a:t>0.2kcal/mol</a:t>
-            </a:r>
-            <a:r>
-              <a:rPr lang="ja-JP" altLang="en-US" sz="2800" dirty="0">
-                <a:latin typeface="BIZ UDPゴシック" panose="020B0400000000000000" pitchFamily="50" charset="-128"/>
-                <a:ea typeface="BIZ UDPゴシック" panose="020B0400000000000000" pitchFamily="50" charset="-128"/>
-              </a:rPr>
-              <a:t>以下の数値が赤色</a:t>
-            </a:r>
-            <a:endParaRPr lang="en-US" altLang="ja-JP" sz="2800" dirty="0">
-              <a:latin typeface="BIZ UDPゴシック" panose="020B0400000000000000" pitchFamily="50" charset="-128"/>
-              <a:ea typeface="BIZ UDPゴシック" panose="020B0400000000000000" pitchFamily="50" charset="-128"/>
-            </a:endParaRPr>
-          </a:p>
-        </p:txBody>
-      </p:sp>
-      <p:pic>
-        <p:nvPicPr>
-          <p:cNvPr id="11" name="図 10">
-            <a:extLst>
-              <a:ext uri="{FF2B5EF4-FFF2-40B4-BE49-F238E27FC236}">
-                <a16:creationId xmlns:a16="http://schemas.microsoft.com/office/drawing/2014/main" id="{556FBF6A-4BB4-750B-38B4-FA64FB5CDC1C}"/>
-              </a:ext>
-            </a:extLst>
-          </p:cNvPr>
-          <p:cNvPicPr>
-            <a:picLocks noChangeAspect="1"/>
-          </p:cNvPicPr>
-          <p:nvPr/>
-        </p:nvPicPr>
-        <p:blipFill rotWithShape="1">
-          <a:blip r:embed="rId2"/>
-          <a:srcRect l="1625" t="2701"/>
-          <a:stretch/>
-        </p:blipFill>
-        <p:spPr>
-          <a:xfrm>
-            <a:off x="292090" y="1301467"/>
-            <a:ext cx="11567076" cy="5472000"/>
-          </a:xfrm>
-          <a:prstGeom prst="rect">
-            <a:avLst/>
-          </a:prstGeom>
-        </p:spPr>
-      </p:pic>
-      <p:sp>
-        <p:nvSpPr>
-          <p:cNvPr id="12" name="スライド番号プレースホルダー 1">
-            <a:extLst>
-              <a:ext uri="{FF2B5EF4-FFF2-40B4-BE49-F238E27FC236}">
-                <a16:creationId xmlns:a16="http://schemas.microsoft.com/office/drawing/2014/main" id="{3DB4CA97-33B5-FD98-EE64-B1FD27F59A23}"/>
-              </a:ext>
-            </a:extLst>
-          </p:cNvPr>
-          <p:cNvSpPr>
-            <a:spLocks noGrp="1"/>
-          </p:cNvSpPr>
-          <p:nvPr>
-            <p:ph type="sldNum" sz="quarter" idx="12"/>
-          </p:nvPr>
-        </p:nvSpPr>
-        <p:spPr>
-          <a:xfrm>
-            <a:off x="9067800" y="292100"/>
-            <a:ext cx="2743200" cy="365125"/>
-          </a:xfrm>
-        </p:spPr>
-        <p:txBody>
-          <a:bodyPr/>
-          <a:lstStyle/>
-          <a:p>
-            <a:fld id="{ECBD650F-6923-4A4C-ADE2-BB0B86E7CCFF}" type="slidenum">
-              <a:rPr lang="zh-CN" altLang="en-US" smtClean="0"/>
-              <a:t>4</a:t>
-            </a:fld>
-            <a:endParaRPr lang="zh-CN" altLang="en-US" dirty="0"/>
-          </a:p>
-        </p:txBody>
-      </p:sp>
-    </p:spTree>
-    <p:extLst>
-      <p:ext uri="{BB962C8B-B14F-4D97-AF65-F5344CB8AC3E}">
-        <p14:creationId xmlns:p14="http://schemas.microsoft.com/office/powerpoint/2010/main" val="185381189"/>
-      </p:ext>
-    </p:extLst>
-  </p:cSld>
-  <p:clrMapOvr>
-    <a:masterClrMapping/>
-  </p:clrMapOvr>
-</p:sld>
-</file>
-
-<file path=ppt/slides/slide5.xml><?xml version="1.0" encoding="utf-8"?>
-<p:sld xmlns:a="http://schemas.openxmlformats.org/drawingml/2006/main" xmlns:r="http://schemas.openxmlformats.org/officeDocument/2006/relationships" xmlns:p="http://schemas.openxmlformats.org/presentationml/2006/main">
-  <p:cSld>
-    <p:spTree>
-      <p:nvGrpSpPr>
-        <p:cNvPr id="1" name=""/>
-        <p:cNvGrpSpPr/>
-        <p:nvPr/>
-      </p:nvGrpSpPr>
-      <p:grpSpPr>
-        <a:xfrm>
-          <a:off x="0" y="0"/>
-          <a:ext cx="0" cy="0"/>
-          <a:chOff x="0" y="0"/>
-          <a:chExt cx="0" cy="0"/>
-        </a:xfrm>
-      </p:grpSpPr>
-      <p:sp>
-        <p:nvSpPr>
-          <p:cNvPr id="2" name="スライド番号プレースホルダー 1">
-            <a:extLst>
-              <a:ext uri="{FF2B5EF4-FFF2-40B4-BE49-F238E27FC236}">
-                <a16:creationId xmlns:a16="http://schemas.microsoft.com/office/drawing/2014/main" id="{0483634C-207E-D992-1B6D-A3D9F3B2A579}"/>
-              </a:ext>
-            </a:extLst>
-          </p:cNvPr>
-          <p:cNvSpPr>
-            <a:spLocks noGrp="1"/>
-          </p:cNvSpPr>
-          <p:nvPr>
-            <p:ph type="sldNum" sz="quarter" idx="12"/>
-          </p:nvPr>
-        </p:nvSpPr>
-        <p:spPr/>
-        <p:txBody>
-          <a:bodyPr/>
-          <a:lstStyle/>
-          <a:p>
-            <a:fld id="{ECBD650F-6923-4A4C-ADE2-BB0B86E7CCFF}" type="slidenum">
-              <a:rPr lang="zh-CN" altLang="en-US" smtClean="0"/>
-              <a:t>5</a:t>
-            </a:fld>
-            <a:endParaRPr lang="zh-CN" altLang="en-US"/>
-          </a:p>
-        </p:txBody>
-      </p:sp>
-      <p:pic>
-        <p:nvPicPr>
-          <p:cNvPr id="5" name="図 4">
-            <a:extLst>
-              <a:ext uri="{FF2B5EF4-FFF2-40B4-BE49-F238E27FC236}">
-                <a16:creationId xmlns:a16="http://schemas.microsoft.com/office/drawing/2014/main" id="{C838CA7D-7066-8F0D-ED1A-18ABF2750969}"/>
-              </a:ext>
-            </a:extLst>
-          </p:cNvPr>
-          <p:cNvPicPr>
-            <a:picLocks noChangeAspect="1"/>
-          </p:cNvPicPr>
-          <p:nvPr/>
-        </p:nvPicPr>
-        <p:blipFill rotWithShape="1">
-          <a:blip r:embed="rId2"/>
-          <a:srcRect l="1948" t="-30"/>
-          <a:stretch/>
-        </p:blipFill>
-        <p:spPr>
-          <a:xfrm>
-            <a:off x="86260" y="877900"/>
-            <a:ext cx="12019479" cy="5688000"/>
-          </a:xfrm>
-          <a:prstGeom prst="rect">
-            <a:avLst/>
-          </a:prstGeom>
-        </p:spPr>
-      </p:pic>
-    </p:spTree>
-    <p:extLst>
-      <p:ext uri="{BB962C8B-B14F-4D97-AF65-F5344CB8AC3E}">
-        <p14:creationId xmlns:p14="http://schemas.microsoft.com/office/powerpoint/2010/main" val="4288167150"/>
-      </p:ext>
-    </p:extLst>
-  </p:cSld>
-  <p:clrMapOvr>
-    <a:masterClrMapping/>
-  </p:clrMapOvr>
-</p:sld>
-</file>
-
-<file path=ppt/slides/slide6.xml><?xml version="1.0" encoding="utf-8"?>
-<p:sld xmlns:a="http://schemas.openxmlformats.org/drawingml/2006/main" xmlns:r="http://schemas.openxmlformats.org/officeDocument/2006/relationships" xmlns:p="http://schemas.openxmlformats.org/presentationml/2006/main">
-  <p:cSld>
-    <p:spTree>
-      <p:nvGrpSpPr>
-        <p:cNvPr id="1" name=""/>
-        <p:cNvGrpSpPr/>
-        <p:nvPr/>
-      </p:nvGrpSpPr>
-      <p:grpSpPr>
-        <a:xfrm>
-          <a:off x="0" y="0"/>
-          <a:ext cx="0" cy="0"/>
-          <a:chOff x="0" y="0"/>
-          <a:chExt cx="0" cy="0"/>
-        </a:xfrm>
-      </p:grpSpPr>
-      <p:sp>
-        <p:nvSpPr>
-          <p:cNvPr id="2" name="スライド番号プレースホルダー 1">
-            <a:extLst>
-              <a:ext uri="{FF2B5EF4-FFF2-40B4-BE49-F238E27FC236}">
-                <a16:creationId xmlns:a16="http://schemas.microsoft.com/office/drawing/2014/main" id="{0483634C-207E-D992-1B6D-A3D9F3B2A579}"/>
-              </a:ext>
-            </a:extLst>
-          </p:cNvPr>
-          <p:cNvSpPr>
-            <a:spLocks noGrp="1"/>
-          </p:cNvSpPr>
-          <p:nvPr>
-            <p:ph type="sldNum" sz="quarter" idx="12"/>
-          </p:nvPr>
-        </p:nvSpPr>
-        <p:spPr/>
-        <p:txBody>
-          <a:bodyPr/>
-          <a:lstStyle/>
-          <a:p>
-            <a:fld id="{ECBD650F-6923-4A4C-ADE2-BB0B86E7CCFF}" type="slidenum">
-              <a:rPr lang="zh-CN" altLang="en-US" smtClean="0"/>
-              <a:t>6</a:t>
-            </a:fld>
-            <a:endParaRPr lang="zh-CN" altLang="en-US"/>
-          </a:p>
-        </p:txBody>
-      </p:sp>
-      <p:pic>
-        <p:nvPicPr>
-          <p:cNvPr id="4" name="図 3">
-            <a:extLst>
-              <a:ext uri="{FF2B5EF4-FFF2-40B4-BE49-F238E27FC236}">
-                <a16:creationId xmlns:a16="http://schemas.microsoft.com/office/drawing/2014/main" id="{CC73353C-7F7C-C654-63CD-D130F5808E9D}"/>
-              </a:ext>
-            </a:extLst>
-          </p:cNvPr>
-          <p:cNvPicPr>
-            <a:picLocks noChangeAspect="1"/>
-          </p:cNvPicPr>
-          <p:nvPr/>
-        </p:nvPicPr>
-        <p:blipFill rotWithShape="1">
-          <a:blip r:embed="rId2"/>
-          <a:srcRect l="1875" t="8061"/>
-          <a:stretch/>
-        </p:blipFill>
-        <p:spPr>
-          <a:xfrm>
-            <a:off x="114300" y="1968500"/>
-            <a:ext cx="11963400" cy="2151255"/>
-          </a:xfrm>
-          <a:prstGeom prst="rect">
-            <a:avLst/>
-          </a:prstGeom>
-        </p:spPr>
-      </p:pic>
-      <p:sp>
-        <p:nvSpPr>
-          <p:cNvPr id="5" name="テキスト ボックス 4">
-            <a:extLst>
-              <a:ext uri="{FF2B5EF4-FFF2-40B4-BE49-F238E27FC236}">
-                <a16:creationId xmlns:a16="http://schemas.microsoft.com/office/drawing/2014/main" id="{D31CCF94-0171-85E5-D0E4-66A9D65E5972}"/>
-              </a:ext>
-            </a:extLst>
-          </p:cNvPr>
-          <p:cNvSpPr txBox="1"/>
-          <p:nvPr/>
-        </p:nvSpPr>
-        <p:spPr>
-          <a:xfrm>
-            <a:off x="971944" y="607710"/>
-            <a:ext cx="10248112" cy="523220"/>
-          </a:xfrm>
-          <a:prstGeom prst="rect">
-            <a:avLst/>
-          </a:prstGeom>
-          <a:noFill/>
-        </p:spPr>
-        <p:txBody>
-          <a:bodyPr wrap="square" rtlCol="0">
-            <a:spAutoFit/>
-          </a:bodyPr>
-          <a:lstStyle/>
-          <a:p>
-            <a:r>
-              <a:rPr lang="ja-JP" altLang="en-US" sz="2800" dirty="0">
-                <a:latin typeface="BIZ UDPゴシック" panose="020B0400000000000000" pitchFamily="50" charset="-128"/>
-                <a:ea typeface="BIZ UDPゴシック" panose="020B0400000000000000" pitchFamily="50" charset="-128"/>
-              </a:rPr>
-              <a:t>・</a:t>
-            </a:r>
-            <a:r>
-              <a:rPr lang="en-US" altLang="ja-JP" sz="2800" dirty="0">
-                <a:latin typeface="BIZ UDPゴシック" panose="020B0400000000000000" pitchFamily="50" charset="-128"/>
-                <a:ea typeface="BIZ UDPゴシック" panose="020B0400000000000000" pitchFamily="50" charset="-128"/>
-              </a:rPr>
-              <a:t>CI</a:t>
-            </a:r>
-            <a:r>
-              <a:rPr lang="ja-JP" altLang="en-US" sz="2800" dirty="0">
-                <a:latin typeface="BIZ UDPゴシック" panose="020B0400000000000000" pitchFamily="50" charset="-128"/>
-                <a:ea typeface="BIZ UDPゴシック" panose="020B0400000000000000" pitchFamily="50" charset="-128"/>
-              </a:rPr>
-              <a:t>計算との誤差が</a:t>
-            </a:r>
-            <a:r>
-              <a:rPr lang="en-US" altLang="ja-JP" sz="2800" dirty="0">
-                <a:latin typeface="BIZ UDPゴシック" panose="020B0400000000000000" pitchFamily="50" charset="-128"/>
-                <a:ea typeface="BIZ UDPゴシック" panose="020B0400000000000000" pitchFamily="50" charset="-128"/>
-              </a:rPr>
-              <a:t>0.2kcal/mol</a:t>
-            </a:r>
-            <a:r>
-              <a:rPr lang="ja-JP" altLang="en-US" sz="2800" dirty="0">
-                <a:latin typeface="BIZ UDPゴシック" panose="020B0400000000000000" pitchFamily="50" charset="-128"/>
-                <a:ea typeface="BIZ UDPゴシック" panose="020B0400000000000000" pitchFamily="50" charset="-128"/>
-              </a:rPr>
-              <a:t>以下の赤の組み合わせ</a:t>
-            </a:r>
-            <a:endParaRPr lang="en-US" altLang="ja-JP" sz="2800" dirty="0">
-              <a:latin typeface="BIZ UDPゴシック" panose="020B0400000000000000" pitchFamily="50" charset="-128"/>
-              <a:ea typeface="BIZ UDPゴシック" panose="020B0400000000000000" pitchFamily="50" charset="-128"/>
-            </a:endParaRPr>
-          </a:p>
-        </p:txBody>
-      </p:sp>
-    </p:spTree>
-    <p:extLst>
-      <p:ext uri="{BB962C8B-B14F-4D97-AF65-F5344CB8AC3E}">
-        <p14:creationId xmlns:p14="http://schemas.microsoft.com/office/powerpoint/2010/main" val="2872201580"/>
-      </p:ext>
-    </p:extLst>
-  </p:cSld>
-  <p:clrMapOvr>
-    <a:masterClrMapping/>
-  </p:clrMapOvr>
-</p:sld>
-</file>
-
-<file path=ppt/slides/slide7.xml><?xml version="1.0" encoding="utf-8"?>
-<p:sld xmlns:a="http://schemas.openxmlformats.org/drawingml/2006/main" xmlns:r="http://schemas.openxmlformats.org/officeDocument/2006/relationships" xmlns:p="http://schemas.openxmlformats.org/presentationml/2006/main">
-  <p:cSld>
-    <p:spTree>
-      <p:nvGrpSpPr>
-        <p:cNvPr id="1" name=""/>
-        <p:cNvGrpSpPr/>
-        <p:nvPr/>
-      </p:nvGrpSpPr>
-      <p:grpSpPr>
-        <a:xfrm>
-          <a:off x="0" y="0"/>
-          <a:ext cx="0" cy="0"/>
-          <a:chOff x="0" y="0"/>
-          <a:chExt cx="0" cy="0"/>
-        </a:xfrm>
-      </p:grpSpPr>
-      <p:sp>
-        <p:nvSpPr>
-          <p:cNvPr id="2" name="スライド番号プレースホルダー 1">
-            <a:extLst>
-              <a:ext uri="{FF2B5EF4-FFF2-40B4-BE49-F238E27FC236}">
-                <a16:creationId xmlns:a16="http://schemas.microsoft.com/office/drawing/2014/main" id="{0483634C-207E-D992-1B6D-A3D9F3B2A579}"/>
-              </a:ext>
-            </a:extLst>
-          </p:cNvPr>
-          <p:cNvSpPr>
-            <a:spLocks noGrp="1"/>
-          </p:cNvSpPr>
-          <p:nvPr>
-            <p:ph type="sldNum" sz="quarter" idx="12"/>
-          </p:nvPr>
-        </p:nvSpPr>
-        <p:spPr/>
-        <p:txBody>
-          <a:bodyPr/>
-          <a:lstStyle/>
-          <a:p>
-            <a:fld id="{ECBD650F-6923-4A4C-ADE2-BB0B86E7CCFF}" type="slidenum">
-              <a:rPr lang="zh-CN" altLang="en-US" smtClean="0"/>
-              <a:t>7</a:t>
-            </a:fld>
-            <a:endParaRPr lang="zh-CN" altLang="en-US"/>
-          </a:p>
-        </p:txBody>
-      </p:sp>
-      <p:sp>
-        <p:nvSpPr>
-          <p:cNvPr id="3" name="テキスト ボックス 2">
-            <a:extLst>
-              <a:ext uri="{FF2B5EF4-FFF2-40B4-BE49-F238E27FC236}">
-                <a16:creationId xmlns:a16="http://schemas.microsoft.com/office/drawing/2014/main" id="{831139B1-BDC3-DED9-B9C5-7D2536C57F79}"/>
-              </a:ext>
-            </a:extLst>
-          </p:cNvPr>
-          <p:cNvSpPr txBox="1"/>
-          <p:nvPr/>
-        </p:nvSpPr>
-        <p:spPr>
-          <a:xfrm>
-            <a:off x="793850" y="220961"/>
-            <a:ext cx="2031325" cy="646331"/>
-          </a:xfrm>
-          <a:prstGeom prst="rect">
-            <a:avLst/>
-          </a:prstGeom>
-          <a:noFill/>
-        </p:spPr>
-        <p:txBody>
-          <a:bodyPr wrap="none" rtlCol="0">
-            <a:spAutoFit/>
-          </a:bodyPr>
-          <a:lstStyle/>
-          <a:p>
-            <a:r>
-              <a:rPr kumimoji="1" lang="ja-JP" altLang="en-US" sz="3600" b="1" dirty="0">
-                <a:effectLst>
-                  <a:outerShdw blurRad="38100" dist="38100" dir="2700000" algn="tl">
-                    <a:srgbClr val="000000">
-                      <a:alpha val="43137"/>
-                    </a:srgbClr>
-                  </a:outerShdw>
-                </a:effectLst>
-                <a:latin typeface="BIZ UDPゴシック" panose="020B0400000000000000" pitchFamily="50" charset="-128"/>
-                <a:ea typeface="BIZ UDPゴシック" panose="020B0400000000000000" pitchFamily="50" charset="-128"/>
-              </a:rPr>
-              <a:t>実験結果</a:t>
-            </a:r>
-          </a:p>
-        </p:txBody>
-      </p:sp>
-      <p:sp>
-        <p:nvSpPr>
-          <p:cNvPr id="5" name="テキスト ボックス 4">
-            <a:extLst>
-              <a:ext uri="{FF2B5EF4-FFF2-40B4-BE49-F238E27FC236}">
-                <a16:creationId xmlns:a16="http://schemas.microsoft.com/office/drawing/2014/main" id="{73FEA48A-27EB-7012-5152-23AD99D40F1B}"/>
-              </a:ext>
-            </a:extLst>
-          </p:cNvPr>
-          <p:cNvSpPr txBox="1"/>
-          <p:nvPr/>
-        </p:nvSpPr>
-        <p:spPr>
-          <a:xfrm>
-            <a:off x="838200" y="1122060"/>
-            <a:ext cx="10248112" cy="1384995"/>
-          </a:xfrm>
-          <a:prstGeom prst="rect">
-            <a:avLst/>
-          </a:prstGeom>
-          <a:noFill/>
-        </p:spPr>
-        <p:txBody>
-          <a:bodyPr wrap="square" rtlCol="0">
-            <a:spAutoFit/>
-          </a:bodyPr>
-          <a:lstStyle/>
-          <a:p>
-            <a:r>
-              <a:rPr lang="ja-JP" altLang="en-US" sz="2800" dirty="0">
-                <a:latin typeface="BIZ UDPゴシック" panose="020B0400000000000000" pitchFamily="50" charset="-128"/>
-                <a:ea typeface="BIZ UDPゴシック" panose="020B0400000000000000" pitchFamily="50" charset="-128"/>
-              </a:rPr>
-              <a:t>・</a:t>
-            </a:r>
-            <a:r>
-              <a:rPr kumimoji="1" lang="ja-JP" altLang="en-US" sz="2800" dirty="0">
-                <a:latin typeface="BIZ UDPゴシック" panose="020B0400000000000000" pitchFamily="50" charset="-128"/>
-                <a:ea typeface="BIZ UDPゴシック" panose="020B0400000000000000" pitchFamily="50" charset="-128"/>
-              </a:rPr>
-              <a:t>活性化エネルギー値が文献</a:t>
-            </a:r>
-            <a:r>
-              <a:rPr kumimoji="1" lang="en-US" altLang="ja-JP" sz="2800" dirty="0">
-                <a:latin typeface="BIZ UDPゴシック" panose="020B0400000000000000" pitchFamily="50" charset="-128"/>
-                <a:ea typeface="BIZ UDPゴシック" panose="020B0400000000000000" pitchFamily="50" charset="-128"/>
-              </a:rPr>
-              <a:t>[1](4.1kcal/mol)</a:t>
-            </a:r>
-            <a:r>
-              <a:rPr kumimoji="1" lang="ja-JP" altLang="en-US" sz="2800" dirty="0">
-                <a:latin typeface="BIZ UDPゴシック" panose="020B0400000000000000" pitchFamily="50" charset="-128"/>
-                <a:ea typeface="BIZ UDPゴシック" panose="020B0400000000000000" pitchFamily="50" charset="-128"/>
-              </a:rPr>
-              <a:t>に近い汎関数と基底関数の組み合わせ（上位</a:t>
-            </a:r>
-            <a:r>
-              <a:rPr kumimoji="1" lang="en-US" altLang="ja-JP" sz="2800" dirty="0">
-                <a:latin typeface="BIZ UDPゴシック" panose="020B0400000000000000" pitchFamily="50" charset="-128"/>
-                <a:ea typeface="BIZ UDPゴシック" panose="020B0400000000000000" pitchFamily="50" charset="-128"/>
-              </a:rPr>
-              <a:t>5</a:t>
-            </a:r>
-            <a:r>
-              <a:rPr kumimoji="1" lang="ja-JP" altLang="en-US" sz="2800" dirty="0">
-                <a:latin typeface="BIZ UDPゴシック" panose="020B0400000000000000" pitchFamily="50" charset="-128"/>
-                <a:ea typeface="BIZ UDPゴシック" panose="020B0400000000000000" pitchFamily="50" charset="-128"/>
-              </a:rPr>
-              <a:t>個）</a:t>
-            </a:r>
-          </a:p>
-          <a:p>
-            <a:endParaRPr lang="en-US" altLang="ja-JP" sz="2800" dirty="0">
-              <a:latin typeface="BIZ UDPゴシック" panose="020B0400000000000000" pitchFamily="50" charset="-128"/>
-              <a:ea typeface="BIZ UDPゴシック" panose="020B0400000000000000" pitchFamily="50" charset="-128"/>
-            </a:endParaRPr>
-          </a:p>
-        </p:txBody>
-      </p:sp>
-      <p:sp>
-        <p:nvSpPr>
-          <p:cNvPr id="6" name="テキスト ボックス 5">
-            <a:extLst>
-              <a:ext uri="{FF2B5EF4-FFF2-40B4-BE49-F238E27FC236}">
-                <a16:creationId xmlns:a16="http://schemas.microsoft.com/office/drawing/2014/main" id="{966608EA-D8C7-D0F3-BBEE-7C0B1015AF79}"/>
-              </a:ext>
-            </a:extLst>
-          </p:cNvPr>
-          <p:cNvSpPr txBox="1"/>
-          <p:nvPr/>
-        </p:nvSpPr>
-        <p:spPr>
-          <a:xfrm>
-            <a:off x="245417" y="6356350"/>
-            <a:ext cx="8293188" cy="307777"/>
-          </a:xfrm>
-          <a:prstGeom prst="rect">
-            <a:avLst/>
-          </a:prstGeom>
-          <a:noFill/>
-        </p:spPr>
-        <p:txBody>
-          <a:bodyPr wrap="square">
-            <a:spAutoFit/>
-          </a:bodyPr>
-          <a:lstStyle/>
-          <a:p>
-            <a:r>
-              <a:rPr kumimoji="1" lang="en-US" altLang="ja-JP" sz="1400" dirty="0">
-                <a:latin typeface="Times New Roman" panose="02020603050405020304" pitchFamily="18" charset="0"/>
-                <a:cs typeface="Times New Roman" panose="02020603050405020304" pitchFamily="18" charset="0"/>
-              </a:rPr>
-              <a:t>[1] David </a:t>
-            </a:r>
-            <a:r>
-              <a:rPr kumimoji="1" lang="en-US" altLang="ja-JP" sz="1400" dirty="0" err="1">
-                <a:latin typeface="Times New Roman" panose="02020603050405020304" pitchFamily="18" charset="0"/>
-                <a:cs typeface="Times New Roman" panose="02020603050405020304" pitchFamily="18" charset="0"/>
-              </a:rPr>
-              <a:t>E.Woon</a:t>
-            </a:r>
-            <a:r>
-              <a:rPr kumimoji="1" lang="en-US" altLang="ja-JP" sz="1400" dirty="0">
-                <a:latin typeface="Times New Roman" panose="02020603050405020304" pitchFamily="18" charset="0"/>
-                <a:cs typeface="Times New Roman" panose="02020603050405020304" pitchFamily="18" charset="0"/>
-              </a:rPr>
-              <a:t> </a:t>
-            </a:r>
-            <a:r>
-              <a:rPr kumimoji="1" lang="en-US" altLang="ja-JP" sz="1400" i="1" dirty="0">
-                <a:latin typeface="Times New Roman" panose="02020603050405020304" pitchFamily="18" charset="0"/>
-                <a:cs typeface="Times New Roman" panose="02020603050405020304" pitchFamily="18" charset="0"/>
-              </a:rPr>
-              <a:t>J.Chem.Phys.,</a:t>
-            </a:r>
-            <a:r>
-              <a:rPr kumimoji="1" lang="en-US" altLang="ja-JP" sz="1400" b="1" dirty="0">
-                <a:latin typeface="Times New Roman" panose="02020603050405020304" pitchFamily="18" charset="0"/>
-                <a:cs typeface="Times New Roman" panose="02020603050405020304" pitchFamily="18" charset="0"/>
-              </a:rPr>
-              <a:t>105(22)</a:t>
-            </a:r>
-            <a:r>
-              <a:rPr kumimoji="1" lang="en-US" altLang="ja-JP" sz="1400" dirty="0">
-                <a:latin typeface="Times New Roman" panose="02020603050405020304" pitchFamily="18" charset="0"/>
-                <a:cs typeface="Times New Roman" panose="02020603050405020304" pitchFamily="18" charset="0"/>
-              </a:rPr>
-              <a:t> L9921 (1996)</a:t>
-            </a:r>
-            <a:endParaRPr kumimoji="1" lang="ja-JP" altLang="en-US" sz="1400" dirty="0">
-              <a:latin typeface="Times New Roman" panose="02020603050405020304" pitchFamily="18" charset="0"/>
-              <a:cs typeface="Times New Roman" panose="02020603050405020304" pitchFamily="18" charset="0"/>
-            </a:endParaRPr>
-          </a:p>
-        </p:txBody>
-      </p:sp>
-      <p:cxnSp>
-        <p:nvCxnSpPr>
-          <p:cNvPr id="35" name="直線コネクタ 34">
-            <a:extLst>
-              <a:ext uri="{FF2B5EF4-FFF2-40B4-BE49-F238E27FC236}">
-                <a16:creationId xmlns:a16="http://schemas.microsoft.com/office/drawing/2014/main" id="{46959173-2632-541C-8A84-6C5FF6877E57}"/>
-              </a:ext>
-            </a:extLst>
-          </p:cNvPr>
-          <p:cNvCxnSpPr>
-            <a:cxnSpLocks/>
-          </p:cNvCxnSpPr>
-          <p:nvPr/>
-        </p:nvCxnSpPr>
-        <p:spPr>
-          <a:xfrm>
-            <a:off x="2144110" y="2355706"/>
-            <a:ext cx="7334119" cy="0"/>
-          </a:xfrm>
-          <a:prstGeom prst="line">
-            <a:avLst/>
-          </a:prstGeom>
-          <a:ln w="38100">
-            <a:solidFill>
-              <a:schemeClr val="tx1"/>
-            </a:solidFill>
-          </a:ln>
-        </p:spPr>
-        <p:style>
-          <a:lnRef idx="1">
-            <a:schemeClr val="accent1"/>
-          </a:lnRef>
-          <a:fillRef idx="0">
-            <a:schemeClr val="accent1"/>
-          </a:fillRef>
-          <a:effectRef idx="0">
-            <a:schemeClr val="accent1"/>
-          </a:effectRef>
-          <a:fontRef idx="minor">
-            <a:schemeClr val="tx1"/>
-          </a:fontRef>
-        </p:style>
-      </p:cxnSp>
-      <p:cxnSp>
-        <p:nvCxnSpPr>
-          <p:cNvPr id="36" name="直線コネクタ 35">
-            <a:extLst>
-              <a:ext uri="{FF2B5EF4-FFF2-40B4-BE49-F238E27FC236}">
-                <a16:creationId xmlns:a16="http://schemas.microsoft.com/office/drawing/2014/main" id="{700D5C41-B791-CFAA-3D2D-C173EA2857F1}"/>
-              </a:ext>
-            </a:extLst>
-          </p:cNvPr>
-          <p:cNvCxnSpPr>
-            <a:cxnSpLocks/>
-          </p:cNvCxnSpPr>
-          <p:nvPr/>
-        </p:nvCxnSpPr>
-        <p:spPr>
-          <a:xfrm>
-            <a:off x="2144109" y="3162562"/>
-            <a:ext cx="7334119" cy="0"/>
-          </a:xfrm>
-          <a:prstGeom prst="line">
-            <a:avLst/>
-          </a:prstGeom>
-          <a:ln w="38100">
-            <a:solidFill>
-              <a:schemeClr val="tx1"/>
-            </a:solidFill>
-          </a:ln>
-        </p:spPr>
-        <p:style>
-          <a:lnRef idx="1">
-            <a:schemeClr val="accent1"/>
-          </a:lnRef>
-          <a:fillRef idx="0">
-            <a:schemeClr val="accent1"/>
-          </a:fillRef>
-          <a:effectRef idx="0">
-            <a:schemeClr val="accent1"/>
-          </a:effectRef>
-          <a:fontRef idx="minor">
-            <a:schemeClr val="tx1"/>
-          </a:fontRef>
-        </p:style>
-      </p:cxnSp>
-      <p:sp>
-        <p:nvSpPr>
-          <p:cNvPr id="37" name="テキスト ボックス 36">
-            <a:extLst>
-              <a:ext uri="{FF2B5EF4-FFF2-40B4-BE49-F238E27FC236}">
-                <a16:creationId xmlns:a16="http://schemas.microsoft.com/office/drawing/2014/main" id="{E67495DC-613E-A924-7F47-572D28D3FA78}"/>
-              </a:ext>
-            </a:extLst>
-          </p:cNvPr>
-          <p:cNvSpPr txBox="1"/>
-          <p:nvPr/>
-        </p:nvSpPr>
-        <p:spPr>
-          <a:xfrm>
-            <a:off x="2546159" y="2507055"/>
-            <a:ext cx="1451038" cy="400110"/>
-          </a:xfrm>
-          <a:prstGeom prst="rect">
-            <a:avLst/>
-          </a:prstGeom>
-          <a:noFill/>
-        </p:spPr>
-        <p:txBody>
-          <a:bodyPr wrap="none" rtlCol="0">
-            <a:spAutoFit/>
-          </a:bodyPr>
-          <a:lstStyle/>
-          <a:p>
-            <a:r>
-              <a:rPr kumimoji="1" lang="ja-JP" altLang="en-US" sz="2000" dirty="0">
-                <a:latin typeface="BIZ UDPゴシック" panose="020B0400000000000000" pitchFamily="50" charset="-128"/>
-                <a:ea typeface="BIZ UDPゴシック" panose="020B0400000000000000" pitchFamily="50" charset="-128"/>
-              </a:rPr>
-              <a:t>組み合わせ</a:t>
-            </a:r>
-            <a:endParaRPr kumimoji="1" lang="en-US" altLang="ja-JP" sz="2000" dirty="0">
-              <a:latin typeface="BIZ UDPゴシック" panose="020B0400000000000000" pitchFamily="50" charset="-128"/>
-              <a:ea typeface="BIZ UDPゴシック" panose="020B0400000000000000" pitchFamily="50" charset="-128"/>
-            </a:endParaRPr>
-          </a:p>
-        </p:txBody>
-      </p:sp>
-      <p:sp>
-        <p:nvSpPr>
-          <p:cNvPr id="38" name="テキスト ボックス 37">
-            <a:extLst>
-              <a:ext uri="{FF2B5EF4-FFF2-40B4-BE49-F238E27FC236}">
-                <a16:creationId xmlns:a16="http://schemas.microsoft.com/office/drawing/2014/main" id="{88E212A9-BFE1-1319-4A89-E0AEC2641095}"/>
-              </a:ext>
-            </a:extLst>
-          </p:cNvPr>
-          <p:cNvSpPr txBox="1"/>
-          <p:nvPr/>
-        </p:nvSpPr>
-        <p:spPr>
-          <a:xfrm>
-            <a:off x="6322076" y="2377495"/>
-            <a:ext cx="2170787" cy="707886"/>
-          </a:xfrm>
-          <a:prstGeom prst="rect">
-            <a:avLst/>
-          </a:prstGeom>
-          <a:noFill/>
-        </p:spPr>
-        <p:txBody>
-          <a:bodyPr wrap="none" rtlCol="0">
-            <a:spAutoFit/>
-          </a:bodyPr>
-          <a:lstStyle/>
-          <a:p>
-            <a:r>
-              <a:rPr kumimoji="1" lang="ja-JP" altLang="en-US" sz="2000" dirty="0">
-                <a:latin typeface="BIZ UDPゴシック" panose="020B0400000000000000" pitchFamily="50" charset="-128"/>
-                <a:ea typeface="BIZ UDPゴシック" panose="020B0400000000000000" pitchFamily="50" charset="-128"/>
-              </a:rPr>
-              <a:t>活性化エネルギー</a:t>
-            </a:r>
-            <a:endParaRPr kumimoji="1" lang="en-US" altLang="ja-JP" sz="2000" dirty="0">
-              <a:latin typeface="BIZ UDPゴシック" panose="020B0400000000000000" pitchFamily="50" charset="-128"/>
-              <a:ea typeface="BIZ UDPゴシック" panose="020B0400000000000000" pitchFamily="50" charset="-128"/>
-            </a:endParaRPr>
-          </a:p>
-          <a:p>
-            <a:r>
-              <a:rPr kumimoji="1" lang="en-US" altLang="ja-JP" sz="2000" dirty="0">
-                <a:latin typeface="BIZ UDPゴシック" panose="020B0400000000000000" pitchFamily="50" charset="-128"/>
-                <a:ea typeface="BIZ UDPゴシック" panose="020B0400000000000000" pitchFamily="50" charset="-128"/>
-              </a:rPr>
-              <a:t>(kcal/mol)</a:t>
-            </a:r>
-            <a:endParaRPr kumimoji="1" lang="ja-JP" altLang="en-US" sz="2000" dirty="0">
-              <a:latin typeface="BIZ UDPゴシック" panose="020B0400000000000000" pitchFamily="50" charset="-128"/>
-              <a:ea typeface="BIZ UDPゴシック" panose="020B0400000000000000" pitchFamily="50" charset="-128"/>
-            </a:endParaRPr>
-          </a:p>
-        </p:txBody>
-      </p:sp>
-      <p:sp>
-        <p:nvSpPr>
-          <p:cNvPr id="39" name="テキスト ボックス 38">
-            <a:extLst>
-              <a:ext uri="{FF2B5EF4-FFF2-40B4-BE49-F238E27FC236}">
-                <a16:creationId xmlns:a16="http://schemas.microsoft.com/office/drawing/2014/main" id="{98E0D255-0256-3CB9-E168-C63893B0D7A4}"/>
-              </a:ext>
-            </a:extLst>
-          </p:cNvPr>
-          <p:cNvSpPr txBox="1"/>
-          <p:nvPr/>
-        </p:nvSpPr>
-        <p:spPr>
-          <a:xfrm>
-            <a:off x="2654914" y="3326106"/>
-            <a:ext cx="2682145" cy="369332"/>
-          </a:xfrm>
-          <a:prstGeom prst="rect">
-            <a:avLst/>
-          </a:prstGeom>
-          <a:noFill/>
-        </p:spPr>
-        <p:txBody>
-          <a:bodyPr wrap="none" rtlCol="0">
-            <a:spAutoFit/>
-          </a:bodyPr>
-          <a:lstStyle/>
-          <a:p>
-            <a:pPr marL="0" marR="0" lvl="0" indent="0" algn="l" defTabSz="914400" rtl="0" eaLnBrk="0" fontAlgn="base" latinLnBrk="0" hangingPunct="0">
-              <a:lnSpc>
-                <a:spcPct val="100000"/>
-              </a:lnSpc>
-              <a:spcBef>
-                <a:spcPct val="0"/>
-              </a:spcBef>
-              <a:spcAft>
-                <a:spcPct val="0"/>
-              </a:spcAft>
-              <a:buClrTx/>
-              <a:buSzTx/>
-              <a:buFontTx/>
-              <a:buNone/>
-              <a:tabLst/>
-            </a:pPr>
-            <a:r>
-              <a:rPr kumimoji="0" lang="en-US" altLang="ja-JP" sz="1800" b="0" i="0" u="none" strike="noStrike" cap="none" normalizeH="0" baseline="0" dirty="0">
-                <a:ln>
-                  <a:noFill/>
-                </a:ln>
-                <a:solidFill>
-                  <a:srgbClr val="000000"/>
-                </a:solidFill>
-                <a:effectLst/>
-                <a:latin typeface="Arial Unicode MS"/>
-                <a:ea typeface="Courier New" panose="02070309020205020404" pitchFamily="49" charset="0"/>
-              </a:rPr>
-              <a:t>wB97XD</a:t>
-            </a:r>
-            <a:r>
-              <a:rPr kumimoji="0" lang="ja-JP" altLang="ja-JP" sz="1800" b="0" i="0" u="none" strike="noStrike" cap="none" normalizeH="0" baseline="0" dirty="0">
-                <a:ln>
-                  <a:noFill/>
-                </a:ln>
-                <a:solidFill>
-                  <a:srgbClr val="000000"/>
-                </a:solidFill>
-                <a:effectLst/>
-                <a:latin typeface="Arial Unicode MS"/>
-                <a:ea typeface="Courier New" panose="02070309020205020404" pitchFamily="49" charset="0"/>
-              </a:rPr>
-              <a:t>_6-31++G (d,p)</a:t>
-            </a:r>
-            <a:r>
-              <a:rPr kumimoji="0" lang="ja-JP" altLang="ja-JP" sz="800" b="0" i="0" u="none" strike="noStrike" cap="none" normalizeH="0" baseline="0" dirty="0">
-                <a:ln>
-                  <a:noFill/>
-                </a:ln>
-                <a:solidFill>
-                  <a:schemeClr val="tx1"/>
-                </a:solidFill>
-                <a:effectLst/>
-              </a:rPr>
-              <a:t> </a:t>
-            </a:r>
-            <a:endParaRPr kumimoji="0" lang="ja-JP" altLang="ja-JP" sz="4000" b="0" i="0" u="none" strike="noStrike" cap="none" normalizeH="0" baseline="0" dirty="0">
-              <a:ln>
-                <a:noFill/>
-              </a:ln>
-              <a:solidFill>
-                <a:schemeClr val="tx1"/>
-              </a:solidFill>
-              <a:effectLst/>
-              <a:latin typeface="Arial" panose="020B0604020202020204" pitchFamily="34" charset="0"/>
-            </a:endParaRPr>
-          </a:p>
-        </p:txBody>
-      </p:sp>
-      <p:sp>
-        <p:nvSpPr>
-          <p:cNvPr id="40" name="テキスト ボックス 39">
-            <a:extLst>
-              <a:ext uri="{FF2B5EF4-FFF2-40B4-BE49-F238E27FC236}">
-                <a16:creationId xmlns:a16="http://schemas.microsoft.com/office/drawing/2014/main" id="{7ACDC193-C055-9384-BFA9-B2BC3823B88E}"/>
-              </a:ext>
-            </a:extLst>
-          </p:cNvPr>
-          <p:cNvSpPr txBox="1"/>
-          <p:nvPr/>
-        </p:nvSpPr>
-        <p:spPr>
-          <a:xfrm>
-            <a:off x="2654914" y="3950060"/>
-            <a:ext cx="2254656" cy="369332"/>
-          </a:xfrm>
-          <a:prstGeom prst="rect">
-            <a:avLst/>
-          </a:prstGeom>
-          <a:noFill/>
-        </p:spPr>
-        <p:txBody>
-          <a:bodyPr wrap="none" rtlCol="0">
-            <a:spAutoFit/>
-          </a:bodyPr>
-          <a:lstStyle/>
-          <a:p>
-            <a:pPr marL="0" marR="0" lvl="0" indent="0" algn="l" defTabSz="914400" rtl="0" eaLnBrk="0" fontAlgn="base" latinLnBrk="0" hangingPunct="0">
-              <a:lnSpc>
-                <a:spcPct val="100000"/>
-              </a:lnSpc>
-              <a:spcBef>
-                <a:spcPct val="0"/>
-              </a:spcBef>
-              <a:spcAft>
-                <a:spcPct val="0"/>
-              </a:spcAft>
-              <a:buClrTx/>
-              <a:buSzTx/>
-              <a:buFontTx/>
-              <a:buNone/>
-              <a:tabLst/>
-            </a:pPr>
-            <a:r>
-              <a:rPr kumimoji="0" lang="en-US" altLang="ja-JP" sz="1800" b="0" i="0" u="none" strike="noStrike" cap="none" normalizeH="0" baseline="0" dirty="0">
-                <a:ln>
-                  <a:noFill/>
-                </a:ln>
-                <a:solidFill>
-                  <a:srgbClr val="000000"/>
-                </a:solidFill>
-                <a:effectLst/>
-                <a:latin typeface="Arial Unicode MS"/>
-                <a:ea typeface="Courier New" panose="02070309020205020404" pitchFamily="49" charset="0"/>
-              </a:rPr>
-              <a:t>wB97XD</a:t>
-            </a:r>
-            <a:r>
-              <a:rPr kumimoji="0" lang="ja-JP" altLang="ja-JP" sz="1800" b="0" i="0" u="none" strike="noStrike" cap="none" normalizeH="0" baseline="0" dirty="0">
-                <a:ln>
-                  <a:noFill/>
-                </a:ln>
-                <a:solidFill>
-                  <a:srgbClr val="000000"/>
-                </a:solidFill>
-                <a:effectLst/>
-                <a:latin typeface="Arial Unicode MS"/>
-                <a:ea typeface="Courier New" panose="02070309020205020404" pitchFamily="49" charset="0"/>
-              </a:rPr>
-              <a:t>_6-311</a:t>
-            </a:r>
-            <a:r>
-              <a:rPr lang="en-US" altLang="ja-JP" dirty="0">
-                <a:solidFill>
-                  <a:srgbClr val="000000"/>
-                </a:solidFill>
-                <a:latin typeface="Arial Unicode MS"/>
-                <a:ea typeface="Courier New" panose="02070309020205020404" pitchFamily="49" charset="0"/>
-              </a:rPr>
-              <a:t>++</a:t>
-            </a:r>
-            <a:r>
-              <a:rPr kumimoji="0" lang="ja-JP" altLang="ja-JP" sz="1800" b="0" i="0" u="none" strike="noStrike" cap="none" normalizeH="0" baseline="0" dirty="0">
-                <a:ln>
-                  <a:noFill/>
-                </a:ln>
-                <a:solidFill>
-                  <a:srgbClr val="000000"/>
-                </a:solidFill>
-                <a:effectLst/>
-                <a:latin typeface="Arial Unicode MS"/>
-                <a:ea typeface="Courier New" panose="02070309020205020404" pitchFamily="49" charset="0"/>
-              </a:rPr>
-              <a:t>G</a:t>
-            </a:r>
-            <a:r>
-              <a:rPr kumimoji="0" lang="ja-JP" altLang="ja-JP" sz="800" b="0" i="0" u="none" strike="noStrike" cap="none" normalizeH="0" baseline="0" dirty="0">
-                <a:ln>
-                  <a:noFill/>
-                </a:ln>
-                <a:solidFill>
-                  <a:schemeClr val="tx1"/>
-                </a:solidFill>
-                <a:effectLst/>
-              </a:rPr>
-              <a:t> </a:t>
-            </a:r>
-            <a:endParaRPr kumimoji="0" lang="ja-JP" altLang="ja-JP" sz="4000" b="0" i="0" u="none" strike="noStrike" cap="none" normalizeH="0" baseline="0" dirty="0">
-              <a:ln>
-                <a:noFill/>
-              </a:ln>
-              <a:solidFill>
-                <a:schemeClr val="tx1"/>
-              </a:solidFill>
-              <a:effectLst/>
-              <a:latin typeface="Arial" panose="020B0604020202020204" pitchFamily="34" charset="0"/>
-            </a:endParaRPr>
-          </a:p>
-        </p:txBody>
-      </p:sp>
-      <p:sp>
-        <p:nvSpPr>
-          <p:cNvPr id="41" name="テキスト ボックス 40">
-            <a:extLst>
-              <a:ext uri="{FF2B5EF4-FFF2-40B4-BE49-F238E27FC236}">
-                <a16:creationId xmlns:a16="http://schemas.microsoft.com/office/drawing/2014/main" id="{F629BB67-AEE0-6A83-3DDF-A8E765F0C0C9}"/>
-              </a:ext>
-            </a:extLst>
-          </p:cNvPr>
-          <p:cNvSpPr txBox="1"/>
-          <p:nvPr/>
-        </p:nvSpPr>
-        <p:spPr>
-          <a:xfrm>
-            <a:off x="2654914" y="4576938"/>
-            <a:ext cx="2092239" cy="369332"/>
-          </a:xfrm>
-          <a:prstGeom prst="rect">
-            <a:avLst/>
-          </a:prstGeom>
-          <a:noFill/>
-        </p:spPr>
-        <p:txBody>
-          <a:bodyPr wrap="none" rtlCol="0">
-            <a:spAutoFit/>
-          </a:bodyPr>
-          <a:lstStyle/>
-          <a:p>
-            <a:pPr marL="0" marR="0" lvl="0" indent="0" algn="l" defTabSz="914400" rtl="0" eaLnBrk="0" fontAlgn="base" latinLnBrk="0" hangingPunct="0">
-              <a:lnSpc>
-                <a:spcPct val="100000"/>
-              </a:lnSpc>
-              <a:spcBef>
-                <a:spcPct val="0"/>
-              </a:spcBef>
-              <a:spcAft>
-                <a:spcPct val="0"/>
-              </a:spcAft>
-              <a:buClrTx/>
-              <a:buSzTx/>
-              <a:buFontTx/>
-              <a:buNone/>
-              <a:tabLst/>
-            </a:pPr>
-            <a:r>
-              <a:rPr kumimoji="0" lang="en-US" altLang="ja-JP" sz="1800" b="0" i="0" u="none" strike="noStrike" cap="none" normalizeH="0" baseline="0" dirty="0">
-                <a:ln>
-                  <a:noFill/>
-                </a:ln>
-                <a:solidFill>
-                  <a:srgbClr val="000000"/>
-                </a:solidFill>
-                <a:effectLst/>
-                <a:latin typeface="Arial Unicode MS"/>
-                <a:ea typeface="Courier New" panose="02070309020205020404" pitchFamily="49" charset="0"/>
-              </a:rPr>
-              <a:t>PBEQIDH</a:t>
-            </a:r>
-            <a:r>
-              <a:rPr kumimoji="0" lang="ja-JP" altLang="ja-JP" sz="1800" b="0" i="0" u="none" strike="noStrike" cap="none" normalizeH="0" baseline="0" dirty="0">
-                <a:ln>
-                  <a:noFill/>
-                </a:ln>
-                <a:solidFill>
-                  <a:srgbClr val="000000"/>
-                </a:solidFill>
-                <a:effectLst/>
-                <a:latin typeface="Arial Unicode MS"/>
-                <a:ea typeface="Courier New" panose="02070309020205020404" pitchFamily="49" charset="0"/>
-              </a:rPr>
-              <a:t>_6-31G</a:t>
-            </a:r>
-            <a:r>
-              <a:rPr kumimoji="0" lang="ja-JP" altLang="ja-JP" sz="800" b="0" i="0" u="none" strike="noStrike" cap="none" normalizeH="0" baseline="0" dirty="0">
-                <a:ln>
-                  <a:noFill/>
-                </a:ln>
-                <a:solidFill>
-                  <a:schemeClr val="tx1"/>
-                </a:solidFill>
-                <a:effectLst/>
-              </a:rPr>
-              <a:t> </a:t>
-            </a:r>
-            <a:endParaRPr kumimoji="0" lang="ja-JP" altLang="ja-JP" sz="4000" b="0" i="0" u="none" strike="noStrike" cap="none" normalizeH="0" baseline="0" dirty="0">
-              <a:ln>
-                <a:noFill/>
-              </a:ln>
-              <a:solidFill>
-                <a:schemeClr val="tx1"/>
-              </a:solidFill>
-              <a:effectLst/>
-              <a:latin typeface="Arial" panose="020B0604020202020204" pitchFamily="34" charset="0"/>
-            </a:endParaRPr>
-          </a:p>
-        </p:txBody>
-      </p:sp>
-      <p:sp>
-        <p:nvSpPr>
-          <p:cNvPr id="47" name="テキスト ボックス 46">
-            <a:extLst>
-              <a:ext uri="{FF2B5EF4-FFF2-40B4-BE49-F238E27FC236}">
-                <a16:creationId xmlns:a16="http://schemas.microsoft.com/office/drawing/2014/main" id="{277DCC25-65B2-20B6-30CA-6A955FABBD47}"/>
-              </a:ext>
-            </a:extLst>
-          </p:cNvPr>
-          <p:cNvSpPr txBox="1"/>
-          <p:nvPr/>
-        </p:nvSpPr>
-        <p:spPr>
-          <a:xfrm>
-            <a:off x="2654914" y="5199521"/>
-            <a:ext cx="2408544" cy="369332"/>
-          </a:xfrm>
-          <a:prstGeom prst="rect">
-            <a:avLst/>
-          </a:prstGeom>
-          <a:noFill/>
-        </p:spPr>
-        <p:txBody>
-          <a:bodyPr wrap="none" rtlCol="0">
-            <a:spAutoFit/>
-          </a:bodyPr>
-          <a:lstStyle/>
-          <a:p>
-            <a:pPr marL="0" marR="0" lvl="0" indent="0" algn="l" defTabSz="914400" rtl="0" eaLnBrk="0" fontAlgn="base" latinLnBrk="0" hangingPunct="0">
-              <a:lnSpc>
-                <a:spcPct val="100000"/>
-              </a:lnSpc>
-              <a:spcBef>
-                <a:spcPct val="0"/>
-              </a:spcBef>
-              <a:spcAft>
-                <a:spcPct val="0"/>
-              </a:spcAft>
-              <a:buClrTx/>
-              <a:buSzTx/>
-              <a:buFontTx/>
-              <a:buNone/>
-              <a:tabLst/>
-            </a:pPr>
-            <a:r>
-              <a:rPr kumimoji="0" lang="ja-JP" altLang="ja-JP" sz="1800" b="0" i="0" u="none" strike="noStrike" cap="none" normalizeH="0" baseline="0" dirty="0">
-                <a:ln>
-                  <a:noFill/>
-                </a:ln>
-                <a:solidFill>
-                  <a:srgbClr val="000000"/>
-                </a:solidFill>
-                <a:effectLst/>
-                <a:latin typeface="Arial Unicode MS"/>
-                <a:ea typeface="Courier New" panose="02070309020205020404" pitchFamily="49" charset="0"/>
-              </a:rPr>
-              <a:t>B</a:t>
-            </a:r>
-            <a:r>
-              <a:rPr kumimoji="0" lang="en-US" altLang="ja-JP" sz="1800" b="0" i="0" u="none" strike="noStrike" cap="none" normalizeH="0" baseline="0" dirty="0">
-                <a:ln>
-                  <a:noFill/>
-                </a:ln>
-                <a:solidFill>
-                  <a:srgbClr val="000000"/>
-                </a:solidFill>
-                <a:effectLst/>
-                <a:latin typeface="Arial Unicode MS"/>
-                <a:ea typeface="Courier New" panose="02070309020205020404" pitchFamily="49" charset="0"/>
-              </a:rPr>
-              <a:t>97D</a:t>
-            </a:r>
-            <a:r>
-              <a:rPr kumimoji="0" lang="ja-JP" altLang="ja-JP" sz="1800" b="0" i="0" u="none" strike="noStrike" cap="none" normalizeH="0" baseline="0" dirty="0">
-                <a:ln>
-                  <a:noFill/>
-                </a:ln>
-                <a:solidFill>
-                  <a:srgbClr val="000000"/>
-                </a:solidFill>
-                <a:effectLst/>
-                <a:latin typeface="Arial Unicode MS"/>
-                <a:ea typeface="Courier New" panose="02070309020205020404" pitchFamily="49" charset="0"/>
-              </a:rPr>
-              <a:t>_6-311++G(d,p)</a:t>
-            </a:r>
-            <a:r>
-              <a:rPr kumimoji="0" lang="ja-JP" altLang="ja-JP" sz="800" b="0" i="0" u="none" strike="noStrike" cap="none" normalizeH="0" baseline="0" dirty="0">
-                <a:ln>
-                  <a:noFill/>
-                </a:ln>
-                <a:solidFill>
-                  <a:schemeClr val="tx1"/>
-                </a:solidFill>
-                <a:effectLst/>
-              </a:rPr>
-              <a:t> </a:t>
-            </a:r>
-            <a:endParaRPr kumimoji="0" lang="ja-JP" altLang="ja-JP" sz="4000" b="0" i="0" u="none" strike="noStrike" cap="none" normalizeH="0" baseline="0" dirty="0">
-              <a:ln>
-                <a:noFill/>
-              </a:ln>
-              <a:solidFill>
-                <a:schemeClr val="tx1"/>
-              </a:solidFill>
-              <a:effectLst/>
-              <a:latin typeface="Arial" panose="020B0604020202020204" pitchFamily="34" charset="0"/>
-            </a:endParaRPr>
-          </a:p>
-        </p:txBody>
-      </p:sp>
-      <p:sp>
-        <p:nvSpPr>
-          <p:cNvPr id="48" name="テキスト ボックス 47">
-            <a:extLst>
-              <a:ext uri="{FF2B5EF4-FFF2-40B4-BE49-F238E27FC236}">
-                <a16:creationId xmlns:a16="http://schemas.microsoft.com/office/drawing/2014/main" id="{4698DB1F-1BAF-F22B-A49B-9D1E57862250}"/>
-              </a:ext>
-            </a:extLst>
-          </p:cNvPr>
-          <p:cNvSpPr txBox="1"/>
-          <p:nvPr/>
-        </p:nvSpPr>
-        <p:spPr>
-          <a:xfrm>
-            <a:off x="2654914" y="5729472"/>
-            <a:ext cx="2182008" cy="369332"/>
-          </a:xfrm>
-          <a:prstGeom prst="rect">
-            <a:avLst/>
-          </a:prstGeom>
-          <a:noFill/>
-        </p:spPr>
-        <p:txBody>
-          <a:bodyPr wrap="none" rtlCol="0">
-            <a:spAutoFit/>
-          </a:bodyPr>
-          <a:lstStyle/>
-          <a:p>
-            <a:pPr marL="0" marR="0" lvl="0" indent="0" algn="l" defTabSz="914400" rtl="0" eaLnBrk="0" fontAlgn="base" latinLnBrk="0" hangingPunct="0">
-              <a:lnSpc>
-                <a:spcPct val="100000"/>
-              </a:lnSpc>
-              <a:spcBef>
-                <a:spcPct val="0"/>
-              </a:spcBef>
-              <a:spcAft>
-                <a:spcPct val="0"/>
-              </a:spcAft>
-              <a:buClrTx/>
-              <a:buSzTx/>
-              <a:buFontTx/>
-              <a:buNone/>
-              <a:tabLst/>
-            </a:pPr>
-            <a:r>
-              <a:rPr lang="en-US" altLang="ja-JP" dirty="0">
-                <a:solidFill>
-                  <a:srgbClr val="000000"/>
-                </a:solidFill>
-                <a:latin typeface="Arial Unicode MS"/>
-                <a:ea typeface="Courier New" panose="02070309020205020404" pitchFamily="49" charset="0"/>
-              </a:rPr>
-              <a:t>wB97X</a:t>
-            </a:r>
-            <a:r>
-              <a:rPr kumimoji="0" lang="ja-JP" altLang="ja-JP" sz="1800" b="0" i="0" u="none" strike="noStrike" cap="none" normalizeH="0" baseline="0" dirty="0">
-                <a:ln>
-                  <a:noFill/>
-                </a:ln>
-                <a:solidFill>
-                  <a:srgbClr val="000000"/>
-                </a:solidFill>
-                <a:effectLst/>
-                <a:latin typeface="Arial Unicode MS"/>
-                <a:ea typeface="Courier New" panose="02070309020205020404" pitchFamily="49" charset="0"/>
-              </a:rPr>
-              <a:t>_6-31G(d,p)</a:t>
-            </a:r>
-            <a:r>
-              <a:rPr kumimoji="0" lang="ja-JP" altLang="ja-JP" sz="800" b="0" i="0" u="none" strike="noStrike" cap="none" normalizeH="0" baseline="0" dirty="0">
-                <a:ln>
-                  <a:noFill/>
-                </a:ln>
-                <a:solidFill>
-                  <a:schemeClr val="tx1"/>
-                </a:solidFill>
-                <a:effectLst/>
-              </a:rPr>
-              <a:t> </a:t>
-            </a:r>
-            <a:endParaRPr kumimoji="0" lang="ja-JP" altLang="ja-JP" sz="4000" b="0" i="0" u="none" strike="noStrike" cap="none" normalizeH="0" baseline="0" dirty="0">
-              <a:ln>
-                <a:noFill/>
-              </a:ln>
-              <a:solidFill>
-                <a:schemeClr val="tx1"/>
-              </a:solidFill>
-              <a:effectLst/>
-              <a:latin typeface="Arial" panose="020B0604020202020204" pitchFamily="34" charset="0"/>
-            </a:endParaRPr>
-          </a:p>
-        </p:txBody>
-      </p:sp>
-      <p:cxnSp>
-        <p:nvCxnSpPr>
-          <p:cNvPr id="49" name="直線コネクタ 48">
-            <a:extLst>
-              <a:ext uri="{FF2B5EF4-FFF2-40B4-BE49-F238E27FC236}">
-                <a16:creationId xmlns:a16="http://schemas.microsoft.com/office/drawing/2014/main" id="{A1E555C1-BDE9-7DF5-9C63-1BB4F9865620}"/>
-              </a:ext>
-            </a:extLst>
-          </p:cNvPr>
-          <p:cNvCxnSpPr>
-            <a:cxnSpLocks/>
-          </p:cNvCxnSpPr>
-          <p:nvPr/>
-        </p:nvCxnSpPr>
-        <p:spPr>
-          <a:xfrm>
-            <a:off x="2053824" y="6222123"/>
-            <a:ext cx="7334119" cy="0"/>
-          </a:xfrm>
-          <a:prstGeom prst="line">
-            <a:avLst/>
-          </a:prstGeom>
-          <a:ln w="38100">
-            <a:solidFill>
-              <a:schemeClr val="tx1"/>
-            </a:solidFill>
-          </a:ln>
-        </p:spPr>
-        <p:style>
-          <a:lnRef idx="1">
-            <a:schemeClr val="accent1"/>
-          </a:lnRef>
-          <a:fillRef idx="0">
-            <a:schemeClr val="accent1"/>
-          </a:fillRef>
-          <a:effectRef idx="0">
-            <a:schemeClr val="accent1"/>
-          </a:effectRef>
-          <a:fontRef idx="minor">
-            <a:schemeClr val="tx1"/>
-          </a:fontRef>
-        </p:style>
-      </p:cxnSp>
-      <p:sp>
-        <p:nvSpPr>
-          <p:cNvPr id="52" name="テキスト ボックス 51">
-            <a:extLst>
-              <a:ext uri="{FF2B5EF4-FFF2-40B4-BE49-F238E27FC236}">
-                <a16:creationId xmlns:a16="http://schemas.microsoft.com/office/drawing/2014/main" id="{AED1812C-C34D-E7D3-96B7-AE19E39B99FD}"/>
-              </a:ext>
-            </a:extLst>
-          </p:cNvPr>
-          <p:cNvSpPr txBox="1"/>
-          <p:nvPr/>
-        </p:nvSpPr>
-        <p:spPr>
-          <a:xfrm>
-            <a:off x="6322076" y="3326579"/>
-            <a:ext cx="761747" cy="369332"/>
-          </a:xfrm>
-          <a:prstGeom prst="rect">
-            <a:avLst/>
-          </a:prstGeom>
-          <a:noFill/>
-        </p:spPr>
-        <p:txBody>
-          <a:bodyPr wrap="none" rtlCol="0">
-            <a:spAutoFit/>
-          </a:bodyPr>
-          <a:lstStyle/>
-          <a:p>
-            <a:pPr marL="0" marR="0" lvl="0" indent="0" algn="l" defTabSz="914400" rtl="0" eaLnBrk="0" fontAlgn="base" latinLnBrk="0" hangingPunct="0">
-              <a:lnSpc>
-                <a:spcPct val="100000"/>
-              </a:lnSpc>
-              <a:spcBef>
-                <a:spcPct val="0"/>
-              </a:spcBef>
-              <a:spcAft>
-                <a:spcPct val="0"/>
-              </a:spcAft>
-              <a:buClrTx/>
-              <a:buSzTx/>
-              <a:buFontTx/>
-              <a:buNone/>
-              <a:tabLst/>
-            </a:pPr>
-            <a:r>
-              <a:rPr lang="en-US" altLang="ja-JP" dirty="0">
-                <a:solidFill>
-                  <a:srgbClr val="000000"/>
-                </a:solidFill>
-                <a:latin typeface="Arial Unicode MS"/>
-              </a:rPr>
-              <a:t>4.095</a:t>
-            </a:r>
-            <a:endParaRPr kumimoji="0" lang="ja-JP" altLang="ja-JP" sz="4000" b="0" i="0" u="none" strike="noStrike" cap="none" normalizeH="0" baseline="0" dirty="0">
-              <a:ln>
-                <a:noFill/>
-              </a:ln>
-              <a:solidFill>
-                <a:schemeClr val="tx1"/>
-              </a:solidFill>
-              <a:effectLst/>
-              <a:latin typeface="Arial" panose="020B0604020202020204" pitchFamily="34" charset="0"/>
-            </a:endParaRPr>
-          </a:p>
-        </p:txBody>
-      </p:sp>
-      <p:sp>
-        <p:nvSpPr>
-          <p:cNvPr id="53" name="テキスト ボックス 52">
-            <a:extLst>
-              <a:ext uri="{FF2B5EF4-FFF2-40B4-BE49-F238E27FC236}">
-                <a16:creationId xmlns:a16="http://schemas.microsoft.com/office/drawing/2014/main" id="{A79C68AA-BE68-67D9-3994-B449AA3728F3}"/>
-              </a:ext>
-            </a:extLst>
-          </p:cNvPr>
-          <p:cNvSpPr txBox="1"/>
-          <p:nvPr/>
-        </p:nvSpPr>
-        <p:spPr>
-          <a:xfrm>
-            <a:off x="6322076" y="3950060"/>
-            <a:ext cx="761747" cy="369332"/>
-          </a:xfrm>
-          <a:prstGeom prst="rect">
-            <a:avLst/>
-          </a:prstGeom>
-          <a:noFill/>
-        </p:spPr>
-        <p:txBody>
-          <a:bodyPr wrap="none" rtlCol="0">
-            <a:spAutoFit/>
-          </a:bodyPr>
-          <a:lstStyle/>
-          <a:p>
-            <a:pPr marL="0" marR="0" lvl="0" indent="0" algn="l" defTabSz="914400" rtl="0" eaLnBrk="0" fontAlgn="base" latinLnBrk="0" hangingPunct="0">
-              <a:lnSpc>
-                <a:spcPct val="100000"/>
-              </a:lnSpc>
-              <a:spcBef>
-                <a:spcPct val="0"/>
-              </a:spcBef>
-              <a:spcAft>
-                <a:spcPct val="0"/>
-              </a:spcAft>
-              <a:buClrTx/>
-              <a:buSzTx/>
-              <a:buFontTx/>
-              <a:buNone/>
-              <a:tabLst/>
-            </a:pPr>
-            <a:r>
-              <a:rPr lang="en-US" altLang="ja-JP" dirty="0">
-                <a:solidFill>
-                  <a:srgbClr val="000000"/>
-                </a:solidFill>
-                <a:latin typeface="Arial Unicode MS"/>
-              </a:rPr>
-              <a:t>4.108</a:t>
-            </a:r>
-            <a:endParaRPr kumimoji="0" lang="ja-JP" altLang="ja-JP" sz="4000" b="0" i="0" u="none" strike="noStrike" cap="none" normalizeH="0" baseline="0" dirty="0">
-              <a:ln>
-                <a:noFill/>
-              </a:ln>
-              <a:solidFill>
-                <a:schemeClr val="tx1"/>
-              </a:solidFill>
-              <a:effectLst/>
-              <a:latin typeface="Arial" panose="020B0604020202020204" pitchFamily="34" charset="0"/>
-            </a:endParaRPr>
-          </a:p>
-        </p:txBody>
-      </p:sp>
-      <p:sp>
-        <p:nvSpPr>
-          <p:cNvPr id="54" name="テキスト ボックス 53">
-            <a:extLst>
-              <a:ext uri="{FF2B5EF4-FFF2-40B4-BE49-F238E27FC236}">
-                <a16:creationId xmlns:a16="http://schemas.microsoft.com/office/drawing/2014/main" id="{0F43DA0F-9DBA-4E54-22DA-29B7B714D924}"/>
-              </a:ext>
-            </a:extLst>
-          </p:cNvPr>
-          <p:cNvSpPr txBox="1"/>
-          <p:nvPr/>
-        </p:nvSpPr>
-        <p:spPr>
-          <a:xfrm>
-            <a:off x="6322076" y="4576938"/>
-            <a:ext cx="761747" cy="369332"/>
-          </a:xfrm>
-          <a:prstGeom prst="rect">
-            <a:avLst/>
-          </a:prstGeom>
-          <a:noFill/>
-        </p:spPr>
-        <p:txBody>
-          <a:bodyPr wrap="none" rtlCol="0">
-            <a:spAutoFit/>
-          </a:bodyPr>
-          <a:lstStyle/>
-          <a:p>
-            <a:pPr marL="0" marR="0" lvl="0" indent="0" algn="l" defTabSz="914400" rtl="0" eaLnBrk="0" fontAlgn="base" latinLnBrk="0" hangingPunct="0">
-              <a:lnSpc>
-                <a:spcPct val="100000"/>
-              </a:lnSpc>
-              <a:spcBef>
-                <a:spcPct val="0"/>
-              </a:spcBef>
-              <a:spcAft>
-                <a:spcPct val="0"/>
-              </a:spcAft>
-              <a:buClrTx/>
-              <a:buSzTx/>
-              <a:buFontTx/>
-              <a:buNone/>
-              <a:tabLst/>
-            </a:pPr>
-            <a:r>
-              <a:rPr lang="en-US" altLang="ja-JP" dirty="0">
-                <a:solidFill>
-                  <a:srgbClr val="000000"/>
-                </a:solidFill>
-                <a:latin typeface="Arial Unicode MS"/>
-              </a:rPr>
-              <a:t>4.091</a:t>
-            </a:r>
-            <a:endParaRPr kumimoji="0" lang="ja-JP" altLang="ja-JP" sz="4000" b="0" i="0" u="none" strike="noStrike" cap="none" normalizeH="0" baseline="0" dirty="0">
-              <a:ln>
-                <a:noFill/>
-              </a:ln>
-              <a:solidFill>
-                <a:schemeClr val="tx1"/>
-              </a:solidFill>
-              <a:effectLst/>
-              <a:latin typeface="Arial" panose="020B0604020202020204" pitchFamily="34" charset="0"/>
-            </a:endParaRPr>
-          </a:p>
-        </p:txBody>
-      </p:sp>
-      <p:sp>
-        <p:nvSpPr>
-          <p:cNvPr id="55" name="テキスト ボックス 54">
-            <a:extLst>
-              <a:ext uri="{FF2B5EF4-FFF2-40B4-BE49-F238E27FC236}">
-                <a16:creationId xmlns:a16="http://schemas.microsoft.com/office/drawing/2014/main" id="{FBC167FD-6E65-3302-2F5D-25C695BC6302}"/>
-              </a:ext>
-            </a:extLst>
-          </p:cNvPr>
-          <p:cNvSpPr txBox="1"/>
-          <p:nvPr/>
-        </p:nvSpPr>
-        <p:spPr>
-          <a:xfrm>
-            <a:off x="6322076" y="5197283"/>
-            <a:ext cx="761747" cy="369332"/>
-          </a:xfrm>
-          <a:prstGeom prst="rect">
-            <a:avLst/>
-          </a:prstGeom>
-          <a:noFill/>
-        </p:spPr>
-        <p:txBody>
-          <a:bodyPr wrap="none" rtlCol="0">
-            <a:spAutoFit/>
-          </a:bodyPr>
-          <a:lstStyle/>
-          <a:p>
-            <a:pPr marL="0" marR="0" lvl="0" indent="0" algn="l" defTabSz="914400" rtl="0" eaLnBrk="0" fontAlgn="base" latinLnBrk="0" hangingPunct="0">
-              <a:lnSpc>
-                <a:spcPct val="100000"/>
-              </a:lnSpc>
-              <a:spcBef>
-                <a:spcPct val="0"/>
-              </a:spcBef>
-              <a:spcAft>
-                <a:spcPct val="0"/>
-              </a:spcAft>
-              <a:buClrTx/>
-              <a:buSzTx/>
-              <a:buFontTx/>
-              <a:buNone/>
-              <a:tabLst/>
-            </a:pPr>
-            <a:r>
-              <a:rPr kumimoji="0" lang="en-US" altLang="ja-JP" b="0" i="0" u="none" strike="noStrike" cap="none" normalizeH="0" baseline="0" dirty="0">
-                <a:ln>
-                  <a:noFill/>
-                </a:ln>
-                <a:solidFill>
-                  <a:srgbClr val="000000"/>
-                </a:solidFill>
-                <a:effectLst/>
-                <a:latin typeface="Arial Unicode MS"/>
-              </a:rPr>
-              <a:t>4.803</a:t>
-            </a:r>
-            <a:endParaRPr kumimoji="0" lang="ja-JP" altLang="ja-JP" b="0" i="0" u="none" strike="noStrike" cap="none" normalizeH="0" baseline="0" dirty="0">
-              <a:ln>
-                <a:noFill/>
-              </a:ln>
-              <a:solidFill>
-                <a:schemeClr val="tx1"/>
-              </a:solidFill>
-              <a:effectLst/>
-              <a:latin typeface="Arial" panose="020B0604020202020204" pitchFamily="34" charset="0"/>
-            </a:endParaRPr>
-          </a:p>
-        </p:txBody>
-      </p:sp>
-      <p:sp>
-        <p:nvSpPr>
-          <p:cNvPr id="56" name="テキスト ボックス 55">
-            <a:extLst>
-              <a:ext uri="{FF2B5EF4-FFF2-40B4-BE49-F238E27FC236}">
-                <a16:creationId xmlns:a16="http://schemas.microsoft.com/office/drawing/2014/main" id="{2B155091-9255-F8D9-72D3-AB6F8BF3FCBE}"/>
-              </a:ext>
-            </a:extLst>
-          </p:cNvPr>
-          <p:cNvSpPr txBox="1"/>
-          <p:nvPr/>
-        </p:nvSpPr>
-        <p:spPr>
-          <a:xfrm>
-            <a:off x="6322076" y="5729472"/>
-            <a:ext cx="744627" cy="369332"/>
-          </a:xfrm>
-          <a:prstGeom prst="rect">
-            <a:avLst/>
-          </a:prstGeom>
-          <a:noFill/>
-        </p:spPr>
-        <p:txBody>
-          <a:bodyPr wrap="none" rtlCol="0">
-            <a:spAutoFit/>
-          </a:bodyPr>
-          <a:lstStyle/>
-          <a:p>
-            <a:pPr marL="0" marR="0" lvl="0" indent="0" algn="l" defTabSz="914400" rtl="0" eaLnBrk="0" fontAlgn="base" latinLnBrk="0" hangingPunct="0">
-              <a:lnSpc>
-                <a:spcPct val="100000"/>
-              </a:lnSpc>
-              <a:spcBef>
-                <a:spcPct val="0"/>
-              </a:spcBef>
-              <a:spcAft>
-                <a:spcPct val="0"/>
-              </a:spcAft>
-              <a:buClrTx/>
-              <a:buSzTx/>
-              <a:buFontTx/>
-              <a:buNone/>
-              <a:tabLst/>
-            </a:pPr>
-            <a:r>
-              <a:rPr lang="en-US" altLang="ja-JP" dirty="0">
-                <a:solidFill>
-                  <a:srgbClr val="000000"/>
-                </a:solidFill>
-                <a:latin typeface="Arial Unicode MS"/>
-              </a:rPr>
-              <a:t>4.118</a:t>
-            </a:r>
-            <a:endParaRPr kumimoji="0" lang="ja-JP" altLang="ja-JP" sz="4000" b="0" i="0" u="none" strike="noStrike" cap="none" normalizeH="0" baseline="0" dirty="0">
-              <a:ln>
-                <a:noFill/>
-              </a:ln>
-              <a:solidFill>
-                <a:schemeClr val="tx1"/>
-              </a:solidFill>
-              <a:effectLst/>
-              <a:latin typeface="Arial" panose="020B0604020202020204" pitchFamily="34" charset="0"/>
-            </a:endParaRPr>
-          </a:p>
-        </p:txBody>
-      </p:sp>
-    </p:spTree>
-    <p:extLst>
-      <p:ext uri="{BB962C8B-B14F-4D97-AF65-F5344CB8AC3E}">
-        <p14:creationId xmlns:p14="http://schemas.microsoft.com/office/powerpoint/2010/main" val="3706349638"/>
-      </p:ext>
-    </p:extLst>
-  </p:cSld>
-  <p:clrMapOvr>
-    <a:masterClrMapping/>
-  </p:clrMapOvr>
-</p:sld>
-</file>
-
-<file path=ppt/slides/slide8.xml><?xml version="1.0" encoding="utf-8"?>
+<file path=ppt/slides/slide10.xml><?xml version="1.0" encoding="utf-8"?>
 <p:sld xmlns:a="http://schemas.openxmlformats.org/drawingml/2006/main" xmlns:r="http://schemas.openxmlformats.org/officeDocument/2006/relationships" xmlns:p="http://schemas.openxmlformats.org/presentationml/2006/main">
   <p:cSld>
     <p:spTree>
@@ -8614,823 +5795,7 @@
           <a:p>
             <a:fld id="{ECBD650F-6923-4A4C-ADE2-BB0B86E7CCFF}" type="slidenum">
               <a:rPr lang="zh-CN" altLang="en-US" smtClean="0"/>
-              <a:t>8</a:t>
-            </a:fld>
-            <a:endParaRPr lang="zh-CN" altLang="en-US"/>
-          </a:p>
-        </p:txBody>
-      </p:sp>
-      <p:sp>
-        <p:nvSpPr>
-          <p:cNvPr id="3" name="标题 1">
-            <a:extLst>
-              <a:ext uri="{FF2B5EF4-FFF2-40B4-BE49-F238E27FC236}">
-                <a16:creationId xmlns:a16="http://schemas.microsoft.com/office/drawing/2014/main" id="{E4DC6089-44D4-79F9-F14F-631F10865894}"/>
-              </a:ext>
-            </a:extLst>
-          </p:cNvPr>
-          <p:cNvSpPr txBox="1">
-            <a:spLocks/>
-          </p:cNvSpPr>
-          <p:nvPr/>
-        </p:nvSpPr>
-        <p:spPr>
-          <a:xfrm>
-            <a:off x="838200" y="365125"/>
-            <a:ext cx="10515600" cy="1325563"/>
-          </a:xfrm>
-          <a:prstGeom prst="rect">
-            <a:avLst/>
-          </a:prstGeom>
-        </p:spPr>
-        <p:txBody>
-          <a:bodyPr>
-            <a:normAutofit/>
-          </a:bodyPr>
-          <a:lstStyle>
-            <a:lvl1pPr algn="l" defTabSz="914400" rtl="0" eaLnBrk="1" latinLnBrk="0" hangingPunct="1">
-              <a:lnSpc>
-                <a:spcPct val="90000"/>
-              </a:lnSpc>
-              <a:spcBef>
-                <a:spcPct val="0"/>
-              </a:spcBef>
-              <a:buNone/>
-              <a:defRPr kumimoji="1" sz="4400" kern="1200">
-                <a:solidFill>
-                  <a:schemeClr val="tx1"/>
-                </a:solidFill>
-                <a:latin typeface="+mj-lt"/>
-                <a:ea typeface="+mj-ea"/>
-                <a:cs typeface="+mj-cs"/>
-              </a:defRPr>
-            </a:lvl1pPr>
-          </a:lstStyle>
-          <a:p>
-            <a:r>
-              <a:rPr lang="en-US" altLang="ja-JP" sz="3600" dirty="0">
-                <a:latin typeface="BIZ UDPゴシック" panose="020B0400000000000000" pitchFamily="50" charset="-128"/>
-                <a:ea typeface="BIZ UDPゴシック" panose="020B0400000000000000" pitchFamily="50" charset="-128"/>
-              </a:rPr>
-              <a:t>6 </a:t>
-            </a:r>
-            <a:r>
-              <a:rPr lang="ja-JP" altLang="en-US" sz="3600" dirty="0">
-                <a:latin typeface="BIZ UDPゴシック" panose="020B0400000000000000" pitchFamily="50" charset="-128"/>
-                <a:ea typeface="BIZ UDPゴシック" panose="020B0400000000000000" pitchFamily="50" charset="-128"/>
-              </a:rPr>
-              <a:t>今後の予定</a:t>
-            </a:r>
-            <a:endParaRPr lang="zh-CN" altLang="en-US" sz="3600" dirty="0">
-              <a:latin typeface="BIZ UDPゴシック" panose="020B0400000000000000" pitchFamily="50" charset="-128"/>
-              <a:ea typeface="BIZ UDPゴシック" panose="020B0400000000000000" pitchFamily="50" charset="-128"/>
-            </a:endParaRPr>
-          </a:p>
-        </p:txBody>
-      </p:sp>
-      <mc:AlternateContent xmlns:mc="http://schemas.openxmlformats.org/markup-compatibility/2006">
-        <mc:Choice xmlns:a14="http://schemas.microsoft.com/office/drawing/2010/main" Requires="a14">
-          <p:sp>
-            <p:nvSpPr>
-              <p:cNvPr id="7" name="テキスト ボックス 6">
-                <a:extLst>
-                  <a:ext uri="{FF2B5EF4-FFF2-40B4-BE49-F238E27FC236}">
-                    <a16:creationId xmlns:a16="http://schemas.microsoft.com/office/drawing/2014/main" id="{09435954-A5B9-D4C1-EAFB-68547C23F01F}"/>
-                  </a:ext>
-                </a:extLst>
-              </p:cNvPr>
-              <p:cNvSpPr txBox="1"/>
-              <p:nvPr/>
-            </p:nvSpPr>
-            <p:spPr>
-              <a:xfrm>
-                <a:off x="1608233" y="1213634"/>
-                <a:ext cx="8975534" cy="1384995"/>
-              </a:xfrm>
-              <a:prstGeom prst="rect">
-                <a:avLst/>
-              </a:prstGeom>
-              <a:noFill/>
-            </p:spPr>
-            <p:txBody>
-              <a:bodyPr wrap="none" rtlCol="0">
-                <a:spAutoFit/>
-              </a:bodyPr>
-              <a:lstStyle/>
-              <a:p>
-                <a:r>
-                  <a:rPr kumimoji="1" lang="en-US" altLang="ja-JP" sz="2800" dirty="0">
-                    <a:latin typeface="BIZ UDPゴシック" panose="020B0400000000000000" pitchFamily="50" charset="-128"/>
-                    <a:ea typeface="BIZ UDPゴシック" panose="020B0400000000000000" pitchFamily="50" charset="-128"/>
-                  </a:rPr>
-                  <a:t>DFT</a:t>
-                </a:r>
-                <a:r>
-                  <a:rPr kumimoji="1" lang="ja-JP" altLang="en-US" sz="2800" dirty="0">
-                    <a:latin typeface="BIZ UDPゴシック" panose="020B0400000000000000" pitchFamily="50" charset="-128"/>
-                    <a:ea typeface="BIZ UDPゴシック" panose="020B0400000000000000" pitchFamily="50" charset="-128"/>
-                  </a:rPr>
-                  <a:t>法で</a:t>
-                </a:r>
-                <a:r>
-                  <a:rPr kumimoji="1" lang="en-US" altLang="ja-JP" sz="2800" dirty="0">
-                    <a:latin typeface="BIZ UDPゴシック" panose="020B0400000000000000" pitchFamily="50" charset="-128"/>
-                    <a:ea typeface="BIZ UDPゴシック" panose="020B0400000000000000" pitchFamily="50" charset="-128"/>
-                  </a:rPr>
-                  <a:t>CO</a:t>
-                </a:r>
-                <a:r>
-                  <a:rPr kumimoji="1" lang="ja-JP" altLang="en-US" sz="2800" dirty="0">
-                    <a:latin typeface="BIZ UDPゴシック" panose="020B0400000000000000" pitchFamily="50" charset="-128"/>
-                    <a:ea typeface="BIZ UDPゴシック" panose="020B0400000000000000" pitchFamily="50" charset="-128"/>
-                  </a:rPr>
-                  <a:t>分子と</a:t>
-                </a:r>
-                <a:r>
-                  <a:rPr kumimoji="1" lang="en-US" altLang="ja-JP" sz="2800" dirty="0">
-                    <a:latin typeface="BIZ UDPゴシック" panose="020B0400000000000000" pitchFamily="50" charset="-128"/>
-                    <a:ea typeface="BIZ UDPゴシック" panose="020B0400000000000000" pitchFamily="50" charset="-128"/>
-                  </a:rPr>
-                  <a:t>H</a:t>
-                </a:r>
-                <a:r>
-                  <a:rPr kumimoji="1" lang="ja-JP" altLang="en-US" sz="2800" dirty="0">
-                    <a:latin typeface="BIZ UDPゴシック" panose="020B0400000000000000" pitchFamily="50" charset="-128"/>
-                    <a:ea typeface="BIZ UDPゴシック" panose="020B0400000000000000" pitchFamily="50" charset="-128"/>
-                  </a:rPr>
-                  <a:t>原子が氷表面での反応を計算する</a:t>
-                </a:r>
-              </a:p>
-              <a:p>
-                <a:endParaRPr kumimoji="1" lang="en-US" altLang="ja-JP" sz="2800" dirty="0">
-                  <a:latin typeface="BIZ UDPゴシック" panose="020B0400000000000000" pitchFamily="50" charset="-128"/>
-                  <a:ea typeface="BIZ UDPゴシック" panose="020B0400000000000000" pitchFamily="50" charset="-128"/>
-                </a:endParaRPr>
-              </a:p>
-              <a:p>
-                <a:pPr/>
-                <a14:m>
-                  <m:oMath xmlns:m="http://schemas.openxmlformats.org/officeDocument/2006/math">
-                    <m:r>
-                      <m:rPr>
-                        <m:sty m:val="p"/>
-                      </m:rPr>
-                      <a:rPr kumimoji="1" lang="en-US" altLang="ja-JP" sz="2800" i="0" dirty="0" smtClean="0">
-                        <a:latin typeface="Cambria Math" panose="02040503050406030204" pitchFamily="18" charset="0"/>
-                      </a:rPr>
-                      <m:t>H</m:t>
-                    </m:r>
-                    <m:r>
-                      <a:rPr kumimoji="1" lang="en-US" altLang="ja-JP" sz="2800" i="0" dirty="0" smtClean="0">
-                        <a:latin typeface="Cambria Math" panose="02040503050406030204" pitchFamily="18" charset="0"/>
-                      </a:rPr>
-                      <m:t>+</m:t>
-                    </m:r>
-                    <m:r>
-                      <m:rPr>
-                        <m:sty m:val="p"/>
-                      </m:rPr>
-                      <a:rPr kumimoji="1" lang="en-US" altLang="ja-JP" sz="2800" i="0" dirty="0" smtClean="0">
-                        <a:latin typeface="Cambria Math" panose="02040503050406030204" pitchFamily="18" charset="0"/>
-                      </a:rPr>
-                      <m:t>CO</m:t>
-                    </m:r>
-                    <m:r>
-                      <a:rPr kumimoji="1" lang="en-US" altLang="ja-JP" sz="2800" b="0" i="0" dirty="0" smtClean="0">
-                        <a:latin typeface="Cambria Math" panose="02040503050406030204" pitchFamily="18" charset="0"/>
-                      </a:rPr>
-                      <m:t>+</m:t>
-                    </m:r>
-                    <m:sSub>
-                      <m:sSubPr>
-                        <m:ctrlPr>
-                          <a:rPr kumimoji="1" lang="en-US" altLang="ja-JP" sz="2800" b="0" i="0" dirty="0" smtClean="0">
-                            <a:latin typeface="Cambria Math" panose="02040503050406030204" pitchFamily="18" charset="0"/>
-                          </a:rPr>
-                        </m:ctrlPr>
-                      </m:sSubPr>
-                      <m:e>
-                        <m:r>
-                          <m:rPr>
-                            <m:sty m:val="p"/>
-                          </m:rPr>
-                          <a:rPr kumimoji="1" lang="en-US" altLang="ja-JP" sz="2800" b="0" i="0" dirty="0" smtClean="0">
-                            <a:latin typeface="Cambria Math" panose="02040503050406030204" pitchFamily="18" charset="0"/>
-                          </a:rPr>
-                          <m:t>H</m:t>
-                        </m:r>
-                      </m:e>
-                      <m:sub>
-                        <m:r>
-                          <a:rPr kumimoji="1" lang="en-US" altLang="ja-JP" sz="2800" b="0" i="0" dirty="0" smtClean="0">
-                            <a:latin typeface="Cambria Math" panose="02040503050406030204" pitchFamily="18" charset="0"/>
-                          </a:rPr>
-                          <m:t>2</m:t>
-                        </m:r>
-                      </m:sub>
-                    </m:sSub>
-                    <m:r>
-                      <m:rPr>
-                        <m:sty m:val="p"/>
-                      </m:rPr>
-                      <a:rPr kumimoji="1" lang="en-US" altLang="ja-JP" sz="2800" b="0" i="0" dirty="0" smtClean="0">
-                        <a:latin typeface="Cambria Math" panose="02040503050406030204" pitchFamily="18" charset="0"/>
-                      </a:rPr>
-                      <m:t>O</m:t>
-                    </m:r>
-                  </m:oMath>
-                </a14:m>
-                <a:r>
-                  <a:rPr kumimoji="1" lang="en-US" altLang="ja-JP" sz="2800" dirty="0"/>
-                  <a:t>(</a:t>
-                </a:r>
-                <a:r>
-                  <a:rPr kumimoji="1" lang="ja-JP" altLang="en-US" sz="2800" dirty="0"/>
-                  <a:t>氷表面</a:t>
-                </a:r>
-                <a:r>
-                  <a:rPr kumimoji="1" lang="en-US" altLang="ja-JP" sz="2800" dirty="0"/>
-                  <a:t>)</a:t>
-                </a:r>
-                <a:endParaRPr kumimoji="1" lang="ja-JP" altLang="en-US" sz="2800" dirty="0"/>
-              </a:p>
-            </p:txBody>
-          </p:sp>
-        </mc:Choice>
-        <mc:Fallback>
-          <p:sp>
-            <p:nvSpPr>
-              <p:cNvPr id="7" name="テキスト ボックス 6">
-                <a:extLst>
-                  <a:ext uri="{FF2B5EF4-FFF2-40B4-BE49-F238E27FC236}">
-                    <a16:creationId xmlns:a16="http://schemas.microsoft.com/office/drawing/2014/main" id="{09435954-A5B9-D4C1-EAFB-68547C23F01F}"/>
-                  </a:ext>
-                </a:extLst>
-              </p:cNvPr>
-              <p:cNvSpPr txBox="1">
-                <a:spLocks noRot="1" noChangeAspect="1" noMove="1" noResize="1" noEditPoints="1" noAdjustHandles="1" noChangeArrowheads="1" noChangeShapeType="1" noTextEdit="1"/>
-              </p:cNvSpPr>
-              <p:nvPr/>
-            </p:nvSpPr>
-            <p:spPr>
-              <a:xfrm>
-                <a:off x="1608233" y="1213634"/>
-                <a:ext cx="8975534" cy="1384995"/>
-              </a:xfrm>
-              <a:prstGeom prst="rect">
-                <a:avLst/>
-              </a:prstGeom>
-              <a:blipFill>
-                <a:blip r:embed="rId2"/>
-                <a:stretch>
-                  <a:fillRect l="-1427" t="-4405" r="-68" b="-11894"/>
-                </a:stretch>
-              </a:blipFill>
-            </p:spPr>
-            <p:txBody>
-              <a:bodyPr/>
-              <a:lstStyle/>
-              <a:p>
-                <a:r>
-                  <a:rPr lang="ja-JP" altLang="en-US">
-                    <a:noFill/>
-                  </a:rPr>
-                  <a:t> </a:t>
-                </a:r>
-              </a:p>
-            </p:txBody>
-          </p:sp>
-        </mc:Fallback>
-      </mc:AlternateContent>
-      <p:pic>
-        <p:nvPicPr>
-          <p:cNvPr id="14" name="図 13">
-            <a:extLst>
-              <a:ext uri="{FF2B5EF4-FFF2-40B4-BE49-F238E27FC236}">
-                <a16:creationId xmlns:a16="http://schemas.microsoft.com/office/drawing/2014/main" id="{89525760-CCFA-91AA-8779-BE56AAA2991F}"/>
-              </a:ext>
-            </a:extLst>
-          </p:cNvPr>
-          <p:cNvPicPr>
-            <a:picLocks noChangeAspect="1"/>
-          </p:cNvPicPr>
-          <p:nvPr/>
-        </p:nvPicPr>
-        <p:blipFill>
-          <a:blip r:embed="rId3"/>
-          <a:stretch>
-            <a:fillRect/>
-          </a:stretch>
-        </p:blipFill>
-        <p:spPr>
-          <a:xfrm>
-            <a:off x="1608233" y="2835211"/>
-            <a:ext cx="4883401" cy="2495678"/>
-          </a:xfrm>
-          <a:prstGeom prst="rect">
-            <a:avLst/>
-          </a:prstGeom>
-        </p:spPr>
-      </p:pic>
-      <mc:AlternateContent xmlns:mc="http://schemas.openxmlformats.org/markup-compatibility/2006">
-        <mc:Choice xmlns:a14="http://schemas.microsoft.com/office/drawing/2010/main" Requires="a14">
-          <p:sp>
-            <p:nvSpPr>
-              <p:cNvPr id="15" name="テキスト ボックス 14">
-                <a:extLst>
-                  <a:ext uri="{FF2B5EF4-FFF2-40B4-BE49-F238E27FC236}">
-                    <a16:creationId xmlns:a16="http://schemas.microsoft.com/office/drawing/2014/main" id="{4352E1D4-4683-F0D1-0F03-0232089D81DB}"/>
-                  </a:ext>
-                </a:extLst>
-              </p:cNvPr>
-              <p:cNvSpPr txBox="1"/>
-              <p:nvPr/>
-            </p:nvSpPr>
-            <p:spPr>
-              <a:xfrm>
-                <a:off x="1608233" y="5473005"/>
-                <a:ext cx="4209486" cy="523220"/>
-              </a:xfrm>
-              <a:prstGeom prst="rect">
-                <a:avLst/>
-              </a:prstGeom>
-              <a:noFill/>
-            </p:spPr>
-            <p:txBody>
-              <a:bodyPr wrap="none" rtlCol="0">
-                <a:spAutoFit/>
-              </a:bodyPr>
-              <a:lstStyle/>
-              <a:p>
-                <a14:m>
-                  <m:oMath xmlns:m="http://schemas.openxmlformats.org/officeDocument/2006/math">
-                    <m:r>
-                      <m:rPr>
-                        <m:sty m:val="p"/>
-                      </m:rPr>
-                      <a:rPr kumimoji="1" lang="en-US" altLang="ja-JP" sz="2800" i="0" dirty="0" smtClean="0">
-                        <a:latin typeface="Cambria Math" panose="02040503050406030204" pitchFamily="18" charset="0"/>
-                      </a:rPr>
-                      <m:t>CO</m:t>
-                    </m:r>
-                    <m:r>
-                      <a:rPr kumimoji="1" lang="en-US" altLang="ja-JP" sz="2800" b="0" i="0" dirty="0" smtClean="0">
-                        <a:latin typeface="Cambria Math" panose="02040503050406030204" pitchFamily="18" charset="0"/>
-                      </a:rPr>
-                      <m:t>+</m:t>
-                    </m:r>
-                    <m:sSub>
-                      <m:sSubPr>
-                        <m:ctrlPr>
-                          <a:rPr kumimoji="1" lang="en-US" altLang="ja-JP" sz="2800" b="0" i="1" dirty="0" smtClean="0">
-                            <a:latin typeface="Cambria Math" panose="02040503050406030204" pitchFamily="18" charset="0"/>
-                          </a:rPr>
-                        </m:ctrlPr>
-                      </m:sSubPr>
-                      <m:e>
-                        <m:r>
-                          <m:rPr>
-                            <m:sty m:val="p"/>
-                          </m:rPr>
-                          <a:rPr kumimoji="1" lang="en-US" altLang="ja-JP" sz="2800" b="0" i="0" dirty="0" smtClean="0">
-                            <a:latin typeface="Cambria Math" panose="02040503050406030204" pitchFamily="18" charset="0"/>
-                          </a:rPr>
-                          <m:t>H</m:t>
-                        </m:r>
-                      </m:e>
-                      <m:sub>
-                        <m:r>
-                          <a:rPr kumimoji="1" lang="en-US" altLang="ja-JP" sz="2800" b="0" i="0" dirty="0" smtClean="0">
-                            <a:latin typeface="Cambria Math" panose="02040503050406030204" pitchFamily="18" charset="0"/>
-                          </a:rPr>
-                          <m:t>2</m:t>
-                        </m:r>
-                      </m:sub>
-                    </m:sSub>
-                    <m:r>
-                      <m:rPr>
-                        <m:sty m:val="p"/>
-                      </m:rPr>
-                      <a:rPr kumimoji="1" lang="en-US" altLang="ja-JP" sz="2800" b="0" i="0" dirty="0" smtClean="0">
-                        <a:latin typeface="Cambria Math" panose="02040503050406030204" pitchFamily="18" charset="0"/>
-                      </a:rPr>
-                      <m:t>O</m:t>
-                    </m:r>
-                  </m:oMath>
-                </a14:m>
-                <a:r>
-                  <a:rPr kumimoji="1" lang="ja-JP" altLang="en-US" sz="2800" dirty="0">
-                    <a:latin typeface="BIZ UDPゴシック" panose="020B0400000000000000" pitchFamily="50" charset="-128"/>
-                    <a:ea typeface="BIZ UDPゴシック" panose="020B0400000000000000" pitchFamily="50" charset="-128"/>
-                  </a:rPr>
-                  <a:t>の最安定の構造</a:t>
-                </a:r>
-                <a:endParaRPr kumimoji="1" lang="en-US" altLang="ja-JP" sz="2800" dirty="0">
-                  <a:latin typeface="BIZ UDPゴシック" panose="020B0400000000000000" pitchFamily="50" charset="-128"/>
-                  <a:ea typeface="BIZ UDPゴシック" panose="020B0400000000000000" pitchFamily="50" charset="-128"/>
-                </a:endParaRPr>
-              </a:p>
-            </p:txBody>
-          </p:sp>
-        </mc:Choice>
-        <mc:Fallback>
-          <p:sp>
-            <p:nvSpPr>
-              <p:cNvPr id="15" name="テキスト ボックス 14">
-                <a:extLst>
-                  <a:ext uri="{FF2B5EF4-FFF2-40B4-BE49-F238E27FC236}">
-                    <a16:creationId xmlns:a16="http://schemas.microsoft.com/office/drawing/2014/main" id="{4352E1D4-4683-F0D1-0F03-0232089D81DB}"/>
-                  </a:ext>
-                </a:extLst>
-              </p:cNvPr>
-              <p:cNvSpPr txBox="1">
-                <a:spLocks noRot="1" noChangeAspect="1" noMove="1" noResize="1" noEditPoints="1" noAdjustHandles="1" noChangeArrowheads="1" noChangeShapeType="1" noTextEdit="1"/>
-              </p:cNvSpPr>
-              <p:nvPr/>
-            </p:nvSpPr>
-            <p:spPr>
-              <a:xfrm>
-                <a:off x="1608233" y="5473005"/>
-                <a:ext cx="4209486" cy="523220"/>
-              </a:xfrm>
-              <a:prstGeom prst="rect">
-                <a:avLst/>
-              </a:prstGeom>
-              <a:blipFill>
-                <a:blip r:embed="rId4"/>
-                <a:stretch>
-                  <a:fillRect t="-17442" r="-1739" b="-26744"/>
-                </a:stretch>
-              </a:blipFill>
-            </p:spPr>
-            <p:txBody>
-              <a:bodyPr/>
-              <a:lstStyle/>
-              <a:p>
-                <a:r>
-                  <a:rPr lang="ja-JP" altLang="en-US">
-                    <a:noFill/>
-                  </a:rPr>
-                  <a:t> </a:t>
-                </a:r>
-              </a:p>
-            </p:txBody>
-          </p:sp>
-        </mc:Fallback>
-      </mc:AlternateContent>
-      <mc:AlternateContent xmlns:mc="http://schemas.openxmlformats.org/markup-compatibility/2006">
-        <mc:Choice xmlns:a14="http://schemas.microsoft.com/office/drawing/2010/main" Requires="a14">
-          <p:sp>
-            <p:nvSpPr>
-              <p:cNvPr id="16" name="テキスト ボックス 15">
-                <a:extLst>
-                  <a:ext uri="{FF2B5EF4-FFF2-40B4-BE49-F238E27FC236}">
-                    <a16:creationId xmlns:a16="http://schemas.microsoft.com/office/drawing/2014/main" id="{A2C2ED54-6A56-F046-6041-E532A73846A5}"/>
-                  </a:ext>
-                </a:extLst>
-              </p:cNvPr>
-              <p:cNvSpPr txBox="1"/>
-              <p:nvPr/>
-            </p:nvSpPr>
-            <p:spPr>
-              <a:xfrm>
-                <a:off x="7043833" y="5473005"/>
-                <a:ext cx="3172663" cy="523220"/>
-              </a:xfrm>
-              <a:prstGeom prst="rect">
-                <a:avLst/>
-              </a:prstGeom>
-              <a:noFill/>
-            </p:spPr>
-            <p:txBody>
-              <a:bodyPr wrap="none" rtlCol="0">
-                <a:spAutoFit/>
-              </a:bodyPr>
-              <a:lstStyle/>
-              <a:p>
-                <a14:m>
-                  <m:oMath xmlns:m="http://schemas.openxmlformats.org/officeDocument/2006/math">
-                    <m:r>
-                      <m:rPr>
-                        <m:sty m:val="p"/>
-                      </m:rPr>
-                      <a:rPr kumimoji="1" lang="en-US" altLang="ja-JP" sz="2800" dirty="0">
-                        <a:latin typeface="Cambria Math" panose="02040503050406030204" pitchFamily="18" charset="0"/>
-                      </a:rPr>
-                      <m:t>H</m:t>
-                    </m:r>
-                  </m:oMath>
-                </a14:m>
-                <a:r>
-                  <a:rPr kumimoji="1" lang="ja-JP" altLang="en-US" sz="2800" dirty="0">
-                    <a:latin typeface="BIZ UDPゴシック" panose="020B0400000000000000" pitchFamily="50" charset="-128"/>
-                    <a:ea typeface="BIZ UDPゴシック" panose="020B0400000000000000" pitchFamily="50" charset="-128"/>
-                  </a:rPr>
-                  <a:t>をくっつける構造</a:t>
-                </a:r>
-                <a:endParaRPr kumimoji="1" lang="en-US" altLang="ja-JP" sz="2800" dirty="0">
-                  <a:latin typeface="BIZ UDPゴシック" panose="020B0400000000000000" pitchFamily="50" charset="-128"/>
-                  <a:ea typeface="BIZ UDPゴシック" panose="020B0400000000000000" pitchFamily="50" charset="-128"/>
-                </a:endParaRPr>
-              </a:p>
-            </p:txBody>
-          </p:sp>
-        </mc:Choice>
-        <mc:Fallback>
-          <p:sp>
-            <p:nvSpPr>
-              <p:cNvPr id="16" name="テキスト ボックス 15">
-                <a:extLst>
-                  <a:ext uri="{FF2B5EF4-FFF2-40B4-BE49-F238E27FC236}">
-                    <a16:creationId xmlns:a16="http://schemas.microsoft.com/office/drawing/2014/main" id="{A2C2ED54-6A56-F046-6041-E532A73846A5}"/>
-                  </a:ext>
-                </a:extLst>
-              </p:cNvPr>
-              <p:cNvSpPr txBox="1">
-                <a:spLocks noRot="1" noChangeAspect="1" noMove="1" noResize="1" noEditPoints="1" noAdjustHandles="1" noChangeArrowheads="1" noChangeShapeType="1" noTextEdit="1"/>
-              </p:cNvSpPr>
-              <p:nvPr/>
-            </p:nvSpPr>
-            <p:spPr>
-              <a:xfrm>
-                <a:off x="7043833" y="5473005"/>
-                <a:ext cx="3172663" cy="523220"/>
-              </a:xfrm>
-              <a:prstGeom prst="rect">
-                <a:avLst/>
-              </a:prstGeom>
-              <a:blipFill>
-                <a:blip r:embed="rId5"/>
-                <a:stretch>
-                  <a:fillRect t="-17442" r="-2495" b="-26744"/>
-                </a:stretch>
-              </a:blipFill>
-            </p:spPr>
-            <p:txBody>
-              <a:bodyPr/>
-              <a:lstStyle/>
-              <a:p>
-                <a:r>
-                  <a:rPr lang="ja-JP" altLang="en-US">
-                    <a:noFill/>
-                  </a:rPr>
-                  <a:t> </a:t>
-                </a:r>
-              </a:p>
-            </p:txBody>
-          </p:sp>
-        </mc:Fallback>
-      </mc:AlternateContent>
-      <p:pic>
-        <p:nvPicPr>
-          <p:cNvPr id="22" name="図 21">
-            <a:extLst>
-              <a:ext uri="{FF2B5EF4-FFF2-40B4-BE49-F238E27FC236}">
-                <a16:creationId xmlns:a16="http://schemas.microsoft.com/office/drawing/2014/main" id="{4B21E169-CDE5-0359-53E9-62832B978153}"/>
-              </a:ext>
-            </a:extLst>
-          </p:cNvPr>
-          <p:cNvPicPr>
-            <a:picLocks noChangeAspect="1"/>
-          </p:cNvPicPr>
-          <p:nvPr/>
-        </p:nvPicPr>
-        <p:blipFill rotWithShape="1">
-          <a:blip r:embed="rId6"/>
-          <a:srcRect l="67887" t="-248" r="-21" b="69087"/>
-          <a:stretch/>
-        </p:blipFill>
-        <p:spPr>
-          <a:xfrm>
-            <a:off x="8189072" y="1958677"/>
-            <a:ext cx="1289049" cy="1009649"/>
-          </a:xfrm>
-          <a:prstGeom prst="rect">
-            <a:avLst/>
-          </a:prstGeom>
-        </p:spPr>
-      </p:pic>
-      <p:pic>
-        <p:nvPicPr>
-          <p:cNvPr id="23" name="図 22">
-            <a:extLst>
-              <a:ext uri="{FF2B5EF4-FFF2-40B4-BE49-F238E27FC236}">
-                <a16:creationId xmlns:a16="http://schemas.microsoft.com/office/drawing/2014/main" id="{85B72907-1AA6-4CC0-0FF5-FCFD9C61C45F}"/>
-              </a:ext>
-            </a:extLst>
-          </p:cNvPr>
-          <p:cNvPicPr>
-            <a:picLocks noChangeAspect="1"/>
-          </p:cNvPicPr>
-          <p:nvPr/>
-        </p:nvPicPr>
-        <p:blipFill>
-          <a:blip r:embed="rId3"/>
-          <a:stretch>
-            <a:fillRect/>
-          </a:stretch>
-        </p:blipFill>
-        <p:spPr>
-          <a:xfrm>
-            <a:off x="6846824" y="3494889"/>
-            <a:ext cx="3592576" cy="1836000"/>
-          </a:xfrm>
-          <a:prstGeom prst="rect">
-            <a:avLst/>
-          </a:prstGeom>
-        </p:spPr>
-      </p:pic>
-      <mc:AlternateContent xmlns:mc="http://schemas.openxmlformats.org/markup-compatibility/2006">
-        <mc:Choice xmlns:a14="http://schemas.microsoft.com/office/drawing/2010/main" Requires="a14">
-          <p:sp>
-            <p:nvSpPr>
-              <p:cNvPr id="24" name="テキスト ボックス 23">
-                <a:extLst>
-                  <a:ext uri="{FF2B5EF4-FFF2-40B4-BE49-F238E27FC236}">
-                    <a16:creationId xmlns:a16="http://schemas.microsoft.com/office/drawing/2014/main" id="{D425F07F-3D79-405F-E5C5-7E8CE29F0B8C}"/>
-                  </a:ext>
-                </a:extLst>
-              </p:cNvPr>
-              <p:cNvSpPr txBox="1"/>
-              <p:nvPr/>
-            </p:nvSpPr>
-            <p:spPr>
-              <a:xfrm>
-                <a:off x="8516844" y="2935515"/>
-                <a:ext cx="633507" cy="646331"/>
-              </a:xfrm>
-              <a:prstGeom prst="rect">
-                <a:avLst/>
-              </a:prstGeom>
-              <a:noFill/>
-            </p:spPr>
-            <p:txBody>
-              <a:bodyPr wrap="none" rtlCol="0">
-                <a:spAutoFit/>
-              </a:bodyPr>
-              <a:lstStyle/>
-              <a:p>
-                <a14:m>
-                  <m:oMathPara xmlns:m="http://schemas.openxmlformats.org/officeDocument/2006/math">
-                    <m:oMathParaPr>
-                      <m:jc m:val="centerGroup"/>
-                    </m:oMathParaPr>
-                    <m:oMath xmlns:m="http://schemas.openxmlformats.org/officeDocument/2006/math">
-                      <m:r>
-                        <a:rPr kumimoji="1" lang="en-US" altLang="ja-JP" sz="3600" b="0" i="0" dirty="0" smtClean="0">
-                          <a:latin typeface="Cambria Math" panose="02040503050406030204" pitchFamily="18" charset="0"/>
-                        </a:rPr>
-                        <m:t>+</m:t>
-                      </m:r>
-                    </m:oMath>
-                  </m:oMathPara>
-                </a14:m>
-                <a:endParaRPr kumimoji="1" lang="ja-JP" altLang="en-US" sz="3600" dirty="0"/>
-              </a:p>
-            </p:txBody>
-          </p:sp>
-        </mc:Choice>
-        <mc:Fallback>
-          <p:sp>
-            <p:nvSpPr>
-              <p:cNvPr id="24" name="テキスト ボックス 23">
-                <a:extLst>
-                  <a:ext uri="{FF2B5EF4-FFF2-40B4-BE49-F238E27FC236}">
-                    <a16:creationId xmlns:a16="http://schemas.microsoft.com/office/drawing/2014/main" id="{D425F07F-3D79-405F-E5C5-7E8CE29F0B8C}"/>
-                  </a:ext>
-                </a:extLst>
-              </p:cNvPr>
-              <p:cNvSpPr txBox="1">
-                <a:spLocks noRot="1" noChangeAspect="1" noMove="1" noResize="1" noEditPoints="1" noAdjustHandles="1" noChangeArrowheads="1" noChangeShapeType="1" noTextEdit="1"/>
-              </p:cNvSpPr>
-              <p:nvPr/>
-            </p:nvSpPr>
-            <p:spPr>
-              <a:xfrm>
-                <a:off x="8516844" y="2935515"/>
-                <a:ext cx="633507" cy="646331"/>
-              </a:xfrm>
-              <a:prstGeom prst="rect">
-                <a:avLst/>
-              </a:prstGeom>
-              <a:blipFill>
-                <a:blip r:embed="rId7"/>
-                <a:stretch>
-                  <a:fillRect/>
-                </a:stretch>
-              </a:blipFill>
-            </p:spPr>
-            <p:txBody>
-              <a:bodyPr/>
-              <a:lstStyle/>
-              <a:p>
-                <a:r>
-                  <a:rPr lang="ja-JP" altLang="en-US">
-                    <a:noFill/>
-                  </a:rPr>
-                  <a:t> </a:t>
-                </a:r>
-              </a:p>
-            </p:txBody>
-          </p:sp>
-        </mc:Fallback>
-      </mc:AlternateContent>
-      <p:sp>
-        <p:nvSpPr>
-          <p:cNvPr id="25" name="テキスト ボックス 24">
-            <a:extLst>
-              <a:ext uri="{FF2B5EF4-FFF2-40B4-BE49-F238E27FC236}">
-                <a16:creationId xmlns:a16="http://schemas.microsoft.com/office/drawing/2014/main" id="{E8890BEF-DDFC-003B-7D59-C9A5833547AE}"/>
-              </a:ext>
-            </a:extLst>
-          </p:cNvPr>
-          <p:cNvSpPr txBox="1"/>
-          <p:nvPr/>
-        </p:nvSpPr>
-        <p:spPr>
-          <a:xfrm>
-            <a:off x="4170583" y="6136232"/>
-            <a:ext cx="3686394" cy="523220"/>
-          </a:xfrm>
-          <a:prstGeom prst="rect">
-            <a:avLst/>
-          </a:prstGeom>
-          <a:noFill/>
-        </p:spPr>
-        <p:txBody>
-          <a:bodyPr wrap="none" rtlCol="0">
-            <a:spAutoFit/>
-          </a:bodyPr>
-          <a:lstStyle/>
-          <a:p>
-            <a:r>
-              <a:rPr kumimoji="1" lang="en-US" altLang="ja-JP" sz="2800" dirty="0"/>
-              <a:t>qst2</a:t>
-            </a:r>
-            <a:r>
-              <a:rPr kumimoji="1" lang="ja-JP" altLang="en-US" sz="2800" dirty="0">
-                <a:latin typeface="BIZ UDゴシック" panose="020B0400000000000000" pitchFamily="49" charset="-128"/>
-                <a:ea typeface="BIZ UDゴシック" panose="020B0400000000000000" pitchFamily="49" charset="-128"/>
-              </a:rPr>
-              <a:t>の計算を行う予定</a:t>
-            </a:r>
-          </a:p>
-        </p:txBody>
-      </p:sp>
-    </p:spTree>
-    <p:extLst>
-      <p:ext uri="{BB962C8B-B14F-4D97-AF65-F5344CB8AC3E}">
-        <p14:creationId xmlns:p14="http://schemas.microsoft.com/office/powerpoint/2010/main" val="1228185672"/>
-      </p:ext>
-    </p:extLst>
-  </p:cSld>
-  <p:clrMapOvr>
-    <a:masterClrMapping/>
-  </p:clrMapOvr>
-</p:sld>
-</file>
-
-<file path=ppt/slides/slide9.xml><?xml version="1.0" encoding="utf-8"?>
-<p:sld xmlns:a="http://schemas.openxmlformats.org/drawingml/2006/main" xmlns:r="http://schemas.openxmlformats.org/officeDocument/2006/relationships" xmlns:p="http://schemas.openxmlformats.org/presentationml/2006/main">
-  <p:cSld>
-    <p:spTree>
-      <p:nvGrpSpPr>
-        <p:cNvPr id="1" name=""/>
-        <p:cNvGrpSpPr/>
-        <p:nvPr/>
-      </p:nvGrpSpPr>
-      <p:grpSpPr>
-        <a:xfrm>
-          <a:off x="0" y="0"/>
-          <a:ext cx="0" cy="0"/>
-          <a:chOff x="0" y="0"/>
-          <a:chExt cx="0" cy="0"/>
-        </a:xfrm>
-      </p:grpSpPr>
-      <p:sp>
-        <p:nvSpPr>
-          <p:cNvPr id="2" name="スライド番号プレースホルダー 1">
-            <a:extLst>
-              <a:ext uri="{FF2B5EF4-FFF2-40B4-BE49-F238E27FC236}">
-                <a16:creationId xmlns:a16="http://schemas.microsoft.com/office/drawing/2014/main" id="{F3E3AE05-0C65-4E60-2D2D-BF7046DB2BB9}"/>
-              </a:ext>
-            </a:extLst>
-          </p:cNvPr>
-          <p:cNvSpPr>
-            <a:spLocks noGrp="1"/>
-          </p:cNvSpPr>
-          <p:nvPr>
-            <p:ph type="sldNum" sz="quarter" idx="12"/>
-          </p:nvPr>
-        </p:nvSpPr>
-        <p:spPr/>
-        <p:txBody>
-          <a:bodyPr/>
-          <a:lstStyle/>
-          <a:p>
-            <a:fld id="{ECBD650F-6923-4A4C-ADE2-BB0B86E7CCFF}" type="slidenum">
-              <a:rPr lang="zh-CN" altLang="en-US" smtClean="0"/>
-              <a:t>9</a:t>
+              <a:t>10</a:t>
             </a:fld>
             <a:endParaRPr lang="zh-CN" altLang="en-US"/>
           </a:p>
@@ -10167,6 +6532,5538 @@
     <p:extLst>
       <p:ext uri="{BB962C8B-B14F-4D97-AF65-F5344CB8AC3E}">
         <p14:creationId xmlns:p14="http://schemas.microsoft.com/office/powerpoint/2010/main" val="732893144"/>
+      </p:ext>
+    </p:extLst>
+  </p:cSld>
+  <p:clrMapOvr>
+    <a:masterClrMapping/>
+  </p:clrMapOvr>
+</p:sld>
+</file>
+
+<file path=ppt/slides/slide11.xml><?xml version="1.0" encoding="utf-8"?>
+<p:sld xmlns:a="http://schemas.openxmlformats.org/drawingml/2006/main" xmlns:r="http://schemas.openxmlformats.org/officeDocument/2006/relationships" xmlns:p="http://schemas.openxmlformats.org/presentationml/2006/main">
+  <p:cSld>
+    <p:spTree>
+      <p:nvGrpSpPr>
+        <p:cNvPr id="1" name=""/>
+        <p:cNvGrpSpPr/>
+        <p:nvPr/>
+      </p:nvGrpSpPr>
+      <p:grpSpPr>
+        <a:xfrm>
+          <a:off x="0" y="0"/>
+          <a:ext cx="0" cy="0"/>
+          <a:chOff x="0" y="0"/>
+          <a:chExt cx="0" cy="0"/>
+        </a:xfrm>
+      </p:grpSpPr>
+      <p:sp>
+        <p:nvSpPr>
+          <p:cNvPr id="2" name="スライド番号プレースホルダー 1">
+            <a:extLst>
+              <a:ext uri="{FF2B5EF4-FFF2-40B4-BE49-F238E27FC236}">
+                <a16:creationId xmlns:a16="http://schemas.microsoft.com/office/drawing/2014/main" id="{C988C27C-7F1D-6D2D-3D1C-2EA59E8465AE}"/>
+              </a:ext>
+            </a:extLst>
+          </p:cNvPr>
+          <p:cNvSpPr>
+            <a:spLocks noGrp="1"/>
+          </p:cNvSpPr>
+          <p:nvPr>
+            <p:ph type="sldNum" sz="quarter" idx="12"/>
+          </p:nvPr>
+        </p:nvSpPr>
+        <p:spPr/>
+        <p:txBody>
+          <a:bodyPr/>
+          <a:lstStyle/>
+          <a:p>
+            <a:fld id="{ECBD650F-6923-4A4C-ADE2-BB0B86E7CCFF}" type="slidenum">
+              <a:rPr lang="zh-CN" altLang="en-US" smtClean="0"/>
+              <a:pPr/>
+              <a:t>11</a:t>
+            </a:fld>
+            <a:endParaRPr lang="zh-CN" altLang="en-US" dirty="0"/>
+          </a:p>
+        </p:txBody>
+      </p:sp>
+      <p:pic>
+        <p:nvPicPr>
+          <p:cNvPr id="4" name="図 3">
+            <a:extLst>
+              <a:ext uri="{FF2B5EF4-FFF2-40B4-BE49-F238E27FC236}">
+                <a16:creationId xmlns:a16="http://schemas.microsoft.com/office/drawing/2014/main" id="{ABD43A1E-E2C0-6661-1759-7B5A95797FE7}"/>
+              </a:ext>
+            </a:extLst>
+          </p:cNvPr>
+          <p:cNvPicPr>
+            <a:picLocks noChangeAspect="1"/>
+          </p:cNvPicPr>
+          <p:nvPr/>
+        </p:nvPicPr>
+        <p:blipFill>
+          <a:blip r:embed="rId2"/>
+          <a:stretch>
+            <a:fillRect/>
+          </a:stretch>
+        </p:blipFill>
+        <p:spPr>
+          <a:xfrm>
+            <a:off x="1378027" y="2575715"/>
+            <a:ext cx="1639845" cy="1800000"/>
+          </a:xfrm>
+          <a:prstGeom prst="rect">
+            <a:avLst/>
+          </a:prstGeom>
+        </p:spPr>
+      </p:pic>
+      <p:pic>
+        <p:nvPicPr>
+          <p:cNvPr id="6" name="図 5">
+            <a:extLst>
+              <a:ext uri="{FF2B5EF4-FFF2-40B4-BE49-F238E27FC236}">
+                <a16:creationId xmlns:a16="http://schemas.microsoft.com/office/drawing/2014/main" id="{7562D5EA-A0FC-A1CC-BB36-8CCEF2039C5E}"/>
+              </a:ext>
+            </a:extLst>
+          </p:cNvPr>
+          <p:cNvPicPr>
+            <a:picLocks noChangeAspect="1"/>
+          </p:cNvPicPr>
+          <p:nvPr/>
+        </p:nvPicPr>
+        <p:blipFill>
+          <a:blip r:embed="rId3"/>
+          <a:stretch>
+            <a:fillRect/>
+          </a:stretch>
+        </p:blipFill>
+        <p:spPr>
+          <a:xfrm>
+            <a:off x="5244526" y="2575715"/>
+            <a:ext cx="1828174" cy="1440000"/>
+          </a:xfrm>
+          <a:prstGeom prst="rect">
+            <a:avLst/>
+          </a:prstGeom>
+        </p:spPr>
+      </p:pic>
+      <p:sp>
+        <p:nvSpPr>
+          <p:cNvPr id="9" name="テキスト ボックス 8">
+            <a:extLst>
+              <a:ext uri="{FF2B5EF4-FFF2-40B4-BE49-F238E27FC236}">
+                <a16:creationId xmlns:a16="http://schemas.microsoft.com/office/drawing/2014/main" id="{68A4F6E5-F500-95A5-C568-4F1E26DA4625}"/>
+              </a:ext>
+            </a:extLst>
+          </p:cNvPr>
+          <p:cNvSpPr txBox="1"/>
+          <p:nvPr/>
+        </p:nvSpPr>
+        <p:spPr>
+          <a:xfrm>
+            <a:off x="6257020" y="3167390"/>
+            <a:ext cx="352530" cy="523220"/>
+          </a:xfrm>
+          <a:prstGeom prst="rect">
+            <a:avLst/>
+          </a:prstGeom>
+          <a:noFill/>
+        </p:spPr>
+        <p:txBody>
+          <a:bodyPr wrap="square" rtlCol="0">
+            <a:spAutoFit/>
+          </a:bodyPr>
+          <a:lstStyle/>
+          <a:p>
+            <a:pPr algn="ctr"/>
+            <a:r>
+              <a:rPr lang="en-US" altLang="ja-JP" sz="2800" b="1" dirty="0">
+                <a:effectLst>
+                  <a:glow rad="127000">
+                    <a:schemeClr val="bg1"/>
+                  </a:glow>
+                </a:effectLst>
+              </a:rPr>
+              <a:t>C</a:t>
+            </a:r>
+          </a:p>
+        </p:txBody>
+      </p:sp>
+    </p:spTree>
+    <p:extLst>
+      <p:ext uri="{BB962C8B-B14F-4D97-AF65-F5344CB8AC3E}">
+        <p14:creationId xmlns:p14="http://schemas.microsoft.com/office/powerpoint/2010/main" val="2467727936"/>
+      </p:ext>
+    </p:extLst>
+  </p:cSld>
+  <p:clrMapOvr>
+    <a:masterClrMapping/>
+  </p:clrMapOvr>
+</p:sld>
+</file>
+
+<file path=ppt/slides/slide2.xml><?xml version="1.0" encoding="utf-8"?>
+<p:sld xmlns:a="http://schemas.openxmlformats.org/drawingml/2006/main" xmlns:r="http://schemas.openxmlformats.org/officeDocument/2006/relationships" xmlns:p="http://schemas.openxmlformats.org/presentationml/2006/main">
+  <p:cSld>
+    <p:spTree>
+      <p:nvGrpSpPr>
+        <p:cNvPr id="1" name=""/>
+        <p:cNvGrpSpPr/>
+        <p:nvPr/>
+      </p:nvGrpSpPr>
+      <p:grpSpPr>
+        <a:xfrm>
+          <a:off x="0" y="0"/>
+          <a:ext cx="0" cy="0"/>
+          <a:chOff x="0" y="0"/>
+          <a:chExt cx="0" cy="0"/>
+        </a:xfrm>
+      </p:grpSpPr>
+      <p:sp>
+        <p:nvSpPr>
+          <p:cNvPr id="2" name="スライド番号プレースホルダー 1">
+            <a:extLst>
+              <a:ext uri="{FF2B5EF4-FFF2-40B4-BE49-F238E27FC236}">
+                <a16:creationId xmlns:a16="http://schemas.microsoft.com/office/drawing/2014/main" id="{1A4E9A79-92ED-05DE-DF12-E0D2130EAEA7}"/>
+              </a:ext>
+            </a:extLst>
+          </p:cNvPr>
+          <p:cNvSpPr>
+            <a:spLocks noGrp="1"/>
+          </p:cNvSpPr>
+          <p:nvPr>
+            <p:ph type="sldNum" sz="quarter" idx="12"/>
+          </p:nvPr>
+        </p:nvSpPr>
+        <p:spPr/>
+        <p:txBody>
+          <a:bodyPr/>
+          <a:lstStyle/>
+          <a:p>
+            <a:fld id="{ECBD650F-6923-4A4C-ADE2-BB0B86E7CCFF}" type="slidenum">
+              <a:rPr lang="zh-CN" altLang="en-US" smtClean="0"/>
+              <a:t>2</a:t>
+            </a:fld>
+            <a:endParaRPr lang="zh-CN" altLang="en-US" dirty="0"/>
+          </a:p>
+        </p:txBody>
+      </p:sp>
+      <p:sp>
+        <p:nvSpPr>
+          <p:cNvPr id="3" name="テキスト ボックス 2">
+            <a:extLst>
+              <a:ext uri="{FF2B5EF4-FFF2-40B4-BE49-F238E27FC236}">
+                <a16:creationId xmlns:a16="http://schemas.microsoft.com/office/drawing/2014/main" id="{1798B73F-2788-A840-2423-25683EC22392}"/>
+              </a:ext>
+            </a:extLst>
+          </p:cNvPr>
+          <p:cNvSpPr txBox="1"/>
+          <p:nvPr/>
+        </p:nvSpPr>
+        <p:spPr>
+          <a:xfrm>
+            <a:off x="793850" y="220961"/>
+            <a:ext cx="1107996" cy="646331"/>
+          </a:xfrm>
+          <a:prstGeom prst="rect">
+            <a:avLst/>
+          </a:prstGeom>
+          <a:noFill/>
+        </p:spPr>
+        <p:txBody>
+          <a:bodyPr wrap="none" rtlCol="0">
+            <a:spAutoFit/>
+          </a:bodyPr>
+          <a:lstStyle/>
+          <a:p>
+            <a:r>
+              <a:rPr kumimoji="1" lang="ja-JP" altLang="en-US" sz="3600" b="1" dirty="0">
+                <a:effectLst>
+                  <a:outerShdw blurRad="38100" dist="38100" dir="2700000" algn="tl">
+                    <a:srgbClr val="000000">
+                      <a:alpha val="43137"/>
+                    </a:srgbClr>
+                  </a:outerShdw>
+                </a:effectLst>
+                <a:latin typeface="BIZ UDPゴシック" panose="020B0400000000000000" pitchFamily="50" charset="-128"/>
+                <a:ea typeface="BIZ UDPゴシック" panose="020B0400000000000000" pitchFamily="50" charset="-128"/>
+              </a:rPr>
+              <a:t>目的</a:t>
+            </a:r>
+          </a:p>
+        </p:txBody>
+      </p:sp>
+      <p:sp>
+        <p:nvSpPr>
+          <p:cNvPr id="4" name="テキスト ボックス 3">
+            <a:extLst>
+              <a:ext uri="{FF2B5EF4-FFF2-40B4-BE49-F238E27FC236}">
+                <a16:creationId xmlns:a16="http://schemas.microsoft.com/office/drawing/2014/main" id="{6718EA28-DCEF-9F7C-C6B8-0E83133A173E}"/>
+              </a:ext>
+            </a:extLst>
+          </p:cNvPr>
+          <p:cNvSpPr txBox="1"/>
+          <p:nvPr/>
+        </p:nvSpPr>
+        <p:spPr>
+          <a:xfrm>
+            <a:off x="838200" y="1122060"/>
+            <a:ext cx="10248112" cy="954107"/>
+          </a:xfrm>
+          <a:prstGeom prst="rect">
+            <a:avLst/>
+          </a:prstGeom>
+          <a:noFill/>
+        </p:spPr>
+        <p:txBody>
+          <a:bodyPr wrap="square" rtlCol="0">
+            <a:spAutoFit/>
+          </a:bodyPr>
+          <a:lstStyle/>
+          <a:p>
+            <a:r>
+              <a:rPr lang="ja-JP" altLang="en-US" sz="2800" dirty="0">
+                <a:latin typeface="BIZ UDPゴシック" panose="020B0400000000000000" pitchFamily="50" charset="-128"/>
+                <a:ea typeface="BIZ UDPゴシック" panose="020B0400000000000000" pitchFamily="50" charset="-128"/>
+              </a:rPr>
+              <a:t>・</a:t>
+            </a:r>
+            <a:r>
+              <a:rPr lang="en-US" altLang="ja-JP" sz="2800" dirty="0">
+                <a:latin typeface="BIZ UDPゴシック" panose="020B0400000000000000" pitchFamily="50" charset="-128"/>
+                <a:ea typeface="BIZ UDPゴシック" panose="020B0400000000000000" pitchFamily="50" charset="-128"/>
+              </a:rPr>
+              <a:t>DFT</a:t>
+            </a:r>
+            <a:r>
+              <a:rPr lang="ja-JP" altLang="en-US" sz="2800" dirty="0">
+                <a:latin typeface="BIZ UDPゴシック" panose="020B0400000000000000" pitchFamily="50" charset="-128"/>
+                <a:ea typeface="BIZ UDPゴシック" panose="020B0400000000000000" pitchFamily="50" charset="-128"/>
+              </a:rPr>
+              <a:t>法を使い以下の汎関数および基底関数の組み合わせから最適な組み合わせを見出す</a:t>
+            </a:r>
+            <a:endParaRPr lang="en-US" altLang="ja-JP" sz="2800" dirty="0">
+              <a:latin typeface="BIZ UDPゴシック" panose="020B0400000000000000" pitchFamily="50" charset="-128"/>
+              <a:ea typeface="BIZ UDPゴシック" panose="020B0400000000000000" pitchFamily="50" charset="-128"/>
+            </a:endParaRPr>
+          </a:p>
+        </p:txBody>
+      </p:sp>
+      <p:sp>
+        <p:nvSpPr>
+          <p:cNvPr id="6" name="テキスト ボックス 5">
+            <a:extLst>
+              <a:ext uri="{FF2B5EF4-FFF2-40B4-BE49-F238E27FC236}">
+                <a16:creationId xmlns:a16="http://schemas.microsoft.com/office/drawing/2014/main" id="{7EE3FEB2-EB99-5D7F-485F-E5E50E4BB9A0}"/>
+              </a:ext>
+            </a:extLst>
+          </p:cNvPr>
+          <p:cNvSpPr txBox="1"/>
+          <p:nvPr/>
+        </p:nvSpPr>
+        <p:spPr>
+          <a:xfrm>
+            <a:off x="920769" y="2330935"/>
+            <a:ext cx="1107996" cy="461665"/>
+          </a:xfrm>
+          <a:prstGeom prst="rect">
+            <a:avLst/>
+          </a:prstGeom>
+          <a:noFill/>
+        </p:spPr>
+        <p:txBody>
+          <a:bodyPr wrap="none" rtlCol="0">
+            <a:spAutoFit/>
+          </a:bodyPr>
+          <a:lstStyle/>
+          <a:p>
+            <a:r>
+              <a:rPr kumimoji="1" lang="ja-JP" altLang="en-US" sz="2400" dirty="0">
+                <a:latin typeface="BIZ UDPゴシック" panose="020B0400000000000000" pitchFamily="50" charset="-128"/>
+                <a:ea typeface="BIZ UDPゴシック" panose="020B0400000000000000" pitchFamily="50" charset="-128"/>
+              </a:rPr>
+              <a:t>汎関数</a:t>
+            </a:r>
+          </a:p>
+        </p:txBody>
+      </p:sp>
+      <p:sp>
+        <p:nvSpPr>
+          <p:cNvPr id="9" name="テキスト ボックス 8">
+            <a:extLst>
+              <a:ext uri="{FF2B5EF4-FFF2-40B4-BE49-F238E27FC236}">
+                <a16:creationId xmlns:a16="http://schemas.microsoft.com/office/drawing/2014/main" id="{3B440431-146E-5D0A-2916-003D092037F8}"/>
+              </a:ext>
+            </a:extLst>
+          </p:cNvPr>
+          <p:cNvSpPr txBox="1"/>
+          <p:nvPr/>
+        </p:nvSpPr>
+        <p:spPr>
+          <a:xfrm>
+            <a:off x="131655" y="2791550"/>
+            <a:ext cx="1292341" cy="3416320"/>
+          </a:xfrm>
+          <a:prstGeom prst="rect">
+            <a:avLst/>
+          </a:prstGeom>
+          <a:noFill/>
+        </p:spPr>
+        <p:txBody>
+          <a:bodyPr wrap="none" rtlCol="0">
+            <a:spAutoFit/>
+          </a:bodyPr>
+          <a:lstStyle/>
+          <a:p>
+            <a:r>
+              <a:rPr kumimoji="1" lang="en-US" altLang="ja-JP" sz="2400" dirty="0"/>
+              <a:t>B1LYP</a:t>
+            </a:r>
+          </a:p>
+          <a:p>
+            <a:r>
+              <a:rPr kumimoji="1" lang="en-US" altLang="ja-JP" sz="2400" dirty="0"/>
+              <a:t>LG1LYP</a:t>
+            </a:r>
+          </a:p>
+          <a:p>
+            <a:r>
+              <a:rPr kumimoji="1" lang="en-US" altLang="ja-JP" sz="2400" dirty="0"/>
+              <a:t>PBE1PBE</a:t>
+            </a:r>
+          </a:p>
+          <a:p>
+            <a:r>
+              <a:rPr kumimoji="1" lang="en-US" altLang="ja-JP" sz="2400" dirty="0"/>
+              <a:t>PBE3PBE</a:t>
+            </a:r>
+          </a:p>
+          <a:p>
+            <a:r>
+              <a:rPr kumimoji="1" lang="en-US" altLang="ja-JP" sz="2400" dirty="0"/>
+              <a:t>B1B95</a:t>
+            </a:r>
+          </a:p>
+          <a:p>
+            <a:r>
+              <a:rPr kumimoji="1" lang="en-US" altLang="ja-JP" sz="2400" dirty="0"/>
+              <a:t>B98</a:t>
+            </a:r>
+          </a:p>
+          <a:p>
+            <a:r>
+              <a:rPr kumimoji="1" lang="en-US" altLang="ja-JP" sz="2400" dirty="0"/>
+              <a:t>HCTH93</a:t>
+            </a:r>
+          </a:p>
+          <a:p>
+            <a:r>
+              <a:rPr kumimoji="1" lang="en-US" altLang="ja-JP" sz="2400" dirty="0"/>
+              <a:t>B971</a:t>
+            </a:r>
+          </a:p>
+          <a:p>
+            <a:r>
+              <a:rPr kumimoji="1" lang="en-US" altLang="ja-JP" sz="2400" dirty="0"/>
+              <a:t>B972</a:t>
+            </a:r>
+          </a:p>
+        </p:txBody>
+      </p:sp>
+      <p:sp>
+        <p:nvSpPr>
+          <p:cNvPr id="10" name="テキスト ボックス 9">
+            <a:extLst>
+              <a:ext uri="{FF2B5EF4-FFF2-40B4-BE49-F238E27FC236}">
+                <a16:creationId xmlns:a16="http://schemas.microsoft.com/office/drawing/2014/main" id="{95024DE8-C8E0-A43B-3E35-7720E238F24C}"/>
+              </a:ext>
+            </a:extLst>
+          </p:cNvPr>
+          <p:cNvSpPr txBox="1"/>
+          <p:nvPr/>
+        </p:nvSpPr>
+        <p:spPr>
+          <a:xfrm>
+            <a:off x="7259571" y="2791550"/>
+            <a:ext cx="1424364" cy="3785652"/>
+          </a:xfrm>
+          <a:prstGeom prst="rect">
+            <a:avLst/>
+          </a:prstGeom>
+          <a:noFill/>
+        </p:spPr>
+        <p:txBody>
+          <a:bodyPr wrap="none" rtlCol="0">
+            <a:spAutoFit/>
+          </a:bodyPr>
+          <a:lstStyle/>
+          <a:p>
+            <a:r>
+              <a:rPr kumimoji="1" lang="en-US" altLang="ja-JP" sz="2400" dirty="0"/>
+              <a:t>M06</a:t>
+            </a:r>
+          </a:p>
+          <a:p>
+            <a:r>
+              <a:rPr kumimoji="1" lang="en-US" altLang="ja-JP" sz="2400" dirty="0"/>
+              <a:t>M062X</a:t>
+            </a:r>
+          </a:p>
+          <a:p>
+            <a:r>
+              <a:rPr kumimoji="1" lang="en-US" altLang="ja-JP" sz="2400" dirty="0"/>
+              <a:t>wB97</a:t>
+            </a:r>
+          </a:p>
+          <a:p>
+            <a:r>
+              <a:rPr kumimoji="1" lang="en-US" altLang="ja-JP" sz="2400" dirty="0"/>
+              <a:t>wB97X</a:t>
+            </a:r>
+          </a:p>
+          <a:p>
+            <a:r>
+              <a:rPr kumimoji="1" lang="en-US" altLang="ja-JP" sz="2400" dirty="0"/>
+              <a:t>wB97XD</a:t>
+            </a:r>
+          </a:p>
+          <a:p>
+            <a:r>
+              <a:rPr kumimoji="1" lang="en-US" altLang="ja-JP" sz="2400" dirty="0"/>
+              <a:t>B97D3</a:t>
+            </a:r>
+          </a:p>
+          <a:p>
+            <a:r>
+              <a:rPr kumimoji="1" lang="en-US" altLang="ja-JP" sz="2400" dirty="0"/>
+              <a:t>B2PLYPD3</a:t>
+            </a:r>
+          </a:p>
+          <a:p>
+            <a:r>
+              <a:rPr kumimoji="1" lang="en-US" altLang="ja-JP" sz="2400" dirty="0" err="1"/>
+              <a:t>HISSbPBE</a:t>
+            </a:r>
+            <a:endParaRPr kumimoji="1" lang="en-US" altLang="ja-JP" sz="2400" dirty="0"/>
+          </a:p>
+          <a:p>
+            <a:r>
+              <a:rPr kumimoji="1" lang="en-US" altLang="ja-JP" sz="2400" dirty="0" err="1"/>
+              <a:t>HISSaPBE</a:t>
+            </a:r>
+            <a:endParaRPr kumimoji="1" lang="en-US" altLang="ja-JP" sz="2400" dirty="0"/>
+          </a:p>
+          <a:p>
+            <a:endParaRPr kumimoji="1" lang="en-US" altLang="ja-JP" sz="2400" dirty="0"/>
+          </a:p>
+        </p:txBody>
+      </p:sp>
+      <p:sp>
+        <p:nvSpPr>
+          <p:cNvPr id="12" name="テキスト ボックス 11">
+            <a:extLst>
+              <a:ext uri="{FF2B5EF4-FFF2-40B4-BE49-F238E27FC236}">
+                <a16:creationId xmlns:a16="http://schemas.microsoft.com/office/drawing/2014/main" id="{954149FA-1EF4-CEA6-3F26-0D66476FF760}"/>
+              </a:ext>
+            </a:extLst>
+          </p:cNvPr>
+          <p:cNvSpPr txBox="1"/>
+          <p:nvPr/>
+        </p:nvSpPr>
+        <p:spPr>
+          <a:xfrm>
+            <a:off x="8957680" y="2791550"/>
+            <a:ext cx="1566454" cy="3416320"/>
+          </a:xfrm>
+          <a:prstGeom prst="rect">
+            <a:avLst/>
+          </a:prstGeom>
+          <a:noFill/>
+        </p:spPr>
+        <p:txBody>
+          <a:bodyPr wrap="none" rtlCol="0">
+            <a:spAutoFit/>
+          </a:bodyPr>
+          <a:lstStyle/>
+          <a:p>
+            <a:r>
+              <a:rPr kumimoji="1" lang="en-US" altLang="ja-JP" sz="2400" dirty="0"/>
+              <a:t>SOGGA11</a:t>
+            </a:r>
+          </a:p>
+          <a:p>
+            <a:r>
+              <a:rPr kumimoji="1" lang="en-US" altLang="ja-JP" sz="2400" dirty="0"/>
+              <a:t>M11</a:t>
+            </a:r>
+          </a:p>
+          <a:p>
+            <a:r>
+              <a:rPr kumimoji="1" lang="en-US" altLang="ja-JP" sz="2400" dirty="0"/>
+              <a:t>SOGGA11X</a:t>
+            </a:r>
+          </a:p>
+          <a:p>
+            <a:r>
+              <a:rPr kumimoji="1" lang="en-US" altLang="ja-JP" sz="2400" dirty="0"/>
+              <a:t>M11L</a:t>
+            </a:r>
+          </a:p>
+          <a:p>
+            <a:r>
+              <a:rPr kumimoji="1" lang="en-US" altLang="ja-JP" sz="2400" dirty="0"/>
+              <a:t>N12 </a:t>
+            </a:r>
+          </a:p>
+          <a:p>
+            <a:r>
+              <a:rPr kumimoji="1" lang="en-US" altLang="ja-JP" sz="2400" dirty="0"/>
+              <a:t>MN12L</a:t>
+            </a:r>
+          </a:p>
+          <a:p>
+            <a:r>
+              <a:rPr kumimoji="1" lang="en-US" altLang="ja-JP" sz="2400" dirty="0"/>
+              <a:t>N12SX</a:t>
+            </a:r>
+          </a:p>
+          <a:p>
+            <a:r>
+              <a:rPr kumimoji="1" lang="en-US" altLang="ja-JP" sz="2400" dirty="0"/>
+              <a:t>MN12SX</a:t>
+            </a:r>
+          </a:p>
+          <a:p>
+            <a:r>
+              <a:rPr kumimoji="1" lang="en-US" altLang="ja-JP" sz="2400" dirty="0"/>
+              <a:t>LC-</a:t>
+            </a:r>
+            <a:r>
+              <a:rPr kumimoji="1" lang="en-US" altLang="ja-JP" sz="2400" dirty="0" err="1"/>
+              <a:t>wHPBE</a:t>
+            </a:r>
+            <a:endParaRPr kumimoji="1" lang="en-US" altLang="ja-JP" sz="2400" dirty="0"/>
+          </a:p>
+        </p:txBody>
+      </p:sp>
+      <p:sp>
+        <p:nvSpPr>
+          <p:cNvPr id="8" name="テキスト ボックス 7">
+            <a:extLst>
+              <a:ext uri="{FF2B5EF4-FFF2-40B4-BE49-F238E27FC236}">
+                <a16:creationId xmlns:a16="http://schemas.microsoft.com/office/drawing/2014/main" id="{FD6553C1-434D-BAF8-9B41-DC1194427966}"/>
+              </a:ext>
+            </a:extLst>
+          </p:cNvPr>
+          <p:cNvSpPr txBox="1"/>
+          <p:nvPr/>
+        </p:nvSpPr>
+        <p:spPr>
+          <a:xfrm>
+            <a:off x="1614834" y="2791550"/>
+            <a:ext cx="1965603" cy="3416320"/>
+          </a:xfrm>
+          <a:prstGeom prst="rect">
+            <a:avLst/>
+          </a:prstGeom>
+          <a:noFill/>
+        </p:spPr>
+        <p:txBody>
+          <a:bodyPr wrap="none" rtlCol="0">
+            <a:spAutoFit/>
+          </a:bodyPr>
+          <a:lstStyle/>
+          <a:p>
+            <a:r>
+              <a:rPr kumimoji="1" lang="en-US" altLang="ja-JP" sz="2400" dirty="0"/>
+              <a:t>HCTH147</a:t>
+            </a:r>
+          </a:p>
+          <a:p>
+            <a:r>
+              <a:rPr kumimoji="1" lang="en-US" altLang="ja-JP" sz="2400" dirty="0"/>
+              <a:t>HCTH407</a:t>
+            </a:r>
+          </a:p>
+          <a:p>
+            <a:r>
+              <a:rPr kumimoji="1" lang="en-US" altLang="ja-JP" sz="2400" dirty="0"/>
+              <a:t>OHSE2PBE</a:t>
+            </a:r>
+          </a:p>
+          <a:p>
+            <a:r>
+              <a:rPr kumimoji="1" lang="en-US" altLang="ja-JP" sz="2400" dirty="0"/>
+              <a:t>PBEh1PBE</a:t>
+            </a:r>
+          </a:p>
+          <a:p>
+            <a:r>
+              <a:rPr kumimoji="1" lang="en-US" altLang="ja-JP" sz="2400" dirty="0"/>
+              <a:t>OmPW1PW91</a:t>
+            </a:r>
+          </a:p>
+          <a:p>
+            <a:r>
+              <a:rPr kumimoji="1" lang="en-US" altLang="ja-JP" sz="2400" dirty="0"/>
+              <a:t>OmPW1LYP</a:t>
+            </a:r>
+          </a:p>
+          <a:p>
+            <a:r>
+              <a:rPr kumimoji="1" lang="en-US" altLang="ja-JP" sz="2400" dirty="0"/>
+              <a:t>OmPW1PBE</a:t>
+            </a:r>
+          </a:p>
+          <a:p>
+            <a:r>
+              <a:rPr kumimoji="1" lang="en-US" altLang="ja-JP" sz="2400" dirty="0"/>
+              <a:t>OmPW3PBE</a:t>
+            </a:r>
+          </a:p>
+          <a:p>
+            <a:r>
+              <a:rPr kumimoji="1" lang="en-US" altLang="ja-JP" sz="2400" dirty="0" err="1"/>
+              <a:t>tHCTH</a:t>
+            </a:r>
+            <a:endParaRPr kumimoji="1" lang="en-US" altLang="ja-JP" sz="2400" dirty="0"/>
+          </a:p>
+        </p:txBody>
+      </p:sp>
+      <p:sp>
+        <p:nvSpPr>
+          <p:cNvPr id="13" name="テキスト ボックス 12">
+            <a:extLst>
+              <a:ext uri="{FF2B5EF4-FFF2-40B4-BE49-F238E27FC236}">
+                <a16:creationId xmlns:a16="http://schemas.microsoft.com/office/drawing/2014/main" id="{674C0F31-B046-C90C-F3C4-3CD3D4F7327C}"/>
+              </a:ext>
+            </a:extLst>
+          </p:cNvPr>
+          <p:cNvSpPr txBox="1"/>
+          <p:nvPr/>
+        </p:nvSpPr>
+        <p:spPr>
+          <a:xfrm>
+            <a:off x="3712092" y="2791550"/>
+            <a:ext cx="1503938" cy="3416320"/>
+          </a:xfrm>
+          <a:prstGeom prst="rect">
+            <a:avLst/>
+          </a:prstGeom>
+          <a:noFill/>
+        </p:spPr>
+        <p:txBody>
+          <a:bodyPr wrap="none" rtlCol="0">
+            <a:spAutoFit/>
+          </a:bodyPr>
+          <a:lstStyle/>
+          <a:p>
+            <a:r>
+              <a:rPr kumimoji="1" lang="en-US" altLang="ja-JP" sz="2400" dirty="0" err="1"/>
+              <a:t>tHCTHhyb</a:t>
+            </a:r>
+            <a:endParaRPr kumimoji="1" lang="en-US" altLang="ja-JP" sz="2400" dirty="0"/>
+          </a:p>
+          <a:p>
+            <a:r>
+              <a:rPr kumimoji="1" lang="en-US" altLang="ja-JP" sz="2400" dirty="0"/>
+              <a:t>BMK</a:t>
+            </a:r>
+          </a:p>
+          <a:p>
+            <a:r>
+              <a:rPr kumimoji="1" lang="en-US" altLang="ja-JP" sz="2400" dirty="0"/>
+              <a:t>OHSE1PBE</a:t>
+            </a:r>
+          </a:p>
+          <a:p>
+            <a:r>
+              <a:rPr kumimoji="1" lang="en-US" altLang="ja-JP" sz="2400" dirty="0"/>
+              <a:t>M05</a:t>
+            </a:r>
+          </a:p>
+          <a:p>
+            <a:r>
+              <a:rPr kumimoji="1" lang="en-US" altLang="ja-JP" sz="2400" dirty="0"/>
+              <a:t>M052X</a:t>
+            </a:r>
+          </a:p>
+          <a:p>
+            <a:r>
+              <a:rPr kumimoji="1" lang="en-US" altLang="ja-JP" sz="2400" dirty="0"/>
+              <a:t>OAPF</a:t>
+            </a:r>
+          </a:p>
+          <a:p>
+            <a:r>
+              <a:rPr kumimoji="1" lang="en-US" altLang="ja-JP" sz="2400" dirty="0"/>
+              <a:t>LC-</a:t>
+            </a:r>
+            <a:r>
+              <a:rPr kumimoji="1" lang="en-US" altLang="ja-JP" sz="2400" dirty="0" err="1"/>
+              <a:t>wPBE</a:t>
+            </a:r>
+            <a:endParaRPr kumimoji="1" lang="en-US" altLang="ja-JP" sz="2400" dirty="0"/>
+          </a:p>
+          <a:p>
+            <a:r>
+              <a:rPr kumimoji="1" lang="en-US" altLang="ja-JP" sz="2400" dirty="0"/>
+              <a:t>B97D</a:t>
+            </a:r>
+          </a:p>
+          <a:p>
+            <a:r>
+              <a:rPr kumimoji="1" lang="en-US" altLang="ja-JP" sz="2400" dirty="0"/>
+              <a:t>APF</a:t>
+            </a:r>
+          </a:p>
+        </p:txBody>
+      </p:sp>
+      <p:sp>
+        <p:nvSpPr>
+          <p:cNvPr id="14" name="テキスト ボックス 13">
+            <a:extLst>
+              <a:ext uri="{FF2B5EF4-FFF2-40B4-BE49-F238E27FC236}">
+                <a16:creationId xmlns:a16="http://schemas.microsoft.com/office/drawing/2014/main" id="{96C828A2-7241-0702-7399-F988CEC666DA}"/>
+              </a:ext>
+            </a:extLst>
+          </p:cNvPr>
+          <p:cNvSpPr txBox="1"/>
+          <p:nvPr/>
+        </p:nvSpPr>
+        <p:spPr>
+          <a:xfrm>
+            <a:off x="5347685" y="2791550"/>
+            <a:ext cx="1780231" cy="3416320"/>
+          </a:xfrm>
+          <a:prstGeom prst="rect">
+            <a:avLst/>
+          </a:prstGeom>
+          <a:noFill/>
+        </p:spPr>
+        <p:txBody>
+          <a:bodyPr wrap="none" rtlCol="0">
+            <a:spAutoFit/>
+          </a:bodyPr>
+          <a:lstStyle/>
+          <a:p>
+            <a:r>
+              <a:rPr kumimoji="1" lang="en-US" altLang="ja-JP" sz="2400" dirty="0"/>
+              <a:t>PAPF</a:t>
+            </a:r>
+          </a:p>
+          <a:p>
+            <a:r>
+              <a:rPr kumimoji="1" lang="en-US" altLang="ja-JP" sz="2400" dirty="0"/>
+              <a:t>PAPFD</a:t>
+            </a:r>
+          </a:p>
+          <a:p>
+            <a:r>
+              <a:rPr kumimoji="1" lang="en-US" altLang="ja-JP" sz="2400" dirty="0"/>
+              <a:t>B2PLYP</a:t>
+            </a:r>
+          </a:p>
+          <a:p>
+            <a:r>
+              <a:rPr kumimoji="1" lang="en-US" altLang="ja-JP" sz="2400" dirty="0"/>
+              <a:t>mPW2PLYP</a:t>
+            </a:r>
+          </a:p>
+          <a:p>
+            <a:r>
+              <a:rPr kumimoji="1" lang="en-US" altLang="ja-JP" sz="2400" dirty="0"/>
+              <a:t>B2PLYPD</a:t>
+            </a:r>
+          </a:p>
+          <a:p>
+            <a:r>
+              <a:rPr kumimoji="1" lang="en-US" altLang="ja-JP" sz="2400" dirty="0"/>
+              <a:t>mPW2PLYPD</a:t>
+            </a:r>
+          </a:p>
+          <a:p>
+            <a:r>
+              <a:rPr kumimoji="1" lang="en-US" altLang="ja-JP" sz="2400" dirty="0"/>
+              <a:t>HSEH1PBE</a:t>
+            </a:r>
+          </a:p>
+          <a:p>
+            <a:r>
+              <a:rPr kumimoji="1" lang="en-US" altLang="ja-JP" sz="2400" dirty="0"/>
+              <a:t>M06HF</a:t>
+            </a:r>
+          </a:p>
+          <a:p>
+            <a:r>
+              <a:rPr kumimoji="1" lang="en-US" altLang="ja-JP" sz="2400" dirty="0"/>
+              <a:t>M06L</a:t>
+            </a:r>
+          </a:p>
+        </p:txBody>
+      </p:sp>
+      <p:sp>
+        <p:nvSpPr>
+          <p:cNvPr id="15" name="テキスト ボックス 14">
+            <a:extLst>
+              <a:ext uri="{FF2B5EF4-FFF2-40B4-BE49-F238E27FC236}">
+                <a16:creationId xmlns:a16="http://schemas.microsoft.com/office/drawing/2014/main" id="{9D425012-66E6-AFC0-48A1-178EA0B92DE4}"/>
+              </a:ext>
+            </a:extLst>
+          </p:cNvPr>
+          <p:cNvSpPr txBox="1"/>
+          <p:nvPr/>
+        </p:nvSpPr>
+        <p:spPr>
+          <a:xfrm>
+            <a:off x="10739146" y="2791550"/>
+            <a:ext cx="1649811" cy="3416320"/>
+          </a:xfrm>
+          <a:prstGeom prst="rect">
+            <a:avLst/>
+          </a:prstGeom>
+          <a:noFill/>
+        </p:spPr>
+        <p:txBody>
+          <a:bodyPr wrap="none" rtlCol="0">
+            <a:spAutoFit/>
+          </a:bodyPr>
+          <a:lstStyle/>
+          <a:p>
+            <a:r>
+              <a:rPr kumimoji="1" lang="en-US" altLang="ja-JP" sz="2400" dirty="0"/>
+              <a:t>PBE0DH</a:t>
+            </a:r>
+          </a:p>
+          <a:p>
+            <a:r>
+              <a:rPr kumimoji="1" lang="en-US" altLang="ja-JP" sz="2400" dirty="0"/>
+              <a:t>PBEQIDH</a:t>
+            </a:r>
+          </a:p>
+          <a:p>
+            <a:r>
+              <a:rPr kumimoji="1" lang="en-US" altLang="ja-JP" sz="2400" dirty="0"/>
+              <a:t>MN15L</a:t>
+            </a:r>
+          </a:p>
+          <a:p>
+            <a:r>
+              <a:rPr kumimoji="1" lang="en-US" altLang="ja-JP" sz="2400" dirty="0"/>
+              <a:t>MN15</a:t>
+            </a:r>
+          </a:p>
+          <a:p>
+            <a:r>
+              <a:rPr kumimoji="1" lang="en-US" altLang="ja-JP" sz="2400" dirty="0"/>
+              <a:t>M08HX</a:t>
+            </a:r>
+          </a:p>
+          <a:p>
+            <a:r>
+              <a:rPr kumimoji="1" lang="en-US" altLang="ja-JP" sz="2400" dirty="0"/>
+              <a:t>PW6B95</a:t>
+            </a:r>
+          </a:p>
+          <a:p>
+            <a:r>
+              <a:rPr kumimoji="1" lang="en-US" altLang="ja-JP" sz="2400" dirty="0"/>
+              <a:t>PW6B95D3</a:t>
+            </a:r>
+          </a:p>
+          <a:p>
+            <a:r>
+              <a:rPr kumimoji="1" lang="en-US" altLang="ja-JP" sz="2400" dirty="0"/>
+              <a:t>DSDPBEP86</a:t>
+            </a:r>
+          </a:p>
+          <a:p>
+            <a:endParaRPr kumimoji="1" lang="en-US" altLang="ja-JP" sz="2400" dirty="0"/>
+          </a:p>
+        </p:txBody>
+      </p:sp>
+    </p:spTree>
+    <p:extLst>
+      <p:ext uri="{BB962C8B-B14F-4D97-AF65-F5344CB8AC3E}">
+        <p14:creationId xmlns:p14="http://schemas.microsoft.com/office/powerpoint/2010/main" val="818778199"/>
+      </p:ext>
+    </p:extLst>
+  </p:cSld>
+  <p:clrMapOvr>
+    <a:masterClrMapping/>
+  </p:clrMapOvr>
+</p:sld>
+</file>
+
+<file path=ppt/slides/slide3.xml><?xml version="1.0" encoding="utf-8"?>
+<p:sld xmlns:a="http://schemas.openxmlformats.org/drawingml/2006/main" xmlns:r="http://schemas.openxmlformats.org/officeDocument/2006/relationships" xmlns:p="http://schemas.openxmlformats.org/presentationml/2006/main">
+  <p:cSld>
+    <p:spTree>
+      <p:nvGrpSpPr>
+        <p:cNvPr id="1" name=""/>
+        <p:cNvGrpSpPr/>
+        <p:nvPr/>
+      </p:nvGrpSpPr>
+      <p:grpSpPr>
+        <a:xfrm>
+          <a:off x="0" y="0"/>
+          <a:ext cx="0" cy="0"/>
+          <a:chOff x="0" y="0"/>
+          <a:chExt cx="0" cy="0"/>
+        </a:xfrm>
+      </p:grpSpPr>
+      <p:sp>
+        <p:nvSpPr>
+          <p:cNvPr id="2" name="スライド番号プレースホルダー 1">
+            <a:extLst>
+              <a:ext uri="{FF2B5EF4-FFF2-40B4-BE49-F238E27FC236}">
+                <a16:creationId xmlns:a16="http://schemas.microsoft.com/office/drawing/2014/main" id="{1A4E9A79-92ED-05DE-DF12-E0D2130EAEA7}"/>
+              </a:ext>
+            </a:extLst>
+          </p:cNvPr>
+          <p:cNvSpPr>
+            <a:spLocks noGrp="1"/>
+          </p:cNvSpPr>
+          <p:nvPr>
+            <p:ph type="sldNum" sz="quarter" idx="12"/>
+          </p:nvPr>
+        </p:nvSpPr>
+        <p:spPr/>
+        <p:txBody>
+          <a:bodyPr/>
+          <a:lstStyle/>
+          <a:p>
+            <a:fld id="{ECBD650F-6923-4A4C-ADE2-BB0B86E7CCFF}" type="slidenum">
+              <a:rPr lang="zh-CN" altLang="en-US" smtClean="0"/>
+              <a:t>3</a:t>
+            </a:fld>
+            <a:endParaRPr lang="zh-CN" altLang="en-US" dirty="0"/>
+          </a:p>
+        </p:txBody>
+      </p:sp>
+      <p:sp>
+        <p:nvSpPr>
+          <p:cNvPr id="12" name="テキスト ボックス 11">
+            <a:extLst>
+              <a:ext uri="{FF2B5EF4-FFF2-40B4-BE49-F238E27FC236}">
+                <a16:creationId xmlns:a16="http://schemas.microsoft.com/office/drawing/2014/main" id="{954149FA-1EF4-CEA6-3F26-0D66476FF760}"/>
+              </a:ext>
+            </a:extLst>
+          </p:cNvPr>
+          <p:cNvSpPr txBox="1"/>
+          <p:nvPr/>
+        </p:nvSpPr>
+        <p:spPr>
+          <a:xfrm>
+            <a:off x="4529725" y="1985408"/>
+            <a:ext cx="2302875" cy="1938992"/>
+          </a:xfrm>
+          <a:prstGeom prst="rect">
+            <a:avLst/>
+          </a:prstGeom>
+          <a:noFill/>
+        </p:spPr>
+        <p:txBody>
+          <a:bodyPr wrap="none" rtlCol="0">
+            <a:spAutoFit/>
+          </a:bodyPr>
+          <a:lstStyle/>
+          <a:p>
+            <a:r>
+              <a:rPr kumimoji="1" lang="en-US" altLang="ja-JP" sz="2400" dirty="0"/>
+              <a:t>6-311G(</a:t>
+            </a:r>
+            <a:r>
+              <a:rPr kumimoji="1" lang="en-US" altLang="ja-JP" sz="2400" dirty="0" err="1"/>
+              <a:t>d,p</a:t>
+            </a:r>
+            <a:r>
+              <a:rPr kumimoji="1" lang="en-US" altLang="ja-JP" sz="2400" dirty="0"/>
+              <a:t>)</a:t>
+            </a:r>
+          </a:p>
+          <a:p>
+            <a:r>
+              <a:rPr kumimoji="1" lang="en-US" altLang="ja-JP" sz="2400" dirty="0"/>
+              <a:t>6-311G(2d,2p)</a:t>
+            </a:r>
+          </a:p>
+          <a:p>
+            <a:r>
+              <a:rPr kumimoji="1" lang="en-US" altLang="ja-JP" sz="2400" dirty="0"/>
+              <a:t>6-311++G</a:t>
+            </a:r>
+          </a:p>
+          <a:p>
+            <a:r>
+              <a:rPr kumimoji="1" lang="en-US" altLang="ja-JP" sz="2400" dirty="0"/>
+              <a:t>6-311++G(</a:t>
+            </a:r>
+            <a:r>
+              <a:rPr kumimoji="1" lang="en-US" altLang="ja-JP" sz="2400" dirty="0" err="1"/>
+              <a:t>d,p</a:t>
+            </a:r>
+            <a:r>
+              <a:rPr kumimoji="1" lang="en-US" altLang="ja-JP" sz="2400" dirty="0"/>
+              <a:t>)</a:t>
+            </a:r>
+          </a:p>
+          <a:p>
+            <a:r>
+              <a:rPr kumimoji="1" lang="en-US" altLang="ja-JP" sz="2400" dirty="0"/>
+              <a:t>6-311++G(2d,2p)</a:t>
+            </a:r>
+            <a:endParaRPr kumimoji="1" lang="ja-JP" altLang="en-US" sz="2400" dirty="0"/>
+          </a:p>
+        </p:txBody>
+      </p:sp>
+      <p:sp>
+        <p:nvSpPr>
+          <p:cNvPr id="11" name="テキスト ボックス 10">
+            <a:extLst>
+              <a:ext uri="{FF2B5EF4-FFF2-40B4-BE49-F238E27FC236}">
+                <a16:creationId xmlns:a16="http://schemas.microsoft.com/office/drawing/2014/main" id="{C89B2BD1-5FE5-6B64-2BB1-F465585EC17D}"/>
+              </a:ext>
+            </a:extLst>
+          </p:cNvPr>
+          <p:cNvSpPr txBox="1"/>
+          <p:nvPr/>
+        </p:nvSpPr>
+        <p:spPr>
+          <a:xfrm>
+            <a:off x="1251579" y="1120146"/>
+            <a:ext cx="1415772" cy="461665"/>
+          </a:xfrm>
+          <a:prstGeom prst="rect">
+            <a:avLst/>
+          </a:prstGeom>
+          <a:noFill/>
+        </p:spPr>
+        <p:txBody>
+          <a:bodyPr wrap="none" rtlCol="0">
+            <a:spAutoFit/>
+          </a:bodyPr>
+          <a:lstStyle/>
+          <a:p>
+            <a:r>
+              <a:rPr kumimoji="1" lang="ja-JP" altLang="en-US" sz="2400" dirty="0">
+                <a:latin typeface="BIZ UDPゴシック" panose="020B0400000000000000" pitchFamily="50" charset="-128"/>
+                <a:ea typeface="BIZ UDPゴシック" panose="020B0400000000000000" pitchFamily="50" charset="-128"/>
+              </a:rPr>
+              <a:t>基底関数</a:t>
+            </a:r>
+          </a:p>
+        </p:txBody>
+      </p:sp>
+      <p:sp>
+        <p:nvSpPr>
+          <p:cNvPr id="16" name="テキスト ボックス 15">
+            <a:extLst>
+              <a:ext uri="{FF2B5EF4-FFF2-40B4-BE49-F238E27FC236}">
+                <a16:creationId xmlns:a16="http://schemas.microsoft.com/office/drawing/2014/main" id="{7ED668A7-57FF-F65D-BD00-2C2DAC1D3483}"/>
+              </a:ext>
+            </a:extLst>
+          </p:cNvPr>
+          <p:cNvSpPr txBox="1"/>
+          <p:nvPr/>
+        </p:nvSpPr>
+        <p:spPr>
+          <a:xfrm>
+            <a:off x="1251579" y="1985408"/>
+            <a:ext cx="2147383" cy="2677656"/>
+          </a:xfrm>
+          <a:prstGeom prst="rect">
+            <a:avLst/>
+          </a:prstGeom>
+          <a:noFill/>
+        </p:spPr>
+        <p:txBody>
+          <a:bodyPr wrap="none" rtlCol="0">
+            <a:spAutoFit/>
+          </a:bodyPr>
+          <a:lstStyle/>
+          <a:p>
+            <a:r>
+              <a:rPr kumimoji="1" lang="en-US" altLang="ja-JP" sz="2400" dirty="0"/>
+              <a:t>6-31G</a:t>
+            </a:r>
+          </a:p>
+          <a:p>
+            <a:r>
+              <a:rPr kumimoji="1" lang="en-US" altLang="ja-JP" sz="2400" dirty="0"/>
+              <a:t>6-31G(</a:t>
+            </a:r>
+            <a:r>
+              <a:rPr kumimoji="1" lang="en-US" altLang="ja-JP" sz="2400" dirty="0" err="1"/>
+              <a:t>d,p</a:t>
+            </a:r>
+            <a:r>
+              <a:rPr kumimoji="1" lang="en-US" altLang="ja-JP" sz="2400" dirty="0"/>
+              <a:t>)</a:t>
+            </a:r>
+          </a:p>
+          <a:p>
+            <a:r>
+              <a:rPr kumimoji="1" lang="en-US" altLang="ja-JP" sz="2400" dirty="0"/>
+              <a:t>6-31G(2d,2p)</a:t>
+            </a:r>
+          </a:p>
+          <a:p>
+            <a:r>
+              <a:rPr kumimoji="1" lang="en-US" altLang="ja-JP" sz="2400" dirty="0"/>
+              <a:t>6-31++G</a:t>
+            </a:r>
+          </a:p>
+          <a:p>
+            <a:r>
+              <a:rPr kumimoji="1" lang="en-US" altLang="ja-JP" sz="2400" dirty="0"/>
+              <a:t>6-31++G(</a:t>
+            </a:r>
+            <a:r>
+              <a:rPr kumimoji="1" lang="en-US" altLang="ja-JP" sz="2400" dirty="0" err="1"/>
+              <a:t>d,p</a:t>
+            </a:r>
+            <a:r>
+              <a:rPr kumimoji="1" lang="en-US" altLang="ja-JP" sz="2400" dirty="0"/>
+              <a:t>)</a:t>
+            </a:r>
+          </a:p>
+          <a:p>
+            <a:r>
+              <a:rPr kumimoji="1" lang="en-US" altLang="ja-JP" sz="2400" dirty="0"/>
+              <a:t>6-31++G(2d,2p)</a:t>
+            </a:r>
+          </a:p>
+          <a:p>
+            <a:r>
+              <a:rPr kumimoji="1" lang="en-US" altLang="ja-JP" sz="2400" dirty="0"/>
+              <a:t>6-311G</a:t>
+            </a:r>
+          </a:p>
+        </p:txBody>
+      </p:sp>
+    </p:spTree>
+    <p:extLst>
+      <p:ext uri="{BB962C8B-B14F-4D97-AF65-F5344CB8AC3E}">
+        <p14:creationId xmlns:p14="http://schemas.microsoft.com/office/powerpoint/2010/main" val="2313335250"/>
+      </p:ext>
+    </p:extLst>
+  </p:cSld>
+  <p:clrMapOvr>
+    <a:masterClrMapping/>
+  </p:clrMapOvr>
+</p:sld>
+</file>
+
+<file path=ppt/slides/slide4.xml><?xml version="1.0" encoding="utf-8"?>
+<p:sld xmlns:a="http://schemas.openxmlformats.org/drawingml/2006/main" xmlns:r="http://schemas.openxmlformats.org/officeDocument/2006/relationships" xmlns:p="http://schemas.openxmlformats.org/presentationml/2006/main">
+  <p:cSld>
+    <p:spTree>
+      <p:nvGrpSpPr>
+        <p:cNvPr id="1" name=""/>
+        <p:cNvGrpSpPr/>
+        <p:nvPr/>
+      </p:nvGrpSpPr>
+      <p:grpSpPr>
+        <a:xfrm>
+          <a:off x="0" y="0"/>
+          <a:ext cx="0" cy="0"/>
+          <a:chOff x="0" y="0"/>
+          <a:chExt cx="0" cy="0"/>
+        </a:xfrm>
+      </p:grpSpPr>
+      <p:sp>
+        <p:nvSpPr>
+          <p:cNvPr id="10" name="テキスト ボックス 9">
+            <a:extLst>
+              <a:ext uri="{FF2B5EF4-FFF2-40B4-BE49-F238E27FC236}">
+                <a16:creationId xmlns:a16="http://schemas.microsoft.com/office/drawing/2014/main" id="{5A87E77D-7773-7448-8996-C044675A9A08}"/>
+              </a:ext>
+            </a:extLst>
+          </p:cNvPr>
+          <p:cNvSpPr txBox="1"/>
+          <p:nvPr/>
+        </p:nvSpPr>
+        <p:spPr>
+          <a:xfrm>
+            <a:off x="1244600" y="347360"/>
+            <a:ext cx="10248112" cy="954107"/>
+          </a:xfrm>
+          <a:prstGeom prst="rect">
+            <a:avLst/>
+          </a:prstGeom>
+          <a:noFill/>
+        </p:spPr>
+        <p:txBody>
+          <a:bodyPr wrap="square" rtlCol="0">
+            <a:spAutoFit/>
+          </a:bodyPr>
+          <a:lstStyle/>
+          <a:p>
+            <a:r>
+              <a:rPr lang="ja-JP" altLang="en-US" sz="2800" dirty="0">
+                <a:latin typeface="BIZ UDPゴシック" panose="020B0400000000000000" pitchFamily="50" charset="-128"/>
+                <a:ea typeface="BIZ UDPゴシック" panose="020B0400000000000000" pitchFamily="50" charset="-128"/>
+              </a:rPr>
+              <a:t>・</a:t>
+            </a:r>
+            <a:r>
+              <a:rPr lang="en-US" altLang="ja-JP" sz="2800" dirty="0">
+                <a:latin typeface="BIZ UDPゴシック" panose="020B0400000000000000" pitchFamily="50" charset="-128"/>
+                <a:ea typeface="BIZ UDPゴシック" panose="020B0400000000000000" pitchFamily="50" charset="-128"/>
+              </a:rPr>
+              <a:t>DFT</a:t>
+            </a:r>
+            <a:r>
+              <a:rPr lang="ja-JP" altLang="en-US" sz="2800" dirty="0">
+                <a:latin typeface="BIZ UDPゴシック" panose="020B0400000000000000" pitchFamily="50" charset="-128"/>
+                <a:ea typeface="BIZ UDPゴシック" panose="020B0400000000000000" pitchFamily="50" charset="-128"/>
+              </a:rPr>
+              <a:t>法で汎関数および基底関数の組み合わせの計算結果</a:t>
+            </a:r>
+            <a:endParaRPr lang="en-US" altLang="ja-JP" sz="2800" dirty="0">
+              <a:latin typeface="BIZ UDPゴシック" panose="020B0400000000000000" pitchFamily="50" charset="-128"/>
+              <a:ea typeface="BIZ UDPゴシック" panose="020B0400000000000000" pitchFamily="50" charset="-128"/>
+            </a:endParaRPr>
+          </a:p>
+          <a:p>
+            <a:r>
+              <a:rPr lang="en-US" altLang="ja-JP" sz="2800" dirty="0">
+                <a:latin typeface="BIZ UDPゴシック" panose="020B0400000000000000" pitchFamily="50" charset="-128"/>
+                <a:ea typeface="BIZ UDPゴシック" panose="020B0400000000000000" pitchFamily="50" charset="-128"/>
+              </a:rPr>
+              <a:t>CI</a:t>
+            </a:r>
+            <a:r>
+              <a:rPr lang="ja-JP" altLang="en-US" sz="2800" dirty="0">
+                <a:latin typeface="BIZ UDPゴシック" panose="020B0400000000000000" pitchFamily="50" charset="-128"/>
+                <a:ea typeface="BIZ UDPゴシック" panose="020B0400000000000000" pitchFamily="50" charset="-128"/>
+              </a:rPr>
+              <a:t>計算との誤差が</a:t>
+            </a:r>
+            <a:r>
+              <a:rPr lang="en-US" altLang="ja-JP" sz="2800" dirty="0">
+                <a:latin typeface="BIZ UDPゴシック" panose="020B0400000000000000" pitchFamily="50" charset="-128"/>
+                <a:ea typeface="BIZ UDPゴシック" panose="020B0400000000000000" pitchFamily="50" charset="-128"/>
+              </a:rPr>
+              <a:t>0.2kcal/mol</a:t>
+            </a:r>
+            <a:r>
+              <a:rPr lang="ja-JP" altLang="en-US" sz="2800" dirty="0">
+                <a:latin typeface="BIZ UDPゴシック" panose="020B0400000000000000" pitchFamily="50" charset="-128"/>
+                <a:ea typeface="BIZ UDPゴシック" panose="020B0400000000000000" pitchFamily="50" charset="-128"/>
+              </a:rPr>
+              <a:t>以下の数値が赤色</a:t>
+            </a:r>
+            <a:endParaRPr lang="en-US" altLang="ja-JP" sz="2800" dirty="0">
+              <a:latin typeface="BIZ UDPゴシック" panose="020B0400000000000000" pitchFamily="50" charset="-128"/>
+              <a:ea typeface="BIZ UDPゴシック" panose="020B0400000000000000" pitchFamily="50" charset="-128"/>
+            </a:endParaRPr>
+          </a:p>
+        </p:txBody>
+      </p:sp>
+      <p:pic>
+        <p:nvPicPr>
+          <p:cNvPr id="11" name="図 10">
+            <a:extLst>
+              <a:ext uri="{FF2B5EF4-FFF2-40B4-BE49-F238E27FC236}">
+                <a16:creationId xmlns:a16="http://schemas.microsoft.com/office/drawing/2014/main" id="{556FBF6A-4BB4-750B-38B4-FA64FB5CDC1C}"/>
+              </a:ext>
+            </a:extLst>
+          </p:cNvPr>
+          <p:cNvPicPr>
+            <a:picLocks noChangeAspect="1"/>
+          </p:cNvPicPr>
+          <p:nvPr/>
+        </p:nvPicPr>
+        <p:blipFill rotWithShape="1">
+          <a:blip r:embed="rId2"/>
+          <a:srcRect l="1625" t="2701"/>
+          <a:stretch/>
+        </p:blipFill>
+        <p:spPr>
+          <a:xfrm>
+            <a:off x="292090" y="1301467"/>
+            <a:ext cx="11567076" cy="5472000"/>
+          </a:xfrm>
+          <a:prstGeom prst="rect">
+            <a:avLst/>
+          </a:prstGeom>
+        </p:spPr>
+      </p:pic>
+      <p:sp>
+        <p:nvSpPr>
+          <p:cNvPr id="12" name="スライド番号プレースホルダー 1">
+            <a:extLst>
+              <a:ext uri="{FF2B5EF4-FFF2-40B4-BE49-F238E27FC236}">
+                <a16:creationId xmlns:a16="http://schemas.microsoft.com/office/drawing/2014/main" id="{3DB4CA97-33B5-FD98-EE64-B1FD27F59A23}"/>
+              </a:ext>
+            </a:extLst>
+          </p:cNvPr>
+          <p:cNvSpPr>
+            <a:spLocks noGrp="1"/>
+          </p:cNvSpPr>
+          <p:nvPr>
+            <p:ph type="sldNum" sz="quarter" idx="12"/>
+          </p:nvPr>
+        </p:nvSpPr>
+        <p:spPr>
+          <a:xfrm>
+            <a:off x="9067800" y="292100"/>
+            <a:ext cx="2743200" cy="365125"/>
+          </a:xfrm>
+        </p:spPr>
+        <p:txBody>
+          <a:bodyPr/>
+          <a:lstStyle/>
+          <a:p>
+            <a:fld id="{ECBD650F-6923-4A4C-ADE2-BB0B86E7CCFF}" type="slidenum">
+              <a:rPr lang="zh-CN" altLang="en-US" smtClean="0"/>
+              <a:t>4</a:t>
+            </a:fld>
+            <a:endParaRPr lang="zh-CN" altLang="en-US" dirty="0"/>
+          </a:p>
+        </p:txBody>
+      </p:sp>
+    </p:spTree>
+    <p:extLst>
+      <p:ext uri="{BB962C8B-B14F-4D97-AF65-F5344CB8AC3E}">
+        <p14:creationId xmlns:p14="http://schemas.microsoft.com/office/powerpoint/2010/main" val="185381189"/>
+      </p:ext>
+    </p:extLst>
+  </p:cSld>
+  <p:clrMapOvr>
+    <a:masterClrMapping/>
+  </p:clrMapOvr>
+</p:sld>
+</file>
+
+<file path=ppt/slides/slide5.xml><?xml version="1.0" encoding="utf-8"?>
+<p:sld xmlns:a="http://schemas.openxmlformats.org/drawingml/2006/main" xmlns:r="http://schemas.openxmlformats.org/officeDocument/2006/relationships" xmlns:p="http://schemas.openxmlformats.org/presentationml/2006/main">
+  <p:cSld>
+    <p:spTree>
+      <p:nvGrpSpPr>
+        <p:cNvPr id="1" name=""/>
+        <p:cNvGrpSpPr/>
+        <p:nvPr/>
+      </p:nvGrpSpPr>
+      <p:grpSpPr>
+        <a:xfrm>
+          <a:off x="0" y="0"/>
+          <a:ext cx="0" cy="0"/>
+          <a:chOff x="0" y="0"/>
+          <a:chExt cx="0" cy="0"/>
+        </a:xfrm>
+      </p:grpSpPr>
+      <p:sp>
+        <p:nvSpPr>
+          <p:cNvPr id="2" name="スライド番号プレースホルダー 1">
+            <a:extLst>
+              <a:ext uri="{FF2B5EF4-FFF2-40B4-BE49-F238E27FC236}">
+                <a16:creationId xmlns:a16="http://schemas.microsoft.com/office/drawing/2014/main" id="{0483634C-207E-D992-1B6D-A3D9F3B2A579}"/>
+              </a:ext>
+            </a:extLst>
+          </p:cNvPr>
+          <p:cNvSpPr>
+            <a:spLocks noGrp="1"/>
+          </p:cNvSpPr>
+          <p:nvPr>
+            <p:ph type="sldNum" sz="quarter" idx="12"/>
+          </p:nvPr>
+        </p:nvSpPr>
+        <p:spPr/>
+        <p:txBody>
+          <a:bodyPr/>
+          <a:lstStyle/>
+          <a:p>
+            <a:fld id="{ECBD650F-6923-4A4C-ADE2-BB0B86E7CCFF}" type="slidenum">
+              <a:rPr lang="zh-CN" altLang="en-US" smtClean="0"/>
+              <a:t>5</a:t>
+            </a:fld>
+            <a:endParaRPr lang="zh-CN" altLang="en-US"/>
+          </a:p>
+        </p:txBody>
+      </p:sp>
+      <p:pic>
+        <p:nvPicPr>
+          <p:cNvPr id="5" name="図 4">
+            <a:extLst>
+              <a:ext uri="{FF2B5EF4-FFF2-40B4-BE49-F238E27FC236}">
+                <a16:creationId xmlns:a16="http://schemas.microsoft.com/office/drawing/2014/main" id="{C838CA7D-7066-8F0D-ED1A-18ABF2750969}"/>
+              </a:ext>
+            </a:extLst>
+          </p:cNvPr>
+          <p:cNvPicPr>
+            <a:picLocks noChangeAspect="1"/>
+          </p:cNvPicPr>
+          <p:nvPr/>
+        </p:nvPicPr>
+        <p:blipFill rotWithShape="1">
+          <a:blip r:embed="rId2"/>
+          <a:srcRect l="1948" t="-30"/>
+          <a:stretch/>
+        </p:blipFill>
+        <p:spPr>
+          <a:xfrm>
+            <a:off x="86260" y="877900"/>
+            <a:ext cx="12019479" cy="5688000"/>
+          </a:xfrm>
+          <a:prstGeom prst="rect">
+            <a:avLst/>
+          </a:prstGeom>
+        </p:spPr>
+      </p:pic>
+    </p:spTree>
+    <p:extLst>
+      <p:ext uri="{BB962C8B-B14F-4D97-AF65-F5344CB8AC3E}">
+        <p14:creationId xmlns:p14="http://schemas.microsoft.com/office/powerpoint/2010/main" val="4288167150"/>
+      </p:ext>
+    </p:extLst>
+  </p:cSld>
+  <p:clrMapOvr>
+    <a:masterClrMapping/>
+  </p:clrMapOvr>
+</p:sld>
+</file>
+
+<file path=ppt/slides/slide6.xml><?xml version="1.0" encoding="utf-8"?>
+<p:sld xmlns:a="http://schemas.openxmlformats.org/drawingml/2006/main" xmlns:r="http://schemas.openxmlformats.org/officeDocument/2006/relationships" xmlns:p="http://schemas.openxmlformats.org/presentationml/2006/main">
+  <p:cSld>
+    <p:spTree>
+      <p:nvGrpSpPr>
+        <p:cNvPr id="1" name=""/>
+        <p:cNvGrpSpPr/>
+        <p:nvPr/>
+      </p:nvGrpSpPr>
+      <p:grpSpPr>
+        <a:xfrm>
+          <a:off x="0" y="0"/>
+          <a:ext cx="0" cy="0"/>
+          <a:chOff x="0" y="0"/>
+          <a:chExt cx="0" cy="0"/>
+        </a:xfrm>
+      </p:grpSpPr>
+      <p:sp>
+        <p:nvSpPr>
+          <p:cNvPr id="2" name="スライド番号プレースホルダー 1">
+            <a:extLst>
+              <a:ext uri="{FF2B5EF4-FFF2-40B4-BE49-F238E27FC236}">
+                <a16:creationId xmlns:a16="http://schemas.microsoft.com/office/drawing/2014/main" id="{0483634C-207E-D992-1B6D-A3D9F3B2A579}"/>
+              </a:ext>
+            </a:extLst>
+          </p:cNvPr>
+          <p:cNvSpPr>
+            <a:spLocks noGrp="1"/>
+          </p:cNvSpPr>
+          <p:nvPr>
+            <p:ph type="sldNum" sz="quarter" idx="12"/>
+          </p:nvPr>
+        </p:nvSpPr>
+        <p:spPr/>
+        <p:txBody>
+          <a:bodyPr/>
+          <a:lstStyle/>
+          <a:p>
+            <a:fld id="{ECBD650F-6923-4A4C-ADE2-BB0B86E7CCFF}" type="slidenum">
+              <a:rPr lang="zh-CN" altLang="en-US" smtClean="0"/>
+              <a:t>6</a:t>
+            </a:fld>
+            <a:endParaRPr lang="zh-CN" altLang="en-US"/>
+          </a:p>
+        </p:txBody>
+      </p:sp>
+      <p:pic>
+        <p:nvPicPr>
+          <p:cNvPr id="4" name="図 3">
+            <a:extLst>
+              <a:ext uri="{FF2B5EF4-FFF2-40B4-BE49-F238E27FC236}">
+                <a16:creationId xmlns:a16="http://schemas.microsoft.com/office/drawing/2014/main" id="{CC73353C-7F7C-C654-63CD-D130F5808E9D}"/>
+              </a:ext>
+            </a:extLst>
+          </p:cNvPr>
+          <p:cNvPicPr>
+            <a:picLocks noChangeAspect="1"/>
+          </p:cNvPicPr>
+          <p:nvPr/>
+        </p:nvPicPr>
+        <p:blipFill rotWithShape="1">
+          <a:blip r:embed="rId2"/>
+          <a:srcRect l="1875" t="8061"/>
+          <a:stretch/>
+        </p:blipFill>
+        <p:spPr>
+          <a:xfrm>
+            <a:off x="114300" y="1968500"/>
+            <a:ext cx="11963400" cy="2151255"/>
+          </a:xfrm>
+          <a:prstGeom prst="rect">
+            <a:avLst/>
+          </a:prstGeom>
+        </p:spPr>
+      </p:pic>
+      <p:sp>
+        <p:nvSpPr>
+          <p:cNvPr id="5" name="テキスト ボックス 4">
+            <a:extLst>
+              <a:ext uri="{FF2B5EF4-FFF2-40B4-BE49-F238E27FC236}">
+                <a16:creationId xmlns:a16="http://schemas.microsoft.com/office/drawing/2014/main" id="{D31CCF94-0171-85E5-D0E4-66A9D65E5972}"/>
+              </a:ext>
+            </a:extLst>
+          </p:cNvPr>
+          <p:cNvSpPr txBox="1"/>
+          <p:nvPr/>
+        </p:nvSpPr>
+        <p:spPr>
+          <a:xfrm>
+            <a:off x="971944" y="607710"/>
+            <a:ext cx="10248112" cy="523220"/>
+          </a:xfrm>
+          <a:prstGeom prst="rect">
+            <a:avLst/>
+          </a:prstGeom>
+          <a:noFill/>
+        </p:spPr>
+        <p:txBody>
+          <a:bodyPr wrap="square" rtlCol="0">
+            <a:spAutoFit/>
+          </a:bodyPr>
+          <a:lstStyle/>
+          <a:p>
+            <a:r>
+              <a:rPr lang="ja-JP" altLang="en-US" sz="2800" dirty="0">
+                <a:latin typeface="BIZ UDPゴシック" panose="020B0400000000000000" pitchFamily="50" charset="-128"/>
+                <a:ea typeface="BIZ UDPゴシック" panose="020B0400000000000000" pitchFamily="50" charset="-128"/>
+              </a:rPr>
+              <a:t>・</a:t>
+            </a:r>
+            <a:r>
+              <a:rPr lang="en-US" altLang="ja-JP" sz="2800" dirty="0">
+                <a:latin typeface="BIZ UDPゴシック" panose="020B0400000000000000" pitchFamily="50" charset="-128"/>
+                <a:ea typeface="BIZ UDPゴシック" panose="020B0400000000000000" pitchFamily="50" charset="-128"/>
+              </a:rPr>
+              <a:t>CI</a:t>
+            </a:r>
+            <a:r>
+              <a:rPr lang="ja-JP" altLang="en-US" sz="2800" dirty="0">
+                <a:latin typeface="BIZ UDPゴシック" panose="020B0400000000000000" pitchFamily="50" charset="-128"/>
+                <a:ea typeface="BIZ UDPゴシック" panose="020B0400000000000000" pitchFamily="50" charset="-128"/>
+              </a:rPr>
+              <a:t>計算との誤差が</a:t>
+            </a:r>
+            <a:r>
+              <a:rPr lang="en-US" altLang="ja-JP" sz="2800" dirty="0">
+                <a:latin typeface="BIZ UDPゴシック" panose="020B0400000000000000" pitchFamily="50" charset="-128"/>
+                <a:ea typeface="BIZ UDPゴシック" panose="020B0400000000000000" pitchFamily="50" charset="-128"/>
+              </a:rPr>
+              <a:t>0.2kcal/mol</a:t>
+            </a:r>
+            <a:r>
+              <a:rPr lang="ja-JP" altLang="en-US" sz="2800" dirty="0">
+                <a:latin typeface="BIZ UDPゴシック" panose="020B0400000000000000" pitchFamily="50" charset="-128"/>
+                <a:ea typeface="BIZ UDPゴシック" panose="020B0400000000000000" pitchFamily="50" charset="-128"/>
+              </a:rPr>
+              <a:t>以下の赤の組み合わせ</a:t>
+            </a:r>
+            <a:endParaRPr lang="en-US" altLang="ja-JP" sz="2800" dirty="0">
+              <a:latin typeface="BIZ UDPゴシック" panose="020B0400000000000000" pitchFamily="50" charset="-128"/>
+              <a:ea typeface="BIZ UDPゴシック" panose="020B0400000000000000" pitchFamily="50" charset="-128"/>
+            </a:endParaRPr>
+          </a:p>
+        </p:txBody>
+      </p:sp>
+    </p:spTree>
+    <p:extLst>
+      <p:ext uri="{BB962C8B-B14F-4D97-AF65-F5344CB8AC3E}">
+        <p14:creationId xmlns:p14="http://schemas.microsoft.com/office/powerpoint/2010/main" val="2872201580"/>
+      </p:ext>
+    </p:extLst>
+  </p:cSld>
+  <p:clrMapOvr>
+    <a:masterClrMapping/>
+  </p:clrMapOvr>
+</p:sld>
+</file>
+
+<file path=ppt/slides/slide7.xml><?xml version="1.0" encoding="utf-8"?>
+<p:sld xmlns:a="http://schemas.openxmlformats.org/drawingml/2006/main" xmlns:r="http://schemas.openxmlformats.org/officeDocument/2006/relationships" xmlns:p="http://schemas.openxmlformats.org/presentationml/2006/main">
+  <p:cSld>
+    <p:spTree>
+      <p:nvGrpSpPr>
+        <p:cNvPr id="1" name=""/>
+        <p:cNvGrpSpPr/>
+        <p:nvPr/>
+      </p:nvGrpSpPr>
+      <p:grpSpPr>
+        <a:xfrm>
+          <a:off x="0" y="0"/>
+          <a:ext cx="0" cy="0"/>
+          <a:chOff x="0" y="0"/>
+          <a:chExt cx="0" cy="0"/>
+        </a:xfrm>
+      </p:grpSpPr>
+      <p:sp>
+        <p:nvSpPr>
+          <p:cNvPr id="2" name="スライド番号プレースホルダー 1">
+            <a:extLst>
+              <a:ext uri="{FF2B5EF4-FFF2-40B4-BE49-F238E27FC236}">
+                <a16:creationId xmlns:a16="http://schemas.microsoft.com/office/drawing/2014/main" id="{0483634C-207E-D992-1B6D-A3D9F3B2A579}"/>
+              </a:ext>
+            </a:extLst>
+          </p:cNvPr>
+          <p:cNvSpPr>
+            <a:spLocks noGrp="1"/>
+          </p:cNvSpPr>
+          <p:nvPr>
+            <p:ph type="sldNum" sz="quarter" idx="12"/>
+          </p:nvPr>
+        </p:nvSpPr>
+        <p:spPr/>
+        <p:txBody>
+          <a:bodyPr/>
+          <a:lstStyle/>
+          <a:p>
+            <a:fld id="{ECBD650F-6923-4A4C-ADE2-BB0B86E7CCFF}" type="slidenum">
+              <a:rPr lang="zh-CN" altLang="en-US" smtClean="0"/>
+              <a:t>7</a:t>
+            </a:fld>
+            <a:endParaRPr lang="zh-CN" altLang="en-US"/>
+          </a:p>
+        </p:txBody>
+      </p:sp>
+      <p:sp>
+        <p:nvSpPr>
+          <p:cNvPr id="3" name="テキスト ボックス 2">
+            <a:extLst>
+              <a:ext uri="{FF2B5EF4-FFF2-40B4-BE49-F238E27FC236}">
+                <a16:creationId xmlns:a16="http://schemas.microsoft.com/office/drawing/2014/main" id="{831139B1-BDC3-DED9-B9C5-7D2536C57F79}"/>
+              </a:ext>
+            </a:extLst>
+          </p:cNvPr>
+          <p:cNvSpPr txBox="1"/>
+          <p:nvPr/>
+        </p:nvSpPr>
+        <p:spPr>
+          <a:xfrm>
+            <a:off x="793850" y="220961"/>
+            <a:ext cx="2031325" cy="646331"/>
+          </a:xfrm>
+          <a:prstGeom prst="rect">
+            <a:avLst/>
+          </a:prstGeom>
+          <a:noFill/>
+        </p:spPr>
+        <p:txBody>
+          <a:bodyPr wrap="none" rtlCol="0">
+            <a:spAutoFit/>
+          </a:bodyPr>
+          <a:lstStyle/>
+          <a:p>
+            <a:r>
+              <a:rPr kumimoji="1" lang="ja-JP" altLang="en-US" sz="3600" b="1" dirty="0">
+                <a:effectLst>
+                  <a:outerShdw blurRad="38100" dist="38100" dir="2700000" algn="tl">
+                    <a:srgbClr val="000000">
+                      <a:alpha val="43137"/>
+                    </a:srgbClr>
+                  </a:outerShdw>
+                </a:effectLst>
+                <a:latin typeface="BIZ UDPゴシック" panose="020B0400000000000000" pitchFamily="50" charset="-128"/>
+                <a:ea typeface="BIZ UDPゴシック" panose="020B0400000000000000" pitchFamily="50" charset="-128"/>
+              </a:rPr>
+              <a:t>実験結果</a:t>
+            </a:r>
+          </a:p>
+        </p:txBody>
+      </p:sp>
+      <p:sp>
+        <p:nvSpPr>
+          <p:cNvPr id="5" name="テキスト ボックス 4">
+            <a:extLst>
+              <a:ext uri="{FF2B5EF4-FFF2-40B4-BE49-F238E27FC236}">
+                <a16:creationId xmlns:a16="http://schemas.microsoft.com/office/drawing/2014/main" id="{73FEA48A-27EB-7012-5152-23AD99D40F1B}"/>
+              </a:ext>
+            </a:extLst>
+          </p:cNvPr>
+          <p:cNvSpPr txBox="1"/>
+          <p:nvPr/>
+        </p:nvSpPr>
+        <p:spPr>
+          <a:xfrm>
+            <a:off x="838200" y="1122060"/>
+            <a:ext cx="10248112" cy="1384995"/>
+          </a:xfrm>
+          <a:prstGeom prst="rect">
+            <a:avLst/>
+          </a:prstGeom>
+          <a:noFill/>
+        </p:spPr>
+        <p:txBody>
+          <a:bodyPr wrap="square" rtlCol="0">
+            <a:spAutoFit/>
+          </a:bodyPr>
+          <a:lstStyle/>
+          <a:p>
+            <a:r>
+              <a:rPr lang="ja-JP" altLang="en-US" sz="2800" dirty="0">
+                <a:latin typeface="BIZ UDPゴシック" panose="020B0400000000000000" pitchFamily="50" charset="-128"/>
+                <a:ea typeface="BIZ UDPゴシック" panose="020B0400000000000000" pitchFamily="50" charset="-128"/>
+              </a:rPr>
+              <a:t>・</a:t>
+            </a:r>
+            <a:r>
+              <a:rPr kumimoji="1" lang="ja-JP" altLang="en-US" sz="2800" dirty="0">
+                <a:latin typeface="BIZ UDPゴシック" panose="020B0400000000000000" pitchFamily="50" charset="-128"/>
+                <a:ea typeface="BIZ UDPゴシック" panose="020B0400000000000000" pitchFamily="50" charset="-128"/>
+              </a:rPr>
+              <a:t>活性化エネルギー値が文献</a:t>
+            </a:r>
+            <a:r>
+              <a:rPr kumimoji="1" lang="en-US" altLang="ja-JP" sz="2800" dirty="0">
+                <a:latin typeface="BIZ UDPゴシック" panose="020B0400000000000000" pitchFamily="50" charset="-128"/>
+                <a:ea typeface="BIZ UDPゴシック" panose="020B0400000000000000" pitchFamily="50" charset="-128"/>
+              </a:rPr>
+              <a:t>[1](4.1kcal/mol)</a:t>
+            </a:r>
+            <a:r>
+              <a:rPr kumimoji="1" lang="ja-JP" altLang="en-US" sz="2800" dirty="0">
+                <a:latin typeface="BIZ UDPゴシック" panose="020B0400000000000000" pitchFamily="50" charset="-128"/>
+                <a:ea typeface="BIZ UDPゴシック" panose="020B0400000000000000" pitchFamily="50" charset="-128"/>
+              </a:rPr>
+              <a:t>に近い汎関数と基底関数の組み合わせ（上位</a:t>
+            </a:r>
+            <a:r>
+              <a:rPr kumimoji="1" lang="en-US" altLang="ja-JP" sz="2800" dirty="0">
+                <a:latin typeface="BIZ UDPゴシック" panose="020B0400000000000000" pitchFamily="50" charset="-128"/>
+                <a:ea typeface="BIZ UDPゴシック" panose="020B0400000000000000" pitchFamily="50" charset="-128"/>
+              </a:rPr>
+              <a:t>5</a:t>
+            </a:r>
+            <a:r>
+              <a:rPr kumimoji="1" lang="ja-JP" altLang="en-US" sz="2800" dirty="0">
+                <a:latin typeface="BIZ UDPゴシック" panose="020B0400000000000000" pitchFamily="50" charset="-128"/>
+                <a:ea typeface="BIZ UDPゴシック" panose="020B0400000000000000" pitchFamily="50" charset="-128"/>
+              </a:rPr>
+              <a:t>個）</a:t>
+            </a:r>
+          </a:p>
+          <a:p>
+            <a:endParaRPr lang="en-US" altLang="ja-JP" sz="2800" dirty="0">
+              <a:latin typeface="BIZ UDPゴシック" panose="020B0400000000000000" pitchFamily="50" charset="-128"/>
+              <a:ea typeface="BIZ UDPゴシック" panose="020B0400000000000000" pitchFamily="50" charset="-128"/>
+            </a:endParaRPr>
+          </a:p>
+        </p:txBody>
+      </p:sp>
+      <p:sp>
+        <p:nvSpPr>
+          <p:cNvPr id="6" name="テキスト ボックス 5">
+            <a:extLst>
+              <a:ext uri="{FF2B5EF4-FFF2-40B4-BE49-F238E27FC236}">
+                <a16:creationId xmlns:a16="http://schemas.microsoft.com/office/drawing/2014/main" id="{966608EA-D8C7-D0F3-BBEE-7C0B1015AF79}"/>
+              </a:ext>
+            </a:extLst>
+          </p:cNvPr>
+          <p:cNvSpPr txBox="1"/>
+          <p:nvPr/>
+        </p:nvSpPr>
+        <p:spPr>
+          <a:xfrm>
+            <a:off x="245417" y="6356350"/>
+            <a:ext cx="8293188" cy="307777"/>
+          </a:xfrm>
+          <a:prstGeom prst="rect">
+            <a:avLst/>
+          </a:prstGeom>
+          <a:noFill/>
+        </p:spPr>
+        <p:txBody>
+          <a:bodyPr wrap="square">
+            <a:spAutoFit/>
+          </a:bodyPr>
+          <a:lstStyle/>
+          <a:p>
+            <a:r>
+              <a:rPr kumimoji="1" lang="en-US" altLang="ja-JP" sz="1400" dirty="0">
+                <a:latin typeface="Times New Roman" panose="02020603050405020304" pitchFamily="18" charset="0"/>
+                <a:cs typeface="Times New Roman" panose="02020603050405020304" pitchFamily="18" charset="0"/>
+              </a:rPr>
+              <a:t>[1] David </a:t>
+            </a:r>
+            <a:r>
+              <a:rPr kumimoji="1" lang="en-US" altLang="ja-JP" sz="1400" dirty="0" err="1">
+                <a:latin typeface="Times New Roman" panose="02020603050405020304" pitchFamily="18" charset="0"/>
+                <a:cs typeface="Times New Roman" panose="02020603050405020304" pitchFamily="18" charset="0"/>
+              </a:rPr>
+              <a:t>E.Woon</a:t>
+            </a:r>
+            <a:r>
+              <a:rPr kumimoji="1" lang="en-US" altLang="ja-JP" sz="1400" dirty="0">
+                <a:latin typeface="Times New Roman" panose="02020603050405020304" pitchFamily="18" charset="0"/>
+                <a:cs typeface="Times New Roman" panose="02020603050405020304" pitchFamily="18" charset="0"/>
+              </a:rPr>
+              <a:t> </a:t>
+            </a:r>
+            <a:r>
+              <a:rPr kumimoji="1" lang="en-US" altLang="ja-JP" sz="1400" i="1" dirty="0">
+                <a:latin typeface="Times New Roman" panose="02020603050405020304" pitchFamily="18" charset="0"/>
+                <a:cs typeface="Times New Roman" panose="02020603050405020304" pitchFamily="18" charset="0"/>
+              </a:rPr>
+              <a:t>J.Chem.Phys.,</a:t>
+            </a:r>
+            <a:r>
+              <a:rPr kumimoji="1" lang="en-US" altLang="ja-JP" sz="1400" b="1" dirty="0">
+                <a:latin typeface="Times New Roman" panose="02020603050405020304" pitchFamily="18" charset="0"/>
+                <a:cs typeface="Times New Roman" panose="02020603050405020304" pitchFamily="18" charset="0"/>
+              </a:rPr>
+              <a:t>105(22)</a:t>
+            </a:r>
+            <a:r>
+              <a:rPr kumimoji="1" lang="en-US" altLang="ja-JP" sz="1400" dirty="0">
+                <a:latin typeface="Times New Roman" panose="02020603050405020304" pitchFamily="18" charset="0"/>
+                <a:cs typeface="Times New Roman" panose="02020603050405020304" pitchFamily="18" charset="0"/>
+              </a:rPr>
+              <a:t> L9921 (1996)</a:t>
+            </a:r>
+            <a:endParaRPr kumimoji="1" lang="ja-JP" altLang="en-US" sz="1400" dirty="0">
+              <a:latin typeface="Times New Roman" panose="02020603050405020304" pitchFamily="18" charset="0"/>
+              <a:cs typeface="Times New Roman" panose="02020603050405020304" pitchFamily="18" charset="0"/>
+            </a:endParaRPr>
+          </a:p>
+        </p:txBody>
+      </p:sp>
+      <p:cxnSp>
+        <p:nvCxnSpPr>
+          <p:cNvPr id="35" name="直線コネクタ 34">
+            <a:extLst>
+              <a:ext uri="{FF2B5EF4-FFF2-40B4-BE49-F238E27FC236}">
+                <a16:creationId xmlns:a16="http://schemas.microsoft.com/office/drawing/2014/main" id="{46959173-2632-541C-8A84-6C5FF6877E57}"/>
+              </a:ext>
+            </a:extLst>
+          </p:cNvPr>
+          <p:cNvCxnSpPr>
+            <a:cxnSpLocks/>
+          </p:cNvCxnSpPr>
+          <p:nvPr/>
+        </p:nvCxnSpPr>
+        <p:spPr>
+          <a:xfrm>
+            <a:off x="2144110" y="2355706"/>
+            <a:ext cx="7334119" cy="0"/>
+          </a:xfrm>
+          <a:prstGeom prst="line">
+            <a:avLst/>
+          </a:prstGeom>
+          <a:ln w="38100">
+            <a:solidFill>
+              <a:schemeClr val="tx1"/>
+            </a:solidFill>
+          </a:ln>
+        </p:spPr>
+        <p:style>
+          <a:lnRef idx="1">
+            <a:schemeClr val="accent1"/>
+          </a:lnRef>
+          <a:fillRef idx="0">
+            <a:schemeClr val="accent1"/>
+          </a:fillRef>
+          <a:effectRef idx="0">
+            <a:schemeClr val="accent1"/>
+          </a:effectRef>
+          <a:fontRef idx="minor">
+            <a:schemeClr val="tx1"/>
+          </a:fontRef>
+        </p:style>
+      </p:cxnSp>
+      <p:cxnSp>
+        <p:nvCxnSpPr>
+          <p:cNvPr id="36" name="直線コネクタ 35">
+            <a:extLst>
+              <a:ext uri="{FF2B5EF4-FFF2-40B4-BE49-F238E27FC236}">
+                <a16:creationId xmlns:a16="http://schemas.microsoft.com/office/drawing/2014/main" id="{700D5C41-B791-CFAA-3D2D-C173EA2857F1}"/>
+              </a:ext>
+            </a:extLst>
+          </p:cNvPr>
+          <p:cNvCxnSpPr>
+            <a:cxnSpLocks/>
+          </p:cNvCxnSpPr>
+          <p:nvPr/>
+        </p:nvCxnSpPr>
+        <p:spPr>
+          <a:xfrm>
+            <a:off x="2144109" y="3162562"/>
+            <a:ext cx="7334119" cy="0"/>
+          </a:xfrm>
+          <a:prstGeom prst="line">
+            <a:avLst/>
+          </a:prstGeom>
+          <a:ln w="38100">
+            <a:solidFill>
+              <a:schemeClr val="tx1"/>
+            </a:solidFill>
+          </a:ln>
+        </p:spPr>
+        <p:style>
+          <a:lnRef idx="1">
+            <a:schemeClr val="accent1"/>
+          </a:lnRef>
+          <a:fillRef idx="0">
+            <a:schemeClr val="accent1"/>
+          </a:fillRef>
+          <a:effectRef idx="0">
+            <a:schemeClr val="accent1"/>
+          </a:effectRef>
+          <a:fontRef idx="minor">
+            <a:schemeClr val="tx1"/>
+          </a:fontRef>
+        </p:style>
+      </p:cxnSp>
+      <p:sp>
+        <p:nvSpPr>
+          <p:cNvPr id="37" name="テキスト ボックス 36">
+            <a:extLst>
+              <a:ext uri="{FF2B5EF4-FFF2-40B4-BE49-F238E27FC236}">
+                <a16:creationId xmlns:a16="http://schemas.microsoft.com/office/drawing/2014/main" id="{E67495DC-613E-A924-7F47-572D28D3FA78}"/>
+              </a:ext>
+            </a:extLst>
+          </p:cNvPr>
+          <p:cNvSpPr txBox="1"/>
+          <p:nvPr/>
+        </p:nvSpPr>
+        <p:spPr>
+          <a:xfrm>
+            <a:off x="2546159" y="2507055"/>
+            <a:ext cx="1451038" cy="400110"/>
+          </a:xfrm>
+          <a:prstGeom prst="rect">
+            <a:avLst/>
+          </a:prstGeom>
+          <a:noFill/>
+        </p:spPr>
+        <p:txBody>
+          <a:bodyPr wrap="none" rtlCol="0">
+            <a:spAutoFit/>
+          </a:bodyPr>
+          <a:lstStyle/>
+          <a:p>
+            <a:r>
+              <a:rPr kumimoji="1" lang="ja-JP" altLang="en-US" sz="2000" dirty="0">
+                <a:latin typeface="BIZ UDPゴシック" panose="020B0400000000000000" pitchFamily="50" charset="-128"/>
+                <a:ea typeface="BIZ UDPゴシック" panose="020B0400000000000000" pitchFamily="50" charset="-128"/>
+              </a:rPr>
+              <a:t>組み合わせ</a:t>
+            </a:r>
+            <a:endParaRPr kumimoji="1" lang="en-US" altLang="ja-JP" sz="2000" dirty="0">
+              <a:latin typeface="BIZ UDPゴシック" panose="020B0400000000000000" pitchFamily="50" charset="-128"/>
+              <a:ea typeface="BIZ UDPゴシック" panose="020B0400000000000000" pitchFamily="50" charset="-128"/>
+            </a:endParaRPr>
+          </a:p>
+        </p:txBody>
+      </p:sp>
+      <p:sp>
+        <p:nvSpPr>
+          <p:cNvPr id="38" name="テキスト ボックス 37">
+            <a:extLst>
+              <a:ext uri="{FF2B5EF4-FFF2-40B4-BE49-F238E27FC236}">
+                <a16:creationId xmlns:a16="http://schemas.microsoft.com/office/drawing/2014/main" id="{88E212A9-BFE1-1319-4A89-E0AEC2641095}"/>
+              </a:ext>
+            </a:extLst>
+          </p:cNvPr>
+          <p:cNvSpPr txBox="1"/>
+          <p:nvPr/>
+        </p:nvSpPr>
+        <p:spPr>
+          <a:xfrm>
+            <a:off x="6322076" y="2377495"/>
+            <a:ext cx="2170787" cy="707886"/>
+          </a:xfrm>
+          <a:prstGeom prst="rect">
+            <a:avLst/>
+          </a:prstGeom>
+          <a:noFill/>
+        </p:spPr>
+        <p:txBody>
+          <a:bodyPr wrap="none" rtlCol="0">
+            <a:spAutoFit/>
+          </a:bodyPr>
+          <a:lstStyle/>
+          <a:p>
+            <a:r>
+              <a:rPr kumimoji="1" lang="ja-JP" altLang="en-US" sz="2000" dirty="0">
+                <a:latin typeface="BIZ UDPゴシック" panose="020B0400000000000000" pitchFamily="50" charset="-128"/>
+                <a:ea typeface="BIZ UDPゴシック" panose="020B0400000000000000" pitchFamily="50" charset="-128"/>
+              </a:rPr>
+              <a:t>活性化エネルギー</a:t>
+            </a:r>
+            <a:endParaRPr kumimoji="1" lang="en-US" altLang="ja-JP" sz="2000" dirty="0">
+              <a:latin typeface="BIZ UDPゴシック" panose="020B0400000000000000" pitchFamily="50" charset="-128"/>
+              <a:ea typeface="BIZ UDPゴシック" panose="020B0400000000000000" pitchFamily="50" charset="-128"/>
+            </a:endParaRPr>
+          </a:p>
+          <a:p>
+            <a:r>
+              <a:rPr kumimoji="1" lang="en-US" altLang="ja-JP" sz="2000" dirty="0">
+                <a:latin typeface="BIZ UDPゴシック" panose="020B0400000000000000" pitchFamily="50" charset="-128"/>
+                <a:ea typeface="BIZ UDPゴシック" panose="020B0400000000000000" pitchFamily="50" charset="-128"/>
+              </a:rPr>
+              <a:t>(kcal/mol)</a:t>
+            </a:r>
+            <a:endParaRPr kumimoji="1" lang="ja-JP" altLang="en-US" sz="2000" dirty="0">
+              <a:latin typeface="BIZ UDPゴシック" panose="020B0400000000000000" pitchFamily="50" charset="-128"/>
+              <a:ea typeface="BIZ UDPゴシック" panose="020B0400000000000000" pitchFamily="50" charset="-128"/>
+            </a:endParaRPr>
+          </a:p>
+        </p:txBody>
+      </p:sp>
+      <p:sp>
+        <p:nvSpPr>
+          <p:cNvPr id="39" name="テキスト ボックス 38">
+            <a:extLst>
+              <a:ext uri="{FF2B5EF4-FFF2-40B4-BE49-F238E27FC236}">
+                <a16:creationId xmlns:a16="http://schemas.microsoft.com/office/drawing/2014/main" id="{98E0D255-0256-3CB9-E168-C63893B0D7A4}"/>
+              </a:ext>
+            </a:extLst>
+          </p:cNvPr>
+          <p:cNvSpPr txBox="1"/>
+          <p:nvPr/>
+        </p:nvSpPr>
+        <p:spPr>
+          <a:xfrm>
+            <a:off x="2654914" y="3326106"/>
+            <a:ext cx="2682145" cy="369332"/>
+          </a:xfrm>
+          <a:prstGeom prst="rect">
+            <a:avLst/>
+          </a:prstGeom>
+          <a:noFill/>
+        </p:spPr>
+        <p:txBody>
+          <a:bodyPr wrap="none" rtlCol="0">
+            <a:spAutoFit/>
+          </a:bodyPr>
+          <a:lstStyle/>
+          <a:p>
+            <a:pPr marL="0" marR="0" lvl="0" indent="0" algn="l" defTabSz="914400" rtl="0" eaLnBrk="0" fontAlgn="base" latinLnBrk="0" hangingPunct="0">
+              <a:lnSpc>
+                <a:spcPct val="100000"/>
+              </a:lnSpc>
+              <a:spcBef>
+                <a:spcPct val="0"/>
+              </a:spcBef>
+              <a:spcAft>
+                <a:spcPct val="0"/>
+              </a:spcAft>
+              <a:buClrTx/>
+              <a:buSzTx/>
+              <a:buFontTx/>
+              <a:buNone/>
+              <a:tabLst/>
+            </a:pPr>
+            <a:r>
+              <a:rPr kumimoji="0" lang="en-US" altLang="ja-JP" sz="1800" b="0" i="0" u="none" strike="noStrike" cap="none" normalizeH="0" baseline="0" dirty="0">
+                <a:ln>
+                  <a:noFill/>
+                </a:ln>
+                <a:solidFill>
+                  <a:srgbClr val="000000"/>
+                </a:solidFill>
+                <a:effectLst/>
+                <a:latin typeface="Arial Unicode MS"/>
+                <a:ea typeface="Courier New" panose="02070309020205020404" pitchFamily="49" charset="0"/>
+              </a:rPr>
+              <a:t>wB97XD</a:t>
+            </a:r>
+            <a:r>
+              <a:rPr kumimoji="0" lang="ja-JP" altLang="ja-JP" sz="1800" b="0" i="0" u="none" strike="noStrike" cap="none" normalizeH="0" baseline="0" dirty="0">
+                <a:ln>
+                  <a:noFill/>
+                </a:ln>
+                <a:solidFill>
+                  <a:srgbClr val="000000"/>
+                </a:solidFill>
+                <a:effectLst/>
+                <a:latin typeface="Arial Unicode MS"/>
+                <a:ea typeface="Courier New" panose="02070309020205020404" pitchFamily="49" charset="0"/>
+              </a:rPr>
+              <a:t>_6-31++G (d,p)</a:t>
+            </a:r>
+            <a:r>
+              <a:rPr kumimoji="0" lang="ja-JP" altLang="ja-JP" sz="800" b="0" i="0" u="none" strike="noStrike" cap="none" normalizeH="0" baseline="0" dirty="0">
+                <a:ln>
+                  <a:noFill/>
+                </a:ln>
+                <a:solidFill>
+                  <a:schemeClr val="tx1"/>
+                </a:solidFill>
+                <a:effectLst/>
+              </a:rPr>
+              <a:t> </a:t>
+            </a:r>
+            <a:endParaRPr kumimoji="0" lang="ja-JP" altLang="ja-JP" sz="4000" b="0" i="0" u="none" strike="noStrike" cap="none" normalizeH="0" baseline="0" dirty="0">
+              <a:ln>
+                <a:noFill/>
+              </a:ln>
+              <a:solidFill>
+                <a:schemeClr val="tx1"/>
+              </a:solidFill>
+              <a:effectLst/>
+              <a:latin typeface="Arial" panose="020B0604020202020204" pitchFamily="34" charset="0"/>
+            </a:endParaRPr>
+          </a:p>
+        </p:txBody>
+      </p:sp>
+      <p:sp>
+        <p:nvSpPr>
+          <p:cNvPr id="40" name="テキスト ボックス 39">
+            <a:extLst>
+              <a:ext uri="{FF2B5EF4-FFF2-40B4-BE49-F238E27FC236}">
+                <a16:creationId xmlns:a16="http://schemas.microsoft.com/office/drawing/2014/main" id="{7ACDC193-C055-9384-BFA9-B2BC3823B88E}"/>
+              </a:ext>
+            </a:extLst>
+          </p:cNvPr>
+          <p:cNvSpPr txBox="1"/>
+          <p:nvPr/>
+        </p:nvSpPr>
+        <p:spPr>
+          <a:xfrm>
+            <a:off x="2654914" y="3950060"/>
+            <a:ext cx="2254656" cy="369332"/>
+          </a:xfrm>
+          <a:prstGeom prst="rect">
+            <a:avLst/>
+          </a:prstGeom>
+          <a:noFill/>
+        </p:spPr>
+        <p:txBody>
+          <a:bodyPr wrap="none" rtlCol="0">
+            <a:spAutoFit/>
+          </a:bodyPr>
+          <a:lstStyle/>
+          <a:p>
+            <a:pPr marL="0" marR="0" lvl="0" indent="0" algn="l" defTabSz="914400" rtl="0" eaLnBrk="0" fontAlgn="base" latinLnBrk="0" hangingPunct="0">
+              <a:lnSpc>
+                <a:spcPct val="100000"/>
+              </a:lnSpc>
+              <a:spcBef>
+                <a:spcPct val="0"/>
+              </a:spcBef>
+              <a:spcAft>
+                <a:spcPct val="0"/>
+              </a:spcAft>
+              <a:buClrTx/>
+              <a:buSzTx/>
+              <a:buFontTx/>
+              <a:buNone/>
+              <a:tabLst/>
+            </a:pPr>
+            <a:r>
+              <a:rPr kumimoji="0" lang="en-US" altLang="ja-JP" sz="1800" b="0" i="0" u="none" strike="noStrike" cap="none" normalizeH="0" baseline="0" dirty="0">
+                <a:ln>
+                  <a:noFill/>
+                </a:ln>
+                <a:solidFill>
+                  <a:srgbClr val="000000"/>
+                </a:solidFill>
+                <a:effectLst/>
+                <a:latin typeface="Arial Unicode MS"/>
+                <a:ea typeface="Courier New" panose="02070309020205020404" pitchFamily="49" charset="0"/>
+              </a:rPr>
+              <a:t>wB97XD</a:t>
+            </a:r>
+            <a:r>
+              <a:rPr kumimoji="0" lang="ja-JP" altLang="ja-JP" sz="1800" b="0" i="0" u="none" strike="noStrike" cap="none" normalizeH="0" baseline="0" dirty="0">
+                <a:ln>
+                  <a:noFill/>
+                </a:ln>
+                <a:solidFill>
+                  <a:srgbClr val="000000"/>
+                </a:solidFill>
+                <a:effectLst/>
+                <a:latin typeface="Arial Unicode MS"/>
+                <a:ea typeface="Courier New" panose="02070309020205020404" pitchFamily="49" charset="0"/>
+              </a:rPr>
+              <a:t>_6-311</a:t>
+            </a:r>
+            <a:r>
+              <a:rPr lang="en-US" altLang="ja-JP" dirty="0">
+                <a:solidFill>
+                  <a:srgbClr val="000000"/>
+                </a:solidFill>
+                <a:latin typeface="Arial Unicode MS"/>
+                <a:ea typeface="Courier New" panose="02070309020205020404" pitchFamily="49" charset="0"/>
+              </a:rPr>
+              <a:t>++</a:t>
+            </a:r>
+            <a:r>
+              <a:rPr kumimoji="0" lang="ja-JP" altLang="ja-JP" sz="1800" b="0" i="0" u="none" strike="noStrike" cap="none" normalizeH="0" baseline="0" dirty="0">
+                <a:ln>
+                  <a:noFill/>
+                </a:ln>
+                <a:solidFill>
+                  <a:srgbClr val="000000"/>
+                </a:solidFill>
+                <a:effectLst/>
+                <a:latin typeface="Arial Unicode MS"/>
+                <a:ea typeface="Courier New" panose="02070309020205020404" pitchFamily="49" charset="0"/>
+              </a:rPr>
+              <a:t>G</a:t>
+            </a:r>
+            <a:r>
+              <a:rPr kumimoji="0" lang="ja-JP" altLang="ja-JP" sz="800" b="0" i="0" u="none" strike="noStrike" cap="none" normalizeH="0" baseline="0" dirty="0">
+                <a:ln>
+                  <a:noFill/>
+                </a:ln>
+                <a:solidFill>
+                  <a:schemeClr val="tx1"/>
+                </a:solidFill>
+                <a:effectLst/>
+              </a:rPr>
+              <a:t> </a:t>
+            </a:r>
+            <a:endParaRPr kumimoji="0" lang="ja-JP" altLang="ja-JP" sz="4000" b="0" i="0" u="none" strike="noStrike" cap="none" normalizeH="0" baseline="0" dirty="0">
+              <a:ln>
+                <a:noFill/>
+              </a:ln>
+              <a:solidFill>
+                <a:schemeClr val="tx1"/>
+              </a:solidFill>
+              <a:effectLst/>
+              <a:latin typeface="Arial" panose="020B0604020202020204" pitchFamily="34" charset="0"/>
+            </a:endParaRPr>
+          </a:p>
+        </p:txBody>
+      </p:sp>
+      <p:sp>
+        <p:nvSpPr>
+          <p:cNvPr id="41" name="テキスト ボックス 40">
+            <a:extLst>
+              <a:ext uri="{FF2B5EF4-FFF2-40B4-BE49-F238E27FC236}">
+                <a16:creationId xmlns:a16="http://schemas.microsoft.com/office/drawing/2014/main" id="{F629BB67-AEE0-6A83-3DDF-A8E765F0C0C9}"/>
+              </a:ext>
+            </a:extLst>
+          </p:cNvPr>
+          <p:cNvSpPr txBox="1"/>
+          <p:nvPr/>
+        </p:nvSpPr>
+        <p:spPr>
+          <a:xfrm>
+            <a:off x="2654914" y="4576938"/>
+            <a:ext cx="2092239" cy="369332"/>
+          </a:xfrm>
+          <a:prstGeom prst="rect">
+            <a:avLst/>
+          </a:prstGeom>
+          <a:noFill/>
+        </p:spPr>
+        <p:txBody>
+          <a:bodyPr wrap="none" rtlCol="0">
+            <a:spAutoFit/>
+          </a:bodyPr>
+          <a:lstStyle/>
+          <a:p>
+            <a:pPr marL="0" marR="0" lvl="0" indent="0" algn="l" defTabSz="914400" rtl="0" eaLnBrk="0" fontAlgn="base" latinLnBrk="0" hangingPunct="0">
+              <a:lnSpc>
+                <a:spcPct val="100000"/>
+              </a:lnSpc>
+              <a:spcBef>
+                <a:spcPct val="0"/>
+              </a:spcBef>
+              <a:spcAft>
+                <a:spcPct val="0"/>
+              </a:spcAft>
+              <a:buClrTx/>
+              <a:buSzTx/>
+              <a:buFontTx/>
+              <a:buNone/>
+              <a:tabLst/>
+            </a:pPr>
+            <a:r>
+              <a:rPr kumimoji="0" lang="en-US" altLang="ja-JP" sz="1800" b="0" i="0" u="none" strike="noStrike" cap="none" normalizeH="0" baseline="0" dirty="0">
+                <a:ln>
+                  <a:noFill/>
+                </a:ln>
+                <a:solidFill>
+                  <a:srgbClr val="000000"/>
+                </a:solidFill>
+                <a:effectLst/>
+                <a:latin typeface="Arial Unicode MS"/>
+                <a:ea typeface="Courier New" panose="02070309020205020404" pitchFamily="49" charset="0"/>
+              </a:rPr>
+              <a:t>PBEQIDH</a:t>
+            </a:r>
+            <a:r>
+              <a:rPr kumimoji="0" lang="ja-JP" altLang="ja-JP" sz="1800" b="0" i="0" u="none" strike="noStrike" cap="none" normalizeH="0" baseline="0" dirty="0">
+                <a:ln>
+                  <a:noFill/>
+                </a:ln>
+                <a:solidFill>
+                  <a:srgbClr val="000000"/>
+                </a:solidFill>
+                <a:effectLst/>
+                <a:latin typeface="Arial Unicode MS"/>
+                <a:ea typeface="Courier New" panose="02070309020205020404" pitchFamily="49" charset="0"/>
+              </a:rPr>
+              <a:t>_6-31G</a:t>
+            </a:r>
+            <a:r>
+              <a:rPr kumimoji="0" lang="ja-JP" altLang="ja-JP" sz="800" b="0" i="0" u="none" strike="noStrike" cap="none" normalizeH="0" baseline="0" dirty="0">
+                <a:ln>
+                  <a:noFill/>
+                </a:ln>
+                <a:solidFill>
+                  <a:schemeClr val="tx1"/>
+                </a:solidFill>
+                <a:effectLst/>
+              </a:rPr>
+              <a:t> </a:t>
+            </a:r>
+            <a:endParaRPr kumimoji="0" lang="ja-JP" altLang="ja-JP" sz="4000" b="0" i="0" u="none" strike="noStrike" cap="none" normalizeH="0" baseline="0" dirty="0">
+              <a:ln>
+                <a:noFill/>
+              </a:ln>
+              <a:solidFill>
+                <a:schemeClr val="tx1"/>
+              </a:solidFill>
+              <a:effectLst/>
+              <a:latin typeface="Arial" panose="020B0604020202020204" pitchFamily="34" charset="0"/>
+            </a:endParaRPr>
+          </a:p>
+        </p:txBody>
+      </p:sp>
+      <p:sp>
+        <p:nvSpPr>
+          <p:cNvPr id="47" name="テキスト ボックス 46">
+            <a:extLst>
+              <a:ext uri="{FF2B5EF4-FFF2-40B4-BE49-F238E27FC236}">
+                <a16:creationId xmlns:a16="http://schemas.microsoft.com/office/drawing/2014/main" id="{277DCC25-65B2-20B6-30CA-6A955FABBD47}"/>
+              </a:ext>
+            </a:extLst>
+          </p:cNvPr>
+          <p:cNvSpPr txBox="1"/>
+          <p:nvPr/>
+        </p:nvSpPr>
+        <p:spPr>
+          <a:xfrm>
+            <a:off x="2654914" y="5199521"/>
+            <a:ext cx="2408544" cy="369332"/>
+          </a:xfrm>
+          <a:prstGeom prst="rect">
+            <a:avLst/>
+          </a:prstGeom>
+          <a:noFill/>
+        </p:spPr>
+        <p:txBody>
+          <a:bodyPr wrap="none" rtlCol="0">
+            <a:spAutoFit/>
+          </a:bodyPr>
+          <a:lstStyle/>
+          <a:p>
+            <a:pPr marL="0" marR="0" lvl="0" indent="0" algn="l" defTabSz="914400" rtl="0" eaLnBrk="0" fontAlgn="base" latinLnBrk="0" hangingPunct="0">
+              <a:lnSpc>
+                <a:spcPct val="100000"/>
+              </a:lnSpc>
+              <a:spcBef>
+                <a:spcPct val="0"/>
+              </a:spcBef>
+              <a:spcAft>
+                <a:spcPct val="0"/>
+              </a:spcAft>
+              <a:buClrTx/>
+              <a:buSzTx/>
+              <a:buFontTx/>
+              <a:buNone/>
+              <a:tabLst/>
+            </a:pPr>
+            <a:r>
+              <a:rPr kumimoji="0" lang="ja-JP" altLang="ja-JP" sz="1800" b="0" i="0" u="none" strike="noStrike" cap="none" normalizeH="0" baseline="0" dirty="0">
+                <a:ln>
+                  <a:noFill/>
+                </a:ln>
+                <a:solidFill>
+                  <a:srgbClr val="000000"/>
+                </a:solidFill>
+                <a:effectLst/>
+                <a:latin typeface="Arial Unicode MS"/>
+                <a:ea typeface="Courier New" panose="02070309020205020404" pitchFamily="49" charset="0"/>
+              </a:rPr>
+              <a:t>B</a:t>
+            </a:r>
+            <a:r>
+              <a:rPr kumimoji="0" lang="en-US" altLang="ja-JP" sz="1800" b="0" i="0" u="none" strike="noStrike" cap="none" normalizeH="0" baseline="0" dirty="0">
+                <a:ln>
+                  <a:noFill/>
+                </a:ln>
+                <a:solidFill>
+                  <a:srgbClr val="000000"/>
+                </a:solidFill>
+                <a:effectLst/>
+                <a:latin typeface="Arial Unicode MS"/>
+                <a:ea typeface="Courier New" panose="02070309020205020404" pitchFamily="49" charset="0"/>
+              </a:rPr>
+              <a:t>97D</a:t>
+            </a:r>
+            <a:r>
+              <a:rPr kumimoji="0" lang="ja-JP" altLang="ja-JP" sz="1800" b="0" i="0" u="none" strike="noStrike" cap="none" normalizeH="0" baseline="0" dirty="0">
+                <a:ln>
+                  <a:noFill/>
+                </a:ln>
+                <a:solidFill>
+                  <a:srgbClr val="000000"/>
+                </a:solidFill>
+                <a:effectLst/>
+                <a:latin typeface="Arial Unicode MS"/>
+                <a:ea typeface="Courier New" panose="02070309020205020404" pitchFamily="49" charset="0"/>
+              </a:rPr>
+              <a:t>_6-311++G(d,p)</a:t>
+            </a:r>
+            <a:r>
+              <a:rPr kumimoji="0" lang="ja-JP" altLang="ja-JP" sz="800" b="0" i="0" u="none" strike="noStrike" cap="none" normalizeH="0" baseline="0" dirty="0">
+                <a:ln>
+                  <a:noFill/>
+                </a:ln>
+                <a:solidFill>
+                  <a:schemeClr val="tx1"/>
+                </a:solidFill>
+                <a:effectLst/>
+              </a:rPr>
+              <a:t> </a:t>
+            </a:r>
+            <a:endParaRPr kumimoji="0" lang="ja-JP" altLang="ja-JP" sz="4000" b="0" i="0" u="none" strike="noStrike" cap="none" normalizeH="0" baseline="0" dirty="0">
+              <a:ln>
+                <a:noFill/>
+              </a:ln>
+              <a:solidFill>
+                <a:schemeClr val="tx1"/>
+              </a:solidFill>
+              <a:effectLst/>
+              <a:latin typeface="Arial" panose="020B0604020202020204" pitchFamily="34" charset="0"/>
+            </a:endParaRPr>
+          </a:p>
+        </p:txBody>
+      </p:sp>
+      <p:sp>
+        <p:nvSpPr>
+          <p:cNvPr id="48" name="テキスト ボックス 47">
+            <a:extLst>
+              <a:ext uri="{FF2B5EF4-FFF2-40B4-BE49-F238E27FC236}">
+                <a16:creationId xmlns:a16="http://schemas.microsoft.com/office/drawing/2014/main" id="{4698DB1F-1BAF-F22B-A49B-9D1E57862250}"/>
+              </a:ext>
+            </a:extLst>
+          </p:cNvPr>
+          <p:cNvSpPr txBox="1"/>
+          <p:nvPr/>
+        </p:nvSpPr>
+        <p:spPr>
+          <a:xfrm>
+            <a:off x="2654914" y="5729472"/>
+            <a:ext cx="2182008" cy="369332"/>
+          </a:xfrm>
+          <a:prstGeom prst="rect">
+            <a:avLst/>
+          </a:prstGeom>
+          <a:noFill/>
+        </p:spPr>
+        <p:txBody>
+          <a:bodyPr wrap="none" rtlCol="0">
+            <a:spAutoFit/>
+          </a:bodyPr>
+          <a:lstStyle/>
+          <a:p>
+            <a:pPr marL="0" marR="0" lvl="0" indent="0" algn="l" defTabSz="914400" rtl="0" eaLnBrk="0" fontAlgn="base" latinLnBrk="0" hangingPunct="0">
+              <a:lnSpc>
+                <a:spcPct val="100000"/>
+              </a:lnSpc>
+              <a:spcBef>
+                <a:spcPct val="0"/>
+              </a:spcBef>
+              <a:spcAft>
+                <a:spcPct val="0"/>
+              </a:spcAft>
+              <a:buClrTx/>
+              <a:buSzTx/>
+              <a:buFontTx/>
+              <a:buNone/>
+              <a:tabLst/>
+            </a:pPr>
+            <a:r>
+              <a:rPr lang="en-US" altLang="ja-JP" dirty="0">
+                <a:solidFill>
+                  <a:srgbClr val="000000"/>
+                </a:solidFill>
+                <a:latin typeface="Arial Unicode MS"/>
+                <a:ea typeface="Courier New" panose="02070309020205020404" pitchFamily="49" charset="0"/>
+              </a:rPr>
+              <a:t>wB97X</a:t>
+            </a:r>
+            <a:r>
+              <a:rPr kumimoji="0" lang="ja-JP" altLang="ja-JP" sz="1800" b="0" i="0" u="none" strike="noStrike" cap="none" normalizeH="0" baseline="0" dirty="0">
+                <a:ln>
+                  <a:noFill/>
+                </a:ln>
+                <a:solidFill>
+                  <a:srgbClr val="000000"/>
+                </a:solidFill>
+                <a:effectLst/>
+                <a:latin typeface="Arial Unicode MS"/>
+                <a:ea typeface="Courier New" panose="02070309020205020404" pitchFamily="49" charset="0"/>
+              </a:rPr>
+              <a:t>_6-31G(d,p)</a:t>
+            </a:r>
+            <a:r>
+              <a:rPr kumimoji="0" lang="ja-JP" altLang="ja-JP" sz="800" b="0" i="0" u="none" strike="noStrike" cap="none" normalizeH="0" baseline="0" dirty="0">
+                <a:ln>
+                  <a:noFill/>
+                </a:ln>
+                <a:solidFill>
+                  <a:schemeClr val="tx1"/>
+                </a:solidFill>
+                <a:effectLst/>
+              </a:rPr>
+              <a:t> </a:t>
+            </a:r>
+            <a:endParaRPr kumimoji="0" lang="ja-JP" altLang="ja-JP" sz="4000" b="0" i="0" u="none" strike="noStrike" cap="none" normalizeH="0" baseline="0" dirty="0">
+              <a:ln>
+                <a:noFill/>
+              </a:ln>
+              <a:solidFill>
+                <a:schemeClr val="tx1"/>
+              </a:solidFill>
+              <a:effectLst/>
+              <a:latin typeface="Arial" panose="020B0604020202020204" pitchFamily="34" charset="0"/>
+            </a:endParaRPr>
+          </a:p>
+        </p:txBody>
+      </p:sp>
+      <p:cxnSp>
+        <p:nvCxnSpPr>
+          <p:cNvPr id="49" name="直線コネクタ 48">
+            <a:extLst>
+              <a:ext uri="{FF2B5EF4-FFF2-40B4-BE49-F238E27FC236}">
+                <a16:creationId xmlns:a16="http://schemas.microsoft.com/office/drawing/2014/main" id="{A1E555C1-BDE9-7DF5-9C63-1BB4F9865620}"/>
+              </a:ext>
+            </a:extLst>
+          </p:cNvPr>
+          <p:cNvCxnSpPr>
+            <a:cxnSpLocks/>
+          </p:cNvCxnSpPr>
+          <p:nvPr/>
+        </p:nvCxnSpPr>
+        <p:spPr>
+          <a:xfrm>
+            <a:off x="2053824" y="6222123"/>
+            <a:ext cx="7334119" cy="0"/>
+          </a:xfrm>
+          <a:prstGeom prst="line">
+            <a:avLst/>
+          </a:prstGeom>
+          <a:ln w="38100">
+            <a:solidFill>
+              <a:schemeClr val="tx1"/>
+            </a:solidFill>
+          </a:ln>
+        </p:spPr>
+        <p:style>
+          <a:lnRef idx="1">
+            <a:schemeClr val="accent1"/>
+          </a:lnRef>
+          <a:fillRef idx="0">
+            <a:schemeClr val="accent1"/>
+          </a:fillRef>
+          <a:effectRef idx="0">
+            <a:schemeClr val="accent1"/>
+          </a:effectRef>
+          <a:fontRef idx="minor">
+            <a:schemeClr val="tx1"/>
+          </a:fontRef>
+        </p:style>
+      </p:cxnSp>
+      <p:sp>
+        <p:nvSpPr>
+          <p:cNvPr id="52" name="テキスト ボックス 51">
+            <a:extLst>
+              <a:ext uri="{FF2B5EF4-FFF2-40B4-BE49-F238E27FC236}">
+                <a16:creationId xmlns:a16="http://schemas.microsoft.com/office/drawing/2014/main" id="{AED1812C-C34D-E7D3-96B7-AE19E39B99FD}"/>
+              </a:ext>
+            </a:extLst>
+          </p:cNvPr>
+          <p:cNvSpPr txBox="1"/>
+          <p:nvPr/>
+        </p:nvSpPr>
+        <p:spPr>
+          <a:xfrm>
+            <a:off x="6322076" y="3326579"/>
+            <a:ext cx="761747" cy="369332"/>
+          </a:xfrm>
+          <a:prstGeom prst="rect">
+            <a:avLst/>
+          </a:prstGeom>
+          <a:noFill/>
+        </p:spPr>
+        <p:txBody>
+          <a:bodyPr wrap="none" rtlCol="0">
+            <a:spAutoFit/>
+          </a:bodyPr>
+          <a:lstStyle/>
+          <a:p>
+            <a:pPr marL="0" marR="0" lvl="0" indent="0" algn="l" defTabSz="914400" rtl="0" eaLnBrk="0" fontAlgn="base" latinLnBrk="0" hangingPunct="0">
+              <a:lnSpc>
+                <a:spcPct val="100000"/>
+              </a:lnSpc>
+              <a:spcBef>
+                <a:spcPct val="0"/>
+              </a:spcBef>
+              <a:spcAft>
+                <a:spcPct val="0"/>
+              </a:spcAft>
+              <a:buClrTx/>
+              <a:buSzTx/>
+              <a:buFontTx/>
+              <a:buNone/>
+              <a:tabLst/>
+            </a:pPr>
+            <a:r>
+              <a:rPr lang="en-US" altLang="ja-JP" dirty="0">
+                <a:solidFill>
+                  <a:srgbClr val="000000"/>
+                </a:solidFill>
+                <a:latin typeface="Arial Unicode MS"/>
+              </a:rPr>
+              <a:t>4.095</a:t>
+            </a:r>
+            <a:endParaRPr kumimoji="0" lang="ja-JP" altLang="ja-JP" sz="4000" b="0" i="0" u="none" strike="noStrike" cap="none" normalizeH="0" baseline="0" dirty="0">
+              <a:ln>
+                <a:noFill/>
+              </a:ln>
+              <a:solidFill>
+                <a:schemeClr val="tx1"/>
+              </a:solidFill>
+              <a:effectLst/>
+              <a:latin typeface="Arial" panose="020B0604020202020204" pitchFamily="34" charset="0"/>
+            </a:endParaRPr>
+          </a:p>
+        </p:txBody>
+      </p:sp>
+      <p:sp>
+        <p:nvSpPr>
+          <p:cNvPr id="53" name="テキスト ボックス 52">
+            <a:extLst>
+              <a:ext uri="{FF2B5EF4-FFF2-40B4-BE49-F238E27FC236}">
+                <a16:creationId xmlns:a16="http://schemas.microsoft.com/office/drawing/2014/main" id="{A79C68AA-BE68-67D9-3994-B449AA3728F3}"/>
+              </a:ext>
+            </a:extLst>
+          </p:cNvPr>
+          <p:cNvSpPr txBox="1"/>
+          <p:nvPr/>
+        </p:nvSpPr>
+        <p:spPr>
+          <a:xfrm>
+            <a:off x="6322076" y="3950060"/>
+            <a:ext cx="761747" cy="369332"/>
+          </a:xfrm>
+          <a:prstGeom prst="rect">
+            <a:avLst/>
+          </a:prstGeom>
+          <a:noFill/>
+        </p:spPr>
+        <p:txBody>
+          <a:bodyPr wrap="none" rtlCol="0">
+            <a:spAutoFit/>
+          </a:bodyPr>
+          <a:lstStyle/>
+          <a:p>
+            <a:pPr marL="0" marR="0" lvl="0" indent="0" algn="l" defTabSz="914400" rtl="0" eaLnBrk="0" fontAlgn="base" latinLnBrk="0" hangingPunct="0">
+              <a:lnSpc>
+                <a:spcPct val="100000"/>
+              </a:lnSpc>
+              <a:spcBef>
+                <a:spcPct val="0"/>
+              </a:spcBef>
+              <a:spcAft>
+                <a:spcPct val="0"/>
+              </a:spcAft>
+              <a:buClrTx/>
+              <a:buSzTx/>
+              <a:buFontTx/>
+              <a:buNone/>
+              <a:tabLst/>
+            </a:pPr>
+            <a:r>
+              <a:rPr lang="en-US" altLang="ja-JP" dirty="0">
+                <a:solidFill>
+                  <a:srgbClr val="000000"/>
+                </a:solidFill>
+                <a:latin typeface="Arial Unicode MS"/>
+              </a:rPr>
+              <a:t>4.108</a:t>
+            </a:r>
+            <a:endParaRPr kumimoji="0" lang="ja-JP" altLang="ja-JP" sz="4000" b="0" i="0" u="none" strike="noStrike" cap="none" normalizeH="0" baseline="0" dirty="0">
+              <a:ln>
+                <a:noFill/>
+              </a:ln>
+              <a:solidFill>
+                <a:schemeClr val="tx1"/>
+              </a:solidFill>
+              <a:effectLst/>
+              <a:latin typeface="Arial" panose="020B0604020202020204" pitchFamily="34" charset="0"/>
+            </a:endParaRPr>
+          </a:p>
+        </p:txBody>
+      </p:sp>
+      <p:sp>
+        <p:nvSpPr>
+          <p:cNvPr id="54" name="テキスト ボックス 53">
+            <a:extLst>
+              <a:ext uri="{FF2B5EF4-FFF2-40B4-BE49-F238E27FC236}">
+                <a16:creationId xmlns:a16="http://schemas.microsoft.com/office/drawing/2014/main" id="{0F43DA0F-9DBA-4E54-22DA-29B7B714D924}"/>
+              </a:ext>
+            </a:extLst>
+          </p:cNvPr>
+          <p:cNvSpPr txBox="1"/>
+          <p:nvPr/>
+        </p:nvSpPr>
+        <p:spPr>
+          <a:xfrm>
+            <a:off x="6322076" y="4576938"/>
+            <a:ext cx="761747" cy="369332"/>
+          </a:xfrm>
+          <a:prstGeom prst="rect">
+            <a:avLst/>
+          </a:prstGeom>
+          <a:noFill/>
+        </p:spPr>
+        <p:txBody>
+          <a:bodyPr wrap="none" rtlCol="0">
+            <a:spAutoFit/>
+          </a:bodyPr>
+          <a:lstStyle/>
+          <a:p>
+            <a:pPr marL="0" marR="0" lvl="0" indent="0" algn="l" defTabSz="914400" rtl="0" eaLnBrk="0" fontAlgn="base" latinLnBrk="0" hangingPunct="0">
+              <a:lnSpc>
+                <a:spcPct val="100000"/>
+              </a:lnSpc>
+              <a:spcBef>
+                <a:spcPct val="0"/>
+              </a:spcBef>
+              <a:spcAft>
+                <a:spcPct val="0"/>
+              </a:spcAft>
+              <a:buClrTx/>
+              <a:buSzTx/>
+              <a:buFontTx/>
+              <a:buNone/>
+              <a:tabLst/>
+            </a:pPr>
+            <a:r>
+              <a:rPr lang="en-US" altLang="ja-JP" dirty="0">
+                <a:solidFill>
+                  <a:srgbClr val="000000"/>
+                </a:solidFill>
+                <a:latin typeface="Arial Unicode MS"/>
+              </a:rPr>
+              <a:t>4.091</a:t>
+            </a:r>
+            <a:endParaRPr kumimoji="0" lang="ja-JP" altLang="ja-JP" sz="4000" b="0" i="0" u="none" strike="noStrike" cap="none" normalizeH="0" baseline="0" dirty="0">
+              <a:ln>
+                <a:noFill/>
+              </a:ln>
+              <a:solidFill>
+                <a:schemeClr val="tx1"/>
+              </a:solidFill>
+              <a:effectLst/>
+              <a:latin typeface="Arial" panose="020B0604020202020204" pitchFamily="34" charset="0"/>
+            </a:endParaRPr>
+          </a:p>
+        </p:txBody>
+      </p:sp>
+      <p:sp>
+        <p:nvSpPr>
+          <p:cNvPr id="55" name="テキスト ボックス 54">
+            <a:extLst>
+              <a:ext uri="{FF2B5EF4-FFF2-40B4-BE49-F238E27FC236}">
+                <a16:creationId xmlns:a16="http://schemas.microsoft.com/office/drawing/2014/main" id="{FBC167FD-6E65-3302-2F5D-25C695BC6302}"/>
+              </a:ext>
+            </a:extLst>
+          </p:cNvPr>
+          <p:cNvSpPr txBox="1"/>
+          <p:nvPr/>
+        </p:nvSpPr>
+        <p:spPr>
+          <a:xfrm>
+            <a:off x="6322076" y="5197283"/>
+            <a:ext cx="761747" cy="369332"/>
+          </a:xfrm>
+          <a:prstGeom prst="rect">
+            <a:avLst/>
+          </a:prstGeom>
+          <a:noFill/>
+        </p:spPr>
+        <p:txBody>
+          <a:bodyPr wrap="none" rtlCol="0">
+            <a:spAutoFit/>
+          </a:bodyPr>
+          <a:lstStyle/>
+          <a:p>
+            <a:pPr marL="0" marR="0" lvl="0" indent="0" algn="l" defTabSz="914400" rtl="0" eaLnBrk="0" fontAlgn="base" latinLnBrk="0" hangingPunct="0">
+              <a:lnSpc>
+                <a:spcPct val="100000"/>
+              </a:lnSpc>
+              <a:spcBef>
+                <a:spcPct val="0"/>
+              </a:spcBef>
+              <a:spcAft>
+                <a:spcPct val="0"/>
+              </a:spcAft>
+              <a:buClrTx/>
+              <a:buSzTx/>
+              <a:buFontTx/>
+              <a:buNone/>
+              <a:tabLst/>
+            </a:pPr>
+            <a:r>
+              <a:rPr kumimoji="0" lang="en-US" altLang="ja-JP" b="0" i="0" u="none" strike="noStrike" cap="none" normalizeH="0" baseline="0" dirty="0">
+                <a:ln>
+                  <a:noFill/>
+                </a:ln>
+                <a:solidFill>
+                  <a:srgbClr val="000000"/>
+                </a:solidFill>
+                <a:effectLst/>
+                <a:latin typeface="Arial Unicode MS"/>
+              </a:rPr>
+              <a:t>4.803</a:t>
+            </a:r>
+            <a:endParaRPr kumimoji="0" lang="ja-JP" altLang="ja-JP" b="0" i="0" u="none" strike="noStrike" cap="none" normalizeH="0" baseline="0" dirty="0">
+              <a:ln>
+                <a:noFill/>
+              </a:ln>
+              <a:solidFill>
+                <a:schemeClr val="tx1"/>
+              </a:solidFill>
+              <a:effectLst/>
+              <a:latin typeface="Arial" panose="020B0604020202020204" pitchFamily="34" charset="0"/>
+            </a:endParaRPr>
+          </a:p>
+        </p:txBody>
+      </p:sp>
+      <p:sp>
+        <p:nvSpPr>
+          <p:cNvPr id="56" name="テキスト ボックス 55">
+            <a:extLst>
+              <a:ext uri="{FF2B5EF4-FFF2-40B4-BE49-F238E27FC236}">
+                <a16:creationId xmlns:a16="http://schemas.microsoft.com/office/drawing/2014/main" id="{2B155091-9255-F8D9-72D3-AB6F8BF3FCBE}"/>
+              </a:ext>
+            </a:extLst>
+          </p:cNvPr>
+          <p:cNvSpPr txBox="1"/>
+          <p:nvPr/>
+        </p:nvSpPr>
+        <p:spPr>
+          <a:xfrm>
+            <a:off x="6322076" y="5729472"/>
+            <a:ext cx="744627" cy="369332"/>
+          </a:xfrm>
+          <a:prstGeom prst="rect">
+            <a:avLst/>
+          </a:prstGeom>
+          <a:noFill/>
+        </p:spPr>
+        <p:txBody>
+          <a:bodyPr wrap="none" rtlCol="0">
+            <a:spAutoFit/>
+          </a:bodyPr>
+          <a:lstStyle/>
+          <a:p>
+            <a:pPr marL="0" marR="0" lvl="0" indent="0" algn="l" defTabSz="914400" rtl="0" eaLnBrk="0" fontAlgn="base" latinLnBrk="0" hangingPunct="0">
+              <a:lnSpc>
+                <a:spcPct val="100000"/>
+              </a:lnSpc>
+              <a:spcBef>
+                <a:spcPct val="0"/>
+              </a:spcBef>
+              <a:spcAft>
+                <a:spcPct val="0"/>
+              </a:spcAft>
+              <a:buClrTx/>
+              <a:buSzTx/>
+              <a:buFontTx/>
+              <a:buNone/>
+              <a:tabLst/>
+            </a:pPr>
+            <a:r>
+              <a:rPr lang="en-US" altLang="ja-JP" dirty="0">
+                <a:solidFill>
+                  <a:srgbClr val="000000"/>
+                </a:solidFill>
+                <a:latin typeface="Arial Unicode MS"/>
+              </a:rPr>
+              <a:t>4.118</a:t>
+            </a:r>
+            <a:endParaRPr kumimoji="0" lang="ja-JP" altLang="ja-JP" sz="4000" b="0" i="0" u="none" strike="noStrike" cap="none" normalizeH="0" baseline="0" dirty="0">
+              <a:ln>
+                <a:noFill/>
+              </a:ln>
+              <a:solidFill>
+                <a:schemeClr val="tx1"/>
+              </a:solidFill>
+              <a:effectLst/>
+              <a:latin typeface="Arial" panose="020B0604020202020204" pitchFamily="34" charset="0"/>
+            </a:endParaRPr>
+          </a:p>
+        </p:txBody>
+      </p:sp>
+    </p:spTree>
+    <p:extLst>
+      <p:ext uri="{BB962C8B-B14F-4D97-AF65-F5344CB8AC3E}">
+        <p14:creationId xmlns:p14="http://schemas.microsoft.com/office/powerpoint/2010/main" val="3706349638"/>
+      </p:ext>
+    </p:extLst>
+  </p:cSld>
+  <p:clrMapOvr>
+    <a:masterClrMapping/>
+  </p:clrMapOvr>
+</p:sld>
+</file>
+
+<file path=ppt/slides/slide8.xml><?xml version="1.0" encoding="utf-8"?>
+<p:sld xmlns:a="http://schemas.openxmlformats.org/drawingml/2006/main" xmlns:r="http://schemas.openxmlformats.org/officeDocument/2006/relationships" xmlns:p="http://schemas.openxmlformats.org/presentationml/2006/main">
+  <p:cSld>
+    <p:spTree>
+      <p:nvGrpSpPr>
+        <p:cNvPr id="1" name=""/>
+        <p:cNvGrpSpPr/>
+        <p:nvPr/>
+      </p:nvGrpSpPr>
+      <p:grpSpPr>
+        <a:xfrm>
+          <a:off x="0" y="0"/>
+          <a:ext cx="0" cy="0"/>
+          <a:chOff x="0" y="0"/>
+          <a:chExt cx="0" cy="0"/>
+        </a:xfrm>
+      </p:grpSpPr>
+      <p:sp>
+        <p:nvSpPr>
+          <p:cNvPr id="2" name="スライド番号プレースホルダー 1">
+            <a:extLst>
+              <a:ext uri="{FF2B5EF4-FFF2-40B4-BE49-F238E27FC236}">
+                <a16:creationId xmlns:a16="http://schemas.microsoft.com/office/drawing/2014/main" id="{F3E3AE05-0C65-4E60-2D2D-BF7046DB2BB9}"/>
+              </a:ext>
+            </a:extLst>
+          </p:cNvPr>
+          <p:cNvSpPr>
+            <a:spLocks noGrp="1"/>
+          </p:cNvSpPr>
+          <p:nvPr>
+            <p:ph type="sldNum" sz="quarter" idx="12"/>
+          </p:nvPr>
+        </p:nvSpPr>
+        <p:spPr/>
+        <p:txBody>
+          <a:bodyPr/>
+          <a:lstStyle/>
+          <a:p>
+            <a:fld id="{ECBD650F-6923-4A4C-ADE2-BB0B86E7CCFF}" type="slidenum">
+              <a:rPr lang="zh-CN" altLang="en-US" smtClean="0"/>
+              <a:t>8</a:t>
+            </a:fld>
+            <a:endParaRPr lang="zh-CN" altLang="en-US"/>
+          </a:p>
+        </p:txBody>
+      </p:sp>
+      <p:sp>
+        <p:nvSpPr>
+          <p:cNvPr id="3" name="标题 1">
+            <a:extLst>
+              <a:ext uri="{FF2B5EF4-FFF2-40B4-BE49-F238E27FC236}">
+                <a16:creationId xmlns:a16="http://schemas.microsoft.com/office/drawing/2014/main" id="{E4DC6089-44D4-79F9-F14F-631F10865894}"/>
+              </a:ext>
+            </a:extLst>
+          </p:cNvPr>
+          <p:cNvSpPr txBox="1">
+            <a:spLocks/>
+          </p:cNvSpPr>
+          <p:nvPr/>
+        </p:nvSpPr>
+        <p:spPr>
+          <a:xfrm>
+            <a:off x="838200" y="365125"/>
+            <a:ext cx="10515600" cy="1325563"/>
+          </a:xfrm>
+          <a:prstGeom prst="rect">
+            <a:avLst/>
+          </a:prstGeom>
+        </p:spPr>
+        <p:txBody>
+          <a:bodyPr>
+            <a:normAutofit/>
+          </a:bodyPr>
+          <a:lstStyle>
+            <a:lvl1pPr algn="l" defTabSz="914400" rtl="0" eaLnBrk="1" latinLnBrk="0" hangingPunct="1">
+              <a:lnSpc>
+                <a:spcPct val="90000"/>
+              </a:lnSpc>
+              <a:spcBef>
+                <a:spcPct val="0"/>
+              </a:spcBef>
+              <a:buNone/>
+              <a:defRPr kumimoji="1" sz="4400" kern="1200">
+                <a:solidFill>
+                  <a:schemeClr val="tx1"/>
+                </a:solidFill>
+                <a:latin typeface="+mj-lt"/>
+                <a:ea typeface="+mj-ea"/>
+                <a:cs typeface="+mj-cs"/>
+              </a:defRPr>
+            </a:lvl1pPr>
+          </a:lstStyle>
+          <a:p>
+            <a:r>
+              <a:rPr lang="en-US" altLang="ja-JP" sz="3600" dirty="0">
+                <a:latin typeface="BIZ UDPゴシック" panose="020B0400000000000000" pitchFamily="50" charset="-128"/>
+                <a:ea typeface="BIZ UDPゴシック" panose="020B0400000000000000" pitchFamily="50" charset="-128"/>
+              </a:rPr>
+              <a:t>6 </a:t>
+            </a:r>
+            <a:r>
+              <a:rPr lang="ja-JP" altLang="en-US" sz="3600" dirty="0">
+                <a:latin typeface="BIZ UDPゴシック" panose="020B0400000000000000" pitchFamily="50" charset="-128"/>
+                <a:ea typeface="BIZ UDPゴシック" panose="020B0400000000000000" pitchFamily="50" charset="-128"/>
+              </a:rPr>
+              <a:t>今後の予定</a:t>
+            </a:r>
+            <a:endParaRPr lang="zh-CN" altLang="en-US" sz="3600" dirty="0">
+              <a:latin typeface="BIZ UDPゴシック" panose="020B0400000000000000" pitchFamily="50" charset="-128"/>
+              <a:ea typeface="BIZ UDPゴシック" panose="020B0400000000000000" pitchFamily="50" charset="-128"/>
+            </a:endParaRPr>
+          </a:p>
+        </p:txBody>
+      </p:sp>
+      <mc:AlternateContent xmlns:mc="http://schemas.openxmlformats.org/markup-compatibility/2006" xmlns:a14="http://schemas.microsoft.com/office/drawing/2010/main">
+        <mc:Choice Requires="a14">
+          <p:sp>
+            <p:nvSpPr>
+              <p:cNvPr id="7" name="テキスト ボックス 6">
+                <a:extLst>
+                  <a:ext uri="{FF2B5EF4-FFF2-40B4-BE49-F238E27FC236}">
+                    <a16:creationId xmlns:a16="http://schemas.microsoft.com/office/drawing/2014/main" id="{09435954-A5B9-D4C1-EAFB-68547C23F01F}"/>
+                  </a:ext>
+                </a:extLst>
+              </p:cNvPr>
+              <p:cNvSpPr txBox="1"/>
+              <p:nvPr/>
+            </p:nvSpPr>
+            <p:spPr>
+              <a:xfrm>
+                <a:off x="1608233" y="1213634"/>
+                <a:ext cx="8975534" cy="1384995"/>
+              </a:xfrm>
+              <a:prstGeom prst="rect">
+                <a:avLst/>
+              </a:prstGeom>
+              <a:noFill/>
+            </p:spPr>
+            <p:txBody>
+              <a:bodyPr wrap="none" rtlCol="0">
+                <a:spAutoFit/>
+              </a:bodyPr>
+              <a:lstStyle/>
+              <a:p>
+                <a:r>
+                  <a:rPr kumimoji="1" lang="en-US" altLang="ja-JP" sz="2800" dirty="0">
+                    <a:latin typeface="BIZ UDPゴシック" panose="020B0400000000000000" pitchFamily="50" charset="-128"/>
+                    <a:ea typeface="BIZ UDPゴシック" panose="020B0400000000000000" pitchFamily="50" charset="-128"/>
+                  </a:rPr>
+                  <a:t>DFT</a:t>
+                </a:r>
+                <a:r>
+                  <a:rPr kumimoji="1" lang="ja-JP" altLang="en-US" sz="2800" dirty="0">
+                    <a:latin typeface="BIZ UDPゴシック" panose="020B0400000000000000" pitchFamily="50" charset="-128"/>
+                    <a:ea typeface="BIZ UDPゴシック" panose="020B0400000000000000" pitchFamily="50" charset="-128"/>
+                  </a:rPr>
+                  <a:t>法で</a:t>
+                </a:r>
+                <a:r>
+                  <a:rPr kumimoji="1" lang="en-US" altLang="ja-JP" sz="2800" dirty="0">
+                    <a:latin typeface="BIZ UDPゴシック" panose="020B0400000000000000" pitchFamily="50" charset="-128"/>
+                    <a:ea typeface="BIZ UDPゴシック" panose="020B0400000000000000" pitchFamily="50" charset="-128"/>
+                  </a:rPr>
+                  <a:t>CO</a:t>
+                </a:r>
+                <a:r>
+                  <a:rPr kumimoji="1" lang="ja-JP" altLang="en-US" sz="2800" dirty="0">
+                    <a:latin typeface="BIZ UDPゴシック" panose="020B0400000000000000" pitchFamily="50" charset="-128"/>
+                    <a:ea typeface="BIZ UDPゴシック" panose="020B0400000000000000" pitchFamily="50" charset="-128"/>
+                  </a:rPr>
+                  <a:t>分子と</a:t>
+                </a:r>
+                <a:r>
+                  <a:rPr kumimoji="1" lang="en-US" altLang="ja-JP" sz="2800" dirty="0">
+                    <a:latin typeface="BIZ UDPゴシック" panose="020B0400000000000000" pitchFamily="50" charset="-128"/>
+                    <a:ea typeface="BIZ UDPゴシック" panose="020B0400000000000000" pitchFamily="50" charset="-128"/>
+                  </a:rPr>
+                  <a:t>H</a:t>
+                </a:r>
+                <a:r>
+                  <a:rPr kumimoji="1" lang="ja-JP" altLang="en-US" sz="2800" dirty="0">
+                    <a:latin typeface="BIZ UDPゴシック" panose="020B0400000000000000" pitchFamily="50" charset="-128"/>
+                    <a:ea typeface="BIZ UDPゴシック" panose="020B0400000000000000" pitchFamily="50" charset="-128"/>
+                  </a:rPr>
+                  <a:t>原子が氷表面での反応を計算する</a:t>
+                </a:r>
+              </a:p>
+              <a:p>
+                <a:endParaRPr kumimoji="1" lang="en-US" altLang="ja-JP" sz="2800" dirty="0">
+                  <a:latin typeface="BIZ UDPゴシック" panose="020B0400000000000000" pitchFamily="50" charset="-128"/>
+                  <a:ea typeface="BIZ UDPゴシック" panose="020B0400000000000000" pitchFamily="50" charset="-128"/>
+                </a:endParaRPr>
+              </a:p>
+              <a:p>
+                <a14:m>
+                  <m:oMath xmlns:m="http://schemas.openxmlformats.org/officeDocument/2006/math">
+                    <m:r>
+                      <m:rPr>
+                        <m:sty m:val="p"/>
+                      </m:rPr>
+                      <a:rPr kumimoji="1" lang="en-US" altLang="ja-JP" sz="2800" i="0" dirty="0" smtClean="0">
+                        <a:latin typeface="Cambria Math" panose="02040503050406030204" pitchFamily="18" charset="0"/>
+                      </a:rPr>
+                      <m:t>H</m:t>
+                    </m:r>
+                    <m:r>
+                      <a:rPr kumimoji="1" lang="en-US" altLang="ja-JP" sz="2800" i="0" dirty="0" smtClean="0">
+                        <a:latin typeface="Cambria Math" panose="02040503050406030204" pitchFamily="18" charset="0"/>
+                      </a:rPr>
+                      <m:t>+</m:t>
+                    </m:r>
+                    <m:r>
+                      <m:rPr>
+                        <m:sty m:val="p"/>
+                      </m:rPr>
+                      <a:rPr kumimoji="1" lang="en-US" altLang="ja-JP" sz="2800" i="0" dirty="0" smtClean="0">
+                        <a:latin typeface="Cambria Math" panose="02040503050406030204" pitchFamily="18" charset="0"/>
+                      </a:rPr>
+                      <m:t>CO</m:t>
+                    </m:r>
+                    <m:r>
+                      <a:rPr kumimoji="1" lang="en-US" altLang="ja-JP" sz="2800" b="0" i="0" dirty="0" smtClean="0">
+                        <a:latin typeface="Cambria Math" panose="02040503050406030204" pitchFamily="18" charset="0"/>
+                      </a:rPr>
+                      <m:t>+</m:t>
+                    </m:r>
+                    <m:sSub>
+                      <m:sSubPr>
+                        <m:ctrlPr>
+                          <a:rPr kumimoji="1" lang="en-US" altLang="ja-JP" sz="2800" b="0" i="1" dirty="0" smtClean="0">
+                            <a:latin typeface="Cambria Math" panose="02040503050406030204" pitchFamily="18" charset="0"/>
+                          </a:rPr>
+                        </m:ctrlPr>
+                      </m:sSubPr>
+                      <m:e>
+                        <m:r>
+                          <m:rPr>
+                            <m:sty m:val="p"/>
+                          </m:rPr>
+                          <a:rPr kumimoji="1" lang="en-US" altLang="ja-JP" sz="2800" b="0" i="0" dirty="0" smtClean="0">
+                            <a:latin typeface="Cambria Math" panose="02040503050406030204" pitchFamily="18" charset="0"/>
+                          </a:rPr>
+                          <m:t>H</m:t>
+                        </m:r>
+                      </m:e>
+                      <m:sub>
+                        <m:r>
+                          <a:rPr kumimoji="1" lang="en-US" altLang="ja-JP" sz="2800" b="0" i="0" dirty="0" smtClean="0">
+                            <a:latin typeface="Cambria Math" panose="02040503050406030204" pitchFamily="18" charset="0"/>
+                          </a:rPr>
+                          <m:t>2</m:t>
+                        </m:r>
+                      </m:sub>
+                    </m:sSub>
+                    <m:r>
+                      <m:rPr>
+                        <m:sty m:val="p"/>
+                      </m:rPr>
+                      <a:rPr kumimoji="1" lang="en-US" altLang="ja-JP" sz="2800" b="0" i="0" dirty="0" smtClean="0">
+                        <a:latin typeface="Cambria Math" panose="02040503050406030204" pitchFamily="18" charset="0"/>
+                      </a:rPr>
+                      <m:t>O</m:t>
+                    </m:r>
+                  </m:oMath>
+                </a14:m>
+                <a:r>
+                  <a:rPr kumimoji="1" lang="en-US" altLang="ja-JP" sz="2800" dirty="0"/>
+                  <a:t>(</a:t>
+                </a:r>
+                <a:r>
+                  <a:rPr kumimoji="1" lang="ja-JP" altLang="en-US" sz="2800" dirty="0"/>
+                  <a:t>氷表面</a:t>
+                </a:r>
+                <a:r>
+                  <a:rPr kumimoji="1" lang="en-US" altLang="ja-JP" sz="2800" dirty="0"/>
+                  <a:t>)</a:t>
+                </a:r>
+                <a:endParaRPr kumimoji="1" lang="ja-JP" altLang="en-US" sz="2800" dirty="0"/>
+              </a:p>
+            </p:txBody>
+          </p:sp>
+        </mc:Choice>
+        <mc:Fallback xmlns="">
+          <p:sp>
+            <p:nvSpPr>
+              <p:cNvPr id="7" name="テキスト ボックス 6">
+                <a:extLst>
+                  <a:ext uri="{FF2B5EF4-FFF2-40B4-BE49-F238E27FC236}">
+                    <a16:creationId xmlns:a16="http://schemas.microsoft.com/office/drawing/2014/main" id="{09435954-A5B9-D4C1-EAFB-68547C23F01F}"/>
+                  </a:ext>
+                </a:extLst>
+              </p:cNvPr>
+              <p:cNvSpPr txBox="1">
+                <a:spLocks noRot="1" noChangeAspect="1" noMove="1" noResize="1" noEditPoints="1" noAdjustHandles="1" noChangeArrowheads="1" noChangeShapeType="1" noTextEdit="1"/>
+              </p:cNvSpPr>
+              <p:nvPr/>
+            </p:nvSpPr>
+            <p:spPr>
+              <a:xfrm>
+                <a:off x="1608233" y="1213634"/>
+                <a:ext cx="8975534" cy="1384995"/>
+              </a:xfrm>
+              <a:prstGeom prst="rect">
+                <a:avLst/>
+              </a:prstGeom>
+              <a:blipFill>
+                <a:blip r:embed="rId2"/>
+                <a:stretch>
+                  <a:fillRect l="-1427" t="-4405" r="-68" b="-11894"/>
+                </a:stretch>
+              </a:blipFill>
+            </p:spPr>
+            <p:txBody>
+              <a:bodyPr/>
+              <a:lstStyle/>
+              <a:p>
+                <a:r>
+                  <a:rPr lang="ja-JP" altLang="en-US">
+                    <a:noFill/>
+                  </a:rPr>
+                  <a:t> </a:t>
+                </a:r>
+              </a:p>
+            </p:txBody>
+          </p:sp>
+        </mc:Fallback>
+      </mc:AlternateContent>
+      <p:pic>
+        <p:nvPicPr>
+          <p:cNvPr id="14" name="図 13">
+            <a:extLst>
+              <a:ext uri="{FF2B5EF4-FFF2-40B4-BE49-F238E27FC236}">
+                <a16:creationId xmlns:a16="http://schemas.microsoft.com/office/drawing/2014/main" id="{89525760-CCFA-91AA-8779-BE56AAA2991F}"/>
+              </a:ext>
+            </a:extLst>
+          </p:cNvPr>
+          <p:cNvPicPr>
+            <a:picLocks noChangeAspect="1"/>
+          </p:cNvPicPr>
+          <p:nvPr/>
+        </p:nvPicPr>
+        <p:blipFill>
+          <a:blip r:embed="rId3"/>
+          <a:stretch>
+            <a:fillRect/>
+          </a:stretch>
+        </p:blipFill>
+        <p:spPr>
+          <a:xfrm>
+            <a:off x="1608233" y="2835211"/>
+            <a:ext cx="4883401" cy="2495678"/>
+          </a:xfrm>
+          <a:prstGeom prst="rect">
+            <a:avLst/>
+          </a:prstGeom>
+        </p:spPr>
+      </p:pic>
+      <mc:AlternateContent xmlns:mc="http://schemas.openxmlformats.org/markup-compatibility/2006" xmlns:a14="http://schemas.microsoft.com/office/drawing/2010/main">
+        <mc:Choice Requires="a14">
+          <p:sp>
+            <p:nvSpPr>
+              <p:cNvPr id="15" name="テキスト ボックス 14">
+                <a:extLst>
+                  <a:ext uri="{FF2B5EF4-FFF2-40B4-BE49-F238E27FC236}">
+                    <a16:creationId xmlns:a16="http://schemas.microsoft.com/office/drawing/2014/main" id="{4352E1D4-4683-F0D1-0F03-0232089D81DB}"/>
+                  </a:ext>
+                </a:extLst>
+              </p:cNvPr>
+              <p:cNvSpPr txBox="1"/>
+              <p:nvPr/>
+            </p:nvSpPr>
+            <p:spPr>
+              <a:xfrm>
+                <a:off x="1608233" y="5473005"/>
+                <a:ext cx="4209486" cy="523220"/>
+              </a:xfrm>
+              <a:prstGeom prst="rect">
+                <a:avLst/>
+              </a:prstGeom>
+              <a:noFill/>
+            </p:spPr>
+            <p:txBody>
+              <a:bodyPr wrap="none" rtlCol="0">
+                <a:spAutoFit/>
+              </a:bodyPr>
+              <a:lstStyle/>
+              <a:p>
+                <a14:m>
+                  <m:oMath xmlns:m="http://schemas.openxmlformats.org/officeDocument/2006/math">
+                    <m:r>
+                      <m:rPr>
+                        <m:sty m:val="p"/>
+                      </m:rPr>
+                      <a:rPr kumimoji="1" lang="en-US" altLang="ja-JP" sz="2800" i="0" dirty="0" smtClean="0">
+                        <a:latin typeface="Cambria Math" panose="02040503050406030204" pitchFamily="18" charset="0"/>
+                      </a:rPr>
+                      <m:t>CO</m:t>
+                    </m:r>
+                    <m:r>
+                      <a:rPr kumimoji="1" lang="en-US" altLang="ja-JP" sz="2800" b="0" i="0" dirty="0" smtClean="0">
+                        <a:latin typeface="Cambria Math" panose="02040503050406030204" pitchFamily="18" charset="0"/>
+                      </a:rPr>
+                      <m:t>+</m:t>
+                    </m:r>
+                    <m:sSub>
+                      <m:sSubPr>
+                        <m:ctrlPr>
+                          <a:rPr kumimoji="1" lang="en-US" altLang="ja-JP" sz="2800" b="0" i="1" dirty="0" smtClean="0">
+                            <a:latin typeface="Cambria Math" panose="02040503050406030204" pitchFamily="18" charset="0"/>
+                          </a:rPr>
+                        </m:ctrlPr>
+                      </m:sSubPr>
+                      <m:e>
+                        <m:r>
+                          <m:rPr>
+                            <m:sty m:val="p"/>
+                          </m:rPr>
+                          <a:rPr kumimoji="1" lang="en-US" altLang="ja-JP" sz="2800" b="0" i="0" dirty="0" smtClean="0">
+                            <a:latin typeface="Cambria Math" panose="02040503050406030204" pitchFamily="18" charset="0"/>
+                          </a:rPr>
+                          <m:t>H</m:t>
+                        </m:r>
+                      </m:e>
+                      <m:sub>
+                        <m:r>
+                          <a:rPr kumimoji="1" lang="en-US" altLang="ja-JP" sz="2800" b="0" i="0" dirty="0" smtClean="0">
+                            <a:latin typeface="Cambria Math" panose="02040503050406030204" pitchFamily="18" charset="0"/>
+                          </a:rPr>
+                          <m:t>2</m:t>
+                        </m:r>
+                      </m:sub>
+                    </m:sSub>
+                    <m:r>
+                      <m:rPr>
+                        <m:sty m:val="p"/>
+                      </m:rPr>
+                      <a:rPr kumimoji="1" lang="en-US" altLang="ja-JP" sz="2800" b="0" i="0" dirty="0" smtClean="0">
+                        <a:latin typeface="Cambria Math" panose="02040503050406030204" pitchFamily="18" charset="0"/>
+                      </a:rPr>
+                      <m:t>O</m:t>
+                    </m:r>
+                  </m:oMath>
+                </a14:m>
+                <a:r>
+                  <a:rPr kumimoji="1" lang="ja-JP" altLang="en-US" sz="2800" dirty="0">
+                    <a:latin typeface="BIZ UDPゴシック" panose="020B0400000000000000" pitchFamily="50" charset="-128"/>
+                    <a:ea typeface="BIZ UDPゴシック" panose="020B0400000000000000" pitchFamily="50" charset="-128"/>
+                  </a:rPr>
+                  <a:t>の最安定の構造</a:t>
+                </a:r>
+                <a:endParaRPr kumimoji="1" lang="en-US" altLang="ja-JP" sz="2800" dirty="0">
+                  <a:latin typeface="BIZ UDPゴシック" panose="020B0400000000000000" pitchFamily="50" charset="-128"/>
+                  <a:ea typeface="BIZ UDPゴシック" panose="020B0400000000000000" pitchFamily="50" charset="-128"/>
+                </a:endParaRPr>
+              </a:p>
+            </p:txBody>
+          </p:sp>
+        </mc:Choice>
+        <mc:Fallback xmlns="">
+          <p:sp>
+            <p:nvSpPr>
+              <p:cNvPr id="15" name="テキスト ボックス 14">
+                <a:extLst>
+                  <a:ext uri="{FF2B5EF4-FFF2-40B4-BE49-F238E27FC236}">
+                    <a16:creationId xmlns:a16="http://schemas.microsoft.com/office/drawing/2014/main" id="{4352E1D4-4683-F0D1-0F03-0232089D81DB}"/>
+                  </a:ext>
+                </a:extLst>
+              </p:cNvPr>
+              <p:cNvSpPr txBox="1">
+                <a:spLocks noRot="1" noChangeAspect="1" noMove="1" noResize="1" noEditPoints="1" noAdjustHandles="1" noChangeArrowheads="1" noChangeShapeType="1" noTextEdit="1"/>
+              </p:cNvSpPr>
+              <p:nvPr/>
+            </p:nvSpPr>
+            <p:spPr>
+              <a:xfrm>
+                <a:off x="1608233" y="5473005"/>
+                <a:ext cx="4209486" cy="523220"/>
+              </a:xfrm>
+              <a:prstGeom prst="rect">
+                <a:avLst/>
+              </a:prstGeom>
+              <a:blipFill>
+                <a:blip r:embed="rId4"/>
+                <a:stretch>
+                  <a:fillRect t="-17442" r="-1739" b="-26744"/>
+                </a:stretch>
+              </a:blipFill>
+            </p:spPr>
+            <p:txBody>
+              <a:bodyPr/>
+              <a:lstStyle/>
+              <a:p>
+                <a:r>
+                  <a:rPr lang="ja-JP" altLang="en-US">
+                    <a:noFill/>
+                  </a:rPr>
+                  <a:t> </a:t>
+                </a:r>
+              </a:p>
+            </p:txBody>
+          </p:sp>
+        </mc:Fallback>
+      </mc:AlternateContent>
+      <mc:AlternateContent xmlns:mc="http://schemas.openxmlformats.org/markup-compatibility/2006" xmlns:a14="http://schemas.microsoft.com/office/drawing/2010/main">
+        <mc:Choice Requires="a14">
+          <p:sp>
+            <p:nvSpPr>
+              <p:cNvPr id="16" name="テキスト ボックス 15">
+                <a:extLst>
+                  <a:ext uri="{FF2B5EF4-FFF2-40B4-BE49-F238E27FC236}">
+                    <a16:creationId xmlns:a16="http://schemas.microsoft.com/office/drawing/2014/main" id="{A2C2ED54-6A56-F046-6041-E532A73846A5}"/>
+                  </a:ext>
+                </a:extLst>
+              </p:cNvPr>
+              <p:cNvSpPr txBox="1"/>
+              <p:nvPr/>
+            </p:nvSpPr>
+            <p:spPr>
+              <a:xfrm>
+                <a:off x="7043833" y="5473005"/>
+                <a:ext cx="3172663" cy="523220"/>
+              </a:xfrm>
+              <a:prstGeom prst="rect">
+                <a:avLst/>
+              </a:prstGeom>
+              <a:noFill/>
+            </p:spPr>
+            <p:txBody>
+              <a:bodyPr wrap="none" rtlCol="0">
+                <a:spAutoFit/>
+              </a:bodyPr>
+              <a:lstStyle/>
+              <a:p>
+                <a14:m>
+                  <m:oMath xmlns:m="http://schemas.openxmlformats.org/officeDocument/2006/math">
+                    <m:r>
+                      <m:rPr>
+                        <m:sty m:val="p"/>
+                      </m:rPr>
+                      <a:rPr kumimoji="1" lang="en-US" altLang="ja-JP" sz="2800" dirty="0">
+                        <a:latin typeface="Cambria Math" panose="02040503050406030204" pitchFamily="18" charset="0"/>
+                      </a:rPr>
+                      <m:t>H</m:t>
+                    </m:r>
+                  </m:oMath>
+                </a14:m>
+                <a:r>
+                  <a:rPr kumimoji="1" lang="ja-JP" altLang="en-US" sz="2800" dirty="0">
+                    <a:latin typeface="BIZ UDPゴシック" panose="020B0400000000000000" pitchFamily="50" charset="-128"/>
+                    <a:ea typeface="BIZ UDPゴシック" panose="020B0400000000000000" pitchFamily="50" charset="-128"/>
+                  </a:rPr>
+                  <a:t>をくっつける構造</a:t>
+                </a:r>
+                <a:endParaRPr kumimoji="1" lang="en-US" altLang="ja-JP" sz="2800" dirty="0">
+                  <a:latin typeface="BIZ UDPゴシック" panose="020B0400000000000000" pitchFamily="50" charset="-128"/>
+                  <a:ea typeface="BIZ UDPゴシック" panose="020B0400000000000000" pitchFamily="50" charset="-128"/>
+                </a:endParaRPr>
+              </a:p>
+            </p:txBody>
+          </p:sp>
+        </mc:Choice>
+        <mc:Fallback xmlns="">
+          <p:sp>
+            <p:nvSpPr>
+              <p:cNvPr id="16" name="テキスト ボックス 15">
+                <a:extLst>
+                  <a:ext uri="{FF2B5EF4-FFF2-40B4-BE49-F238E27FC236}">
+                    <a16:creationId xmlns:a16="http://schemas.microsoft.com/office/drawing/2014/main" id="{A2C2ED54-6A56-F046-6041-E532A73846A5}"/>
+                  </a:ext>
+                </a:extLst>
+              </p:cNvPr>
+              <p:cNvSpPr txBox="1">
+                <a:spLocks noRot="1" noChangeAspect="1" noMove="1" noResize="1" noEditPoints="1" noAdjustHandles="1" noChangeArrowheads="1" noChangeShapeType="1" noTextEdit="1"/>
+              </p:cNvSpPr>
+              <p:nvPr/>
+            </p:nvSpPr>
+            <p:spPr>
+              <a:xfrm>
+                <a:off x="7043833" y="5473005"/>
+                <a:ext cx="3172663" cy="523220"/>
+              </a:xfrm>
+              <a:prstGeom prst="rect">
+                <a:avLst/>
+              </a:prstGeom>
+              <a:blipFill>
+                <a:blip r:embed="rId5"/>
+                <a:stretch>
+                  <a:fillRect t="-17442" r="-2495" b="-26744"/>
+                </a:stretch>
+              </a:blipFill>
+            </p:spPr>
+            <p:txBody>
+              <a:bodyPr/>
+              <a:lstStyle/>
+              <a:p>
+                <a:r>
+                  <a:rPr lang="ja-JP" altLang="en-US">
+                    <a:noFill/>
+                  </a:rPr>
+                  <a:t> </a:t>
+                </a:r>
+              </a:p>
+            </p:txBody>
+          </p:sp>
+        </mc:Fallback>
+      </mc:AlternateContent>
+      <p:pic>
+        <p:nvPicPr>
+          <p:cNvPr id="22" name="図 21">
+            <a:extLst>
+              <a:ext uri="{FF2B5EF4-FFF2-40B4-BE49-F238E27FC236}">
+                <a16:creationId xmlns:a16="http://schemas.microsoft.com/office/drawing/2014/main" id="{4B21E169-CDE5-0359-53E9-62832B978153}"/>
+              </a:ext>
+            </a:extLst>
+          </p:cNvPr>
+          <p:cNvPicPr>
+            <a:picLocks noChangeAspect="1"/>
+          </p:cNvPicPr>
+          <p:nvPr/>
+        </p:nvPicPr>
+        <p:blipFill rotWithShape="1">
+          <a:blip r:embed="rId6"/>
+          <a:srcRect l="67887" t="-248" r="-21" b="69087"/>
+          <a:stretch/>
+        </p:blipFill>
+        <p:spPr>
+          <a:xfrm>
+            <a:off x="8189072" y="1958677"/>
+            <a:ext cx="1289049" cy="1009649"/>
+          </a:xfrm>
+          <a:prstGeom prst="rect">
+            <a:avLst/>
+          </a:prstGeom>
+        </p:spPr>
+      </p:pic>
+      <p:pic>
+        <p:nvPicPr>
+          <p:cNvPr id="23" name="図 22">
+            <a:extLst>
+              <a:ext uri="{FF2B5EF4-FFF2-40B4-BE49-F238E27FC236}">
+                <a16:creationId xmlns:a16="http://schemas.microsoft.com/office/drawing/2014/main" id="{85B72907-1AA6-4CC0-0FF5-FCFD9C61C45F}"/>
+              </a:ext>
+            </a:extLst>
+          </p:cNvPr>
+          <p:cNvPicPr>
+            <a:picLocks noChangeAspect="1"/>
+          </p:cNvPicPr>
+          <p:nvPr/>
+        </p:nvPicPr>
+        <p:blipFill>
+          <a:blip r:embed="rId3"/>
+          <a:stretch>
+            <a:fillRect/>
+          </a:stretch>
+        </p:blipFill>
+        <p:spPr>
+          <a:xfrm>
+            <a:off x="6846824" y="3494889"/>
+            <a:ext cx="3592576" cy="1836000"/>
+          </a:xfrm>
+          <a:prstGeom prst="rect">
+            <a:avLst/>
+          </a:prstGeom>
+        </p:spPr>
+      </p:pic>
+      <mc:AlternateContent xmlns:mc="http://schemas.openxmlformats.org/markup-compatibility/2006" xmlns:a14="http://schemas.microsoft.com/office/drawing/2010/main">
+        <mc:Choice Requires="a14">
+          <p:sp>
+            <p:nvSpPr>
+              <p:cNvPr id="24" name="テキスト ボックス 23">
+                <a:extLst>
+                  <a:ext uri="{FF2B5EF4-FFF2-40B4-BE49-F238E27FC236}">
+                    <a16:creationId xmlns:a16="http://schemas.microsoft.com/office/drawing/2014/main" id="{D425F07F-3D79-405F-E5C5-7E8CE29F0B8C}"/>
+                  </a:ext>
+                </a:extLst>
+              </p:cNvPr>
+              <p:cNvSpPr txBox="1"/>
+              <p:nvPr/>
+            </p:nvSpPr>
+            <p:spPr>
+              <a:xfrm>
+                <a:off x="8516844" y="2935515"/>
+                <a:ext cx="633507" cy="646331"/>
+              </a:xfrm>
+              <a:prstGeom prst="rect">
+                <a:avLst/>
+              </a:prstGeom>
+              <a:noFill/>
+            </p:spPr>
+            <p:txBody>
+              <a:bodyPr wrap="none" rtlCol="0">
+                <a:spAutoFit/>
+              </a:bodyPr>
+              <a:lstStyle/>
+              <a:p>
+                <a:pPr/>
+                <a14:m>
+                  <m:oMathPara xmlns:m="http://schemas.openxmlformats.org/officeDocument/2006/math">
+                    <m:oMathParaPr>
+                      <m:jc m:val="centerGroup"/>
+                    </m:oMathParaPr>
+                    <m:oMath xmlns:m="http://schemas.openxmlformats.org/officeDocument/2006/math">
+                      <m:r>
+                        <a:rPr kumimoji="1" lang="en-US" altLang="ja-JP" sz="3600" b="0" i="0" dirty="0" smtClean="0">
+                          <a:latin typeface="Cambria Math" panose="02040503050406030204" pitchFamily="18" charset="0"/>
+                        </a:rPr>
+                        <m:t>+</m:t>
+                      </m:r>
+                    </m:oMath>
+                  </m:oMathPara>
+                </a14:m>
+                <a:endParaRPr kumimoji="1" lang="ja-JP" altLang="en-US" sz="3600" dirty="0"/>
+              </a:p>
+            </p:txBody>
+          </p:sp>
+        </mc:Choice>
+        <mc:Fallback xmlns="">
+          <p:sp>
+            <p:nvSpPr>
+              <p:cNvPr id="24" name="テキスト ボックス 23">
+                <a:extLst>
+                  <a:ext uri="{FF2B5EF4-FFF2-40B4-BE49-F238E27FC236}">
+                    <a16:creationId xmlns:a16="http://schemas.microsoft.com/office/drawing/2014/main" id="{D425F07F-3D79-405F-E5C5-7E8CE29F0B8C}"/>
+                  </a:ext>
+                </a:extLst>
+              </p:cNvPr>
+              <p:cNvSpPr txBox="1">
+                <a:spLocks noRot="1" noChangeAspect="1" noMove="1" noResize="1" noEditPoints="1" noAdjustHandles="1" noChangeArrowheads="1" noChangeShapeType="1" noTextEdit="1"/>
+              </p:cNvSpPr>
+              <p:nvPr/>
+            </p:nvSpPr>
+            <p:spPr>
+              <a:xfrm>
+                <a:off x="8516844" y="2935515"/>
+                <a:ext cx="633507" cy="646331"/>
+              </a:xfrm>
+              <a:prstGeom prst="rect">
+                <a:avLst/>
+              </a:prstGeom>
+              <a:blipFill>
+                <a:blip r:embed="rId7"/>
+                <a:stretch>
+                  <a:fillRect/>
+                </a:stretch>
+              </a:blipFill>
+            </p:spPr>
+            <p:txBody>
+              <a:bodyPr/>
+              <a:lstStyle/>
+              <a:p>
+                <a:r>
+                  <a:rPr lang="ja-JP" altLang="en-US">
+                    <a:noFill/>
+                  </a:rPr>
+                  <a:t> </a:t>
+                </a:r>
+              </a:p>
+            </p:txBody>
+          </p:sp>
+        </mc:Fallback>
+      </mc:AlternateContent>
+      <p:sp>
+        <p:nvSpPr>
+          <p:cNvPr id="25" name="テキスト ボックス 24">
+            <a:extLst>
+              <a:ext uri="{FF2B5EF4-FFF2-40B4-BE49-F238E27FC236}">
+                <a16:creationId xmlns:a16="http://schemas.microsoft.com/office/drawing/2014/main" id="{E8890BEF-DDFC-003B-7D59-C9A5833547AE}"/>
+              </a:ext>
+            </a:extLst>
+          </p:cNvPr>
+          <p:cNvSpPr txBox="1"/>
+          <p:nvPr/>
+        </p:nvSpPr>
+        <p:spPr>
+          <a:xfrm>
+            <a:off x="4170583" y="6136232"/>
+            <a:ext cx="3686394" cy="523220"/>
+          </a:xfrm>
+          <a:prstGeom prst="rect">
+            <a:avLst/>
+          </a:prstGeom>
+          <a:noFill/>
+        </p:spPr>
+        <p:txBody>
+          <a:bodyPr wrap="none" rtlCol="0">
+            <a:spAutoFit/>
+          </a:bodyPr>
+          <a:lstStyle/>
+          <a:p>
+            <a:r>
+              <a:rPr kumimoji="1" lang="en-US" altLang="ja-JP" sz="2800" dirty="0"/>
+              <a:t>qst2</a:t>
+            </a:r>
+            <a:r>
+              <a:rPr kumimoji="1" lang="ja-JP" altLang="en-US" sz="2800" dirty="0">
+                <a:latin typeface="BIZ UDゴシック" panose="020B0400000000000000" pitchFamily="49" charset="-128"/>
+                <a:ea typeface="BIZ UDゴシック" panose="020B0400000000000000" pitchFamily="49" charset="-128"/>
+              </a:rPr>
+              <a:t>の計算を行う予定</a:t>
+            </a:r>
+          </a:p>
+        </p:txBody>
+      </p:sp>
+    </p:spTree>
+    <p:extLst>
+      <p:ext uri="{BB962C8B-B14F-4D97-AF65-F5344CB8AC3E}">
+        <p14:creationId xmlns:p14="http://schemas.microsoft.com/office/powerpoint/2010/main" val="1228185672"/>
+      </p:ext>
+    </p:extLst>
+  </p:cSld>
+  <p:clrMapOvr>
+    <a:masterClrMapping/>
+  </p:clrMapOvr>
+</p:sld>
+</file>
+
+<file path=ppt/slides/slide9.xml><?xml version="1.0" encoding="utf-8"?>
+<p:sld xmlns:a="http://schemas.openxmlformats.org/drawingml/2006/main" xmlns:r="http://schemas.openxmlformats.org/officeDocument/2006/relationships" xmlns:p="http://schemas.openxmlformats.org/presentationml/2006/main">
+  <p:cSld>
+    <p:spTree>
+      <p:nvGrpSpPr>
+        <p:cNvPr id="1" name=""/>
+        <p:cNvGrpSpPr/>
+        <p:nvPr/>
+      </p:nvGrpSpPr>
+      <p:grpSpPr>
+        <a:xfrm>
+          <a:off x="0" y="0"/>
+          <a:ext cx="0" cy="0"/>
+          <a:chOff x="0" y="0"/>
+          <a:chExt cx="0" cy="0"/>
+        </a:xfrm>
+      </p:grpSpPr>
+      <p:pic>
+        <p:nvPicPr>
+          <p:cNvPr id="2" name="図 1">
+            <a:extLst>
+              <a:ext uri="{FF2B5EF4-FFF2-40B4-BE49-F238E27FC236}">
+                <a16:creationId xmlns:a16="http://schemas.microsoft.com/office/drawing/2014/main" id="{2D430440-893E-0322-BA82-E1F564AD2688}"/>
+              </a:ext>
+            </a:extLst>
+          </p:cNvPr>
+          <p:cNvPicPr>
+            <a:picLocks noChangeAspect="1"/>
+          </p:cNvPicPr>
+          <p:nvPr/>
+        </p:nvPicPr>
+        <p:blipFill>
+          <a:blip r:embed="rId2">
+            <a:extLst>
+              <a:ext uri="{28A0092B-C50C-407E-A947-70E740481C1C}">
+                <a14:useLocalDpi xmlns:a14="http://schemas.microsoft.com/office/drawing/2010/main" val="0"/>
+              </a:ext>
+            </a:extLst>
+          </a:blip>
+          <a:stretch>
+            <a:fillRect/>
+          </a:stretch>
+        </p:blipFill>
+        <p:spPr>
+          <a:xfrm>
+            <a:off x="1122510" y="2893807"/>
+            <a:ext cx="1319072" cy="1152000"/>
+          </a:xfrm>
+          <a:prstGeom prst="rect">
+            <a:avLst/>
+          </a:prstGeom>
+        </p:spPr>
+      </p:pic>
+      <p:sp>
+        <p:nvSpPr>
+          <p:cNvPr id="3" name="テキスト ボックス 2">
+            <a:extLst>
+              <a:ext uri="{FF2B5EF4-FFF2-40B4-BE49-F238E27FC236}">
+                <a16:creationId xmlns:a16="http://schemas.microsoft.com/office/drawing/2014/main" id="{29D8F624-0657-AFC8-743C-3DC562E5C58A}"/>
+              </a:ext>
+            </a:extLst>
+          </p:cNvPr>
+          <p:cNvSpPr txBox="1"/>
+          <p:nvPr/>
+        </p:nvSpPr>
+        <p:spPr>
+          <a:xfrm>
+            <a:off x="1531023" y="1225770"/>
+            <a:ext cx="1050096" cy="338554"/>
+          </a:xfrm>
+          <a:prstGeom prst="rect">
+            <a:avLst/>
+          </a:prstGeom>
+          <a:noFill/>
+        </p:spPr>
+        <p:txBody>
+          <a:bodyPr wrap="none" rtlCol="0">
+            <a:spAutoFit/>
+          </a:bodyPr>
+          <a:lstStyle/>
+          <a:p>
+            <a:r>
+              <a:rPr kumimoji="1" lang="en-US" altLang="ja-JP" sz="1600" dirty="0"/>
+              <a:t>structure1</a:t>
+            </a:r>
+            <a:endParaRPr kumimoji="1" lang="ja-JP" altLang="en-US" sz="1600" dirty="0"/>
+          </a:p>
+        </p:txBody>
+      </p:sp>
+      <p:pic>
+        <p:nvPicPr>
+          <p:cNvPr id="4" name="図 3">
+            <a:extLst>
+              <a:ext uri="{FF2B5EF4-FFF2-40B4-BE49-F238E27FC236}">
+                <a16:creationId xmlns:a16="http://schemas.microsoft.com/office/drawing/2014/main" id="{1658E4FF-DCB3-9F76-99A0-37995380F05C}"/>
+              </a:ext>
+            </a:extLst>
+          </p:cNvPr>
+          <p:cNvPicPr>
+            <a:picLocks noChangeAspect="1"/>
+          </p:cNvPicPr>
+          <p:nvPr/>
+        </p:nvPicPr>
+        <p:blipFill>
+          <a:blip r:embed="rId3">
+            <a:extLst>
+              <a:ext uri="{28A0092B-C50C-407E-A947-70E740481C1C}">
+                <a14:useLocalDpi xmlns:a14="http://schemas.microsoft.com/office/drawing/2010/main" val="0"/>
+              </a:ext>
+            </a:extLst>
+          </a:blip>
+          <a:stretch>
+            <a:fillRect/>
+          </a:stretch>
+        </p:blipFill>
+        <p:spPr>
+          <a:xfrm>
+            <a:off x="2635223" y="2889077"/>
+            <a:ext cx="1319072" cy="1152000"/>
+          </a:xfrm>
+          <a:prstGeom prst="rect">
+            <a:avLst/>
+          </a:prstGeom>
+        </p:spPr>
+      </p:pic>
+      <p:sp>
+        <p:nvSpPr>
+          <p:cNvPr id="5" name="テキスト ボックス 4">
+            <a:extLst>
+              <a:ext uri="{FF2B5EF4-FFF2-40B4-BE49-F238E27FC236}">
+                <a16:creationId xmlns:a16="http://schemas.microsoft.com/office/drawing/2014/main" id="{52B62616-7BFA-E61A-1DA2-A2599029271E}"/>
+              </a:ext>
+            </a:extLst>
+          </p:cNvPr>
+          <p:cNvSpPr txBox="1"/>
+          <p:nvPr/>
+        </p:nvSpPr>
+        <p:spPr>
+          <a:xfrm>
+            <a:off x="2909939" y="1230260"/>
+            <a:ext cx="1050096" cy="338554"/>
+          </a:xfrm>
+          <a:prstGeom prst="rect">
+            <a:avLst/>
+          </a:prstGeom>
+          <a:noFill/>
+        </p:spPr>
+        <p:txBody>
+          <a:bodyPr wrap="none" rtlCol="0">
+            <a:spAutoFit/>
+          </a:bodyPr>
+          <a:lstStyle/>
+          <a:p>
+            <a:r>
+              <a:rPr kumimoji="1" lang="en-US" altLang="ja-JP" sz="1600" dirty="0"/>
+              <a:t>structure2</a:t>
+            </a:r>
+            <a:endParaRPr kumimoji="1" lang="ja-JP" altLang="en-US" sz="1600" dirty="0"/>
+          </a:p>
+        </p:txBody>
+      </p:sp>
+      <p:pic>
+        <p:nvPicPr>
+          <p:cNvPr id="6" name="図 5">
+            <a:extLst>
+              <a:ext uri="{FF2B5EF4-FFF2-40B4-BE49-F238E27FC236}">
+                <a16:creationId xmlns:a16="http://schemas.microsoft.com/office/drawing/2014/main" id="{B67E2A8A-E14E-C608-45CB-8D60B5B062BF}"/>
+              </a:ext>
+            </a:extLst>
+          </p:cNvPr>
+          <p:cNvPicPr>
+            <a:picLocks noChangeAspect="1"/>
+          </p:cNvPicPr>
+          <p:nvPr/>
+        </p:nvPicPr>
+        <p:blipFill>
+          <a:blip r:embed="rId4">
+            <a:extLst>
+              <a:ext uri="{28A0092B-C50C-407E-A947-70E740481C1C}">
+                <a14:useLocalDpi xmlns:a14="http://schemas.microsoft.com/office/drawing/2010/main" val="0"/>
+              </a:ext>
+            </a:extLst>
+          </a:blip>
+          <a:stretch>
+            <a:fillRect/>
+          </a:stretch>
+        </p:blipFill>
+        <p:spPr>
+          <a:xfrm>
+            <a:off x="4076819" y="2893807"/>
+            <a:ext cx="1319072" cy="1152000"/>
+          </a:xfrm>
+          <a:prstGeom prst="rect">
+            <a:avLst/>
+          </a:prstGeom>
+        </p:spPr>
+      </p:pic>
+      <p:sp>
+        <p:nvSpPr>
+          <p:cNvPr id="7" name="テキスト ボックス 6">
+            <a:extLst>
+              <a:ext uri="{FF2B5EF4-FFF2-40B4-BE49-F238E27FC236}">
+                <a16:creationId xmlns:a16="http://schemas.microsoft.com/office/drawing/2014/main" id="{ADC19C2C-D4DB-82F8-DFA5-484858C8B4D3}"/>
+              </a:ext>
+            </a:extLst>
+          </p:cNvPr>
+          <p:cNvSpPr txBox="1"/>
+          <p:nvPr/>
+        </p:nvSpPr>
+        <p:spPr>
+          <a:xfrm>
+            <a:off x="4343524" y="1225770"/>
+            <a:ext cx="1050096" cy="338554"/>
+          </a:xfrm>
+          <a:prstGeom prst="rect">
+            <a:avLst/>
+          </a:prstGeom>
+          <a:noFill/>
+        </p:spPr>
+        <p:txBody>
+          <a:bodyPr wrap="none" rtlCol="0">
+            <a:spAutoFit/>
+          </a:bodyPr>
+          <a:lstStyle/>
+          <a:p>
+            <a:r>
+              <a:rPr kumimoji="1" lang="en-US" altLang="ja-JP" sz="1600" dirty="0"/>
+              <a:t>structure3</a:t>
+            </a:r>
+            <a:endParaRPr kumimoji="1" lang="ja-JP" altLang="en-US" sz="1600" dirty="0"/>
+          </a:p>
+        </p:txBody>
+      </p:sp>
+      <p:pic>
+        <p:nvPicPr>
+          <p:cNvPr id="9" name="図 8">
+            <a:extLst>
+              <a:ext uri="{FF2B5EF4-FFF2-40B4-BE49-F238E27FC236}">
+                <a16:creationId xmlns:a16="http://schemas.microsoft.com/office/drawing/2014/main" id="{62FBF5FC-4A11-9074-E1DA-983FAF581702}"/>
+              </a:ext>
+            </a:extLst>
+          </p:cNvPr>
+          <p:cNvPicPr>
+            <a:picLocks noChangeAspect="1"/>
+          </p:cNvPicPr>
+          <p:nvPr/>
+        </p:nvPicPr>
+        <p:blipFill>
+          <a:blip r:embed="rId5">
+            <a:extLst>
+              <a:ext uri="{28A0092B-C50C-407E-A947-70E740481C1C}">
+                <a14:useLocalDpi xmlns:a14="http://schemas.microsoft.com/office/drawing/2010/main" val="0"/>
+              </a:ext>
+            </a:extLst>
+          </a:blip>
+          <a:stretch>
+            <a:fillRect/>
+          </a:stretch>
+        </p:blipFill>
+        <p:spPr>
+          <a:xfrm>
+            <a:off x="5516709" y="2893807"/>
+            <a:ext cx="1319072" cy="1152000"/>
+          </a:xfrm>
+          <a:prstGeom prst="rect">
+            <a:avLst/>
+          </a:prstGeom>
+        </p:spPr>
+      </p:pic>
+      <p:pic>
+        <p:nvPicPr>
+          <p:cNvPr id="22" name="図 21">
+            <a:extLst>
+              <a:ext uri="{FF2B5EF4-FFF2-40B4-BE49-F238E27FC236}">
+                <a16:creationId xmlns:a16="http://schemas.microsoft.com/office/drawing/2014/main" id="{94627CC7-4C64-743B-4F05-A2717B070829}"/>
+              </a:ext>
+            </a:extLst>
+          </p:cNvPr>
+          <p:cNvPicPr>
+            <a:picLocks noChangeAspect="1"/>
+          </p:cNvPicPr>
+          <p:nvPr/>
+        </p:nvPicPr>
+        <p:blipFill>
+          <a:blip r:embed="rId6">
+            <a:extLst>
+              <a:ext uri="{28A0092B-C50C-407E-A947-70E740481C1C}">
+                <a14:useLocalDpi xmlns:a14="http://schemas.microsoft.com/office/drawing/2010/main" val="0"/>
+              </a:ext>
+            </a:extLst>
+          </a:blip>
+          <a:stretch>
+            <a:fillRect/>
+          </a:stretch>
+        </p:blipFill>
+        <p:spPr>
+          <a:xfrm>
+            <a:off x="1197039" y="1567112"/>
+            <a:ext cx="1250011" cy="1152000"/>
+          </a:xfrm>
+          <a:prstGeom prst="rect">
+            <a:avLst/>
+          </a:prstGeom>
+        </p:spPr>
+      </p:pic>
+      <p:pic>
+        <p:nvPicPr>
+          <p:cNvPr id="24" name="図 23">
+            <a:extLst>
+              <a:ext uri="{FF2B5EF4-FFF2-40B4-BE49-F238E27FC236}">
+                <a16:creationId xmlns:a16="http://schemas.microsoft.com/office/drawing/2014/main" id="{ABD9F744-7258-2FB4-9AD6-3310E9726A29}"/>
+              </a:ext>
+            </a:extLst>
+          </p:cNvPr>
+          <p:cNvPicPr>
+            <a:picLocks noChangeAspect="1"/>
+          </p:cNvPicPr>
+          <p:nvPr/>
+        </p:nvPicPr>
+        <p:blipFill>
+          <a:blip r:embed="rId7">
+            <a:extLst>
+              <a:ext uri="{28A0092B-C50C-407E-A947-70E740481C1C}">
+                <a14:useLocalDpi xmlns:a14="http://schemas.microsoft.com/office/drawing/2010/main" val="0"/>
+              </a:ext>
+            </a:extLst>
+          </a:blip>
+          <a:stretch>
+            <a:fillRect/>
+          </a:stretch>
+        </p:blipFill>
+        <p:spPr>
+          <a:xfrm>
+            <a:off x="2635008" y="1567112"/>
+            <a:ext cx="1250011" cy="1152000"/>
+          </a:xfrm>
+          <a:prstGeom prst="rect">
+            <a:avLst/>
+          </a:prstGeom>
+        </p:spPr>
+      </p:pic>
+      <p:pic>
+        <p:nvPicPr>
+          <p:cNvPr id="26" name="図 25">
+            <a:extLst>
+              <a:ext uri="{FF2B5EF4-FFF2-40B4-BE49-F238E27FC236}">
+                <a16:creationId xmlns:a16="http://schemas.microsoft.com/office/drawing/2014/main" id="{5689E69A-0A21-BA7B-18B0-C0EB117ECCD3}"/>
+              </a:ext>
+            </a:extLst>
+          </p:cNvPr>
+          <p:cNvPicPr>
+            <a:picLocks noChangeAspect="1"/>
+          </p:cNvPicPr>
+          <p:nvPr/>
+        </p:nvPicPr>
+        <p:blipFill>
+          <a:blip r:embed="rId8">
+            <a:extLst>
+              <a:ext uri="{28A0092B-C50C-407E-A947-70E740481C1C}">
+                <a14:useLocalDpi xmlns:a14="http://schemas.microsoft.com/office/drawing/2010/main" val="0"/>
+              </a:ext>
+            </a:extLst>
+          </a:blip>
+          <a:stretch>
+            <a:fillRect/>
+          </a:stretch>
+        </p:blipFill>
+        <p:spPr>
+          <a:xfrm>
+            <a:off x="4072977" y="1550093"/>
+            <a:ext cx="1250011" cy="1152000"/>
+          </a:xfrm>
+          <a:prstGeom prst="rect">
+            <a:avLst/>
+          </a:prstGeom>
+        </p:spPr>
+      </p:pic>
+      <p:pic>
+        <p:nvPicPr>
+          <p:cNvPr id="28" name="図 27">
+            <a:extLst>
+              <a:ext uri="{FF2B5EF4-FFF2-40B4-BE49-F238E27FC236}">
+                <a16:creationId xmlns:a16="http://schemas.microsoft.com/office/drawing/2014/main" id="{F280043B-0AE7-2EAB-2010-56DC48730D7D}"/>
+              </a:ext>
+            </a:extLst>
+          </p:cNvPr>
+          <p:cNvPicPr>
+            <a:picLocks noChangeAspect="1"/>
+          </p:cNvPicPr>
+          <p:nvPr/>
+        </p:nvPicPr>
+        <p:blipFill>
+          <a:blip r:embed="rId9">
+            <a:extLst>
+              <a:ext uri="{28A0092B-C50C-407E-A947-70E740481C1C}">
+                <a14:useLocalDpi xmlns:a14="http://schemas.microsoft.com/office/drawing/2010/main" val="0"/>
+              </a:ext>
+            </a:extLst>
+          </a:blip>
+          <a:stretch>
+            <a:fillRect/>
+          </a:stretch>
+        </p:blipFill>
+        <p:spPr>
+          <a:xfrm>
+            <a:off x="5516709" y="1561163"/>
+            <a:ext cx="1250011" cy="1152000"/>
+          </a:xfrm>
+          <a:prstGeom prst="rect">
+            <a:avLst/>
+          </a:prstGeom>
+        </p:spPr>
+      </p:pic>
+      <p:sp>
+        <p:nvSpPr>
+          <p:cNvPr id="11" name="スライド番号プレースホルダー 10">
+            <a:extLst>
+              <a:ext uri="{FF2B5EF4-FFF2-40B4-BE49-F238E27FC236}">
+                <a16:creationId xmlns:a16="http://schemas.microsoft.com/office/drawing/2014/main" id="{AE779BC2-27FA-843D-AE71-11969E64C727}"/>
+              </a:ext>
+            </a:extLst>
+          </p:cNvPr>
+          <p:cNvSpPr>
+            <a:spLocks noGrp="1"/>
+          </p:cNvSpPr>
+          <p:nvPr>
+            <p:ph type="sldNum" sz="quarter" idx="12"/>
+          </p:nvPr>
+        </p:nvSpPr>
+        <p:spPr/>
+        <p:txBody>
+          <a:bodyPr/>
+          <a:lstStyle/>
+          <a:p>
+            <a:fld id="{ECBD650F-6923-4A4C-ADE2-BB0B86E7CCFF}" type="slidenum">
+              <a:rPr lang="zh-CN" altLang="en-US" smtClean="0"/>
+              <a:t>9</a:t>
+            </a:fld>
+            <a:endParaRPr lang="zh-CN" altLang="en-US" dirty="0"/>
+          </a:p>
+        </p:txBody>
+      </p:sp>
+      <p:sp>
+        <p:nvSpPr>
+          <p:cNvPr id="20" name="テキスト ボックス 19">
+            <a:extLst>
+              <a:ext uri="{FF2B5EF4-FFF2-40B4-BE49-F238E27FC236}">
+                <a16:creationId xmlns:a16="http://schemas.microsoft.com/office/drawing/2014/main" id="{713ED903-B57C-0AFB-4423-93940A841B19}"/>
+              </a:ext>
+            </a:extLst>
+          </p:cNvPr>
+          <p:cNvSpPr txBox="1"/>
+          <p:nvPr/>
+        </p:nvSpPr>
+        <p:spPr>
+          <a:xfrm>
+            <a:off x="5749944" y="1201450"/>
+            <a:ext cx="1050096" cy="338554"/>
+          </a:xfrm>
+          <a:prstGeom prst="rect">
+            <a:avLst/>
+          </a:prstGeom>
+          <a:noFill/>
+        </p:spPr>
+        <p:txBody>
+          <a:bodyPr wrap="none" rtlCol="0">
+            <a:spAutoFit/>
+          </a:bodyPr>
+          <a:lstStyle/>
+          <a:p>
+            <a:r>
+              <a:rPr kumimoji="1" lang="en-US" altLang="ja-JP" sz="1600" dirty="0"/>
+              <a:t>structure</a:t>
+            </a:r>
+            <a:r>
+              <a:rPr lang="en-US" altLang="ja-JP" sz="1600" dirty="0"/>
+              <a:t>4</a:t>
+            </a:r>
+            <a:endParaRPr kumimoji="1" lang="ja-JP" altLang="en-US" sz="1600" dirty="0"/>
+          </a:p>
+        </p:txBody>
+      </p:sp>
+      <p:sp>
+        <p:nvSpPr>
+          <p:cNvPr id="23" name="テキスト ボックス 22">
+            <a:extLst>
+              <a:ext uri="{FF2B5EF4-FFF2-40B4-BE49-F238E27FC236}">
+                <a16:creationId xmlns:a16="http://schemas.microsoft.com/office/drawing/2014/main" id="{5DC51332-6115-8ED1-9A2A-EACCC821E0BD}"/>
+              </a:ext>
+            </a:extLst>
+          </p:cNvPr>
+          <p:cNvSpPr txBox="1"/>
+          <p:nvPr/>
+        </p:nvSpPr>
+        <p:spPr>
+          <a:xfrm>
+            <a:off x="128874" y="1710278"/>
+            <a:ext cx="1025050" cy="830997"/>
+          </a:xfrm>
+          <a:prstGeom prst="rect">
+            <a:avLst/>
+          </a:prstGeom>
+          <a:noFill/>
+        </p:spPr>
+        <p:txBody>
+          <a:bodyPr wrap="square" rtlCol="0">
+            <a:spAutoFit/>
+          </a:bodyPr>
+          <a:lstStyle/>
+          <a:p>
+            <a:r>
+              <a:rPr kumimoji="1" lang="ja-JP" altLang="en-US" sz="1600" dirty="0"/>
+              <a:t>初期構造</a:t>
+            </a:r>
+            <a:r>
+              <a:rPr kumimoji="1" lang="en-US" altLang="ja-JP" sz="1600" dirty="0"/>
+              <a:t>(</a:t>
+            </a:r>
+            <a:r>
+              <a:rPr lang="en-US" altLang="ja-JP" sz="1600" b="0" i="0" dirty="0">
+                <a:solidFill>
+                  <a:srgbClr val="374151"/>
+                </a:solidFill>
+                <a:effectLst/>
+                <a:latin typeface="Söhne"/>
+              </a:rPr>
+              <a:t>initial structure)</a:t>
+            </a:r>
+            <a:endParaRPr kumimoji="1" lang="ja-JP" altLang="en-US" sz="1600" dirty="0"/>
+          </a:p>
+        </p:txBody>
+      </p:sp>
+      <p:sp>
+        <p:nvSpPr>
+          <p:cNvPr id="25" name="テキスト ボックス 24">
+            <a:extLst>
+              <a:ext uri="{FF2B5EF4-FFF2-40B4-BE49-F238E27FC236}">
+                <a16:creationId xmlns:a16="http://schemas.microsoft.com/office/drawing/2014/main" id="{1B3C24DB-45C5-ACEB-0A90-7E8935A086BD}"/>
+              </a:ext>
+            </a:extLst>
+          </p:cNvPr>
+          <p:cNvSpPr txBox="1"/>
+          <p:nvPr/>
+        </p:nvSpPr>
+        <p:spPr>
+          <a:xfrm>
+            <a:off x="341846" y="3549577"/>
+            <a:ext cx="496354" cy="338554"/>
+          </a:xfrm>
+          <a:prstGeom prst="rect">
+            <a:avLst/>
+          </a:prstGeom>
+          <a:noFill/>
+        </p:spPr>
+        <p:txBody>
+          <a:bodyPr wrap="none" rtlCol="0">
+            <a:spAutoFit/>
+          </a:bodyPr>
+          <a:lstStyle/>
+          <a:p>
+            <a:r>
+              <a:rPr lang="en-US" altLang="ja-JP" sz="1600" dirty="0" err="1"/>
+              <a:t>Opt</a:t>
+            </a:r>
+            <a:endParaRPr kumimoji="1" lang="ja-JP" altLang="en-US" sz="1600" dirty="0"/>
+          </a:p>
+        </p:txBody>
+      </p:sp>
+      <mc:AlternateContent xmlns:mc="http://schemas.openxmlformats.org/markup-compatibility/2006" xmlns:a14="http://schemas.microsoft.com/office/drawing/2010/main">
+        <mc:Choice Requires="a14">
+          <p:sp>
+            <p:nvSpPr>
+              <p:cNvPr id="8" name="标题 1">
+                <a:extLst>
+                  <a:ext uri="{FF2B5EF4-FFF2-40B4-BE49-F238E27FC236}">
+                    <a16:creationId xmlns:a16="http://schemas.microsoft.com/office/drawing/2014/main" id="{BF931785-A13A-55E0-E721-65AB23A79675}"/>
+                  </a:ext>
+                </a:extLst>
+              </p:cNvPr>
+              <p:cNvSpPr txBox="1">
+                <a:spLocks/>
+              </p:cNvSpPr>
+              <p:nvPr/>
+            </p:nvSpPr>
+            <p:spPr>
+              <a:xfrm>
+                <a:off x="838200" y="365125"/>
+                <a:ext cx="10515600" cy="1325563"/>
+              </a:xfrm>
+              <a:prstGeom prst="rect">
+                <a:avLst/>
+              </a:prstGeom>
+            </p:spPr>
+            <p:txBody>
+              <a:bodyPr>
+                <a:normAutofit/>
+              </a:bodyPr>
+              <a:lstStyle>
+                <a:lvl1pPr algn="l" defTabSz="914400" rtl="0" eaLnBrk="1" latinLnBrk="0" hangingPunct="1">
+                  <a:lnSpc>
+                    <a:spcPct val="90000"/>
+                  </a:lnSpc>
+                  <a:spcBef>
+                    <a:spcPct val="0"/>
+                  </a:spcBef>
+                  <a:buNone/>
+                  <a:defRPr kumimoji="1" sz="4400" kern="1200">
+                    <a:solidFill>
+                      <a:schemeClr val="tx1"/>
+                    </a:solidFill>
+                    <a:latin typeface="+mj-lt"/>
+                    <a:ea typeface="+mj-ea"/>
+                    <a:cs typeface="+mj-cs"/>
+                  </a:defRPr>
+                </a:lvl1pPr>
+              </a:lstStyle>
+              <a:p>
+                <a:r>
+                  <a:rPr lang="en-US" altLang="zh-CN" sz="3600" dirty="0">
+                    <a:latin typeface="BIZ UDPゴシック" panose="020B0400000000000000" pitchFamily="50" charset="-128"/>
+                    <a:ea typeface="BIZ UDPゴシック" panose="020B0400000000000000" pitchFamily="50" charset="-128"/>
+                  </a:rPr>
+                  <a:t>2  </a:t>
+                </a:r>
+                <a14:m>
+                  <m:oMath xmlns:m="http://schemas.openxmlformats.org/officeDocument/2006/math">
+                    <m:r>
+                      <m:rPr>
+                        <m:sty m:val="p"/>
+                      </m:rPr>
+                      <a:rPr lang="en-US" altLang="zh-CN" sz="3600" i="0" dirty="0" smtClean="0">
+                        <a:latin typeface="Cambria Math" panose="02040503050406030204" pitchFamily="18" charset="0"/>
+                        <a:ea typeface="BIZ UDPゴシック" panose="020B0400000000000000" pitchFamily="50" charset="-128"/>
+                      </a:rPr>
+                      <m:t>CO</m:t>
+                    </m:r>
+                  </m:oMath>
+                </a14:m>
+                <a:r>
+                  <a:rPr lang="en-US" altLang="zh-CN" sz="3600" dirty="0">
+                    <a:latin typeface="BIZ UDPゴシック" panose="020B0400000000000000" pitchFamily="50" charset="-128"/>
+                    <a:ea typeface="BIZ UDPゴシック" panose="020B0400000000000000" pitchFamily="50" charset="-128"/>
+                  </a:rPr>
+                  <a:t> </a:t>
+                </a:r>
+                <a:r>
+                  <a:rPr lang="zh-CN" altLang="en-US" sz="3600" dirty="0">
+                    <a:latin typeface="BIZ UDPゴシック" panose="020B0400000000000000" pitchFamily="50" charset="-128"/>
+                    <a:ea typeface="BIZ UDPゴシック" panose="020B0400000000000000" pitchFamily="50" charset="-128"/>
+                  </a:rPr>
+                  <a:t>分子</a:t>
+                </a:r>
+                <a:r>
+                  <a:rPr lang="ja-JP" altLang="en-US" sz="3600" dirty="0">
+                    <a:latin typeface="BIZ UDPゴシック" panose="020B0400000000000000" pitchFamily="50" charset="-128"/>
+                    <a:ea typeface="BIZ UDPゴシック" panose="020B0400000000000000" pitchFamily="50" charset="-128"/>
+                  </a:rPr>
+                  <a:t>と</a:t>
+                </a:r>
+                <a14:m>
+                  <m:oMath xmlns:m="http://schemas.openxmlformats.org/officeDocument/2006/math">
+                    <m:sSub>
+                      <m:sSubPr>
+                        <m:ctrlPr>
+                          <a:rPr lang="en-US" altLang="ja-JP" sz="3600" i="1" dirty="0" smtClean="0">
+                            <a:latin typeface="Cambria Math" panose="02040503050406030204" pitchFamily="18" charset="0"/>
+                          </a:rPr>
+                        </m:ctrlPr>
+                      </m:sSubPr>
+                      <m:e>
+                        <m:r>
+                          <m:rPr>
+                            <m:sty m:val="p"/>
+                          </m:rPr>
+                          <a:rPr lang="en-US" altLang="ja-JP" sz="3600" dirty="0" smtClean="0">
+                            <a:latin typeface="Cambria Math" panose="02040503050406030204" pitchFamily="18" charset="0"/>
+                          </a:rPr>
+                          <m:t>H</m:t>
+                        </m:r>
+                      </m:e>
+                      <m:sub>
+                        <m:r>
+                          <a:rPr lang="en-US" altLang="ja-JP" sz="3600" dirty="0" smtClean="0">
+                            <a:latin typeface="Cambria Math" panose="02040503050406030204" pitchFamily="18" charset="0"/>
+                          </a:rPr>
+                          <m:t>2</m:t>
+                        </m:r>
+                      </m:sub>
+                    </m:sSub>
+                    <m:r>
+                      <m:rPr>
+                        <m:sty m:val="p"/>
+                      </m:rPr>
+                      <a:rPr lang="en-US" altLang="ja-JP" sz="3600" dirty="0" smtClean="0">
+                        <a:latin typeface="Cambria Math" panose="02040503050406030204" pitchFamily="18" charset="0"/>
+                      </a:rPr>
+                      <m:t>O</m:t>
+                    </m:r>
+                  </m:oMath>
+                </a14:m>
+                <a:r>
+                  <a:rPr lang="zh-CN" altLang="en-US" sz="3600" dirty="0">
+                    <a:latin typeface="BIZ UDPゴシック" panose="020B0400000000000000" pitchFamily="50" charset="-128"/>
+                    <a:ea typeface="BIZ UDPゴシック" panose="020B0400000000000000" pitchFamily="50" charset="-128"/>
+                  </a:rPr>
+                  <a:t>分子</a:t>
+                </a:r>
+                <a:r>
+                  <a:rPr lang="ja-JP" altLang="en-US" sz="3600" dirty="0">
+                    <a:latin typeface="BIZ UDPゴシック" panose="020B0400000000000000" pitchFamily="50" charset="-128"/>
+                    <a:ea typeface="BIZ UDPゴシック" panose="020B0400000000000000" pitchFamily="50" charset="-128"/>
+                  </a:rPr>
+                  <a:t>の吸着</a:t>
+                </a:r>
+              </a:p>
+            </p:txBody>
+          </p:sp>
+        </mc:Choice>
+        <mc:Fallback xmlns="">
+          <p:sp>
+            <p:nvSpPr>
+              <p:cNvPr id="8" name="标题 1">
+                <a:extLst>
+                  <a:ext uri="{FF2B5EF4-FFF2-40B4-BE49-F238E27FC236}">
+                    <a16:creationId xmlns:a16="http://schemas.microsoft.com/office/drawing/2014/main" id="{BF931785-A13A-55E0-E721-65AB23A79675}"/>
+                  </a:ext>
+                </a:extLst>
+              </p:cNvPr>
+              <p:cNvSpPr txBox="1">
+                <a:spLocks noRot="1" noChangeAspect="1" noMove="1" noResize="1" noEditPoints="1" noAdjustHandles="1" noChangeArrowheads="1" noChangeShapeType="1" noTextEdit="1"/>
+              </p:cNvSpPr>
+              <p:nvPr/>
+            </p:nvSpPr>
+            <p:spPr>
+              <a:xfrm>
+                <a:off x="838200" y="365125"/>
+                <a:ext cx="10515600" cy="1325563"/>
+              </a:xfrm>
+              <a:prstGeom prst="rect">
+                <a:avLst/>
+              </a:prstGeom>
+              <a:blipFill>
+                <a:blip r:embed="rId10"/>
+                <a:stretch>
+                  <a:fillRect l="-1797" t="-13825"/>
+                </a:stretch>
+              </a:blipFill>
+            </p:spPr>
+            <p:txBody>
+              <a:bodyPr/>
+              <a:lstStyle/>
+              <a:p>
+                <a:r>
+                  <a:rPr lang="ja-JP" altLang="en-US">
+                    <a:noFill/>
+                  </a:rPr>
+                  <a:t> </a:t>
+                </a:r>
+              </a:p>
+            </p:txBody>
+          </p:sp>
+        </mc:Fallback>
+      </mc:AlternateContent>
+      <p:cxnSp>
+        <p:nvCxnSpPr>
+          <p:cNvPr id="12" name="直線コネクタ 11">
+            <a:extLst>
+              <a:ext uri="{FF2B5EF4-FFF2-40B4-BE49-F238E27FC236}">
+                <a16:creationId xmlns:a16="http://schemas.microsoft.com/office/drawing/2014/main" id="{72D74214-770C-1347-8E06-4BFCB9BCA7F7}"/>
+              </a:ext>
+            </a:extLst>
+          </p:cNvPr>
+          <p:cNvCxnSpPr/>
+          <p:nvPr/>
+        </p:nvCxnSpPr>
+        <p:spPr>
+          <a:xfrm>
+            <a:off x="7409794" y="1495826"/>
+            <a:ext cx="0" cy="4628125"/>
+          </a:xfrm>
+          <a:prstGeom prst="line">
+            <a:avLst/>
+          </a:prstGeom>
+          <a:ln w="28575">
+            <a:solidFill>
+              <a:schemeClr val="tx1"/>
+            </a:solidFill>
+          </a:ln>
+        </p:spPr>
+        <p:style>
+          <a:lnRef idx="1">
+            <a:schemeClr val="dk1"/>
+          </a:lnRef>
+          <a:fillRef idx="0">
+            <a:schemeClr val="dk1"/>
+          </a:fillRef>
+          <a:effectRef idx="0">
+            <a:schemeClr val="dk1"/>
+          </a:effectRef>
+          <a:fontRef idx="minor">
+            <a:schemeClr val="tx1"/>
+          </a:fontRef>
+        </p:style>
+      </p:cxnSp>
+      <mc:AlternateContent xmlns:mc="http://schemas.openxmlformats.org/markup-compatibility/2006" xmlns:a14="http://schemas.microsoft.com/office/drawing/2010/main">
+        <mc:Choice Requires="a14">
+          <p:sp>
+            <p:nvSpPr>
+              <p:cNvPr id="14" name="テキスト ボックス 13">
+                <a:extLst>
+                  <a:ext uri="{FF2B5EF4-FFF2-40B4-BE49-F238E27FC236}">
+                    <a16:creationId xmlns:a16="http://schemas.microsoft.com/office/drawing/2014/main" id="{45CF435D-9CF8-C363-7C76-912D260DEA11}"/>
+                  </a:ext>
+                </a:extLst>
+              </p:cNvPr>
+              <p:cNvSpPr txBox="1"/>
+              <p:nvPr/>
+            </p:nvSpPr>
+            <p:spPr>
+              <a:xfrm>
+                <a:off x="7550059" y="1392602"/>
+                <a:ext cx="3747278" cy="2334485"/>
+              </a:xfrm>
+              <a:prstGeom prst="rect">
+                <a:avLst/>
+              </a:prstGeom>
+              <a:noFill/>
+            </p:spPr>
+            <p:txBody>
+              <a:bodyPr wrap="square" rtlCol="0">
+                <a:spAutoFit/>
+              </a:bodyPr>
+              <a:lstStyle/>
+              <a:p>
+                <a:r>
+                  <a:rPr lang="ja-JP" altLang="en-US" dirty="0"/>
+                  <a:t>構造</a:t>
+                </a:r>
+                <a:r>
+                  <a:rPr lang="en-US" altLang="ja-JP" dirty="0"/>
+                  <a:t>3(structure3)</a:t>
+                </a:r>
+                <a:r>
+                  <a:rPr lang="ja-JP" altLang="en-US" dirty="0"/>
+                  <a:t>のエネルギーが一番低いため、構造</a:t>
+                </a:r>
+                <a:r>
+                  <a:rPr lang="en-US" altLang="ja-JP" dirty="0"/>
+                  <a:t>3</a:t>
+                </a:r>
+                <a:r>
+                  <a:rPr lang="ja-JP" altLang="en-US" dirty="0"/>
+                  <a:t>の構造が安定である。</a:t>
+                </a:r>
+                <a14:m>
+                  <m:oMath xmlns:m="http://schemas.openxmlformats.org/officeDocument/2006/math">
+                    <m:r>
+                      <m:rPr>
+                        <m:sty m:val="p"/>
+                      </m:rPr>
+                      <a:rPr lang="en-US" altLang="ja-JP" i="0" dirty="0" smtClean="0">
+                        <a:latin typeface="Cambria Math" panose="02040503050406030204" pitchFamily="18" charset="0"/>
+                      </a:rPr>
+                      <m:t>CO</m:t>
+                    </m:r>
+                  </m:oMath>
+                </a14:m>
+                <a:r>
+                  <a:rPr lang="ja-JP" altLang="en-US" dirty="0"/>
+                  <a:t>分子の負電荷を帯びている</a:t>
+                </a:r>
+                <a14:m>
+                  <m:oMath xmlns:m="http://schemas.openxmlformats.org/officeDocument/2006/math">
+                    <m:r>
+                      <m:rPr>
+                        <m:sty m:val="p"/>
+                      </m:rPr>
+                      <a:rPr lang="en-US" altLang="ja-JP" i="0" dirty="0" smtClean="0">
+                        <a:latin typeface="Cambria Math" panose="02040503050406030204" pitchFamily="18" charset="0"/>
+                      </a:rPr>
+                      <m:t>C</m:t>
+                    </m:r>
+                  </m:oMath>
+                </a14:m>
+                <a:r>
+                  <a:rPr lang="ja-JP" altLang="en-US" dirty="0"/>
+                  <a:t>原子と</a:t>
+                </a:r>
+                <a14:m>
+                  <m:oMath xmlns:m="http://schemas.openxmlformats.org/officeDocument/2006/math">
+                    <m:sSub>
+                      <m:sSubPr>
+                        <m:ctrlPr>
+                          <a:rPr lang="en-US" altLang="zh-CN" b="0" i="1" dirty="0" smtClean="0">
+                            <a:latin typeface="Cambria Math" panose="02040503050406030204" pitchFamily="18" charset="0"/>
+                          </a:rPr>
+                        </m:ctrlPr>
+                      </m:sSubPr>
+                      <m:e>
+                        <m:r>
+                          <m:rPr>
+                            <m:sty m:val="p"/>
+                          </m:rPr>
+                          <a:rPr lang="en-US" altLang="zh-CN" i="0" dirty="0" smtClean="0">
+                            <a:latin typeface="Cambria Math" panose="02040503050406030204" pitchFamily="18" charset="0"/>
+                          </a:rPr>
+                          <m:t>H</m:t>
+                        </m:r>
+                      </m:e>
+                      <m:sub>
+                        <m:r>
+                          <a:rPr lang="en-US" altLang="zh-CN" b="0" i="0" dirty="0" smtClean="0">
+                            <a:latin typeface="Cambria Math" panose="02040503050406030204" pitchFamily="18" charset="0"/>
+                          </a:rPr>
+                          <m:t>2</m:t>
+                        </m:r>
+                      </m:sub>
+                    </m:sSub>
+                    <m:r>
+                      <m:rPr>
+                        <m:sty m:val="p"/>
+                      </m:rPr>
+                      <a:rPr lang="en-US" altLang="zh-CN" i="0" dirty="0" smtClean="0">
+                        <a:latin typeface="Cambria Math" panose="02040503050406030204" pitchFamily="18" charset="0"/>
+                      </a:rPr>
+                      <m:t>O</m:t>
+                    </m:r>
+                    <m:r>
+                      <a:rPr lang="en-US" altLang="zh-CN" i="0" dirty="0" smtClean="0">
+                        <a:latin typeface="Cambria Math" panose="02040503050406030204" pitchFamily="18" charset="0"/>
+                      </a:rPr>
+                      <m:t> </m:t>
+                    </m:r>
+                  </m:oMath>
+                </a14:m>
+                <a:r>
+                  <a:rPr lang="ja-JP" altLang="en-US" dirty="0"/>
+                  <a:t>分子の正電荷を帯びている</a:t>
+                </a:r>
+                <a14:m>
+                  <m:oMath xmlns:m="http://schemas.openxmlformats.org/officeDocument/2006/math">
+                    <m:r>
+                      <m:rPr>
+                        <m:sty m:val="p"/>
+                      </m:rPr>
+                      <a:rPr lang="en-US" altLang="ja-JP" i="0" dirty="0" smtClean="0">
+                        <a:latin typeface="Cambria Math" panose="02040503050406030204" pitchFamily="18" charset="0"/>
+                      </a:rPr>
+                      <m:t>H</m:t>
+                    </m:r>
+                  </m:oMath>
+                </a14:m>
+                <a:r>
+                  <a:rPr lang="ja-JP" altLang="en-US" dirty="0"/>
+                  <a:t>原子に近づく構造が安定的な構造。したがって、</a:t>
+                </a:r>
+                <a14:m>
+                  <m:oMath xmlns:m="http://schemas.openxmlformats.org/officeDocument/2006/math">
+                    <m:sSub>
+                      <m:sSubPr>
+                        <m:ctrlPr>
+                          <a:rPr lang="en-US" altLang="ja-JP" b="0" i="1" dirty="0" smtClean="0">
+                            <a:latin typeface="Cambria Math" panose="02040503050406030204" pitchFamily="18" charset="0"/>
+                          </a:rPr>
+                        </m:ctrlPr>
+                      </m:sSubPr>
+                      <m:e>
+                        <m:r>
+                          <m:rPr>
+                            <m:sty m:val="p"/>
+                          </m:rPr>
+                          <a:rPr lang="en-US" altLang="ja-JP" i="0" dirty="0" smtClean="0">
+                            <a:latin typeface="Cambria Math" panose="02040503050406030204" pitchFamily="18" charset="0"/>
+                          </a:rPr>
+                          <m:t>E</m:t>
+                        </m:r>
+                      </m:e>
+                      <m:sub>
+                        <m:r>
+                          <m:rPr>
+                            <m:sty m:val="p"/>
+                          </m:rPr>
+                          <a:rPr lang="en-US" altLang="ja-JP" dirty="0">
+                            <a:latin typeface="Cambria Math" panose="02040503050406030204" pitchFamily="18" charset="0"/>
+                          </a:rPr>
+                          <m:t>binding</m:t>
+                        </m:r>
+                      </m:sub>
+                    </m:sSub>
+                  </m:oMath>
+                </a14:m>
+                <a:r>
+                  <a:rPr lang="ja-JP" altLang="en-US" dirty="0"/>
+                  <a:t>も一番大きいである。</a:t>
+                </a:r>
+                <a:endParaRPr lang="en-US" altLang="ja-JP" dirty="0"/>
+              </a:p>
+              <a:p>
+                <a:endParaRPr lang="en-US" altLang="ja-JP" dirty="0"/>
+              </a:p>
+            </p:txBody>
+          </p:sp>
+        </mc:Choice>
+        <mc:Fallback xmlns="">
+          <p:sp>
+            <p:nvSpPr>
+              <p:cNvPr id="14" name="テキスト ボックス 13">
+                <a:extLst>
+                  <a:ext uri="{FF2B5EF4-FFF2-40B4-BE49-F238E27FC236}">
+                    <a16:creationId xmlns:a16="http://schemas.microsoft.com/office/drawing/2014/main" id="{45CF435D-9CF8-C363-7C76-912D260DEA11}"/>
+                  </a:ext>
+                </a:extLst>
+              </p:cNvPr>
+              <p:cNvSpPr txBox="1">
+                <a:spLocks noRot="1" noChangeAspect="1" noMove="1" noResize="1" noEditPoints="1" noAdjustHandles="1" noChangeArrowheads="1" noChangeShapeType="1" noTextEdit="1"/>
+              </p:cNvSpPr>
+              <p:nvPr/>
+            </p:nvSpPr>
+            <p:spPr>
+              <a:xfrm>
+                <a:off x="7550059" y="1392602"/>
+                <a:ext cx="3747278" cy="2334485"/>
+              </a:xfrm>
+              <a:prstGeom prst="rect">
+                <a:avLst/>
+              </a:prstGeom>
+              <a:blipFill>
+                <a:blip r:embed="rId11"/>
+                <a:stretch>
+                  <a:fillRect l="-1466" t="-1305" r="-1466"/>
+                </a:stretch>
+              </a:blipFill>
+            </p:spPr>
+            <p:txBody>
+              <a:bodyPr/>
+              <a:lstStyle/>
+              <a:p>
+                <a:r>
+                  <a:rPr lang="ja-JP" altLang="en-US">
+                    <a:noFill/>
+                  </a:rPr>
+                  <a:t> </a:t>
+                </a:r>
+              </a:p>
+            </p:txBody>
+          </p:sp>
+        </mc:Fallback>
+      </mc:AlternateContent>
+      <p:pic>
+        <p:nvPicPr>
+          <p:cNvPr id="16" name="図 15">
+            <a:extLst>
+              <a:ext uri="{FF2B5EF4-FFF2-40B4-BE49-F238E27FC236}">
+                <a16:creationId xmlns:a16="http://schemas.microsoft.com/office/drawing/2014/main" id="{6353E839-D363-C938-CA58-D403C8DF0C04}"/>
+              </a:ext>
+            </a:extLst>
+          </p:cNvPr>
+          <p:cNvPicPr>
+            <a:picLocks noChangeAspect="1"/>
+          </p:cNvPicPr>
+          <p:nvPr/>
+        </p:nvPicPr>
+        <p:blipFill>
+          <a:blip r:embed="rId4">
+            <a:extLst>
+              <a:ext uri="{28A0092B-C50C-407E-A947-70E740481C1C}">
+                <a14:useLocalDpi xmlns:a14="http://schemas.microsoft.com/office/drawing/2010/main" val="0"/>
+              </a:ext>
+            </a:extLst>
+          </a:blip>
+          <a:stretch>
+            <a:fillRect/>
+          </a:stretch>
+        </p:blipFill>
+        <p:spPr>
+          <a:xfrm>
+            <a:off x="8056120" y="3429000"/>
+            <a:ext cx="3091575" cy="2700000"/>
+          </a:xfrm>
+          <a:prstGeom prst="rect">
+            <a:avLst/>
+          </a:prstGeom>
+        </p:spPr>
+      </p:pic>
+      <mc:AlternateContent xmlns:mc="http://schemas.openxmlformats.org/markup-compatibility/2006" xmlns:a14="http://schemas.microsoft.com/office/drawing/2010/main">
+        <mc:Choice Requires="a14">
+          <p:sp>
+            <p:nvSpPr>
+              <p:cNvPr id="17" name="テキスト ボックス 16">
+                <a:extLst>
+                  <a:ext uri="{FF2B5EF4-FFF2-40B4-BE49-F238E27FC236}">
+                    <a16:creationId xmlns:a16="http://schemas.microsoft.com/office/drawing/2014/main" id="{B789262C-CC4B-42CD-35D6-BE9B5E79844F}"/>
+                  </a:ext>
+                </a:extLst>
+              </p:cNvPr>
+              <p:cNvSpPr txBox="1"/>
+              <p:nvPr/>
+            </p:nvSpPr>
+            <p:spPr>
+              <a:xfrm>
+                <a:off x="9047708" y="4282678"/>
+                <a:ext cx="352530" cy="307777"/>
+              </a:xfrm>
+              <a:prstGeom prst="rect">
+                <a:avLst/>
+              </a:prstGeom>
+              <a:noFill/>
+              <a:effectLst/>
+            </p:spPr>
+            <p:txBody>
+              <a:bodyPr wrap="square" rtlCol="0">
+                <a:spAutoFit/>
+              </a:bodyPr>
+              <a:lstStyle/>
+              <a:p>
+                <a:pPr algn="ctr"/>
+                <a14:m>
+                  <m:oMathPara xmlns:m="http://schemas.openxmlformats.org/officeDocument/2006/math">
+                    <m:oMathParaPr>
+                      <m:jc m:val="centerGroup"/>
+                    </m:oMathParaPr>
+                    <m:oMath xmlns:m="http://schemas.openxmlformats.org/officeDocument/2006/math">
+                      <m:r>
+                        <a:rPr lang="en-US" altLang="ja-JP" sz="1400" b="0" i="1" dirty="0" smtClean="0">
+                          <a:effectLst>
+                            <a:glow rad="127000">
+                              <a:schemeClr val="bg1"/>
+                            </a:glow>
+                          </a:effectLst>
+                          <a:latin typeface="Cambria Math" panose="02040503050406030204" pitchFamily="18" charset="0"/>
+                        </a:rPr>
+                        <m:t>−</m:t>
+                      </m:r>
+                      <m:r>
+                        <a:rPr lang="en-US" altLang="ja-JP" sz="1400" b="0" i="1" dirty="0" smtClean="0">
+                          <a:effectLst>
+                            <a:glow rad="127000">
+                              <a:schemeClr val="bg1"/>
+                            </a:glow>
+                          </a:effectLst>
+                          <a:latin typeface="Cambria Math" panose="02040503050406030204" pitchFamily="18" charset="0"/>
+                        </a:rPr>
+                        <m:t>𝛿</m:t>
+                      </m:r>
+                    </m:oMath>
+                  </m:oMathPara>
+                </a14:m>
+                <a:endParaRPr lang="en-US" altLang="ja-JP" sz="1400" dirty="0">
+                  <a:effectLst>
+                    <a:glow rad="127000">
+                      <a:schemeClr val="bg1"/>
+                    </a:glow>
+                  </a:effectLst>
+                </a:endParaRPr>
+              </a:p>
+            </p:txBody>
+          </p:sp>
+        </mc:Choice>
+        <mc:Fallback xmlns="">
+          <p:sp>
+            <p:nvSpPr>
+              <p:cNvPr id="17" name="テキスト ボックス 16">
+                <a:extLst>
+                  <a:ext uri="{FF2B5EF4-FFF2-40B4-BE49-F238E27FC236}">
+                    <a16:creationId xmlns:a16="http://schemas.microsoft.com/office/drawing/2014/main" id="{B789262C-CC4B-42CD-35D6-BE9B5E79844F}"/>
+                  </a:ext>
+                </a:extLst>
+              </p:cNvPr>
+              <p:cNvSpPr txBox="1">
+                <a:spLocks noRot="1" noChangeAspect="1" noMove="1" noResize="1" noEditPoints="1" noAdjustHandles="1" noChangeArrowheads="1" noChangeShapeType="1" noTextEdit="1"/>
+              </p:cNvSpPr>
+              <p:nvPr/>
+            </p:nvSpPr>
+            <p:spPr>
+              <a:xfrm>
+                <a:off x="9047708" y="4282678"/>
+                <a:ext cx="352530" cy="307777"/>
+              </a:xfrm>
+              <a:prstGeom prst="rect">
+                <a:avLst/>
+              </a:prstGeom>
+              <a:blipFill>
+                <a:blip r:embed="rId12"/>
+                <a:stretch>
+                  <a:fillRect l="-8621" r="-6897" b="-4000"/>
+                </a:stretch>
+              </a:blipFill>
+              <a:effectLst/>
+            </p:spPr>
+            <p:txBody>
+              <a:bodyPr/>
+              <a:lstStyle/>
+              <a:p>
+                <a:r>
+                  <a:rPr lang="ja-JP" altLang="en-US">
+                    <a:noFill/>
+                  </a:rPr>
+                  <a:t> </a:t>
+                </a:r>
+              </a:p>
+            </p:txBody>
+          </p:sp>
+        </mc:Fallback>
+      </mc:AlternateContent>
+      <mc:AlternateContent xmlns:mc="http://schemas.openxmlformats.org/markup-compatibility/2006" xmlns:a14="http://schemas.microsoft.com/office/drawing/2010/main">
+        <mc:Choice Requires="a14">
+          <p:sp>
+            <p:nvSpPr>
+              <p:cNvPr id="29" name="テキスト ボックス 28">
+                <a:extLst>
+                  <a:ext uri="{FF2B5EF4-FFF2-40B4-BE49-F238E27FC236}">
+                    <a16:creationId xmlns:a16="http://schemas.microsoft.com/office/drawing/2014/main" id="{5597E721-5197-7A31-83CD-8F87138D64B2}"/>
+                  </a:ext>
+                </a:extLst>
+              </p:cNvPr>
+              <p:cNvSpPr txBox="1"/>
+              <p:nvPr/>
+            </p:nvSpPr>
+            <p:spPr>
+              <a:xfrm>
+                <a:off x="10403346" y="4052488"/>
+                <a:ext cx="352530" cy="307777"/>
+              </a:xfrm>
+              <a:prstGeom prst="rect">
+                <a:avLst/>
+              </a:prstGeom>
+              <a:noFill/>
+              <a:effectLst/>
+            </p:spPr>
+            <p:txBody>
+              <a:bodyPr wrap="square" rtlCol="0">
+                <a:spAutoFit/>
+              </a:bodyPr>
+              <a:lstStyle/>
+              <a:p>
+                <a:pPr algn="ctr"/>
+                <a14:m>
+                  <m:oMathPara xmlns:m="http://schemas.openxmlformats.org/officeDocument/2006/math">
+                    <m:oMathParaPr>
+                      <m:jc m:val="centerGroup"/>
+                    </m:oMathParaPr>
+                    <m:oMath xmlns:m="http://schemas.openxmlformats.org/officeDocument/2006/math">
+                      <m:r>
+                        <a:rPr lang="en-US" altLang="ja-JP" sz="1400" i="1" dirty="0">
+                          <a:effectLst>
+                            <a:glow rad="127000">
+                              <a:schemeClr val="bg1"/>
+                            </a:glow>
+                          </a:effectLst>
+                          <a:latin typeface="Cambria Math" panose="02040503050406030204" pitchFamily="18" charset="0"/>
+                        </a:rPr>
+                        <m:t>+</m:t>
+                      </m:r>
+                      <m:r>
+                        <a:rPr lang="en-US" altLang="ja-JP" sz="1400" b="0" i="1" dirty="0" smtClean="0">
+                          <a:effectLst>
+                            <a:glow rad="127000">
+                              <a:schemeClr val="bg1"/>
+                            </a:glow>
+                          </a:effectLst>
+                          <a:latin typeface="Cambria Math" panose="02040503050406030204" pitchFamily="18" charset="0"/>
+                        </a:rPr>
+                        <m:t>𝛿</m:t>
+                      </m:r>
+                    </m:oMath>
+                  </m:oMathPara>
+                </a14:m>
+                <a:endParaRPr lang="en-US" altLang="ja-JP" sz="1400" dirty="0">
+                  <a:effectLst>
+                    <a:glow rad="127000">
+                      <a:schemeClr val="bg1"/>
+                    </a:glow>
+                  </a:effectLst>
+                </a:endParaRPr>
+              </a:p>
+            </p:txBody>
+          </p:sp>
+        </mc:Choice>
+        <mc:Fallback xmlns="">
+          <p:sp>
+            <p:nvSpPr>
+              <p:cNvPr id="29" name="テキスト ボックス 28">
+                <a:extLst>
+                  <a:ext uri="{FF2B5EF4-FFF2-40B4-BE49-F238E27FC236}">
+                    <a16:creationId xmlns:a16="http://schemas.microsoft.com/office/drawing/2014/main" id="{5597E721-5197-7A31-83CD-8F87138D64B2}"/>
+                  </a:ext>
+                </a:extLst>
+              </p:cNvPr>
+              <p:cNvSpPr txBox="1">
+                <a:spLocks noRot="1" noChangeAspect="1" noMove="1" noResize="1" noEditPoints="1" noAdjustHandles="1" noChangeArrowheads="1" noChangeShapeType="1" noTextEdit="1"/>
+              </p:cNvSpPr>
+              <p:nvPr/>
+            </p:nvSpPr>
+            <p:spPr>
+              <a:xfrm>
+                <a:off x="10403346" y="4052488"/>
+                <a:ext cx="352530" cy="307777"/>
+              </a:xfrm>
+              <a:prstGeom prst="rect">
+                <a:avLst/>
+              </a:prstGeom>
+              <a:blipFill>
+                <a:blip r:embed="rId13"/>
+                <a:stretch>
+                  <a:fillRect l="-19298" r="-7018" b="-4000"/>
+                </a:stretch>
+              </a:blipFill>
+              <a:effectLst/>
+            </p:spPr>
+            <p:txBody>
+              <a:bodyPr/>
+              <a:lstStyle/>
+              <a:p>
+                <a:r>
+                  <a:rPr lang="ja-JP" altLang="en-US">
+                    <a:noFill/>
+                  </a:rPr>
+                  <a:t> </a:t>
+                </a:r>
+              </a:p>
+            </p:txBody>
+          </p:sp>
+        </mc:Fallback>
+      </mc:AlternateContent>
+      <mc:AlternateContent xmlns:mc="http://schemas.openxmlformats.org/markup-compatibility/2006" xmlns:a14="http://schemas.microsoft.com/office/drawing/2010/main">
+        <mc:Choice Requires="a14">
+          <p:sp>
+            <p:nvSpPr>
+              <p:cNvPr id="31" name="テキスト ボックス 30">
+                <a:extLst>
+                  <a:ext uri="{FF2B5EF4-FFF2-40B4-BE49-F238E27FC236}">
+                    <a16:creationId xmlns:a16="http://schemas.microsoft.com/office/drawing/2014/main" id="{D137AA13-A02B-4182-4A6A-2845CD173D4A}"/>
+                  </a:ext>
+                </a:extLst>
+              </p:cNvPr>
+              <p:cNvSpPr txBox="1"/>
+              <p:nvPr/>
+            </p:nvSpPr>
+            <p:spPr>
+              <a:xfrm>
+                <a:off x="10512764" y="4936855"/>
+                <a:ext cx="352530" cy="307777"/>
+              </a:xfrm>
+              <a:prstGeom prst="rect">
+                <a:avLst/>
+              </a:prstGeom>
+              <a:noFill/>
+              <a:effectLst/>
+            </p:spPr>
+            <p:txBody>
+              <a:bodyPr wrap="square" rtlCol="0">
+                <a:spAutoFit/>
+              </a:bodyPr>
+              <a:lstStyle/>
+              <a:p>
+                <a:pPr algn="ctr"/>
+                <a14:m>
+                  <m:oMathPara xmlns:m="http://schemas.openxmlformats.org/officeDocument/2006/math">
+                    <m:oMathParaPr>
+                      <m:jc m:val="centerGroup"/>
+                    </m:oMathParaPr>
+                    <m:oMath xmlns:m="http://schemas.openxmlformats.org/officeDocument/2006/math">
+                      <m:r>
+                        <a:rPr lang="en-US" altLang="ja-JP" sz="1400" b="0" i="1" dirty="0" smtClean="0">
+                          <a:effectLst>
+                            <a:glow rad="127000">
+                              <a:schemeClr val="bg1"/>
+                            </a:glow>
+                          </a:effectLst>
+                          <a:latin typeface="Cambria Math" panose="02040503050406030204" pitchFamily="18" charset="0"/>
+                        </a:rPr>
+                        <m:t>−</m:t>
+                      </m:r>
+                      <m:r>
+                        <a:rPr lang="en-US" altLang="ja-JP" sz="1400" b="0" i="1" dirty="0" smtClean="0">
+                          <a:effectLst>
+                            <a:glow rad="127000">
+                              <a:schemeClr val="bg1"/>
+                            </a:glow>
+                          </a:effectLst>
+                          <a:latin typeface="Cambria Math" panose="02040503050406030204" pitchFamily="18" charset="0"/>
+                        </a:rPr>
+                        <m:t>𝛿</m:t>
+                      </m:r>
+                    </m:oMath>
+                  </m:oMathPara>
+                </a14:m>
+                <a:endParaRPr lang="en-US" altLang="ja-JP" sz="1400" dirty="0">
+                  <a:effectLst>
+                    <a:glow rad="127000">
+                      <a:schemeClr val="bg1"/>
+                    </a:glow>
+                  </a:effectLst>
+                </a:endParaRPr>
+              </a:p>
+            </p:txBody>
+          </p:sp>
+        </mc:Choice>
+        <mc:Fallback xmlns="">
+          <p:sp>
+            <p:nvSpPr>
+              <p:cNvPr id="31" name="テキスト ボックス 30">
+                <a:extLst>
+                  <a:ext uri="{FF2B5EF4-FFF2-40B4-BE49-F238E27FC236}">
+                    <a16:creationId xmlns:a16="http://schemas.microsoft.com/office/drawing/2014/main" id="{D137AA13-A02B-4182-4A6A-2845CD173D4A}"/>
+                  </a:ext>
+                </a:extLst>
+              </p:cNvPr>
+              <p:cNvSpPr txBox="1">
+                <a:spLocks noRot="1" noChangeAspect="1" noMove="1" noResize="1" noEditPoints="1" noAdjustHandles="1" noChangeArrowheads="1" noChangeShapeType="1" noTextEdit="1"/>
+              </p:cNvSpPr>
+              <p:nvPr/>
+            </p:nvSpPr>
+            <p:spPr>
+              <a:xfrm>
+                <a:off x="10512764" y="4936855"/>
+                <a:ext cx="352530" cy="307777"/>
+              </a:xfrm>
+              <a:prstGeom prst="rect">
+                <a:avLst/>
+              </a:prstGeom>
+              <a:blipFill>
+                <a:blip r:embed="rId14"/>
+                <a:stretch>
+                  <a:fillRect l="-10526" r="-7018" b="-4000"/>
+                </a:stretch>
+              </a:blipFill>
+              <a:effectLst/>
+            </p:spPr>
+            <p:txBody>
+              <a:bodyPr/>
+              <a:lstStyle/>
+              <a:p>
+                <a:r>
+                  <a:rPr lang="ja-JP" altLang="en-US">
+                    <a:noFill/>
+                  </a:rPr>
+                  <a:t> </a:t>
+                </a:r>
+              </a:p>
+            </p:txBody>
+          </p:sp>
+        </mc:Fallback>
+      </mc:AlternateContent>
+      <mc:AlternateContent xmlns:mc="http://schemas.openxmlformats.org/markup-compatibility/2006" xmlns:a14="http://schemas.microsoft.com/office/drawing/2010/main">
+        <mc:Choice Requires="a14">
+          <p:sp>
+            <p:nvSpPr>
+              <p:cNvPr id="35" name="テキスト ボックス 34">
+                <a:extLst>
+                  <a:ext uri="{FF2B5EF4-FFF2-40B4-BE49-F238E27FC236}">
+                    <a16:creationId xmlns:a16="http://schemas.microsoft.com/office/drawing/2014/main" id="{3C47B4B5-D929-11C9-4576-554109819752}"/>
+                  </a:ext>
+                </a:extLst>
+              </p:cNvPr>
+              <p:cNvSpPr txBox="1"/>
+              <p:nvPr/>
+            </p:nvSpPr>
+            <p:spPr>
+              <a:xfrm>
+                <a:off x="9898301" y="4384173"/>
+                <a:ext cx="352530" cy="307777"/>
+              </a:xfrm>
+              <a:prstGeom prst="rect">
+                <a:avLst/>
+              </a:prstGeom>
+              <a:noFill/>
+              <a:effectLst/>
+            </p:spPr>
+            <p:txBody>
+              <a:bodyPr wrap="square" rtlCol="0">
+                <a:spAutoFit/>
+              </a:bodyPr>
+              <a:lstStyle/>
+              <a:p>
+                <a:pPr algn="ctr"/>
+                <a14:m>
+                  <m:oMathPara xmlns:m="http://schemas.openxmlformats.org/officeDocument/2006/math">
+                    <m:oMathParaPr>
+                      <m:jc m:val="centerGroup"/>
+                    </m:oMathParaPr>
+                    <m:oMath xmlns:m="http://schemas.openxmlformats.org/officeDocument/2006/math">
+                      <m:r>
+                        <a:rPr lang="en-US" altLang="ja-JP" sz="1400" i="1" dirty="0">
+                          <a:effectLst>
+                            <a:glow rad="127000">
+                              <a:schemeClr val="bg1"/>
+                            </a:glow>
+                          </a:effectLst>
+                          <a:latin typeface="Cambria Math" panose="02040503050406030204" pitchFamily="18" charset="0"/>
+                        </a:rPr>
+                        <m:t>+</m:t>
+                      </m:r>
+                      <m:r>
+                        <a:rPr lang="en-US" altLang="ja-JP" sz="1400" b="0" i="1" dirty="0" smtClean="0">
+                          <a:effectLst>
+                            <a:glow rad="127000">
+                              <a:schemeClr val="bg1"/>
+                            </a:glow>
+                          </a:effectLst>
+                          <a:latin typeface="Cambria Math" panose="02040503050406030204" pitchFamily="18" charset="0"/>
+                        </a:rPr>
+                        <m:t>𝛿</m:t>
+                      </m:r>
+                    </m:oMath>
+                  </m:oMathPara>
+                </a14:m>
+                <a:endParaRPr lang="en-US" altLang="ja-JP" sz="1400" dirty="0">
+                  <a:effectLst>
+                    <a:glow rad="127000">
+                      <a:schemeClr val="bg1"/>
+                    </a:glow>
+                  </a:effectLst>
+                </a:endParaRPr>
+              </a:p>
+            </p:txBody>
+          </p:sp>
+        </mc:Choice>
+        <mc:Fallback xmlns="">
+          <p:sp>
+            <p:nvSpPr>
+              <p:cNvPr id="35" name="テキスト ボックス 34">
+                <a:extLst>
+                  <a:ext uri="{FF2B5EF4-FFF2-40B4-BE49-F238E27FC236}">
+                    <a16:creationId xmlns:a16="http://schemas.microsoft.com/office/drawing/2014/main" id="{3C47B4B5-D929-11C9-4576-554109819752}"/>
+                  </a:ext>
+                </a:extLst>
+              </p:cNvPr>
+              <p:cNvSpPr txBox="1">
+                <a:spLocks noRot="1" noChangeAspect="1" noMove="1" noResize="1" noEditPoints="1" noAdjustHandles="1" noChangeArrowheads="1" noChangeShapeType="1" noTextEdit="1"/>
+              </p:cNvSpPr>
+              <p:nvPr/>
+            </p:nvSpPr>
+            <p:spPr>
+              <a:xfrm>
+                <a:off x="9898301" y="4384173"/>
+                <a:ext cx="352530" cy="307777"/>
+              </a:xfrm>
+              <a:prstGeom prst="rect">
+                <a:avLst/>
+              </a:prstGeom>
+              <a:blipFill>
+                <a:blip r:embed="rId15"/>
+                <a:stretch>
+                  <a:fillRect l="-17241" r="-6897" b="-1961"/>
+                </a:stretch>
+              </a:blipFill>
+              <a:effectLst/>
+            </p:spPr>
+            <p:txBody>
+              <a:bodyPr/>
+              <a:lstStyle/>
+              <a:p>
+                <a:r>
+                  <a:rPr lang="ja-JP" altLang="en-US">
+                    <a:noFill/>
+                  </a:rPr>
+                  <a:t> </a:t>
+                </a:r>
+              </a:p>
+            </p:txBody>
+          </p:sp>
+        </mc:Fallback>
+      </mc:AlternateContent>
+      <mc:AlternateContent xmlns:mc="http://schemas.openxmlformats.org/markup-compatibility/2006" xmlns:a14="http://schemas.microsoft.com/office/drawing/2010/main">
+        <mc:Choice Requires="a14">
+          <p:sp>
+            <p:nvSpPr>
+              <p:cNvPr id="36" name="テキスト ボックス 35">
+                <a:extLst>
+                  <a:ext uri="{FF2B5EF4-FFF2-40B4-BE49-F238E27FC236}">
+                    <a16:creationId xmlns:a16="http://schemas.microsoft.com/office/drawing/2014/main" id="{1C3C793F-D251-D18F-2640-CAEFA69D61DB}"/>
+                  </a:ext>
+                </a:extLst>
+              </p:cNvPr>
+              <p:cNvSpPr txBox="1"/>
+              <p:nvPr/>
+            </p:nvSpPr>
+            <p:spPr>
+              <a:xfrm>
+                <a:off x="8553374" y="4282678"/>
+                <a:ext cx="352530" cy="307777"/>
+              </a:xfrm>
+              <a:prstGeom prst="rect">
+                <a:avLst/>
+              </a:prstGeom>
+              <a:noFill/>
+              <a:effectLst/>
+            </p:spPr>
+            <p:txBody>
+              <a:bodyPr wrap="square" rtlCol="0">
+                <a:spAutoFit/>
+              </a:bodyPr>
+              <a:lstStyle/>
+              <a:p>
+                <a:pPr algn="ctr"/>
+                <a14:m>
+                  <m:oMathPara xmlns:m="http://schemas.openxmlformats.org/officeDocument/2006/math">
+                    <m:oMathParaPr>
+                      <m:jc m:val="centerGroup"/>
+                    </m:oMathParaPr>
+                    <m:oMath xmlns:m="http://schemas.openxmlformats.org/officeDocument/2006/math">
+                      <m:r>
+                        <a:rPr lang="en-US" altLang="ja-JP" sz="1400" i="1" dirty="0">
+                          <a:effectLst>
+                            <a:glow rad="127000">
+                              <a:schemeClr val="bg1"/>
+                            </a:glow>
+                          </a:effectLst>
+                          <a:latin typeface="Cambria Math" panose="02040503050406030204" pitchFamily="18" charset="0"/>
+                        </a:rPr>
+                        <m:t>+</m:t>
+                      </m:r>
+                      <m:r>
+                        <a:rPr lang="en-US" altLang="ja-JP" sz="1400" b="0" i="1" dirty="0" smtClean="0">
+                          <a:effectLst>
+                            <a:glow rad="127000">
+                              <a:schemeClr val="bg1"/>
+                            </a:glow>
+                          </a:effectLst>
+                          <a:latin typeface="Cambria Math" panose="02040503050406030204" pitchFamily="18" charset="0"/>
+                        </a:rPr>
+                        <m:t>𝛿</m:t>
+                      </m:r>
+                    </m:oMath>
+                  </m:oMathPara>
+                </a14:m>
+                <a:endParaRPr lang="en-US" altLang="ja-JP" sz="1400" dirty="0">
+                  <a:effectLst>
+                    <a:glow rad="127000">
+                      <a:schemeClr val="bg1"/>
+                    </a:glow>
+                  </a:effectLst>
+                </a:endParaRPr>
+              </a:p>
+            </p:txBody>
+          </p:sp>
+        </mc:Choice>
+        <mc:Fallback xmlns="">
+          <p:sp>
+            <p:nvSpPr>
+              <p:cNvPr id="36" name="テキスト ボックス 35">
+                <a:extLst>
+                  <a:ext uri="{FF2B5EF4-FFF2-40B4-BE49-F238E27FC236}">
+                    <a16:creationId xmlns:a16="http://schemas.microsoft.com/office/drawing/2014/main" id="{1C3C793F-D251-D18F-2640-CAEFA69D61DB}"/>
+                  </a:ext>
+                </a:extLst>
+              </p:cNvPr>
+              <p:cNvSpPr txBox="1">
+                <a:spLocks noRot="1" noChangeAspect="1" noMove="1" noResize="1" noEditPoints="1" noAdjustHandles="1" noChangeArrowheads="1" noChangeShapeType="1" noTextEdit="1"/>
+              </p:cNvSpPr>
+              <p:nvPr/>
+            </p:nvSpPr>
+            <p:spPr>
+              <a:xfrm>
+                <a:off x="8553374" y="4282678"/>
+                <a:ext cx="352530" cy="307777"/>
+              </a:xfrm>
+              <a:prstGeom prst="rect">
+                <a:avLst/>
+              </a:prstGeom>
+              <a:blipFill>
+                <a:blip r:embed="rId16"/>
+                <a:stretch>
+                  <a:fillRect l="-17241" r="-6897" b="-4000"/>
+                </a:stretch>
+              </a:blipFill>
+              <a:effectLst/>
+            </p:spPr>
+            <p:txBody>
+              <a:bodyPr/>
+              <a:lstStyle/>
+              <a:p>
+                <a:r>
+                  <a:rPr lang="ja-JP" altLang="en-US">
+                    <a:noFill/>
+                  </a:rPr>
+                  <a:t> </a:t>
+                </a:r>
+              </a:p>
+            </p:txBody>
+          </p:sp>
+        </mc:Fallback>
+      </mc:AlternateContent>
+      <p:pic>
+        <p:nvPicPr>
+          <p:cNvPr id="42" name="図 41">
+            <a:extLst>
+              <a:ext uri="{FF2B5EF4-FFF2-40B4-BE49-F238E27FC236}">
+                <a16:creationId xmlns:a16="http://schemas.microsoft.com/office/drawing/2014/main" id="{FF93A66A-994A-BC89-4DB6-0D04EF5EDD5E}"/>
+              </a:ext>
+            </a:extLst>
+          </p:cNvPr>
+          <p:cNvPicPr>
+            <a:picLocks noChangeAspect="1"/>
+          </p:cNvPicPr>
+          <p:nvPr/>
+        </p:nvPicPr>
+        <p:blipFill>
+          <a:blip r:embed="rId17">
+            <a:extLst>
+              <a:ext uri="{28A0092B-C50C-407E-A947-70E740481C1C}">
+                <a14:useLocalDpi xmlns:a14="http://schemas.microsoft.com/office/drawing/2010/main" val="0"/>
+              </a:ext>
+            </a:extLst>
+          </a:blip>
+          <a:stretch>
+            <a:fillRect/>
+          </a:stretch>
+        </p:blipFill>
+        <p:spPr>
+          <a:xfrm>
+            <a:off x="916795" y="4065397"/>
+            <a:ext cx="6075000" cy="2700000"/>
+          </a:xfrm>
+          <a:prstGeom prst="rect">
+            <a:avLst/>
+          </a:prstGeom>
+        </p:spPr>
+      </p:pic>
+    </p:spTree>
+    <p:extLst>
+      <p:ext uri="{BB962C8B-B14F-4D97-AF65-F5344CB8AC3E}">
+        <p14:creationId xmlns:p14="http://schemas.microsoft.com/office/powerpoint/2010/main" val="3630156678"/>
       </p:ext>
     </p:extLst>
   </p:cSld>
